--- a/images/theory_analysis/Raft_Consensus_Algorithm/Raft_Consensus_Algorithm.pptx
+++ b/images/theory_analysis/Raft_Consensus_Algorithm/Raft_Consensus_Algorithm.pptx
@@ -5,14 +5,18 @@
     <p:sldMasterId id="2147483648" r:id="rId1"/>
   </p:sldMasterIdLst>
   <p:notesMasterIdLst>
-    <p:notesMasterId r:id="rId7"/>
+    <p:notesMasterId r:id="rId11"/>
   </p:notesMasterIdLst>
   <p:sldIdLst>
     <p:sldId id="362" r:id="rId2"/>
     <p:sldId id="364" r:id="rId3"/>
-    <p:sldId id="363" r:id="rId4"/>
-    <p:sldId id="366" r:id="rId5"/>
-    <p:sldId id="365" r:id="rId6"/>
+    <p:sldId id="368" r:id="rId4"/>
+    <p:sldId id="363" r:id="rId5"/>
+    <p:sldId id="367" r:id="rId6"/>
+    <p:sldId id="370" r:id="rId7"/>
+    <p:sldId id="369" r:id="rId8"/>
+    <p:sldId id="366" r:id="rId9"/>
+    <p:sldId id="365" r:id="rId10"/>
   </p:sldIdLst>
   <p:sldSz cx="9144000" cy="5143500" type="screen16x9"/>
   <p:notesSz cx="6858000" cy="9144000"/>
@@ -217,7 +221,7 @@
           <a:p>
             <a:fld id="{6CD5550B-26C4-49A9-A5BA-636EF7BE6CE9}" type="datetimeFigureOut">
               <a:rPr lang="ko-KR" altLang="en-US" smtClean="0"/>
-              <a:t>2021-01-20</a:t>
+              <a:t>2021-01-21</a:t>
             </a:fld>
             <a:endParaRPr lang="ko-KR" altLang="en-US"/>
           </a:p>
@@ -663,7 +667,7 @@
           <a:p>
             <a:fld id="{FB30EDBD-1C2D-4C1E-B459-B60219FAB484}" type="datetimeFigureOut">
               <a:rPr lang="ko-KR" altLang="en-US" smtClean="0"/>
-              <a:t>2021-01-20</a:t>
+              <a:t>2021-01-21</a:t>
             </a:fld>
             <a:endParaRPr lang="ko-KR" altLang="en-US"/>
           </a:p>
@@ -826,7 +830,7 @@
           <a:p>
             <a:fld id="{FB30EDBD-1C2D-4C1E-B459-B60219FAB484}" type="datetimeFigureOut">
               <a:rPr lang="ko-KR" altLang="en-US" smtClean="0"/>
-              <a:t>2021-01-20</a:t>
+              <a:t>2021-01-21</a:t>
             </a:fld>
             <a:endParaRPr lang="ko-KR" altLang="en-US"/>
           </a:p>
@@ -999,7 +1003,7 @@
           <a:p>
             <a:fld id="{FB30EDBD-1C2D-4C1E-B459-B60219FAB484}" type="datetimeFigureOut">
               <a:rPr lang="ko-KR" altLang="en-US" smtClean="0"/>
-              <a:t>2021-01-20</a:t>
+              <a:t>2021-01-21</a:t>
             </a:fld>
             <a:endParaRPr lang="ko-KR" altLang="en-US"/>
           </a:p>
@@ -1162,7 +1166,7 @@
           <a:p>
             <a:fld id="{FB30EDBD-1C2D-4C1E-B459-B60219FAB484}" type="datetimeFigureOut">
               <a:rPr lang="ko-KR" altLang="en-US" smtClean="0"/>
-              <a:t>2021-01-20</a:t>
+              <a:t>2021-01-21</a:t>
             </a:fld>
             <a:endParaRPr lang="ko-KR" altLang="en-US"/>
           </a:p>
@@ -1402,7 +1406,7 @@
           <a:p>
             <a:fld id="{FB30EDBD-1C2D-4C1E-B459-B60219FAB484}" type="datetimeFigureOut">
               <a:rPr lang="ko-KR" altLang="en-US" smtClean="0"/>
-              <a:t>2021-01-20</a:t>
+              <a:t>2021-01-21</a:t>
             </a:fld>
             <a:endParaRPr lang="ko-KR" altLang="en-US"/>
           </a:p>
@@ -1682,7 +1686,7 @@
           <a:p>
             <a:fld id="{FB30EDBD-1C2D-4C1E-B459-B60219FAB484}" type="datetimeFigureOut">
               <a:rPr lang="ko-KR" altLang="en-US" smtClean="0"/>
-              <a:t>2021-01-20</a:t>
+              <a:t>2021-01-21</a:t>
             </a:fld>
             <a:endParaRPr lang="ko-KR" altLang="en-US"/>
           </a:p>
@@ -2096,7 +2100,7 @@
           <a:p>
             <a:fld id="{FB30EDBD-1C2D-4C1E-B459-B60219FAB484}" type="datetimeFigureOut">
               <a:rPr lang="ko-KR" altLang="en-US" smtClean="0"/>
-              <a:t>2021-01-20</a:t>
+              <a:t>2021-01-21</a:t>
             </a:fld>
             <a:endParaRPr lang="ko-KR" altLang="en-US"/>
           </a:p>
@@ -2208,7 +2212,7 @@
           <a:p>
             <a:fld id="{FB30EDBD-1C2D-4C1E-B459-B60219FAB484}" type="datetimeFigureOut">
               <a:rPr lang="ko-KR" altLang="en-US" smtClean="0"/>
-              <a:t>2021-01-20</a:t>
+              <a:t>2021-01-21</a:t>
             </a:fld>
             <a:endParaRPr lang="ko-KR" altLang="en-US"/>
           </a:p>
@@ -2298,7 +2302,7 @@
           <a:p>
             <a:fld id="{FB30EDBD-1C2D-4C1E-B459-B60219FAB484}" type="datetimeFigureOut">
               <a:rPr lang="ko-KR" altLang="en-US" smtClean="0"/>
-              <a:t>2021-01-20</a:t>
+              <a:t>2021-01-21</a:t>
             </a:fld>
             <a:endParaRPr lang="ko-KR" altLang="en-US"/>
           </a:p>
@@ -2568,7 +2572,7 @@
           <a:p>
             <a:fld id="{FB30EDBD-1C2D-4C1E-B459-B60219FAB484}" type="datetimeFigureOut">
               <a:rPr lang="ko-KR" altLang="en-US" smtClean="0"/>
-              <a:t>2021-01-20</a:t>
+              <a:t>2021-01-21</a:t>
             </a:fld>
             <a:endParaRPr lang="ko-KR" altLang="en-US"/>
           </a:p>
@@ -2815,7 +2819,7 @@
           <a:p>
             <a:fld id="{FB30EDBD-1C2D-4C1E-B459-B60219FAB484}" type="datetimeFigureOut">
               <a:rPr lang="ko-KR" altLang="en-US" smtClean="0"/>
-              <a:t>2021-01-20</a:t>
+              <a:t>2021-01-21</a:t>
             </a:fld>
             <a:endParaRPr lang="ko-KR" altLang="en-US"/>
           </a:p>
@@ -3021,7 +3025,7 @@
           <a:p>
             <a:fld id="{FB30EDBD-1C2D-4C1E-B459-B60219FAB484}" type="datetimeFigureOut">
               <a:rPr lang="ko-KR" altLang="en-US" smtClean="0"/>
-              <a:t>2021-01-20</a:t>
+              <a:t>2021-01-21</a:t>
             </a:fld>
             <a:endParaRPr lang="ko-KR" altLang="en-US"/>
           </a:p>
@@ -6149,7 +6153,7 @@
           <p:nvPr>
             <p:extLst>
               <p:ext uri="{D42A27DB-BD31-4B8C-83A1-F6EECF244321}">
-                <p14:modId xmlns:p14="http://schemas.microsoft.com/office/powerpoint/2010/main" val="934791998"/>
+                <p14:modId xmlns:p14="http://schemas.microsoft.com/office/powerpoint/2010/main" val="1579118667"/>
               </p:ext>
             </p:extLst>
           </p:nvPr>
@@ -6188,10 +6192,10 @@
                     <a:p>
                       <a:pPr algn="ctr" latinLnBrk="1"/>
                       <a:r>
-                        <a:rPr lang="en-US" altLang="ko-KR" sz="1600"/>
+                        <a:rPr lang="en-US" altLang="ko-KR" sz="1600" b="1"/>
                         <a:t>Server Count</a:t>
                       </a:r>
-                      <a:endParaRPr lang="ko-KR" altLang="en-US" sz="1600"/>
+                      <a:endParaRPr lang="ko-KR" altLang="en-US" sz="1600" b="1"/>
                     </a:p>
                   </a:txBody>
                   <a:tcPr/>
@@ -6203,10 +6207,10 @@
                     <a:p>
                       <a:pPr algn="ctr" latinLnBrk="1"/>
                       <a:r>
-                        <a:rPr lang="en-US" altLang="ko-KR" sz="1600"/>
+                        <a:rPr lang="en-US" altLang="ko-KR" sz="1600" b="1"/>
                         <a:t>Quorum</a:t>
                       </a:r>
-                      <a:endParaRPr lang="ko-KR" altLang="en-US" sz="1600"/>
+                      <a:endParaRPr lang="ko-KR" altLang="en-US" sz="1600" b="1"/>
                     </a:p>
                   </a:txBody>
                   <a:tcPr/>
@@ -6531,14 +6535,879 @@
           <a:bodyPr/>
           <a:lstStyle/>
           <a:p>
+            <a:r>
+              <a:rPr lang="en-US" altLang="ko-KR"/>
+              <a:t>Term</a:t>
+            </a:r>
             <a:endParaRPr lang="ko-KR" altLang="en-US"/>
+          </a:p>
+        </p:txBody>
+      </p:sp>
+      <p:sp>
+        <p:nvSpPr>
+          <p:cNvPr id="6" name="직사각형 5">
+            <a:extLst>
+              <a:ext uri="{FF2B5EF4-FFF2-40B4-BE49-F238E27FC236}">
+                <a16:creationId xmlns:a16="http://schemas.microsoft.com/office/drawing/2014/main" id="{8B6679EA-897E-4550-B486-4117057C31E5}"/>
+              </a:ext>
+            </a:extLst>
+          </p:cNvPr>
+          <p:cNvSpPr/>
+          <p:nvPr/>
+        </p:nvSpPr>
+        <p:spPr>
+          <a:xfrm>
+            <a:off x="2339752" y="2609850"/>
+            <a:ext cx="288032" cy="360040"/>
+          </a:xfrm>
+          <a:prstGeom prst="rect">
+            <a:avLst/>
+          </a:prstGeom>
+        </p:spPr>
+        <p:style>
+          <a:lnRef idx="2">
+            <a:schemeClr val="dk1"/>
+          </a:lnRef>
+          <a:fillRef idx="1">
+            <a:schemeClr val="lt1"/>
+          </a:fillRef>
+          <a:effectRef idx="0">
+            <a:schemeClr val="dk1"/>
+          </a:effectRef>
+          <a:fontRef idx="minor">
+            <a:schemeClr val="dk1"/>
+          </a:fontRef>
+        </p:style>
+        <p:txBody>
+          <a:bodyPr rtlCol="0" anchor="ctr"/>
+          <a:lstStyle/>
+          <a:p>
+            <a:pPr algn="ctr"/>
+            <a:endParaRPr lang="ko-KR" altLang="en-US"/>
+          </a:p>
+        </p:txBody>
+      </p:sp>
+      <p:sp>
+        <p:nvSpPr>
+          <p:cNvPr id="19" name="직사각형 18">
+            <a:extLst>
+              <a:ext uri="{FF2B5EF4-FFF2-40B4-BE49-F238E27FC236}">
+                <a16:creationId xmlns:a16="http://schemas.microsoft.com/office/drawing/2014/main" id="{6240241C-B8E2-4864-86E2-2FCD15F25E4D}"/>
+              </a:ext>
+            </a:extLst>
+          </p:cNvPr>
+          <p:cNvSpPr/>
+          <p:nvPr/>
+        </p:nvSpPr>
+        <p:spPr>
+          <a:xfrm>
+            <a:off x="2627784" y="2609850"/>
+            <a:ext cx="1152128" cy="360040"/>
+          </a:xfrm>
+          <a:prstGeom prst="rect">
+            <a:avLst/>
+          </a:prstGeom>
+          <a:solidFill>
+            <a:schemeClr val="tx1"/>
+          </a:solidFill>
+        </p:spPr>
+        <p:style>
+          <a:lnRef idx="2">
+            <a:schemeClr val="dk1"/>
+          </a:lnRef>
+          <a:fillRef idx="1">
+            <a:schemeClr val="lt1"/>
+          </a:fillRef>
+          <a:effectRef idx="0">
+            <a:schemeClr val="dk1"/>
+          </a:effectRef>
+          <a:fontRef idx="minor">
+            <a:schemeClr val="dk1"/>
+          </a:fontRef>
+        </p:style>
+        <p:txBody>
+          <a:bodyPr rtlCol="0" anchor="ctr"/>
+          <a:lstStyle/>
+          <a:p>
+            <a:pPr algn="ctr"/>
+            <a:endParaRPr lang="ko-KR" altLang="en-US"/>
+          </a:p>
+        </p:txBody>
+      </p:sp>
+      <p:sp>
+        <p:nvSpPr>
+          <p:cNvPr id="21" name="직사각형 20">
+            <a:extLst>
+              <a:ext uri="{FF2B5EF4-FFF2-40B4-BE49-F238E27FC236}">
+                <a16:creationId xmlns:a16="http://schemas.microsoft.com/office/drawing/2014/main" id="{9C8714C8-4C10-44CB-B44F-9620F8F6F6DC}"/>
+              </a:ext>
+            </a:extLst>
+          </p:cNvPr>
+          <p:cNvSpPr/>
+          <p:nvPr/>
+        </p:nvSpPr>
+        <p:spPr>
+          <a:xfrm>
+            <a:off x="3923928" y="2609850"/>
+            <a:ext cx="326713" cy="360040"/>
+          </a:xfrm>
+          <a:prstGeom prst="rect">
+            <a:avLst/>
+          </a:prstGeom>
+        </p:spPr>
+        <p:style>
+          <a:lnRef idx="2">
+            <a:schemeClr val="dk1"/>
+          </a:lnRef>
+          <a:fillRef idx="1">
+            <a:schemeClr val="lt1"/>
+          </a:fillRef>
+          <a:effectRef idx="0">
+            <a:schemeClr val="dk1"/>
+          </a:effectRef>
+          <a:fontRef idx="minor">
+            <a:schemeClr val="dk1"/>
+          </a:fontRef>
+        </p:style>
+        <p:txBody>
+          <a:bodyPr rtlCol="0" anchor="ctr"/>
+          <a:lstStyle/>
+          <a:p>
+            <a:pPr algn="ctr"/>
+            <a:endParaRPr lang="ko-KR" altLang="en-US"/>
+          </a:p>
+        </p:txBody>
+      </p:sp>
+      <p:sp>
+        <p:nvSpPr>
+          <p:cNvPr id="23" name="직사각형 22">
+            <a:extLst>
+              <a:ext uri="{FF2B5EF4-FFF2-40B4-BE49-F238E27FC236}">
+                <a16:creationId xmlns:a16="http://schemas.microsoft.com/office/drawing/2014/main" id="{42754196-DC2A-41E0-99E0-47C4668EC509}"/>
+              </a:ext>
+            </a:extLst>
+          </p:cNvPr>
+          <p:cNvSpPr/>
+          <p:nvPr/>
+        </p:nvSpPr>
+        <p:spPr>
+          <a:xfrm>
+            <a:off x="4256080" y="2609850"/>
+            <a:ext cx="459936" cy="360040"/>
+          </a:xfrm>
+          <a:prstGeom prst="rect">
+            <a:avLst/>
+          </a:prstGeom>
+          <a:solidFill>
+            <a:schemeClr val="tx1"/>
+          </a:solidFill>
+        </p:spPr>
+        <p:style>
+          <a:lnRef idx="2">
+            <a:schemeClr val="dk1"/>
+          </a:lnRef>
+          <a:fillRef idx="1">
+            <a:schemeClr val="lt1"/>
+          </a:fillRef>
+          <a:effectRef idx="0">
+            <a:schemeClr val="dk1"/>
+          </a:effectRef>
+          <a:fontRef idx="minor">
+            <a:schemeClr val="dk1"/>
+          </a:fontRef>
+        </p:style>
+        <p:txBody>
+          <a:bodyPr rtlCol="0" anchor="ctr"/>
+          <a:lstStyle/>
+          <a:p>
+            <a:pPr algn="ctr"/>
+            <a:endParaRPr lang="ko-KR" altLang="en-US"/>
+          </a:p>
+        </p:txBody>
+      </p:sp>
+      <p:sp>
+        <p:nvSpPr>
+          <p:cNvPr id="24" name="직사각형 23">
+            <a:extLst>
+              <a:ext uri="{FF2B5EF4-FFF2-40B4-BE49-F238E27FC236}">
+                <a16:creationId xmlns:a16="http://schemas.microsoft.com/office/drawing/2014/main" id="{3356CFD3-B559-4C81-9839-DB6B55880AE8}"/>
+              </a:ext>
+            </a:extLst>
+          </p:cNvPr>
+          <p:cNvSpPr/>
+          <p:nvPr/>
+        </p:nvSpPr>
+        <p:spPr>
+          <a:xfrm>
+            <a:off x="4860032" y="2609850"/>
+            <a:ext cx="360039" cy="360040"/>
+          </a:xfrm>
+          <a:prstGeom prst="rect">
+            <a:avLst/>
+          </a:prstGeom>
+        </p:spPr>
+        <p:style>
+          <a:lnRef idx="2">
+            <a:schemeClr val="dk1"/>
+          </a:lnRef>
+          <a:fillRef idx="1">
+            <a:schemeClr val="lt1"/>
+          </a:fillRef>
+          <a:effectRef idx="0">
+            <a:schemeClr val="dk1"/>
+          </a:effectRef>
+          <a:fontRef idx="minor">
+            <a:schemeClr val="dk1"/>
+          </a:fontRef>
+        </p:style>
+        <p:txBody>
+          <a:bodyPr rtlCol="0" anchor="ctr"/>
+          <a:lstStyle/>
+          <a:p>
+            <a:pPr algn="ctr"/>
+            <a:endParaRPr lang="ko-KR" altLang="en-US"/>
+          </a:p>
+        </p:txBody>
+      </p:sp>
+      <p:sp>
+        <p:nvSpPr>
+          <p:cNvPr id="25" name="직사각형 24">
+            <a:extLst>
+              <a:ext uri="{FF2B5EF4-FFF2-40B4-BE49-F238E27FC236}">
+                <a16:creationId xmlns:a16="http://schemas.microsoft.com/office/drawing/2014/main" id="{AA4E894B-CCFA-406C-ACDA-714D40C9F9A8}"/>
+              </a:ext>
+            </a:extLst>
+          </p:cNvPr>
+          <p:cNvSpPr/>
+          <p:nvPr/>
+        </p:nvSpPr>
+        <p:spPr>
+          <a:xfrm>
+            <a:off x="5364088" y="2609850"/>
+            <a:ext cx="156478" cy="360040"/>
+          </a:xfrm>
+          <a:prstGeom prst="rect">
+            <a:avLst/>
+          </a:prstGeom>
+        </p:spPr>
+        <p:style>
+          <a:lnRef idx="2">
+            <a:schemeClr val="dk1"/>
+          </a:lnRef>
+          <a:fillRef idx="1">
+            <a:schemeClr val="lt1"/>
+          </a:fillRef>
+          <a:effectRef idx="0">
+            <a:schemeClr val="dk1"/>
+          </a:effectRef>
+          <a:fontRef idx="minor">
+            <a:schemeClr val="dk1"/>
+          </a:fontRef>
+        </p:style>
+        <p:txBody>
+          <a:bodyPr rtlCol="0" anchor="ctr"/>
+          <a:lstStyle/>
+          <a:p>
+            <a:pPr algn="ctr"/>
+            <a:endParaRPr lang="ko-KR" altLang="en-US"/>
+          </a:p>
+        </p:txBody>
+      </p:sp>
+      <p:sp>
+        <p:nvSpPr>
+          <p:cNvPr id="26" name="직사각형 25">
+            <a:extLst>
+              <a:ext uri="{FF2B5EF4-FFF2-40B4-BE49-F238E27FC236}">
+                <a16:creationId xmlns:a16="http://schemas.microsoft.com/office/drawing/2014/main" id="{35DD577B-93DA-4106-86A2-B1B0EC15D48C}"/>
+              </a:ext>
+            </a:extLst>
+          </p:cNvPr>
+          <p:cNvSpPr/>
+          <p:nvPr/>
+        </p:nvSpPr>
+        <p:spPr>
+          <a:xfrm>
+            <a:off x="5520566" y="2609850"/>
+            <a:ext cx="1139666" cy="360040"/>
+          </a:xfrm>
+          <a:prstGeom prst="rect">
+            <a:avLst/>
+          </a:prstGeom>
+          <a:solidFill>
+            <a:schemeClr val="tx1"/>
+          </a:solidFill>
+        </p:spPr>
+        <p:style>
+          <a:lnRef idx="2">
+            <a:schemeClr val="dk1"/>
+          </a:lnRef>
+          <a:fillRef idx="1">
+            <a:schemeClr val="lt1"/>
+          </a:fillRef>
+          <a:effectRef idx="0">
+            <a:schemeClr val="dk1"/>
+          </a:effectRef>
+          <a:fontRef idx="minor">
+            <a:schemeClr val="dk1"/>
+          </a:fontRef>
+        </p:style>
+        <p:txBody>
+          <a:bodyPr rtlCol="0" anchor="ctr"/>
+          <a:lstStyle/>
+          <a:p>
+            <a:pPr algn="ctr"/>
+            <a:endParaRPr lang="ko-KR" altLang="en-US"/>
+          </a:p>
+        </p:txBody>
+      </p:sp>
+      <p:cxnSp>
+        <p:nvCxnSpPr>
+          <p:cNvPr id="28" name="직선 화살표 연결선 27">
+            <a:extLst>
+              <a:ext uri="{FF2B5EF4-FFF2-40B4-BE49-F238E27FC236}">
+                <a16:creationId xmlns:a16="http://schemas.microsoft.com/office/drawing/2014/main" id="{DC74A520-9DB1-4E2C-A91C-C7A4E5FC122F}"/>
+              </a:ext>
+            </a:extLst>
+          </p:cNvPr>
+          <p:cNvCxnSpPr>
+            <a:cxnSpLocks/>
+          </p:cNvCxnSpPr>
+          <p:nvPr/>
+        </p:nvCxnSpPr>
+        <p:spPr>
+          <a:xfrm>
+            <a:off x="2123728" y="3113906"/>
+            <a:ext cx="5112568" cy="14163"/>
+          </a:xfrm>
+          <a:prstGeom prst="straightConnector1">
+            <a:avLst/>
+          </a:prstGeom>
+          <a:ln w="19050">
+            <a:solidFill>
+              <a:schemeClr val="tx1"/>
+            </a:solidFill>
+            <a:headEnd type="none" w="med" len="med"/>
+            <a:tailEnd type="arrow" w="med" len="med"/>
+          </a:ln>
+        </p:spPr>
+        <p:style>
+          <a:lnRef idx="1">
+            <a:schemeClr val="accent1"/>
+          </a:lnRef>
+          <a:fillRef idx="0">
+            <a:schemeClr val="accent1"/>
+          </a:fillRef>
+          <a:effectRef idx="0">
+            <a:schemeClr val="accent1"/>
+          </a:effectRef>
+          <a:fontRef idx="minor">
+            <a:schemeClr val="tx1"/>
+          </a:fontRef>
+        </p:style>
+      </p:cxnSp>
+      <p:sp>
+        <p:nvSpPr>
+          <p:cNvPr id="31" name="TextBox 30">
+            <a:extLst>
+              <a:ext uri="{FF2B5EF4-FFF2-40B4-BE49-F238E27FC236}">
+                <a16:creationId xmlns:a16="http://schemas.microsoft.com/office/drawing/2014/main" id="{4CBE0E20-CD0B-4F41-A4B2-E7D808FC8F39}"/>
+              </a:ext>
+            </a:extLst>
+          </p:cNvPr>
+          <p:cNvSpPr txBox="1"/>
+          <p:nvPr/>
+        </p:nvSpPr>
+        <p:spPr>
+          <a:xfrm>
+            <a:off x="2732877" y="2288219"/>
+            <a:ext cx="741421" cy="307777"/>
+          </a:xfrm>
+          <a:prstGeom prst="rect">
+            <a:avLst/>
+          </a:prstGeom>
+          <a:noFill/>
+        </p:spPr>
+        <p:txBody>
+          <a:bodyPr wrap="none" rtlCol="0">
+            <a:spAutoFit/>
+          </a:bodyPr>
+          <a:lstStyle/>
+          <a:p>
+            <a:r>
+              <a:rPr lang="en-US" altLang="ko-KR" sz="1400"/>
+              <a:t>Term 1</a:t>
+            </a:r>
+            <a:endParaRPr lang="ko-KR" altLang="en-US" sz="1400"/>
+          </a:p>
+        </p:txBody>
+      </p:sp>
+      <p:sp>
+        <p:nvSpPr>
+          <p:cNvPr id="32" name="TextBox 31">
+            <a:extLst>
+              <a:ext uri="{FF2B5EF4-FFF2-40B4-BE49-F238E27FC236}">
+                <a16:creationId xmlns:a16="http://schemas.microsoft.com/office/drawing/2014/main" id="{077A41CC-C98A-4F91-8446-2F101F7F874A}"/>
+              </a:ext>
+            </a:extLst>
+          </p:cNvPr>
+          <p:cNvSpPr txBox="1"/>
+          <p:nvPr/>
+        </p:nvSpPr>
+        <p:spPr>
+          <a:xfrm>
+            <a:off x="3954677" y="2288219"/>
+            <a:ext cx="741421" cy="307777"/>
+          </a:xfrm>
+          <a:prstGeom prst="rect">
+            <a:avLst/>
+          </a:prstGeom>
+          <a:noFill/>
+        </p:spPr>
+        <p:txBody>
+          <a:bodyPr wrap="none" rtlCol="0">
+            <a:spAutoFit/>
+          </a:bodyPr>
+          <a:lstStyle/>
+          <a:p>
+            <a:r>
+              <a:rPr lang="en-US" altLang="ko-KR" sz="1400"/>
+              <a:t>Term 2</a:t>
+            </a:r>
+            <a:endParaRPr lang="ko-KR" altLang="en-US" sz="1400"/>
+          </a:p>
+        </p:txBody>
+      </p:sp>
+      <p:sp>
+        <p:nvSpPr>
+          <p:cNvPr id="33" name="TextBox 32">
+            <a:extLst>
+              <a:ext uri="{FF2B5EF4-FFF2-40B4-BE49-F238E27FC236}">
+                <a16:creationId xmlns:a16="http://schemas.microsoft.com/office/drawing/2014/main" id="{A70031E5-8CBD-4794-8B32-6498DB439B2A}"/>
+              </a:ext>
+            </a:extLst>
+          </p:cNvPr>
+          <p:cNvSpPr txBox="1"/>
+          <p:nvPr/>
+        </p:nvSpPr>
+        <p:spPr>
+          <a:xfrm>
+            <a:off x="4672093" y="2288219"/>
+            <a:ext cx="741421" cy="307777"/>
+          </a:xfrm>
+          <a:prstGeom prst="rect">
+            <a:avLst/>
+          </a:prstGeom>
+          <a:noFill/>
+        </p:spPr>
+        <p:txBody>
+          <a:bodyPr wrap="none" rtlCol="0">
+            <a:spAutoFit/>
+          </a:bodyPr>
+          <a:lstStyle/>
+          <a:p>
+            <a:r>
+              <a:rPr lang="en-US" altLang="ko-KR" sz="1400"/>
+              <a:t>Term 3</a:t>
+            </a:r>
+            <a:endParaRPr lang="ko-KR" altLang="en-US" sz="1400"/>
+          </a:p>
+        </p:txBody>
+      </p:sp>
+      <p:sp>
+        <p:nvSpPr>
+          <p:cNvPr id="34" name="TextBox 33">
+            <a:extLst>
+              <a:ext uri="{FF2B5EF4-FFF2-40B4-BE49-F238E27FC236}">
+                <a16:creationId xmlns:a16="http://schemas.microsoft.com/office/drawing/2014/main" id="{A52630B5-4635-42C4-B595-B8F5732C099A}"/>
+              </a:ext>
+            </a:extLst>
+          </p:cNvPr>
+          <p:cNvSpPr txBox="1"/>
+          <p:nvPr/>
+        </p:nvSpPr>
+        <p:spPr>
+          <a:xfrm>
+            <a:off x="5629062" y="2288219"/>
+            <a:ext cx="741421" cy="307777"/>
+          </a:xfrm>
+          <a:prstGeom prst="rect">
+            <a:avLst/>
+          </a:prstGeom>
+          <a:noFill/>
+        </p:spPr>
+        <p:txBody>
+          <a:bodyPr wrap="none" rtlCol="0">
+            <a:spAutoFit/>
+          </a:bodyPr>
+          <a:lstStyle/>
+          <a:p>
+            <a:r>
+              <a:rPr lang="en-US" altLang="ko-KR" sz="1400"/>
+              <a:t>Term 4</a:t>
+            </a:r>
+            <a:endParaRPr lang="ko-KR" altLang="en-US" sz="1400"/>
+          </a:p>
+        </p:txBody>
+      </p:sp>
+      <p:sp>
+        <p:nvSpPr>
+          <p:cNvPr id="37" name="TextBox 36">
+            <a:extLst>
+              <a:ext uri="{FF2B5EF4-FFF2-40B4-BE49-F238E27FC236}">
+                <a16:creationId xmlns:a16="http://schemas.microsoft.com/office/drawing/2014/main" id="{D3E17358-B90F-4549-894A-90F662502DB3}"/>
+              </a:ext>
+            </a:extLst>
+          </p:cNvPr>
+          <p:cNvSpPr txBox="1"/>
+          <p:nvPr/>
+        </p:nvSpPr>
+        <p:spPr>
+          <a:xfrm>
+            <a:off x="4239166" y="3128069"/>
+            <a:ext cx="580608" cy="307777"/>
+          </a:xfrm>
+          <a:prstGeom prst="rect">
+            <a:avLst/>
+          </a:prstGeom>
+          <a:noFill/>
+        </p:spPr>
+        <p:txBody>
+          <a:bodyPr wrap="none" rtlCol="0">
+            <a:spAutoFit/>
+          </a:bodyPr>
+          <a:lstStyle/>
+          <a:p>
+            <a:r>
+              <a:rPr lang="en-US" altLang="ko-KR" sz="1400"/>
+              <a:t>Time</a:t>
+            </a:r>
+            <a:endParaRPr lang="ko-KR" altLang="en-US" sz="1400"/>
+          </a:p>
+        </p:txBody>
+      </p:sp>
+      <p:sp>
+        <p:nvSpPr>
+          <p:cNvPr id="39" name="타원 38">
+            <a:extLst>
+              <a:ext uri="{FF2B5EF4-FFF2-40B4-BE49-F238E27FC236}">
+                <a16:creationId xmlns:a16="http://schemas.microsoft.com/office/drawing/2014/main" id="{85F4FA81-E93D-4605-AC0C-6D5C2636C86D}"/>
+              </a:ext>
+            </a:extLst>
+          </p:cNvPr>
+          <p:cNvSpPr/>
+          <p:nvPr/>
+        </p:nvSpPr>
+        <p:spPr>
+          <a:xfrm>
+            <a:off x="6740511" y="2749674"/>
+            <a:ext cx="72008" cy="72008"/>
+          </a:xfrm>
+          <a:prstGeom prst="ellipse">
+            <a:avLst/>
+          </a:prstGeom>
+          <a:solidFill>
+            <a:schemeClr val="tx1"/>
+          </a:solidFill>
+          <a:ln>
+            <a:noFill/>
+          </a:ln>
+        </p:spPr>
+        <p:style>
+          <a:lnRef idx="2">
+            <a:schemeClr val="accent1">
+              <a:shade val="50000"/>
+            </a:schemeClr>
+          </a:lnRef>
+          <a:fillRef idx="1">
+            <a:schemeClr val="accent1"/>
+          </a:fillRef>
+          <a:effectRef idx="0">
+            <a:schemeClr val="accent1"/>
+          </a:effectRef>
+          <a:fontRef idx="minor">
+            <a:schemeClr val="lt1"/>
+          </a:fontRef>
+        </p:style>
+        <p:txBody>
+          <a:bodyPr rtlCol="0" anchor="ctr"/>
+          <a:lstStyle/>
+          <a:p>
+            <a:pPr algn="ctr"/>
+            <a:endParaRPr lang="ko-KR" altLang="en-US" sz="1400"/>
+          </a:p>
+        </p:txBody>
+      </p:sp>
+      <p:sp>
+        <p:nvSpPr>
+          <p:cNvPr id="40" name="타원 39">
+            <a:extLst>
+              <a:ext uri="{FF2B5EF4-FFF2-40B4-BE49-F238E27FC236}">
+                <a16:creationId xmlns:a16="http://schemas.microsoft.com/office/drawing/2014/main" id="{28A18F6E-EA37-450A-85CF-F89751A99818}"/>
+              </a:ext>
+            </a:extLst>
+          </p:cNvPr>
+          <p:cNvSpPr/>
+          <p:nvPr/>
+        </p:nvSpPr>
+        <p:spPr>
+          <a:xfrm>
+            <a:off x="6863793" y="2749674"/>
+            <a:ext cx="72008" cy="72008"/>
+          </a:xfrm>
+          <a:prstGeom prst="ellipse">
+            <a:avLst/>
+          </a:prstGeom>
+          <a:solidFill>
+            <a:schemeClr val="tx1"/>
+          </a:solidFill>
+          <a:ln>
+            <a:noFill/>
+          </a:ln>
+        </p:spPr>
+        <p:style>
+          <a:lnRef idx="2">
+            <a:schemeClr val="accent1">
+              <a:shade val="50000"/>
+            </a:schemeClr>
+          </a:lnRef>
+          <a:fillRef idx="1">
+            <a:schemeClr val="accent1"/>
+          </a:fillRef>
+          <a:effectRef idx="0">
+            <a:schemeClr val="accent1"/>
+          </a:effectRef>
+          <a:fontRef idx="minor">
+            <a:schemeClr val="lt1"/>
+          </a:fontRef>
+        </p:style>
+        <p:txBody>
+          <a:bodyPr rtlCol="0" anchor="ctr"/>
+          <a:lstStyle/>
+          <a:p>
+            <a:pPr algn="ctr"/>
+            <a:endParaRPr lang="ko-KR" altLang="en-US" sz="1400"/>
+          </a:p>
+        </p:txBody>
+      </p:sp>
+      <p:sp>
+        <p:nvSpPr>
+          <p:cNvPr id="41" name="타원 40">
+            <a:extLst>
+              <a:ext uri="{FF2B5EF4-FFF2-40B4-BE49-F238E27FC236}">
+                <a16:creationId xmlns:a16="http://schemas.microsoft.com/office/drawing/2014/main" id="{D2F36027-FDC4-4299-B60C-CEF63B4D1D63}"/>
+              </a:ext>
+            </a:extLst>
+          </p:cNvPr>
+          <p:cNvSpPr/>
+          <p:nvPr/>
+        </p:nvSpPr>
+        <p:spPr>
+          <a:xfrm>
+            <a:off x="6982172" y="2749674"/>
+            <a:ext cx="72008" cy="72008"/>
+          </a:xfrm>
+          <a:prstGeom prst="ellipse">
+            <a:avLst/>
+          </a:prstGeom>
+          <a:solidFill>
+            <a:schemeClr val="tx1"/>
+          </a:solidFill>
+          <a:ln>
+            <a:noFill/>
+          </a:ln>
+        </p:spPr>
+        <p:style>
+          <a:lnRef idx="2">
+            <a:schemeClr val="accent1">
+              <a:shade val="50000"/>
+            </a:schemeClr>
+          </a:lnRef>
+          <a:fillRef idx="1">
+            <a:schemeClr val="accent1"/>
+          </a:fillRef>
+          <a:effectRef idx="0">
+            <a:schemeClr val="accent1"/>
+          </a:effectRef>
+          <a:fontRef idx="minor">
+            <a:schemeClr val="lt1"/>
+          </a:fontRef>
+        </p:style>
+        <p:txBody>
+          <a:bodyPr rtlCol="0" anchor="ctr"/>
+          <a:lstStyle/>
+          <a:p>
+            <a:pPr algn="ctr"/>
+            <a:endParaRPr lang="ko-KR" altLang="en-US" sz="1400"/>
+          </a:p>
+        </p:txBody>
+      </p:sp>
+      <p:sp>
+        <p:nvSpPr>
+          <p:cNvPr id="43" name="직사각형 42">
+            <a:extLst>
+              <a:ext uri="{FF2B5EF4-FFF2-40B4-BE49-F238E27FC236}">
+                <a16:creationId xmlns:a16="http://schemas.microsoft.com/office/drawing/2014/main" id="{08FD110D-6B87-4620-9920-5A696D77B942}"/>
+              </a:ext>
+            </a:extLst>
+          </p:cNvPr>
+          <p:cNvSpPr/>
+          <p:nvPr/>
+        </p:nvSpPr>
+        <p:spPr>
+          <a:xfrm>
+            <a:off x="2898179" y="2001204"/>
+            <a:ext cx="288032" cy="189437"/>
+          </a:xfrm>
+          <a:prstGeom prst="rect">
+            <a:avLst/>
+          </a:prstGeom>
+        </p:spPr>
+        <p:style>
+          <a:lnRef idx="2">
+            <a:schemeClr val="dk1"/>
+          </a:lnRef>
+          <a:fillRef idx="1">
+            <a:schemeClr val="lt1"/>
+          </a:fillRef>
+          <a:effectRef idx="0">
+            <a:schemeClr val="dk1"/>
+          </a:effectRef>
+          <a:fontRef idx="minor">
+            <a:schemeClr val="dk1"/>
+          </a:fontRef>
+        </p:style>
+        <p:txBody>
+          <a:bodyPr rtlCol="0" anchor="ctr"/>
+          <a:lstStyle/>
+          <a:p>
+            <a:pPr algn="ctr"/>
+            <a:endParaRPr lang="ko-KR" altLang="en-US"/>
+          </a:p>
+        </p:txBody>
+      </p:sp>
+      <p:sp>
+        <p:nvSpPr>
+          <p:cNvPr id="44" name="직사각형 43">
+            <a:extLst>
+              <a:ext uri="{FF2B5EF4-FFF2-40B4-BE49-F238E27FC236}">
+                <a16:creationId xmlns:a16="http://schemas.microsoft.com/office/drawing/2014/main" id="{146DA404-22D5-4D2B-B975-03DF6D6D5D69}"/>
+              </a:ext>
+            </a:extLst>
+          </p:cNvPr>
+          <p:cNvSpPr/>
+          <p:nvPr/>
+        </p:nvSpPr>
+        <p:spPr>
+          <a:xfrm>
+            <a:off x="4665052" y="1996982"/>
+            <a:ext cx="288032" cy="189437"/>
+          </a:xfrm>
+          <a:prstGeom prst="rect">
+            <a:avLst/>
+          </a:prstGeom>
+          <a:solidFill>
+            <a:schemeClr val="tx1"/>
+          </a:solidFill>
+        </p:spPr>
+        <p:style>
+          <a:lnRef idx="2">
+            <a:schemeClr val="dk1"/>
+          </a:lnRef>
+          <a:fillRef idx="1">
+            <a:schemeClr val="lt1"/>
+          </a:fillRef>
+          <a:effectRef idx="0">
+            <a:schemeClr val="dk1"/>
+          </a:effectRef>
+          <a:fontRef idx="minor">
+            <a:schemeClr val="dk1"/>
+          </a:fontRef>
+        </p:style>
+        <p:txBody>
+          <a:bodyPr rtlCol="0" anchor="ctr"/>
+          <a:lstStyle/>
+          <a:p>
+            <a:pPr algn="ctr"/>
+            <a:endParaRPr lang="ko-KR" altLang="en-US"/>
+          </a:p>
+        </p:txBody>
+      </p:sp>
+      <p:sp>
+        <p:nvSpPr>
+          <p:cNvPr id="45" name="TextBox 44">
+            <a:extLst>
+              <a:ext uri="{FF2B5EF4-FFF2-40B4-BE49-F238E27FC236}">
+                <a16:creationId xmlns:a16="http://schemas.microsoft.com/office/drawing/2014/main" id="{A6FFDC22-FCA3-4C30-80A9-E669F217401A}"/>
+              </a:ext>
+            </a:extLst>
+          </p:cNvPr>
+          <p:cNvSpPr txBox="1"/>
+          <p:nvPr/>
+        </p:nvSpPr>
+        <p:spPr>
+          <a:xfrm>
+            <a:off x="3154708" y="1942033"/>
+            <a:ext cx="1281120" cy="307777"/>
+          </a:xfrm>
+          <a:prstGeom prst="rect">
+            <a:avLst/>
+          </a:prstGeom>
+          <a:noFill/>
+        </p:spPr>
+        <p:txBody>
+          <a:bodyPr wrap="none" rtlCol="0">
+            <a:spAutoFit/>
+          </a:bodyPr>
+          <a:lstStyle/>
+          <a:p>
+            <a:r>
+              <a:rPr lang="en-US" altLang="ko-KR" sz="1400"/>
+              <a:t>Election Time</a:t>
+            </a:r>
+            <a:endParaRPr lang="ko-KR" altLang="en-US" sz="1400"/>
+          </a:p>
+        </p:txBody>
+      </p:sp>
+      <p:sp>
+        <p:nvSpPr>
+          <p:cNvPr id="46" name="TextBox 45">
+            <a:extLst>
+              <a:ext uri="{FF2B5EF4-FFF2-40B4-BE49-F238E27FC236}">
+                <a16:creationId xmlns:a16="http://schemas.microsoft.com/office/drawing/2014/main" id="{CE1A6E22-D3B3-453A-8B62-A9229CF41669}"/>
+              </a:ext>
+            </a:extLst>
+          </p:cNvPr>
+          <p:cNvSpPr txBox="1"/>
+          <p:nvPr/>
+        </p:nvSpPr>
+        <p:spPr>
+          <a:xfrm>
+            <a:off x="4914980" y="1932507"/>
+            <a:ext cx="1671933" cy="307777"/>
+          </a:xfrm>
+          <a:prstGeom prst="rect">
+            <a:avLst/>
+          </a:prstGeom>
+          <a:noFill/>
+        </p:spPr>
+        <p:txBody>
+          <a:bodyPr wrap="none" rtlCol="0">
+            <a:spAutoFit/>
+          </a:bodyPr>
+          <a:lstStyle/>
+          <a:p>
+            <a:r>
+              <a:rPr lang="en-US" altLang="ko-KR" sz="1400"/>
+              <a:t>Normal Operation</a:t>
+            </a:r>
+            <a:endParaRPr lang="ko-KR" altLang="en-US" sz="1400"/>
           </a:p>
         </p:txBody>
       </p:sp>
     </p:spTree>
     <p:extLst>
       <p:ext uri="{BB962C8B-B14F-4D97-AF65-F5344CB8AC3E}">
-        <p14:creationId xmlns:p14="http://schemas.microsoft.com/office/powerpoint/2010/main" val="2884966709"/>
+        <p14:creationId xmlns:p14="http://schemas.microsoft.com/office/powerpoint/2010/main" val="2430654880"/>
       </p:ext>
     </p:extLst>
   </p:cSld>
@@ -6570,6 +7439,4887 @@
           <p:cNvPr id="2" name="제목 1">
             <a:extLst>
               <a:ext uri="{FF2B5EF4-FFF2-40B4-BE49-F238E27FC236}">
+                <a16:creationId xmlns:a16="http://schemas.microsoft.com/office/drawing/2014/main" id="{344A3EDE-C7F6-4C2A-A31B-DC6855A58373}"/>
+              </a:ext>
+            </a:extLst>
+          </p:cNvPr>
+          <p:cNvSpPr>
+            <a:spLocks noGrp="1"/>
+          </p:cNvSpPr>
+          <p:nvPr>
+            <p:ph type="title"/>
+          </p:nvPr>
+        </p:nvSpPr>
+        <p:spPr/>
+        <p:txBody>
+          <a:bodyPr/>
+          <a:lstStyle/>
+          <a:p>
+            <a:r>
+              <a:rPr lang="en-US" altLang="ko-KR"/>
+              <a:t>Server State</a:t>
+            </a:r>
+            <a:endParaRPr lang="ko-KR" altLang="en-US"/>
+          </a:p>
+        </p:txBody>
+      </p:sp>
+      <p:sp>
+        <p:nvSpPr>
+          <p:cNvPr id="3" name="타원 2">
+            <a:extLst>
+              <a:ext uri="{FF2B5EF4-FFF2-40B4-BE49-F238E27FC236}">
+                <a16:creationId xmlns:a16="http://schemas.microsoft.com/office/drawing/2014/main" id="{5BDDD808-F4CD-4295-8422-6340D1D8CE82}"/>
+              </a:ext>
+            </a:extLst>
+          </p:cNvPr>
+          <p:cNvSpPr/>
+          <p:nvPr/>
+        </p:nvSpPr>
+        <p:spPr>
+          <a:xfrm>
+            <a:off x="4070352" y="2509034"/>
+            <a:ext cx="1584176" cy="720080"/>
+          </a:xfrm>
+          <a:prstGeom prst="ellipse">
+            <a:avLst/>
+          </a:prstGeom>
+        </p:spPr>
+        <p:style>
+          <a:lnRef idx="2">
+            <a:schemeClr val="dk1"/>
+          </a:lnRef>
+          <a:fillRef idx="1">
+            <a:schemeClr val="lt1"/>
+          </a:fillRef>
+          <a:effectRef idx="0">
+            <a:schemeClr val="dk1"/>
+          </a:effectRef>
+          <a:fontRef idx="minor">
+            <a:schemeClr val="dk1"/>
+          </a:fontRef>
+        </p:style>
+        <p:txBody>
+          <a:bodyPr rtlCol="0" anchor="ctr"/>
+          <a:lstStyle/>
+          <a:p>
+            <a:pPr algn="ctr"/>
+            <a:r>
+              <a:rPr lang="en-US" altLang="ko-KR" sz="1600"/>
+              <a:t>Candidate</a:t>
+            </a:r>
+            <a:endParaRPr lang="ko-KR" altLang="en-US" sz="1600"/>
+          </a:p>
+        </p:txBody>
+      </p:sp>
+      <p:sp>
+        <p:nvSpPr>
+          <p:cNvPr id="4" name="타원 3">
+            <a:extLst>
+              <a:ext uri="{FF2B5EF4-FFF2-40B4-BE49-F238E27FC236}">
+                <a16:creationId xmlns:a16="http://schemas.microsoft.com/office/drawing/2014/main" id="{6BD04FAE-3601-4551-97F3-592E8C7184B5}"/>
+              </a:ext>
+            </a:extLst>
+          </p:cNvPr>
+          <p:cNvSpPr/>
+          <p:nvPr/>
+        </p:nvSpPr>
+        <p:spPr>
+          <a:xfrm>
+            <a:off x="1442060" y="2509034"/>
+            <a:ext cx="1584176" cy="720080"/>
+          </a:xfrm>
+          <a:prstGeom prst="ellipse">
+            <a:avLst/>
+          </a:prstGeom>
+        </p:spPr>
+        <p:style>
+          <a:lnRef idx="2">
+            <a:schemeClr val="dk1"/>
+          </a:lnRef>
+          <a:fillRef idx="1">
+            <a:schemeClr val="lt1"/>
+          </a:fillRef>
+          <a:effectRef idx="0">
+            <a:schemeClr val="dk1"/>
+          </a:effectRef>
+          <a:fontRef idx="minor">
+            <a:schemeClr val="dk1"/>
+          </a:fontRef>
+        </p:style>
+        <p:txBody>
+          <a:bodyPr rtlCol="0" anchor="ctr"/>
+          <a:lstStyle/>
+          <a:p>
+            <a:pPr algn="ctr"/>
+            <a:r>
+              <a:rPr lang="en-US" altLang="ko-KR" sz="1600"/>
+              <a:t>Follower</a:t>
+            </a:r>
+            <a:endParaRPr lang="ko-KR" altLang="en-US" sz="1600"/>
+          </a:p>
+        </p:txBody>
+      </p:sp>
+      <p:sp>
+        <p:nvSpPr>
+          <p:cNvPr id="5" name="타원 4">
+            <a:extLst>
+              <a:ext uri="{FF2B5EF4-FFF2-40B4-BE49-F238E27FC236}">
+                <a16:creationId xmlns:a16="http://schemas.microsoft.com/office/drawing/2014/main" id="{649973A4-999B-47E3-87E2-A180B10C2DD7}"/>
+              </a:ext>
+            </a:extLst>
+          </p:cNvPr>
+          <p:cNvSpPr/>
+          <p:nvPr/>
+        </p:nvSpPr>
+        <p:spPr>
+          <a:xfrm>
+            <a:off x="6698644" y="2509034"/>
+            <a:ext cx="1584176" cy="720080"/>
+          </a:xfrm>
+          <a:prstGeom prst="ellipse">
+            <a:avLst/>
+          </a:prstGeom>
+        </p:spPr>
+        <p:style>
+          <a:lnRef idx="2">
+            <a:schemeClr val="dk1"/>
+          </a:lnRef>
+          <a:fillRef idx="1">
+            <a:schemeClr val="lt1"/>
+          </a:fillRef>
+          <a:effectRef idx="0">
+            <a:schemeClr val="dk1"/>
+          </a:effectRef>
+          <a:fontRef idx="minor">
+            <a:schemeClr val="dk1"/>
+          </a:fontRef>
+        </p:style>
+        <p:txBody>
+          <a:bodyPr rtlCol="0" anchor="ctr"/>
+          <a:lstStyle/>
+          <a:p>
+            <a:pPr algn="ctr"/>
+            <a:r>
+              <a:rPr lang="en-US" altLang="ko-KR" sz="1600"/>
+              <a:t>Leader</a:t>
+            </a:r>
+            <a:endParaRPr lang="ko-KR" altLang="en-US" sz="1600"/>
+          </a:p>
+        </p:txBody>
+      </p:sp>
+      <p:cxnSp>
+        <p:nvCxnSpPr>
+          <p:cNvPr id="8" name="연결선: 구부러짐 7">
+            <a:extLst>
+              <a:ext uri="{FF2B5EF4-FFF2-40B4-BE49-F238E27FC236}">
+                <a16:creationId xmlns:a16="http://schemas.microsoft.com/office/drawing/2014/main" id="{504AAFF8-1297-4F78-BF21-4657F9746AC8}"/>
+              </a:ext>
+            </a:extLst>
+          </p:cNvPr>
+          <p:cNvCxnSpPr>
+            <a:cxnSpLocks/>
+            <a:stCxn id="4" idx="7"/>
+            <a:endCxn id="3" idx="1"/>
+          </p:cNvCxnSpPr>
+          <p:nvPr/>
+        </p:nvCxnSpPr>
+        <p:spPr>
+          <a:xfrm rot="5400000" flipH="1" flipV="1">
+            <a:off x="3548294" y="1860432"/>
+            <a:ext cx="12700" cy="1508110"/>
+          </a:xfrm>
+          <a:prstGeom prst="curvedConnector3">
+            <a:avLst>
+              <a:gd name="adj1" fmla="val 2630339"/>
+            </a:avLst>
+          </a:prstGeom>
+          <a:ln w="19050">
+            <a:solidFill>
+              <a:schemeClr val="tx1"/>
+            </a:solidFill>
+            <a:prstDash val="solid"/>
+            <a:headEnd type="none" w="med" len="med"/>
+            <a:tailEnd type="arrow" w="med" len="med"/>
+          </a:ln>
+        </p:spPr>
+        <p:style>
+          <a:lnRef idx="1">
+            <a:schemeClr val="accent1"/>
+          </a:lnRef>
+          <a:fillRef idx="0">
+            <a:schemeClr val="accent1"/>
+          </a:fillRef>
+          <a:effectRef idx="0">
+            <a:schemeClr val="accent1"/>
+          </a:effectRef>
+          <a:fontRef idx="minor">
+            <a:schemeClr val="tx1"/>
+          </a:fontRef>
+        </p:style>
+      </p:cxnSp>
+      <p:cxnSp>
+        <p:nvCxnSpPr>
+          <p:cNvPr id="10" name="연결선: 구부러짐 9">
+            <a:extLst>
+              <a:ext uri="{FF2B5EF4-FFF2-40B4-BE49-F238E27FC236}">
+                <a16:creationId xmlns:a16="http://schemas.microsoft.com/office/drawing/2014/main" id="{938362EB-4E73-455E-99DC-D769D03BB652}"/>
+              </a:ext>
+            </a:extLst>
+          </p:cNvPr>
+          <p:cNvCxnSpPr>
+            <a:cxnSpLocks/>
+            <a:stCxn id="3" idx="7"/>
+            <a:endCxn id="5" idx="1"/>
+          </p:cNvCxnSpPr>
+          <p:nvPr/>
+        </p:nvCxnSpPr>
+        <p:spPr>
+          <a:xfrm rot="5400000" flipH="1" flipV="1">
+            <a:off x="6176586" y="1860432"/>
+            <a:ext cx="12700" cy="1508110"/>
+          </a:xfrm>
+          <a:prstGeom prst="curvedConnector3">
+            <a:avLst>
+              <a:gd name="adj1" fmla="val 2630339"/>
+            </a:avLst>
+          </a:prstGeom>
+          <a:ln w="19050">
+            <a:solidFill>
+              <a:schemeClr val="tx1"/>
+            </a:solidFill>
+            <a:prstDash val="solid"/>
+            <a:headEnd type="none" w="med" len="med"/>
+            <a:tailEnd type="arrow" w="med" len="med"/>
+          </a:ln>
+        </p:spPr>
+        <p:style>
+          <a:lnRef idx="1">
+            <a:schemeClr val="accent1"/>
+          </a:lnRef>
+          <a:fillRef idx="0">
+            <a:schemeClr val="accent1"/>
+          </a:fillRef>
+          <a:effectRef idx="0">
+            <a:schemeClr val="accent1"/>
+          </a:effectRef>
+          <a:fontRef idx="minor">
+            <a:schemeClr val="tx1"/>
+          </a:fontRef>
+        </p:style>
+      </p:cxnSp>
+      <p:cxnSp>
+        <p:nvCxnSpPr>
+          <p:cNvPr id="13" name="연결선: 구부러짐 12">
+            <a:extLst>
+              <a:ext uri="{FF2B5EF4-FFF2-40B4-BE49-F238E27FC236}">
+                <a16:creationId xmlns:a16="http://schemas.microsoft.com/office/drawing/2014/main" id="{4F5DE45E-39E2-4879-A250-4D953F55CAA7}"/>
+              </a:ext>
+            </a:extLst>
+          </p:cNvPr>
+          <p:cNvCxnSpPr>
+            <a:cxnSpLocks/>
+            <a:stCxn id="5" idx="4"/>
+            <a:endCxn id="4" idx="4"/>
+          </p:cNvCxnSpPr>
+          <p:nvPr/>
+        </p:nvCxnSpPr>
+        <p:spPr>
+          <a:xfrm rot="5400000">
+            <a:off x="4862440" y="600822"/>
+            <a:ext cx="12700" cy="5256584"/>
+          </a:xfrm>
+          <a:prstGeom prst="curvedConnector3">
+            <a:avLst>
+              <a:gd name="adj1" fmla="val 8890906"/>
+            </a:avLst>
+          </a:prstGeom>
+          <a:ln w="19050">
+            <a:solidFill>
+              <a:schemeClr val="tx1"/>
+            </a:solidFill>
+            <a:prstDash val="solid"/>
+            <a:headEnd type="none" w="med" len="med"/>
+            <a:tailEnd type="arrow" w="med" len="med"/>
+          </a:ln>
+        </p:spPr>
+        <p:style>
+          <a:lnRef idx="1">
+            <a:schemeClr val="accent1"/>
+          </a:lnRef>
+          <a:fillRef idx="0">
+            <a:schemeClr val="accent1"/>
+          </a:fillRef>
+          <a:effectRef idx="0">
+            <a:schemeClr val="accent1"/>
+          </a:effectRef>
+          <a:fontRef idx="minor">
+            <a:schemeClr val="tx1"/>
+          </a:fontRef>
+        </p:style>
+      </p:cxnSp>
+      <p:cxnSp>
+        <p:nvCxnSpPr>
+          <p:cNvPr id="16" name="연결선: 구부러짐 15">
+            <a:extLst>
+              <a:ext uri="{FF2B5EF4-FFF2-40B4-BE49-F238E27FC236}">
+                <a16:creationId xmlns:a16="http://schemas.microsoft.com/office/drawing/2014/main" id="{43A15772-E01B-4751-AC84-73D2D5D27D6F}"/>
+              </a:ext>
+            </a:extLst>
+          </p:cNvPr>
+          <p:cNvCxnSpPr>
+            <a:cxnSpLocks/>
+            <a:stCxn id="3" idx="3"/>
+            <a:endCxn id="4" idx="5"/>
+          </p:cNvCxnSpPr>
+          <p:nvPr/>
+        </p:nvCxnSpPr>
+        <p:spPr>
+          <a:xfrm rot="5400000">
+            <a:off x="3548294" y="2369606"/>
+            <a:ext cx="12700" cy="1508110"/>
+          </a:xfrm>
+          <a:prstGeom prst="curvedConnector3">
+            <a:avLst>
+              <a:gd name="adj1" fmla="val 2630339"/>
+            </a:avLst>
+          </a:prstGeom>
+          <a:ln w="19050">
+            <a:solidFill>
+              <a:schemeClr val="tx1"/>
+            </a:solidFill>
+            <a:prstDash val="solid"/>
+            <a:headEnd type="none" w="med" len="med"/>
+            <a:tailEnd type="arrow" w="med" len="med"/>
+          </a:ln>
+        </p:spPr>
+        <p:style>
+          <a:lnRef idx="1">
+            <a:schemeClr val="accent1"/>
+          </a:lnRef>
+          <a:fillRef idx="0">
+            <a:schemeClr val="accent1"/>
+          </a:fillRef>
+          <a:effectRef idx="0">
+            <a:schemeClr val="accent1"/>
+          </a:effectRef>
+          <a:fontRef idx="minor">
+            <a:schemeClr val="tx1"/>
+          </a:fontRef>
+        </p:style>
+      </p:cxnSp>
+      <p:cxnSp>
+        <p:nvCxnSpPr>
+          <p:cNvPr id="20" name="연결선: 구부러짐 19">
+            <a:extLst>
+              <a:ext uri="{FF2B5EF4-FFF2-40B4-BE49-F238E27FC236}">
+                <a16:creationId xmlns:a16="http://schemas.microsoft.com/office/drawing/2014/main" id="{FD8DD68D-1D5C-431A-A3C3-92DF5A739E01}"/>
+              </a:ext>
+            </a:extLst>
+          </p:cNvPr>
+          <p:cNvCxnSpPr>
+            <a:cxnSpLocks/>
+            <a:stCxn id="3" idx="6"/>
+            <a:endCxn id="3" idx="4"/>
+          </p:cNvCxnSpPr>
+          <p:nvPr/>
+        </p:nvCxnSpPr>
+        <p:spPr>
+          <a:xfrm flipH="1">
+            <a:off x="4862440" y="2869074"/>
+            <a:ext cx="792088" cy="360040"/>
+          </a:xfrm>
+          <a:prstGeom prst="curvedConnector4">
+            <a:avLst>
+              <a:gd name="adj1" fmla="val -28860"/>
+              <a:gd name="adj2" fmla="val 163493"/>
+            </a:avLst>
+          </a:prstGeom>
+          <a:ln w="19050">
+            <a:solidFill>
+              <a:schemeClr val="tx1"/>
+            </a:solidFill>
+            <a:prstDash val="solid"/>
+            <a:headEnd type="none" w="med" len="med"/>
+            <a:tailEnd type="arrow" w="med" len="med"/>
+          </a:ln>
+        </p:spPr>
+        <p:style>
+          <a:lnRef idx="1">
+            <a:schemeClr val="accent1"/>
+          </a:lnRef>
+          <a:fillRef idx="0">
+            <a:schemeClr val="accent1"/>
+          </a:fillRef>
+          <a:effectRef idx="0">
+            <a:schemeClr val="accent1"/>
+          </a:effectRef>
+          <a:fontRef idx="minor">
+            <a:schemeClr val="tx1"/>
+          </a:fontRef>
+        </p:style>
+      </p:cxnSp>
+      <p:cxnSp>
+        <p:nvCxnSpPr>
+          <p:cNvPr id="65" name="연결선: 구부러짐 64">
+            <a:extLst>
+              <a:ext uri="{FF2B5EF4-FFF2-40B4-BE49-F238E27FC236}">
+                <a16:creationId xmlns:a16="http://schemas.microsoft.com/office/drawing/2014/main" id="{B71722C2-0923-44C8-BD62-FD16434D1AC6}"/>
+              </a:ext>
+            </a:extLst>
+          </p:cNvPr>
+          <p:cNvCxnSpPr>
+            <a:cxnSpLocks/>
+            <a:endCxn id="4" idx="2"/>
+          </p:cNvCxnSpPr>
+          <p:nvPr/>
+        </p:nvCxnSpPr>
+        <p:spPr>
+          <a:xfrm rot="16200000" flipH="1">
+            <a:off x="1010012" y="2437026"/>
+            <a:ext cx="432048" cy="432048"/>
+          </a:xfrm>
+          <a:prstGeom prst="curvedConnector2">
+            <a:avLst/>
+          </a:prstGeom>
+          <a:ln w="19050">
+            <a:solidFill>
+              <a:schemeClr val="tx1"/>
+            </a:solidFill>
+            <a:prstDash val="solid"/>
+            <a:headEnd type="none" w="med" len="med"/>
+            <a:tailEnd type="arrow" w="med" len="med"/>
+          </a:ln>
+        </p:spPr>
+        <p:style>
+          <a:lnRef idx="1">
+            <a:schemeClr val="accent1"/>
+          </a:lnRef>
+          <a:fillRef idx="0">
+            <a:schemeClr val="accent1"/>
+          </a:fillRef>
+          <a:effectRef idx="0">
+            <a:schemeClr val="accent1"/>
+          </a:effectRef>
+          <a:fontRef idx="minor">
+            <a:schemeClr val="tx1"/>
+          </a:fontRef>
+        </p:style>
+      </p:cxnSp>
+      <p:sp>
+        <p:nvSpPr>
+          <p:cNvPr id="71" name="TextBox 70">
+            <a:extLst>
+              <a:ext uri="{FF2B5EF4-FFF2-40B4-BE49-F238E27FC236}">
+                <a16:creationId xmlns:a16="http://schemas.microsoft.com/office/drawing/2014/main" id="{39944FB5-1E92-4DB1-8568-775DA6AED521}"/>
+              </a:ext>
+            </a:extLst>
+          </p:cNvPr>
+          <p:cNvSpPr txBox="1"/>
+          <p:nvPr/>
+        </p:nvSpPr>
+        <p:spPr>
+          <a:xfrm>
+            <a:off x="558188" y="2129249"/>
+            <a:ext cx="903645" cy="307777"/>
+          </a:xfrm>
+          <a:prstGeom prst="rect">
+            <a:avLst/>
+          </a:prstGeom>
+          <a:noFill/>
+        </p:spPr>
+        <p:txBody>
+          <a:bodyPr wrap="none" rtlCol="0">
+            <a:spAutoFit/>
+          </a:bodyPr>
+          <a:lstStyle/>
+          <a:p>
+            <a:r>
+              <a:rPr lang="en-US" altLang="ko-KR" sz="1400"/>
+              <a:t>starts up</a:t>
+            </a:r>
+            <a:endParaRPr lang="ko-KR" altLang="en-US" sz="1400"/>
+          </a:p>
+        </p:txBody>
+      </p:sp>
+      <p:sp>
+        <p:nvSpPr>
+          <p:cNvPr id="72" name="TextBox 71">
+            <a:extLst>
+              <a:ext uri="{FF2B5EF4-FFF2-40B4-BE49-F238E27FC236}">
+                <a16:creationId xmlns:a16="http://schemas.microsoft.com/office/drawing/2014/main" id="{D3339AFD-2935-444A-9967-0FE19E146DE5}"/>
+              </a:ext>
+            </a:extLst>
+          </p:cNvPr>
+          <p:cNvSpPr txBox="1"/>
+          <p:nvPr/>
+        </p:nvSpPr>
+        <p:spPr>
+          <a:xfrm>
+            <a:off x="2888019" y="1759917"/>
+            <a:ext cx="1333250" cy="523220"/>
+          </a:xfrm>
+          <a:prstGeom prst="rect">
+            <a:avLst/>
+          </a:prstGeom>
+          <a:noFill/>
+        </p:spPr>
+        <p:txBody>
+          <a:bodyPr wrap="none" rtlCol="0" anchor="ctr">
+            <a:spAutoFit/>
+          </a:bodyPr>
+          <a:lstStyle/>
+          <a:p>
+            <a:pPr algn="ctr"/>
+            <a:r>
+              <a:rPr lang="en-US" altLang="ko-KR" sz="1400"/>
+              <a:t>times out,</a:t>
+            </a:r>
+          </a:p>
+          <a:p>
+            <a:pPr algn="ctr"/>
+            <a:r>
+              <a:rPr lang="en-US" altLang="ko-KR" sz="1400"/>
+              <a:t>starts election</a:t>
+            </a:r>
+            <a:endParaRPr lang="ko-KR" altLang="en-US" sz="1400"/>
+          </a:p>
+        </p:txBody>
+      </p:sp>
+      <p:sp>
+        <p:nvSpPr>
+          <p:cNvPr id="73" name="TextBox 72">
+            <a:extLst>
+              <a:ext uri="{FF2B5EF4-FFF2-40B4-BE49-F238E27FC236}">
+                <a16:creationId xmlns:a16="http://schemas.microsoft.com/office/drawing/2014/main" id="{936C9B1E-757F-4586-95E5-66EC9ED398C6}"/>
+              </a:ext>
+            </a:extLst>
+          </p:cNvPr>
+          <p:cNvSpPr txBox="1"/>
+          <p:nvPr/>
+        </p:nvSpPr>
+        <p:spPr>
+          <a:xfrm>
+            <a:off x="5297792" y="1759917"/>
+            <a:ext cx="1770292" cy="523220"/>
+          </a:xfrm>
+          <a:prstGeom prst="rect">
+            <a:avLst/>
+          </a:prstGeom>
+          <a:noFill/>
+        </p:spPr>
+        <p:txBody>
+          <a:bodyPr wrap="none" rtlCol="0" anchor="ctr">
+            <a:spAutoFit/>
+          </a:bodyPr>
+          <a:lstStyle/>
+          <a:p>
+            <a:pPr algn="ctr"/>
+            <a:r>
+              <a:rPr lang="en-US" altLang="ko-KR" sz="1400"/>
+              <a:t>recevies votes from</a:t>
+            </a:r>
+          </a:p>
+          <a:p>
+            <a:pPr algn="ctr"/>
+            <a:r>
+              <a:rPr lang="en-US" altLang="ko-KR" sz="1400"/>
+              <a:t>majority of servers</a:t>
+            </a:r>
+            <a:endParaRPr lang="ko-KR" altLang="en-US" sz="1400"/>
+          </a:p>
+        </p:txBody>
+      </p:sp>
+      <p:sp>
+        <p:nvSpPr>
+          <p:cNvPr id="74" name="TextBox 73">
+            <a:extLst>
+              <a:ext uri="{FF2B5EF4-FFF2-40B4-BE49-F238E27FC236}">
+                <a16:creationId xmlns:a16="http://schemas.microsoft.com/office/drawing/2014/main" id="{A5265E7F-4834-4C9A-8455-AED9510AC214}"/>
+              </a:ext>
+            </a:extLst>
+          </p:cNvPr>
+          <p:cNvSpPr txBox="1"/>
+          <p:nvPr/>
+        </p:nvSpPr>
+        <p:spPr>
+          <a:xfrm>
+            <a:off x="4085720" y="4299942"/>
+            <a:ext cx="1553439" cy="523220"/>
+          </a:xfrm>
+          <a:prstGeom prst="rect">
+            <a:avLst/>
+          </a:prstGeom>
+          <a:noFill/>
+        </p:spPr>
+        <p:txBody>
+          <a:bodyPr wrap="none" rtlCol="0" anchor="ctr">
+            <a:spAutoFit/>
+          </a:bodyPr>
+          <a:lstStyle/>
+          <a:p>
+            <a:pPr algn="ctr"/>
+            <a:r>
+              <a:rPr lang="en-US" altLang="ko-KR" sz="1400"/>
+              <a:t>discovers server</a:t>
+            </a:r>
+          </a:p>
+          <a:p>
+            <a:pPr algn="ctr"/>
+            <a:r>
+              <a:rPr lang="en-US" altLang="ko-KR" sz="1400"/>
+              <a:t>with higher term</a:t>
+            </a:r>
+            <a:endParaRPr lang="ko-KR" altLang="en-US" sz="1400"/>
+          </a:p>
+        </p:txBody>
+      </p:sp>
+      <p:sp>
+        <p:nvSpPr>
+          <p:cNvPr id="75" name="TextBox 74">
+            <a:extLst>
+              <a:ext uri="{FF2B5EF4-FFF2-40B4-BE49-F238E27FC236}">
+                <a16:creationId xmlns:a16="http://schemas.microsoft.com/office/drawing/2014/main" id="{C366ED5D-60D7-4213-87DC-EF9A56B5BAE2}"/>
+              </a:ext>
+            </a:extLst>
+          </p:cNvPr>
+          <p:cNvSpPr txBox="1"/>
+          <p:nvPr/>
+        </p:nvSpPr>
+        <p:spPr>
+          <a:xfrm>
+            <a:off x="2676134" y="3393126"/>
+            <a:ext cx="1757020" cy="523220"/>
+          </a:xfrm>
+          <a:prstGeom prst="rect">
+            <a:avLst/>
+          </a:prstGeom>
+          <a:noFill/>
+        </p:spPr>
+        <p:txBody>
+          <a:bodyPr wrap="none" rtlCol="0" anchor="ctr">
+            <a:spAutoFit/>
+          </a:bodyPr>
+          <a:lstStyle/>
+          <a:p>
+            <a:pPr algn="ctr"/>
+            <a:r>
+              <a:rPr lang="en-US" altLang="ko-KR" sz="1400"/>
+              <a:t>discovers current</a:t>
+            </a:r>
+          </a:p>
+          <a:p>
+            <a:pPr algn="ctr"/>
+            <a:r>
+              <a:rPr lang="en-US" altLang="ko-KR" sz="1400"/>
+              <a:t>leader or new term</a:t>
+            </a:r>
+            <a:endParaRPr lang="ko-KR" altLang="en-US" sz="1400"/>
+          </a:p>
+        </p:txBody>
+      </p:sp>
+      <p:sp>
+        <p:nvSpPr>
+          <p:cNvPr id="77" name="TextBox 76">
+            <a:extLst>
+              <a:ext uri="{FF2B5EF4-FFF2-40B4-BE49-F238E27FC236}">
+                <a16:creationId xmlns:a16="http://schemas.microsoft.com/office/drawing/2014/main" id="{8C570606-2DA8-4B13-881E-648B665B8B08}"/>
+              </a:ext>
+            </a:extLst>
+          </p:cNvPr>
+          <p:cNvSpPr txBox="1"/>
+          <p:nvPr/>
+        </p:nvSpPr>
+        <p:spPr>
+          <a:xfrm>
+            <a:off x="4866868" y="3393126"/>
+            <a:ext cx="1124027" cy="523220"/>
+          </a:xfrm>
+          <a:prstGeom prst="rect">
+            <a:avLst/>
+          </a:prstGeom>
+          <a:noFill/>
+        </p:spPr>
+        <p:txBody>
+          <a:bodyPr wrap="none" rtlCol="0" anchor="ctr">
+            <a:spAutoFit/>
+          </a:bodyPr>
+          <a:lstStyle/>
+          <a:p>
+            <a:pPr algn="ctr"/>
+            <a:r>
+              <a:rPr lang="en-US" altLang="ko-KR" sz="1400"/>
+              <a:t>times out,</a:t>
+            </a:r>
+          </a:p>
+          <a:p>
+            <a:pPr algn="ctr"/>
+            <a:r>
+              <a:rPr lang="en-US" altLang="ko-KR" sz="1400"/>
+              <a:t>new lection</a:t>
+            </a:r>
+            <a:endParaRPr lang="ko-KR" altLang="en-US" sz="1400"/>
+          </a:p>
+        </p:txBody>
+      </p:sp>
+    </p:spTree>
+    <p:extLst>
+      <p:ext uri="{BB962C8B-B14F-4D97-AF65-F5344CB8AC3E}">
+        <p14:creationId xmlns:p14="http://schemas.microsoft.com/office/powerpoint/2010/main" val="2884966709"/>
+      </p:ext>
+    </p:extLst>
+  </p:cSld>
+  <p:clrMapOvr>
+    <a:masterClrMapping/>
+  </p:clrMapOvr>
+</p:sld>
+</file>
+
+<file path=ppt/slides/slide5.xml><?xml version="1.0" encoding="utf-8"?>
+<p:sld xmlns:a="http://schemas.openxmlformats.org/drawingml/2006/main" xmlns:r="http://schemas.openxmlformats.org/officeDocument/2006/relationships" xmlns:p="http://schemas.openxmlformats.org/presentationml/2006/main">
+  <p:cSld>
+    <p:spTree>
+      <p:nvGrpSpPr>
+        <p:cNvPr id="1" name=""/>
+        <p:cNvGrpSpPr/>
+        <p:nvPr/>
+      </p:nvGrpSpPr>
+      <p:grpSpPr>
+        <a:xfrm>
+          <a:off x="0" y="0"/>
+          <a:ext cx="0" cy="0"/>
+          <a:chOff x="0" y="0"/>
+          <a:chExt cx="0" cy="0"/>
+        </a:xfrm>
+      </p:grpSpPr>
+      <p:sp>
+        <p:nvSpPr>
+          <p:cNvPr id="2" name="제목 1">
+            <a:extLst>
+              <a:ext uri="{FF2B5EF4-FFF2-40B4-BE49-F238E27FC236}">
+                <a16:creationId xmlns:a16="http://schemas.microsoft.com/office/drawing/2014/main" id="{BC291C17-39D6-4CD3-BA97-F7F1EDB2AC89}"/>
+              </a:ext>
+            </a:extLst>
+          </p:cNvPr>
+          <p:cNvSpPr>
+            <a:spLocks noGrp="1"/>
+          </p:cNvSpPr>
+          <p:nvPr>
+            <p:ph type="title"/>
+          </p:nvPr>
+        </p:nvSpPr>
+        <p:spPr/>
+        <p:txBody>
+          <a:bodyPr/>
+          <a:lstStyle/>
+          <a:p>
+            <a:r>
+              <a:rPr lang="en-US" altLang="ko-KR"/>
+              <a:t>Log</a:t>
+            </a:r>
+            <a:endParaRPr lang="ko-KR" altLang="en-US"/>
+          </a:p>
+        </p:txBody>
+      </p:sp>
+      <p:sp>
+        <p:nvSpPr>
+          <p:cNvPr id="3" name="직사각형 2">
+            <a:extLst>
+              <a:ext uri="{FF2B5EF4-FFF2-40B4-BE49-F238E27FC236}">
+                <a16:creationId xmlns:a16="http://schemas.microsoft.com/office/drawing/2014/main" id="{18241E58-F98B-4D7E-87C5-D2C494BEADC1}"/>
+              </a:ext>
+            </a:extLst>
+          </p:cNvPr>
+          <p:cNvSpPr/>
+          <p:nvPr/>
+        </p:nvSpPr>
+        <p:spPr>
+          <a:xfrm>
+            <a:off x="2555776" y="1636390"/>
+            <a:ext cx="432048" cy="360040"/>
+          </a:xfrm>
+          <a:prstGeom prst="rect">
+            <a:avLst/>
+          </a:prstGeom>
+        </p:spPr>
+        <p:style>
+          <a:lnRef idx="2">
+            <a:schemeClr val="dk1"/>
+          </a:lnRef>
+          <a:fillRef idx="1">
+            <a:schemeClr val="lt1"/>
+          </a:fillRef>
+          <a:effectRef idx="0">
+            <a:schemeClr val="dk1"/>
+          </a:effectRef>
+          <a:fontRef idx="minor">
+            <a:schemeClr val="dk1"/>
+          </a:fontRef>
+        </p:style>
+        <p:txBody>
+          <a:bodyPr rtlCol="0" anchor="ctr"/>
+          <a:lstStyle/>
+          <a:p>
+            <a:pPr algn="ctr"/>
+            <a:r>
+              <a:rPr lang="en-US" altLang="ko-KR" sz="1000"/>
+              <a:t>1</a:t>
+            </a:r>
+          </a:p>
+          <a:p>
+            <a:pPr algn="ctr"/>
+            <a:r>
+              <a:rPr lang="en-US" altLang="ko-KR" sz="1000"/>
+              <a:t>x=3</a:t>
+            </a:r>
+            <a:endParaRPr lang="ko-KR" altLang="en-US" sz="1000"/>
+          </a:p>
+        </p:txBody>
+      </p:sp>
+      <p:sp>
+        <p:nvSpPr>
+          <p:cNvPr id="4" name="직사각형 3">
+            <a:extLst>
+              <a:ext uri="{FF2B5EF4-FFF2-40B4-BE49-F238E27FC236}">
+                <a16:creationId xmlns:a16="http://schemas.microsoft.com/office/drawing/2014/main" id="{90BC088D-FDB8-46AE-AA7F-A6CB10100A83}"/>
+              </a:ext>
+            </a:extLst>
+          </p:cNvPr>
+          <p:cNvSpPr/>
+          <p:nvPr/>
+        </p:nvSpPr>
+        <p:spPr>
+          <a:xfrm>
+            <a:off x="2987824" y="1636390"/>
+            <a:ext cx="432048" cy="360040"/>
+          </a:xfrm>
+          <a:prstGeom prst="rect">
+            <a:avLst/>
+          </a:prstGeom>
+        </p:spPr>
+        <p:style>
+          <a:lnRef idx="2">
+            <a:schemeClr val="dk1"/>
+          </a:lnRef>
+          <a:fillRef idx="1">
+            <a:schemeClr val="lt1"/>
+          </a:fillRef>
+          <a:effectRef idx="0">
+            <a:schemeClr val="dk1"/>
+          </a:effectRef>
+          <a:fontRef idx="minor">
+            <a:schemeClr val="dk1"/>
+          </a:fontRef>
+        </p:style>
+        <p:txBody>
+          <a:bodyPr rtlCol="0" anchor="ctr"/>
+          <a:lstStyle/>
+          <a:p>
+            <a:pPr algn="ctr"/>
+            <a:r>
+              <a:rPr lang="en-US" altLang="ko-KR" sz="1000"/>
+              <a:t>1</a:t>
+            </a:r>
+          </a:p>
+          <a:p>
+            <a:pPr algn="ctr"/>
+            <a:r>
+              <a:rPr lang="en-US" altLang="ko-KR" sz="1000"/>
+              <a:t>y=1</a:t>
+            </a:r>
+            <a:endParaRPr lang="ko-KR" altLang="en-US" sz="1000"/>
+          </a:p>
+        </p:txBody>
+      </p:sp>
+      <p:sp>
+        <p:nvSpPr>
+          <p:cNvPr id="5" name="직사각형 4">
+            <a:extLst>
+              <a:ext uri="{FF2B5EF4-FFF2-40B4-BE49-F238E27FC236}">
+                <a16:creationId xmlns:a16="http://schemas.microsoft.com/office/drawing/2014/main" id="{E66154DA-44BE-4D8E-B3C2-5174FF927B10}"/>
+              </a:ext>
+            </a:extLst>
+          </p:cNvPr>
+          <p:cNvSpPr/>
+          <p:nvPr/>
+        </p:nvSpPr>
+        <p:spPr>
+          <a:xfrm>
+            <a:off x="3419872" y="1636390"/>
+            <a:ext cx="432048" cy="360040"/>
+          </a:xfrm>
+          <a:prstGeom prst="rect">
+            <a:avLst/>
+          </a:prstGeom>
+        </p:spPr>
+        <p:style>
+          <a:lnRef idx="2">
+            <a:schemeClr val="dk1"/>
+          </a:lnRef>
+          <a:fillRef idx="1">
+            <a:schemeClr val="lt1"/>
+          </a:fillRef>
+          <a:effectRef idx="0">
+            <a:schemeClr val="dk1"/>
+          </a:effectRef>
+          <a:fontRef idx="minor">
+            <a:schemeClr val="dk1"/>
+          </a:fontRef>
+        </p:style>
+        <p:txBody>
+          <a:bodyPr rtlCol="0" anchor="ctr"/>
+          <a:lstStyle/>
+          <a:p>
+            <a:pPr algn="ctr"/>
+            <a:r>
+              <a:rPr lang="en-US" altLang="ko-KR" sz="1000"/>
+              <a:t>1</a:t>
+            </a:r>
+          </a:p>
+          <a:p>
+            <a:pPr algn="ctr"/>
+            <a:r>
+              <a:rPr lang="en-US" altLang="ko-KR" sz="1000"/>
+              <a:t>y=9</a:t>
+            </a:r>
+            <a:endParaRPr lang="ko-KR" altLang="en-US" sz="1000"/>
+          </a:p>
+        </p:txBody>
+      </p:sp>
+      <p:sp>
+        <p:nvSpPr>
+          <p:cNvPr id="6" name="직사각형 5">
+            <a:extLst>
+              <a:ext uri="{FF2B5EF4-FFF2-40B4-BE49-F238E27FC236}">
+                <a16:creationId xmlns:a16="http://schemas.microsoft.com/office/drawing/2014/main" id="{93DDD512-6AFE-42C0-8749-73B482CF5570}"/>
+              </a:ext>
+            </a:extLst>
+          </p:cNvPr>
+          <p:cNvSpPr/>
+          <p:nvPr/>
+        </p:nvSpPr>
+        <p:spPr>
+          <a:xfrm>
+            <a:off x="3851920" y="1636390"/>
+            <a:ext cx="432048" cy="360040"/>
+          </a:xfrm>
+          <a:prstGeom prst="rect">
+            <a:avLst/>
+          </a:prstGeom>
+          <a:solidFill>
+            <a:schemeClr val="bg1">
+              <a:lumMod val="85000"/>
+            </a:schemeClr>
+          </a:solidFill>
+        </p:spPr>
+        <p:style>
+          <a:lnRef idx="2">
+            <a:schemeClr val="dk1"/>
+          </a:lnRef>
+          <a:fillRef idx="1">
+            <a:schemeClr val="lt1"/>
+          </a:fillRef>
+          <a:effectRef idx="0">
+            <a:schemeClr val="dk1"/>
+          </a:effectRef>
+          <a:fontRef idx="minor">
+            <a:schemeClr val="dk1"/>
+          </a:fontRef>
+        </p:style>
+        <p:txBody>
+          <a:bodyPr rtlCol="0" anchor="ctr"/>
+          <a:lstStyle/>
+          <a:p>
+            <a:pPr algn="ctr"/>
+            <a:r>
+              <a:rPr lang="en-US" altLang="ko-KR" sz="1000"/>
+              <a:t>2</a:t>
+            </a:r>
+          </a:p>
+          <a:p>
+            <a:pPr algn="ctr"/>
+            <a:r>
+              <a:rPr lang="en-US" altLang="ko-KR" sz="1000"/>
+              <a:t>x=2</a:t>
+            </a:r>
+            <a:endParaRPr lang="ko-KR" altLang="en-US" sz="1000"/>
+          </a:p>
+        </p:txBody>
+      </p:sp>
+      <p:sp>
+        <p:nvSpPr>
+          <p:cNvPr id="7" name="직사각형 6">
+            <a:extLst>
+              <a:ext uri="{FF2B5EF4-FFF2-40B4-BE49-F238E27FC236}">
+                <a16:creationId xmlns:a16="http://schemas.microsoft.com/office/drawing/2014/main" id="{4FA91D29-487A-4AAD-97F5-8CDEBC55218B}"/>
+              </a:ext>
+            </a:extLst>
+          </p:cNvPr>
+          <p:cNvSpPr/>
+          <p:nvPr/>
+        </p:nvSpPr>
+        <p:spPr>
+          <a:xfrm>
+            <a:off x="4281388" y="1636390"/>
+            <a:ext cx="432048" cy="360040"/>
+          </a:xfrm>
+          <a:prstGeom prst="rect">
+            <a:avLst/>
+          </a:prstGeom>
+          <a:solidFill>
+            <a:schemeClr val="bg1">
+              <a:lumMod val="65000"/>
+            </a:schemeClr>
+          </a:solidFill>
+        </p:spPr>
+        <p:style>
+          <a:lnRef idx="2">
+            <a:schemeClr val="dk1"/>
+          </a:lnRef>
+          <a:fillRef idx="1">
+            <a:schemeClr val="lt1"/>
+          </a:fillRef>
+          <a:effectRef idx="0">
+            <a:schemeClr val="dk1"/>
+          </a:effectRef>
+          <a:fontRef idx="minor">
+            <a:schemeClr val="dk1"/>
+          </a:fontRef>
+        </p:style>
+        <p:txBody>
+          <a:bodyPr rtlCol="0" anchor="ctr"/>
+          <a:lstStyle/>
+          <a:p>
+            <a:pPr algn="ctr"/>
+            <a:r>
+              <a:rPr lang="en-US" altLang="ko-KR" sz="1000"/>
+              <a:t>3</a:t>
+            </a:r>
+          </a:p>
+          <a:p>
+            <a:pPr algn="ctr"/>
+            <a:r>
+              <a:rPr lang="en-US" altLang="ko-KR" sz="1000"/>
+              <a:t>x=0</a:t>
+            </a:r>
+            <a:endParaRPr lang="ko-KR" altLang="en-US" sz="1000"/>
+          </a:p>
+        </p:txBody>
+      </p:sp>
+      <p:sp>
+        <p:nvSpPr>
+          <p:cNvPr id="8" name="직사각형 7">
+            <a:extLst>
+              <a:ext uri="{FF2B5EF4-FFF2-40B4-BE49-F238E27FC236}">
+                <a16:creationId xmlns:a16="http://schemas.microsoft.com/office/drawing/2014/main" id="{9C1DC139-F5E3-423C-B5FE-2BCB80545D65}"/>
+              </a:ext>
+            </a:extLst>
+          </p:cNvPr>
+          <p:cNvSpPr/>
+          <p:nvPr/>
+        </p:nvSpPr>
+        <p:spPr>
+          <a:xfrm>
+            <a:off x="4710856" y="1636390"/>
+            <a:ext cx="432048" cy="360040"/>
+          </a:xfrm>
+          <a:prstGeom prst="rect">
+            <a:avLst/>
+          </a:prstGeom>
+          <a:solidFill>
+            <a:schemeClr val="bg1">
+              <a:lumMod val="65000"/>
+            </a:schemeClr>
+          </a:solidFill>
+        </p:spPr>
+        <p:style>
+          <a:lnRef idx="2">
+            <a:schemeClr val="dk1"/>
+          </a:lnRef>
+          <a:fillRef idx="1">
+            <a:schemeClr val="lt1"/>
+          </a:fillRef>
+          <a:effectRef idx="0">
+            <a:schemeClr val="dk1"/>
+          </a:effectRef>
+          <a:fontRef idx="minor">
+            <a:schemeClr val="dk1"/>
+          </a:fontRef>
+        </p:style>
+        <p:txBody>
+          <a:bodyPr rtlCol="0" anchor="ctr"/>
+          <a:lstStyle/>
+          <a:p>
+            <a:pPr algn="ctr"/>
+            <a:r>
+              <a:rPr lang="en-US" altLang="ko-KR" sz="1000"/>
+              <a:t>3</a:t>
+            </a:r>
+          </a:p>
+          <a:p>
+            <a:pPr algn="ctr"/>
+            <a:r>
+              <a:rPr lang="en-US" altLang="ko-KR" sz="1000"/>
+              <a:t>y=7</a:t>
+            </a:r>
+            <a:endParaRPr lang="ko-KR" altLang="en-US" sz="1000"/>
+          </a:p>
+        </p:txBody>
+      </p:sp>
+      <p:sp>
+        <p:nvSpPr>
+          <p:cNvPr id="9" name="직사각형 8">
+            <a:extLst>
+              <a:ext uri="{FF2B5EF4-FFF2-40B4-BE49-F238E27FC236}">
+                <a16:creationId xmlns:a16="http://schemas.microsoft.com/office/drawing/2014/main" id="{237013DE-1E82-464F-8F04-F4F6E864EDEC}"/>
+              </a:ext>
+            </a:extLst>
+          </p:cNvPr>
+          <p:cNvSpPr/>
+          <p:nvPr/>
+        </p:nvSpPr>
+        <p:spPr>
+          <a:xfrm>
+            <a:off x="5140324" y="1636390"/>
+            <a:ext cx="432048" cy="360040"/>
+          </a:xfrm>
+          <a:prstGeom prst="rect">
+            <a:avLst/>
+          </a:prstGeom>
+          <a:solidFill>
+            <a:schemeClr val="bg1">
+              <a:lumMod val="65000"/>
+            </a:schemeClr>
+          </a:solidFill>
+        </p:spPr>
+        <p:style>
+          <a:lnRef idx="2">
+            <a:schemeClr val="dk1"/>
+          </a:lnRef>
+          <a:fillRef idx="1">
+            <a:schemeClr val="lt1"/>
+          </a:fillRef>
+          <a:effectRef idx="0">
+            <a:schemeClr val="dk1"/>
+          </a:effectRef>
+          <a:fontRef idx="minor">
+            <a:schemeClr val="dk1"/>
+          </a:fontRef>
+        </p:style>
+        <p:txBody>
+          <a:bodyPr rtlCol="0" anchor="ctr"/>
+          <a:lstStyle/>
+          <a:p>
+            <a:pPr algn="ctr"/>
+            <a:r>
+              <a:rPr lang="en-US" altLang="ko-KR" sz="1000"/>
+              <a:t>3</a:t>
+            </a:r>
+          </a:p>
+          <a:p>
+            <a:pPr algn="ctr"/>
+            <a:r>
+              <a:rPr lang="en-US" altLang="ko-KR" sz="1000"/>
+              <a:t>x=5</a:t>
+            </a:r>
+            <a:endParaRPr lang="ko-KR" altLang="en-US" sz="1000"/>
+          </a:p>
+        </p:txBody>
+      </p:sp>
+      <p:sp>
+        <p:nvSpPr>
+          <p:cNvPr id="10" name="직사각형 9">
+            <a:extLst>
+              <a:ext uri="{FF2B5EF4-FFF2-40B4-BE49-F238E27FC236}">
+                <a16:creationId xmlns:a16="http://schemas.microsoft.com/office/drawing/2014/main" id="{570726BF-DA11-4750-8102-C291C64CAF1A}"/>
+              </a:ext>
+            </a:extLst>
+          </p:cNvPr>
+          <p:cNvSpPr/>
+          <p:nvPr/>
+        </p:nvSpPr>
+        <p:spPr>
+          <a:xfrm>
+            <a:off x="5569792" y="1636390"/>
+            <a:ext cx="432048" cy="360040"/>
+          </a:xfrm>
+          <a:prstGeom prst="rect">
+            <a:avLst/>
+          </a:prstGeom>
+          <a:solidFill>
+            <a:schemeClr val="bg1">
+              <a:lumMod val="65000"/>
+            </a:schemeClr>
+          </a:solidFill>
+        </p:spPr>
+        <p:style>
+          <a:lnRef idx="2">
+            <a:schemeClr val="dk1"/>
+          </a:lnRef>
+          <a:fillRef idx="1">
+            <a:schemeClr val="lt1"/>
+          </a:fillRef>
+          <a:effectRef idx="0">
+            <a:schemeClr val="dk1"/>
+          </a:effectRef>
+          <a:fontRef idx="minor">
+            <a:schemeClr val="dk1"/>
+          </a:fontRef>
+        </p:style>
+        <p:txBody>
+          <a:bodyPr rtlCol="0" anchor="ctr"/>
+          <a:lstStyle/>
+          <a:p>
+            <a:pPr algn="ctr"/>
+            <a:r>
+              <a:rPr lang="en-US" altLang="ko-KR" sz="1000"/>
+              <a:t>3</a:t>
+            </a:r>
+          </a:p>
+          <a:p>
+            <a:pPr algn="ctr"/>
+            <a:r>
+              <a:rPr lang="en-US" altLang="ko-KR" sz="1000"/>
+              <a:t>x=4</a:t>
+            </a:r>
+            <a:endParaRPr lang="ko-KR" altLang="en-US" sz="1000"/>
+          </a:p>
+        </p:txBody>
+      </p:sp>
+      <p:sp>
+        <p:nvSpPr>
+          <p:cNvPr id="11" name="직사각형 10">
+            <a:extLst>
+              <a:ext uri="{FF2B5EF4-FFF2-40B4-BE49-F238E27FC236}">
+                <a16:creationId xmlns:a16="http://schemas.microsoft.com/office/drawing/2014/main" id="{557C191D-D7F9-4B3C-B361-725AB708D527}"/>
+              </a:ext>
+            </a:extLst>
+          </p:cNvPr>
+          <p:cNvSpPr/>
+          <p:nvPr/>
+        </p:nvSpPr>
+        <p:spPr>
+          <a:xfrm>
+            <a:off x="2555776" y="2140446"/>
+            <a:ext cx="432048" cy="360040"/>
+          </a:xfrm>
+          <a:prstGeom prst="rect">
+            <a:avLst/>
+          </a:prstGeom>
+        </p:spPr>
+        <p:style>
+          <a:lnRef idx="2">
+            <a:schemeClr val="dk1"/>
+          </a:lnRef>
+          <a:fillRef idx="1">
+            <a:schemeClr val="lt1"/>
+          </a:fillRef>
+          <a:effectRef idx="0">
+            <a:schemeClr val="dk1"/>
+          </a:effectRef>
+          <a:fontRef idx="minor">
+            <a:schemeClr val="dk1"/>
+          </a:fontRef>
+        </p:style>
+        <p:txBody>
+          <a:bodyPr rtlCol="0" anchor="ctr"/>
+          <a:lstStyle/>
+          <a:p>
+            <a:pPr algn="ctr"/>
+            <a:r>
+              <a:rPr lang="en-US" altLang="ko-KR" sz="1000"/>
+              <a:t>1</a:t>
+            </a:r>
+          </a:p>
+          <a:p>
+            <a:pPr algn="ctr"/>
+            <a:r>
+              <a:rPr lang="en-US" altLang="ko-KR" sz="1000"/>
+              <a:t>x=3</a:t>
+            </a:r>
+            <a:endParaRPr lang="ko-KR" altLang="en-US" sz="1000"/>
+          </a:p>
+        </p:txBody>
+      </p:sp>
+      <p:sp>
+        <p:nvSpPr>
+          <p:cNvPr id="12" name="직사각형 11">
+            <a:extLst>
+              <a:ext uri="{FF2B5EF4-FFF2-40B4-BE49-F238E27FC236}">
+                <a16:creationId xmlns:a16="http://schemas.microsoft.com/office/drawing/2014/main" id="{5336EE5C-FF88-4B79-B10C-6D3E882AA2B9}"/>
+              </a:ext>
+            </a:extLst>
+          </p:cNvPr>
+          <p:cNvSpPr/>
+          <p:nvPr/>
+        </p:nvSpPr>
+        <p:spPr>
+          <a:xfrm>
+            <a:off x="2987824" y="2140446"/>
+            <a:ext cx="432048" cy="360040"/>
+          </a:xfrm>
+          <a:prstGeom prst="rect">
+            <a:avLst/>
+          </a:prstGeom>
+        </p:spPr>
+        <p:style>
+          <a:lnRef idx="2">
+            <a:schemeClr val="dk1"/>
+          </a:lnRef>
+          <a:fillRef idx="1">
+            <a:schemeClr val="lt1"/>
+          </a:fillRef>
+          <a:effectRef idx="0">
+            <a:schemeClr val="dk1"/>
+          </a:effectRef>
+          <a:fontRef idx="minor">
+            <a:schemeClr val="dk1"/>
+          </a:fontRef>
+        </p:style>
+        <p:txBody>
+          <a:bodyPr rtlCol="0" anchor="ctr"/>
+          <a:lstStyle/>
+          <a:p>
+            <a:pPr algn="ctr"/>
+            <a:r>
+              <a:rPr lang="en-US" altLang="ko-KR" sz="1000"/>
+              <a:t>1</a:t>
+            </a:r>
+          </a:p>
+          <a:p>
+            <a:pPr algn="ctr"/>
+            <a:r>
+              <a:rPr lang="en-US" altLang="ko-KR" sz="1000"/>
+              <a:t>y=1</a:t>
+            </a:r>
+            <a:endParaRPr lang="ko-KR" altLang="en-US" sz="1000"/>
+          </a:p>
+        </p:txBody>
+      </p:sp>
+      <p:sp>
+        <p:nvSpPr>
+          <p:cNvPr id="13" name="직사각형 12">
+            <a:extLst>
+              <a:ext uri="{FF2B5EF4-FFF2-40B4-BE49-F238E27FC236}">
+                <a16:creationId xmlns:a16="http://schemas.microsoft.com/office/drawing/2014/main" id="{25F967AE-991B-4E63-8B0A-CAABDE3582B0}"/>
+              </a:ext>
+            </a:extLst>
+          </p:cNvPr>
+          <p:cNvSpPr/>
+          <p:nvPr/>
+        </p:nvSpPr>
+        <p:spPr>
+          <a:xfrm>
+            <a:off x="3419872" y="2140446"/>
+            <a:ext cx="432048" cy="360040"/>
+          </a:xfrm>
+          <a:prstGeom prst="rect">
+            <a:avLst/>
+          </a:prstGeom>
+        </p:spPr>
+        <p:style>
+          <a:lnRef idx="2">
+            <a:schemeClr val="dk1"/>
+          </a:lnRef>
+          <a:fillRef idx="1">
+            <a:schemeClr val="lt1"/>
+          </a:fillRef>
+          <a:effectRef idx="0">
+            <a:schemeClr val="dk1"/>
+          </a:effectRef>
+          <a:fontRef idx="minor">
+            <a:schemeClr val="dk1"/>
+          </a:fontRef>
+        </p:style>
+        <p:txBody>
+          <a:bodyPr rtlCol="0" anchor="ctr"/>
+          <a:lstStyle/>
+          <a:p>
+            <a:pPr algn="ctr"/>
+            <a:r>
+              <a:rPr lang="en-US" altLang="ko-KR" sz="1000"/>
+              <a:t>1</a:t>
+            </a:r>
+          </a:p>
+          <a:p>
+            <a:pPr algn="ctr"/>
+            <a:r>
+              <a:rPr lang="en-US" altLang="ko-KR" sz="1000"/>
+              <a:t>y=9</a:t>
+            </a:r>
+            <a:endParaRPr lang="ko-KR" altLang="en-US" sz="1000"/>
+          </a:p>
+        </p:txBody>
+      </p:sp>
+      <p:sp>
+        <p:nvSpPr>
+          <p:cNvPr id="14" name="직사각형 13">
+            <a:extLst>
+              <a:ext uri="{FF2B5EF4-FFF2-40B4-BE49-F238E27FC236}">
+                <a16:creationId xmlns:a16="http://schemas.microsoft.com/office/drawing/2014/main" id="{0C77700B-6A92-49B2-82BF-376016E87634}"/>
+              </a:ext>
+            </a:extLst>
+          </p:cNvPr>
+          <p:cNvSpPr/>
+          <p:nvPr/>
+        </p:nvSpPr>
+        <p:spPr>
+          <a:xfrm>
+            <a:off x="3851920" y="2140446"/>
+            <a:ext cx="432048" cy="360040"/>
+          </a:xfrm>
+          <a:prstGeom prst="rect">
+            <a:avLst/>
+          </a:prstGeom>
+          <a:solidFill>
+            <a:schemeClr val="bg1">
+              <a:lumMod val="85000"/>
+            </a:schemeClr>
+          </a:solidFill>
+        </p:spPr>
+        <p:style>
+          <a:lnRef idx="2">
+            <a:schemeClr val="dk1"/>
+          </a:lnRef>
+          <a:fillRef idx="1">
+            <a:schemeClr val="lt1"/>
+          </a:fillRef>
+          <a:effectRef idx="0">
+            <a:schemeClr val="dk1"/>
+          </a:effectRef>
+          <a:fontRef idx="minor">
+            <a:schemeClr val="dk1"/>
+          </a:fontRef>
+        </p:style>
+        <p:txBody>
+          <a:bodyPr rtlCol="0" anchor="ctr"/>
+          <a:lstStyle/>
+          <a:p>
+            <a:pPr algn="ctr"/>
+            <a:r>
+              <a:rPr lang="en-US" altLang="ko-KR" sz="1000"/>
+              <a:t>2</a:t>
+            </a:r>
+          </a:p>
+          <a:p>
+            <a:pPr algn="ctr"/>
+            <a:r>
+              <a:rPr lang="en-US" altLang="ko-KR" sz="1000"/>
+              <a:t>x=2</a:t>
+            </a:r>
+            <a:endParaRPr lang="ko-KR" altLang="en-US" sz="1000"/>
+          </a:p>
+        </p:txBody>
+      </p:sp>
+      <p:sp>
+        <p:nvSpPr>
+          <p:cNvPr id="15" name="직사각형 14">
+            <a:extLst>
+              <a:ext uri="{FF2B5EF4-FFF2-40B4-BE49-F238E27FC236}">
+                <a16:creationId xmlns:a16="http://schemas.microsoft.com/office/drawing/2014/main" id="{63813BDB-CBED-474E-8030-C543F2F7E7EF}"/>
+              </a:ext>
+            </a:extLst>
+          </p:cNvPr>
+          <p:cNvSpPr/>
+          <p:nvPr/>
+        </p:nvSpPr>
+        <p:spPr>
+          <a:xfrm>
+            <a:off x="4281388" y="2140446"/>
+            <a:ext cx="432048" cy="360040"/>
+          </a:xfrm>
+          <a:prstGeom prst="rect">
+            <a:avLst/>
+          </a:prstGeom>
+          <a:solidFill>
+            <a:schemeClr val="bg1">
+              <a:lumMod val="65000"/>
+            </a:schemeClr>
+          </a:solidFill>
+        </p:spPr>
+        <p:style>
+          <a:lnRef idx="2">
+            <a:schemeClr val="dk1"/>
+          </a:lnRef>
+          <a:fillRef idx="1">
+            <a:schemeClr val="lt1"/>
+          </a:fillRef>
+          <a:effectRef idx="0">
+            <a:schemeClr val="dk1"/>
+          </a:effectRef>
+          <a:fontRef idx="minor">
+            <a:schemeClr val="dk1"/>
+          </a:fontRef>
+        </p:style>
+        <p:txBody>
+          <a:bodyPr rtlCol="0" anchor="ctr"/>
+          <a:lstStyle/>
+          <a:p>
+            <a:pPr algn="ctr"/>
+            <a:r>
+              <a:rPr lang="en-US" altLang="ko-KR" sz="1000"/>
+              <a:t>3</a:t>
+            </a:r>
+          </a:p>
+          <a:p>
+            <a:pPr algn="ctr"/>
+            <a:r>
+              <a:rPr lang="en-US" altLang="ko-KR" sz="1000"/>
+              <a:t>x=0</a:t>
+            </a:r>
+            <a:endParaRPr lang="ko-KR" altLang="en-US" sz="1000"/>
+          </a:p>
+        </p:txBody>
+      </p:sp>
+      <p:sp>
+        <p:nvSpPr>
+          <p:cNvPr id="19" name="직사각형 18">
+            <a:extLst>
+              <a:ext uri="{FF2B5EF4-FFF2-40B4-BE49-F238E27FC236}">
+                <a16:creationId xmlns:a16="http://schemas.microsoft.com/office/drawing/2014/main" id="{980EBB81-16F7-4803-B454-650438E4687A}"/>
+              </a:ext>
+            </a:extLst>
+          </p:cNvPr>
+          <p:cNvSpPr/>
+          <p:nvPr/>
+        </p:nvSpPr>
+        <p:spPr>
+          <a:xfrm>
+            <a:off x="2555776" y="2644254"/>
+            <a:ext cx="432048" cy="360040"/>
+          </a:xfrm>
+          <a:prstGeom prst="rect">
+            <a:avLst/>
+          </a:prstGeom>
+        </p:spPr>
+        <p:style>
+          <a:lnRef idx="2">
+            <a:schemeClr val="dk1"/>
+          </a:lnRef>
+          <a:fillRef idx="1">
+            <a:schemeClr val="lt1"/>
+          </a:fillRef>
+          <a:effectRef idx="0">
+            <a:schemeClr val="dk1"/>
+          </a:effectRef>
+          <a:fontRef idx="minor">
+            <a:schemeClr val="dk1"/>
+          </a:fontRef>
+        </p:style>
+        <p:txBody>
+          <a:bodyPr rtlCol="0" anchor="ctr"/>
+          <a:lstStyle/>
+          <a:p>
+            <a:pPr algn="ctr"/>
+            <a:r>
+              <a:rPr lang="en-US" altLang="ko-KR" sz="1000"/>
+              <a:t>1</a:t>
+            </a:r>
+          </a:p>
+          <a:p>
+            <a:pPr algn="ctr"/>
+            <a:r>
+              <a:rPr lang="en-US" altLang="ko-KR" sz="1000"/>
+              <a:t>x=3</a:t>
+            </a:r>
+            <a:endParaRPr lang="ko-KR" altLang="en-US" sz="1000"/>
+          </a:p>
+        </p:txBody>
+      </p:sp>
+      <p:sp>
+        <p:nvSpPr>
+          <p:cNvPr id="20" name="직사각형 19">
+            <a:extLst>
+              <a:ext uri="{FF2B5EF4-FFF2-40B4-BE49-F238E27FC236}">
+                <a16:creationId xmlns:a16="http://schemas.microsoft.com/office/drawing/2014/main" id="{6F15C371-0171-4FEC-9912-02E8EA529F74}"/>
+              </a:ext>
+            </a:extLst>
+          </p:cNvPr>
+          <p:cNvSpPr/>
+          <p:nvPr/>
+        </p:nvSpPr>
+        <p:spPr>
+          <a:xfrm>
+            <a:off x="2987824" y="2644254"/>
+            <a:ext cx="432048" cy="360040"/>
+          </a:xfrm>
+          <a:prstGeom prst="rect">
+            <a:avLst/>
+          </a:prstGeom>
+        </p:spPr>
+        <p:style>
+          <a:lnRef idx="2">
+            <a:schemeClr val="dk1"/>
+          </a:lnRef>
+          <a:fillRef idx="1">
+            <a:schemeClr val="lt1"/>
+          </a:fillRef>
+          <a:effectRef idx="0">
+            <a:schemeClr val="dk1"/>
+          </a:effectRef>
+          <a:fontRef idx="minor">
+            <a:schemeClr val="dk1"/>
+          </a:fontRef>
+        </p:style>
+        <p:txBody>
+          <a:bodyPr rtlCol="0" anchor="ctr"/>
+          <a:lstStyle/>
+          <a:p>
+            <a:pPr algn="ctr"/>
+            <a:r>
+              <a:rPr lang="en-US" altLang="ko-KR" sz="1000"/>
+              <a:t>1</a:t>
+            </a:r>
+          </a:p>
+          <a:p>
+            <a:pPr algn="ctr"/>
+            <a:r>
+              <a:rPr lang="en-US" altLang="ko-KR" sz="1000"/>
+              <a:t>y=1</a:t>
+            </a:r>
+            <a:endParaRPr lang="ko-KR" altLang="en-US" sz="1000"/>
+          </a:p>
+        </p:txBody>
+      </p:sp>
+      <p:sp>
+        <p:nvSpPr>
+          <p:cNvPr id="21" name="직사각형 20">
+            <a:extLst>
+              <a:ext uri="{FF2B5EF4-FFF2-40B4-BE49-F238E27FC236}">
+                <a16:creationId xmlns:a16="http://schemas.microsoft.com/office/drawing/2014/main" id="{87CA850A-E8C4-437C-BCC6-A6AC687A7DED}"/>
+              </a:ext>
+            </a:extLst>
+          </p:cNvPr>
+          <p:cNvSpPr/>
+          <p:nvPr/>
+        </p:nvSpPr>
+        <p:spPr>
+          <a:xfrm>
+            <a:off x="3419872" y="2644254"/>
+            <a:ext cx="432048" cy="360040"/>
+          </a:xfrm>
+          <a:prstGeom prst="rect">
+            <a:avLst/>
+          </a:prstGeom>
+        </p:spPr>
+        <p:style>
+          <a:lnRef idx="2">
+            <a:schemeClr val="dk1"/>
+          </a:lnRef>
+          <a:fillRef idx="1">
+            <a:schemeClr val="lt1"/>
+          </a:fillRef>
+          <a:effectRef idx="0">
+            <a:schemeClr val="dk1"/>
+          </a:effectRef>
+          <a:fontRef idx="minor">
+            <a:schemeClr val="dk1"/>
+          </a:fontRef>
+        </p:style>
+        <p:txBody>
+          <a:bodyPr rtlCol="0" anchor="ctr"/>
+          <a:lstStyle/>
+          <a:p>
+            <a:pPr algn="ctr"/>
+            <a:r>
+              <a:rPr lang="en-US" altLang="ko-KR" sz="1000"/>
+              <a:t>1</a:t>
+            </a:r>
+          </a:p>
+          <a:p>
+            <a:pPr algn="ctr"/>
+            <a:r>
+              <a:rPr lang="en-US" altLang="ko-KR" sz="1000"/>
+              <a:t>y=9</a:t>
+            </a:r>
+            <a:endParaRPr lang="ko-KR" altLang="en-US" sz="1000"/>
+          </a:p>
+        </p:txBody>
+      </p:sp>
+      <p:sp>
+        <p:nvSpPr>
+          <p:cNvPr id="22" name="직사각형 21">
+            <a:extLst>
+              <a:ext uri="{FF2B5EF4-FFF2-40B4-BE49-F238E27FC236}">
+                <a16:creationId xmlns:a16="http://schemas.microsoft.com/office/drawing/2014/main" id="{81202F1A-1500-4C1D-A22B-D2E489A2726F}"/>
+              </a:ext>
+            </a:extLst>
+          </p:cNvPr>
+          <p:cNvSpPr/>
+          <p:nvPr/>
+        </p:nvSpPr>
+        <p:spPr>
+          <a:xfrm>
+            <a:off x="3851920" y="2644254"/>
+            <a:ext cx="432048" cy="360040"/>
+          </a:xfrm>
+          <a:prstGeom prst="rect">
+            <a:avLst/>
+          </a:prstGeom>
+          <a:solidFill>
+            <a:schemeClr val="bg1">
+              <a:lumMod val="85000"/>
+            </a:schemeClr>
+          </a:solidFill>
+        </p:spPr>
+        <p:style>
+          <a:lnRef idx="2">
+            <a:schemeClr val="dk1"/>
+          </a:lnRef>
+          <a:fillRef idx="1">
+            <a:schemeClr val="lt1"/>
+          </a:fillRef>
+          <a:effectRef idx="0">
+            <a:schemeClr val="dk1"/>
+          </a:effectRef>
+          <a:fontRef idx="minor">
+            <a:schemeClr val="dk1"/>
+          </a:fontRef>
+        </p:style>
+        <p:txBody>
+          <a:bodyPr rtlCol="0" anchor="ctr"/>
+          <a:lstStyle/>
+          <a:p>
+            <a:pPr algn="ctr"/>
+            <a:r>
+              <a:rPr lang="en-US" altLang="ko-KR" sz="1000"/>
+              <a:t>2</a:t>
+            </a:r>
+          </a:p>
+          <a:p>
+            <a:pPr algn="ctr"/>
+            <a:r>
+              <a:rPr lang="en-US" altLang="ko-KR" sz="1000"/>
+              <a:t>x=2</a:t>
+            </a:r>
+            <a:endParaRPr lang="ko-KR" altLang="en-US" sz="1000"/>
+          </a:p>
+        </p:txBody>
+      </p:sp>
+      <p:sp>
+        <p:nvSpPr>
+          <p:cNvPr id="23" name="직사각형 22">
+            <a:extLst>
+              <a:ext uri="{FF2B5EF4-FFF2-40B4-BE49-F238E27FC236}">
+                <a16:creationId xmlns:a16="http://schemas.microsoft.com/office/drawing/2014/main" id="{EA1E1FE3-6B7A-4897-A099-0EC5EE89F1D6}"/>
+              </a:ext>
+            </a:extLst>
+          </p:cNvPr>
+          <p:cNvSpPr/>
+          <p:nvPr/>
+        </p:nvSpPr>
+        <p:spPr>
+          <a:xfrm>
+            <a:off x="4281388" y="2644254"/>
+            <a:ext cx="432048" cy="360040"/>
+          </a:xfrm>
+          <a:prstGeom prst="rect">
+            <a:avLst/>
+          </a:prstGeom>
+          <a:solidFill>
+            <a:schemeClr val="bg1">
+              <a:lumMod val="65000"/>
+            </a:schemeClr>
+          </a:solidFill>
+        </p:spPr>
+        <p:style>
+          <a:lnRef idx="2">
+            <a:schemeClr val="dk1"/>
+          </a:lnRef>
+          <a:fillRef idx="1">
+            <a:schemeClr val="lt1"/>
+          </a:fillRef>
+          <a:effectRef idx="0">
+            <a:schemeClr val="dk1"/>
+          </a:effectRef>
+          <a:fontRef idx="minor">
+            <a:schemeClr val="dk1"/>
+          </a:fontRef>
+        </p:style>
+        <p:txBody>
+          <a:bodyPr rtlCol="0" anchor="ctr"/>
+          <a:lstStyle/>
+          <a:p>
+            <a:pPr algn="ctr"/>
+            <a:r>
+              <a:rPr lang="en-US" altLang="ko-KR" sz="1000"/>
+              <a:t>3</a:t>
+            </a:r>
+          </a:p>
+          <a:p>
+            <a:pPr algn="ctr"/>
+            <a:r>
+              <a:rPr lang="en-US" altLang="ko-KR" sz="1000"/>
+              <a:t>x=0</a:t>
+            </a:r>
+            <a:endParaRPr lang="ko-KR" altLang="en-US" sz="1000"/>
+          </a:p>
+        </p:txBody>
+      </p:sp>
+      <p:sp>
+        <p:nvSpPr>
+          <p:cNvPr id="24" name="직사각형 23">
+            <a:extLst>
+              <a:ext uri="{FF2B5EF4-FFF2-40B4-BE49-F238E27FC236}">
+                <a16:creationId xmlns:a16="http://schemas.microsoft.com/office/drawing/2014/main" id="{272C9203-9E75-4425-804D-2750D8DE92FD}"/>
+              </a:ext>
+            </a:extLst>
+          </p:cNvPr>
+          <p:cNvSpPr/>
+          <p:nvPr/>
+        </p:nvSpPr>
+        <p:spPr>
+          <a:xfrm>
+            <a:off x="4710856" y="2644254"/>
+            <a:ext cx="432048" cy="360040"/>
+          </a:xfrm>
+          <a:prstGeom prst="rect">
+            <a:avLst/>
+          </a:prstGeom>
+          <a:solidFill>
+            <a:schemeClr val="bg1">
+              <a:lumMod val="65000"/>
+            </a:schemeClr>
+          </a:solidFill>
+        </p:spPr>
+        <p:style>
+          <a:lnRef idx="2">
+            <a:schemeClr val="dk1"/>
+          </a:lnRef>
+          <a:fillRef idx="1">
+            <a:schemeClr val="lt1"/>
+          </a:fillRef>
+          <a:effectRef idx="0">
+            <a:schemeClr val="dk1"/>
+          </a:effectRef>
+          <a:fontRef idx="minor">
+            <a:schemeClr val="dk1"/>
+          </a:fontRef>
+        </p:style>
+        <p:txBody>
+          <a:bodyPr rtlCol="0" anchor="ctr"/>
+          <a:lstStyle/>
+          <a:p>
+            <a:pPr algn="ctr"/>
+            <a:r>
+              <a:rPr lang="en-US" altLang="ko-KR" sz="1000"/>
+              <a:t>3</a:t>
+            </a:r>
+          </a:p>
+          <a:p>
+            <a:pPr algn="ctr"/>
+            <a:r>
+              <a:rPr lang="en-US" altLang="ko-KR" sz="1000"/>
+              <a:t>y=7</a:t>
+            </a:r>
+            <a:endParaRPr lang="ko-KR" altLang="en-US" sz="1000"/>
+          </a:p>
+        </p:txBody>
+      </p:sp>
+      <p:sp>
+        <p:nvSpPr>
+          <p:cNvPr id="25" name="직사각형 24">
+            <a:extLst>
+              <a:ext uri="{FF2B5EF4-FFF2-40B4-BE49-F238E27FC236}">
+                <a16:creationId xmlns:a16="http://schemas.microsoft.com/office/drawing/2014/main" id="{3980C770-1DFD-40DA-8AFE-A0FA1E24CAC0}"/>
+              </a:ext>
+            </a:extLst>
+          </p:cNvPr>
+          <p:cNvSpPr/>
+          <p:nvPr/>
+        </p:nvSpPr>
+        <p:spPr>
+          <a:xfrm>
+            <a:off x="5140324" y="2644254"/>
+            <a:ext cx="432048" cy="360040"/>
+          </a:xfrm>
+          <a:prstGeom prst="rect">
+            <a:avLst/>
+          </a:prstGeom>
+          <a:solidFill>
+            <a:schemeClr val="bg1">
+              <a:lumMod val="65000"/>
+            </a:schemeClr>
+          </a:solidFill>
+        </p:spPr>
+        <p:style>
+          <a:lnRef idx="2">
+            <a:schemeClr val="dk1"/>
+          </a:lnRef>
+          <a:fillRef idx="1">
+            <a:schemeClr val="lt1"/>
+          </a:fillRef>
+          <a:effectRef idx="0">
+            <a:schemeClr val="dk1"/>
+          </a:effectRef>
+          <a:fontRef idx="minor">
+            <a:schemeClr val="dk1"/>
+          </a:fontRef>
+        </p:style>
+        <p:txBody>
+          <a:bodyPr rtlCol="0" anchor="ctr"/>
+          <a:lstStyle/>
+          <a:p>
+            <a:pPr algn="ctr"/>
+            <a:r>
+              <a:rPr lang="en-US" altLang="ko-KR" sz="1000"/>
+              <a:t>3</a:t>
+            </a:r>
+          </a:p>
+          <a:p>
+            <a:pPr algn="ctr"/>
+            <a:r>
+              <a:rPr lang="en-US" altLang="ko-KR" sz="1000"/>
+              <a:t>x=5</a:t>
+            </a:r>
+            <a:endParaRPr lang="ko-KR" altLang="en-US" sz="1000"/>
+          </a:p>
+        </p:txBody>
+      </p:sp>
+      <p:sp>
+        <p:nvSpPr>
+          <p:cNvPr id="26" name="직사각형 25">
+            <a:extLst>
+              <a:ext uri="{FF2B5EF4-FFF2-40B4-BE49-F238E27FC236}">
+                <a16:creationId xmlns:a16="http://schemas.microsoft.com/office/drawing/2014/main" id="{2460D167-DC15-4FA6-8381-D71EBC59EEAD}"/>
+              </a:ext>
+            </a:extLst>
+          </p:cNvPr>
+          <p:cNvSpPr/>
+          <p:nvPr/>
+        </p:nvSpPr>
+        <p:spPr>
+          <a:xfrm>
+            <a:off x="5569792" y="2644254"/>
+            <a:ext cx="432048" cy="360040"/>
+          </a:xfrm>
+          <a:prstGeom prst="rect">
+            <a:avLst/>
+          </a:prstGeom>
+          <a:solidFill>
+            <a:schemeClr val="bg1">
+              <a:lumMod val="65000"/>
+            </a:schemeClr>
+          </a:solidFill>
+        </p:spPr>
+        <p:style>
+          <a:lnRef idx="2">
+            <a:schemeClr val="dk1"/>
+          </a:lnRef>
+          <a:fillRef idx="1">
+            <a:schemeClr val="lt1"/>
+          </a:fillRef>
+          <a:effectRef idx="0">
+            <a:schemeClr val="dk1"/>
+          </a:effectRef>
+          <a:fontRef idx="minor">
+            <a:schemeClr val="dk1"/>
+          </a:fontRef>
+        </p:style>
+        <p:txBody>
+          <a:bodyPr rtlCol="0" anchor="ctr"/>
+          <a:lstStyle/>
+          <a:p>
+            <a:pPr algn="ctr"/>
+            <a:r>
+              <a:rPr lang="en-US" altLang="ko-KR" sz="1000"/>
+              <a:t>3</a:t>
+            </a:r>
+          </a:p>
+          <a:p>
+            <a:pPr algn="ctr"/>
+            <a:r>
+              <a:rPr lang="en-US" altLang="ko-KR" sz="1000"/>
+              <a:t>x=4</a:t>
+            </a:r>
+            <a:endParaRPr lang="ko-KR" altLang="en-US" sz="1000"/>
+          </a:p>
+        </p:txBody>
+      </p:sp>
+      <p:sp>
+        <p:nvSpPr>
+          <p:cNvPr id="27" name="직사각형 26">
+            <a:extLst>
+              <a:ext uri="{FF2B5EF4-FFF2-40B4-BE49-F238E27FC236}">
+                <a16:creationId xmlns:a16="http://schemas.microsoft.com/office/drawing/2014/main" id="{089827CE-C52C-494A-B327-1E493AE505B0}"/>
+              </a:ext>
+            </a:extLst>
+          </p:cNvPr>
+          <p:cNvSpPr/>
+          <p:nvPr/>
+        </p:nvSpPr>
+        <p:spPr>
+          <a:xfrm>
+            <a:off x="2555776" y="3148062"/>
+            <a:ext cx="432048" cy="360040"/>
+          </a:xfrm>
+          <a:prstGeom prst="rect">
+            <a:avLst/>
+          </a:prstGeom>
+        </p:spPr>
+        <p:style>
+          <a:lnRef idx="2">
+            <a:schemeClr val="dk1"/>
+          </a:lnRef>
+          <a:fillRef idx="1">
+            <a:schemeClr val="lt1"/>
+          </a:fillRef>
+          <a:effectRef idx="0">
+            <a:schemeClr val="dk1"/>
+          </a:effectRef>
+          <a:fontRef idx="minor">
+            <a:schemeClr val="dk1"/>
+          </a:fontRef>
+        </p:style>
+        <p:txBody>
+          <a:bodyPr rtlCol="0" anchor="ctr"/>
+          <a:lstStyle/>
+          <a:p>
+            <a:pPr algn="ctr"/>
+            <a:r>
+              <a:rPr lang="en-US" altLang="ko-KR" sz="1000"/>
+              <a:t>1</a:t>
+            </a:r>
+          </a:p>
+          <a:p>
+            <a:pPr algn="ctr"/>
+            <a:r>
+              <a:rPr lang="en-US" altLang="ko-KR" sz="1000"/>
+              <a:t>x=3</a:t>
+            </a:r>
+            <a:endParaRPr lang="ko-KR" altLang="en-US" sz="1000"/>
+          </a:p>
+        </p:txBody>
+      </p:sp>
+      <p:sp>
+        <p:nvSpPr>
+          <p:cNvPr id="28" name="직사각형 27">
+            <a:extLst>
+              <a:ext uri="{FF2B5EF4-FFF2-40B4-BE49-F238E27FC236}">
+                <a16:creationId xmlns:a16="http://schemas.microsoft.com/office/drawing/2014/main" id="{297EF497-70E3-40E2-AA59-1336447BED19}"/>
+              </a:ext>
+            </a:extLst>
+          </p:cNvPr>
+          <p:cNvSpPr/>
+          <p:nvPr/>
+        </p:nvSpPr>
+        <p:spPr>
+          <a:xfrm>
+            <a:off x="2987824" y="3148062"/>
+            <a:ext cx="432048" cy="360040"/>
+          </a:xfrm>
+          <a:prstGeom prst="rect">
+            <a:avLst/>
+          </a:prstGeom>
+        </p:spPr>
+        <p:style>
+          <a:lnRef idx="2">
+            <a:schemeClr val="dk1"/>
+          </a:lnRef>
+          <a:fillRef idx="1">
+            <a:schemeClr val="lt1"/>
+          </a:fillRef>
+          <a:effectRef idx="0">
+            <a:schemeClr val="dk1"/>
+          </a:effectRef>
+          <a:fontRef idx="minor">
+            <a:schemeClr val="dk1"/>
+          </a:fontRef>
+        </p:style>
+        <p:txBody>
+          <a:bodyPr rtlCol="0" anchor="ctr"/>
+          <a:lstStyle/>
+          <a:p>
+            <a:pPr algn="ctr"/>
+            <a:r>
+              <a:rPr lang="en-US" altLang="ko-KR" sz="1000"/>
+              <a:t>1</a:t>
+            </a:r>
+          </a:p>
+          <a:p>
+            <a:pPr algn="ctr"/>
+            <a:r>
+              <a:rPr lang="en-US" altLang="ko-KR" sz="1000"/>
+              <a:t>y=1</a:t>
+            </a:r>
+            <a:endParaRPr lang="ko-KR" altLang="en-US" sz="1000"/>
+          </a:p>
+        </p:txBody>
+      </p:sp>
+      <p:sp>
+        <p:nvSpPr>
+          <p:cNvPr id="35" name="직사각형 34">
+            <a:extLst>
+              <a:ext uri="{FF2B5EF4-FFF2-40B4-BE49-F238E27FC236}">
+                <a16:creationId xmlns:a16="http://schemas.microsoft.com/office/drawing/2014/main" id="{91D37397-5DDA-4AFB-91E5-D496A166366B}"/>
+              </a:ext>
+            </a:extLst>
+          </p:cNvPr>
+          <p:cNvSpPr/>
+          <p:nvPr/>
+        </p:nvSpPr>
+        <p:spPr>
+          <a:xfrm>
+            <a:off x="2555776" y="3651870"/>
+            <a:ext cx="432048" cy="360040"/>
+          </a:xfrm>
+          <a:prstGeom prst="rect">
+            <a:avLst/>
+          </a:prstGeom>
+        </p:spPr>
+        <p:style>
+          <a:lnRef idx="2">
+            <a:schemeClr val="dk1"/>
+          </a:lnRef>
+          <a:fillRef idx="1">
+            <a:schemeClr val="lt1"/>
+          </a:fillRef>
+          <a:effectRef idx="0">
+            <a:schemeClr val="dk1"/>
+          </a:effectRef>
+          <a:fontRef idx="minor">
+            <a:schemeClr val="dk1"/>
+          </a:fontRef>
+        </p:style>
+        <p:txBody>
+          <a:bodyPr rtlCol="0" anchor="ctr"/>
+          <a:lstStyle/>
+          <a:p>
+            <a:pPr algn="ctr"/>
+            <a:r>
+              <a:rPr lang="en-US" altLang="ko-KR" sz="1000"/>
+              <a:t>1</a:t>
+            </a:r>
+          </a:p>
+          <a:p>
+            <a:pPr algn="ctr"/>
+            <a:r>
+              <a:rPr lang="en-US" altLang="ko-KR" sz="1000"/>
+              <a:t>x=3</a:t>
+            </a:r>
+            <a:endParaRPr lang="ko-KR" altLang="en-US" sz="1000"/>
+          </a:p>
+        </p:txBody>
+      </p:sp>
+      <p:sp>
+        <p:nvSpPr>
+          <p:cNvPr id="36" name="직사각형 35">
+            <a:extLst>
+              <a:ext uri="{FF2B5EF4-FFF2-40B4-BE49-F238E27FC236}">
+                <a16:creationId xmlns:a16="http://schemas.microsoft.com/office/drawing/2014/main" id="{C3B04454-30EE-45BD-8ABF-F2437CA60559}"/>
+              </a:ext>
+            </a:extLst>
+          </p:cNvPr>
+          <p:cNvSpPr/>
+          <p:nvPr/>
+        </p:nvSpPr>
+        <p:spPr>
+          <a:xfrm>
+            <a:off x="2987824" y="3651870"/>
+            <a:ext cx="432048" cy="360040"/>
+          </a:xfrm>
+          <a:prstGeom prst="rect">
+            <a:avLst/>
+          </a:prstGeom>
+        </p:spPr>
+        <p:style>
+          <a:lnRef idx="2">
+            <a:schemeClr val="dk1"/>
+          </a:lnRef>
+          <a:fillRef idx="1">
+            <a:schemeClr val="lt1"/>
+          </a:fillRef>
+          <a:effectRef idx="0">
+            <a:schemeClr val="dk1"/>
+          </a:effectRef>
+          <a:fontRef idx="minor">
+            <a:schemeClr val="dk1"/>
+          </a:fontRef>
+        </p:style>
+        <p:txBody>
+          <a:bodyPr rtlCol="0" anchor="ctr"/>
+          <a:lstStyle/>
+          <a:p>
+            <a:pPr algn="ctr"/>
+            <a:r>
+              <a:rPr lang="en-US" altLang="ko-KR" sz="1000"/>
+              <a:t>1</a:t>
+            </a:r>
+          </a:p>
+          <a:p>
+            <a:pPr algn="ctr"/>
+            <a:r>
+              <a:rPr lang="en-US" altLang="ko-KR" sz="1000"/>
+              <a:t>y=1</a:t>
+            </a:r>
+            <a:endParaRPr lang="ko-KR" altLang="en-US" sz="1000"/>
+          </a:p>
+        </p:txBody>
+      </p:sp>
+      <p:sp>
+        <p:nvSpPr>
+          <p:cNvPr id="37" name="직사각형 36">
+            <a:extLst>
+              <a:ext uri="{FF2B5EF4-FFF2-40B4-BE49-F238E27FC236}">
+                <a16:creationId xmlns:a16="http://schemas.microsoft.com/office/drawing/2014/main" id="{4A7B121A-DEA1-475E-ACA8-09C401F6FAB1}"/>
+              </a:ext>
+            </a:extLst>
+          </p:cNvPr>
+          <p:cNvSpPr/>
+          <p:nvPr/>
+        </p:nvSpPr>
+        <p:spPr>
+          <a:xfrm>
+            <a:off x="3419872" y="3651870"/>
+            <a:ext cx="432048" cy="360040"/>
+          </a:xfrm>
+          <a:prstGeom prst="rect">
+            <a:avLst/>
+          </a:prstGeom>
+        </p:spPr>
+        <p:style>
+          <a:lnRef idx="2">
+            <a:schemeClr val="dk1"/>
+          </a:lnRef>
+          <a:fillRef idx="1">
+            <a:schemeClr val="lt1"/>
+          </a:fillRef>
+          <a:effectRef idx="0">
+            <a:schemeClr val="dk1"/>
+          </a:effectRef>
+          <a:fontRef idx="minor">
+            <a:schemeClr val="dk1"/>
+          </a:fontRef>
+        </p:style>
+        <p:txBody>
+          <a:bodyPr rtlCol="0" anchor="ctr"/>
+          <a:lstStyle/>
+          <a:p>
+            <a:pPr algn="ctr"/>
+            <a:r>
+              <a:rPr lang="en-US" altLang="ko-KR" sz="1000"/>
+              <a:t>1</a:t>
+            </a:r>
+          </a:p>
+          <a:p>
+            <a:pPr algn="ctr"/>
+            <a:r>
+              <a:rPr lang="en-US" altLang="ko-KR" sz="1000"/>
+              <a:t>y=9</a:t>
+            </a:r>
+            <a:endParaRPr lang="ko-KR" altLang="en-US" sz="1000"/>
+          </a:p>
+        </p:txBody>
+      </p:sp>
+      <p:sp>
+        <p:nvSpPr>
+          <p:cNvPr id="38" name="직사각형 37">
+            <a:extLst>
+              <a:ext uri="{FF2B5EF4-FFF2-40B4-BE49-F238E27FC236}">
+                <a16:creationId xmlns:a16="http://schemas.microsoft.com/office/drawing/2014/main" id="{95A80B68-772B-4043-9CFA-DBAB1BA648A7}"/>
+              </a:ext>
+            </a:extLst>
+          </p:cNvPr>
+          <p:cNvSpPr/>
+          <p:nvPr/>
+        </p:nvSpPr>
+        <p:spPr>
+          <a:xfrm>
+            <a:off x="3851920" y="3651870"/>
+            <a:ext cx="432048" cy="360040"/>
+          </a:xfrm>
+          <a:prstGeom prst="rect">
+            <a:avLst/>
+          </a:prstGeom>
+          <a:solidFill>
+            <a:schemeClr val="bg1">
+              <a:lumMod val="85000"/>
+            </a:schemeClr>
+          </a:solidFill>
+        </p:spPr>
+        <p:style>
+          <a:lnRef idx="2">
+            <a:schemeClr val="dk1"/>
+          </a:lnRef>
+          <a:fillRef idx="1">
+            <a:schemeClr val="lt1"/>
+          </a:fillRef>
+          <a:effectRef idx="0">
+            <a:schemeClr val="dk1"/>
+          </a:effectRef>
+          <a:fontRef idx="minor">
+            <a:schemeClr val="dk1"/>
+          </a:fontRef>
+        </p:style>
+        <p:txBody>
+          <a:bodyPr rtlCol="0" anchor="ctr"/>
+          <a:lstStyle/>
+          <a:p>
+            <a:pPr algn="ctr"/>
+            <a:r>
+              <a:rPr lang="en-US" altLang="ko-KR" sz="1000"/>
+              <a:t>2</a:t>
+            </a:r>
+          </a:p>
+          <a:p>
+            <a:pPr algn="ctr"/>
+            <a:r>
+              <a:rPr lang="en-US" altLang="ko-KR" sz="1000"/>
+              <a:t>x=2</a:t>
+            </a:r>
+            <a:endParaRPr lang="ko-KR" altLang="en-US" sz="1000"/>
+          </a:p>
+        </p:txBody>
+      </p:sp>
+      <p:sp>
+        <p:nvSpPr>
+          <p:cNvPr id="39" name="직사각형 38">
+            <a:extLst>
+              <a:ext uri="{FF2B5EF4-FFF2-40B4-BE49-F238E27FC236}">
+                <a16:creationId xmlns:a16="http://schemas.microsoft.com/office/drawing/2014/main" id="{E18F6E6C-4901-4D87-9000-1DEC5342C59A}"/>
+              </a:ext>
+            </a:extLst>
+          </p:cNvPr>
+          <p:cNvSpPr/>
+          <p:nvPr/>
+        </p:nvSpPr>
+        <p:spPr>
+          <a:xfrm>
+            <a:off x="4281388" y="3651870"/>
+            <a:ext cx="432048" cy="360040"/>
+          </a:xfrm>
+          <a:prstGeom prst="rect">
+            <a:avLst/>
+          </a:prstGeom>
+          <a:solidFill>
+            <a:schemeClr val="bg1">
+              <a:lumMod val="65000"/>
+            </a:schemeClr>
+          </a:solidFill>
+        </p:spPr>
+        <p:style>
+          <a:lnRef idx="2">
+            <a:schemeClr val="dk1"/>
+          </a:lnRef>
+          <a:fillRef idx="1">
+            <a:schemeClr val="lt1"/>
+          </a:fillRef>
+          <a:effectRef idx="0">
+            <a:schemeClr val="dk1"/>
+          </a:effectRef>
+          <a:fontRef idx="minor">
+            <a:schemeClr val="dk1"/>
+          </a:fontRef>
+        </p:style>
+        <p:txBody>
+          <a:bodyPr rtlCol="0" anchor="ctr"/>
+          <a:lstStyle/>
+          <a:p>
+            <a:pPr algn="ctr"/>
+            <a:r>
+              <a:rPr lang="en-US" altLang="ko-KR" sz="1000"/>
+              <a:t>3</a:t>
+            </a:r>
+          </a:p>
+          <a:p>
+            <a:pPr algn="ctr"/>
+            <a:r>
+              <a:rPr lang="en-US" altLang="ko-KR" sz="1000"/>
+              <a:t>x=0</a:t>
+            </a:r>
+            <a:endParaRPr lang="ko-KR" altLang="en-US" sz="1000"/>
+          </a:p>
+        </p:txBody>
+      </p:sp>
+      <p:sp>
+        <p:nvSpPr>
+          <p:cNvPr id="40" name="직사각형 39">
+            <a:extLst>
+              <a:ext uri="{FF2B5EF4-FFF2-40B4-BE49-F238E27FC236}">
+                <a16:creationId xmlns:a16="http://schemas.microsoft.com/office/drawing/2014/main" id="{E8EAF4E2-2A62-47E9-AE65-8D6C41DBD6DB}"/>
+              </a:ext>
+            </a:extLst>
+          </p:cNvPr>
+          <p:cNvSpPr/>
+          <p:nvPr/>
+        </p:nvSpPr>
+        <p:spPr>
+          <a:xfrm>
+            <a:off x="4710856" y="3651870"/>
+            <a:ext cx="432048" cy="360040"/>
+          </a:xfrm>
+          <a:prstGeom prst="rect">
+            <a:avLst/>
+          </a:prstGeom>
+          <a:solidFill>
+            <a:schemeClr val="bg1">
+              <a:lumMod val="65000"/>
+            </a:schemeClr>
+          </a:solidFill>
+        </p:spPr>
+        <p:style>
+          <a:lnRef idx="2">
+            <a:schemeClr val="dk1"/>
+          </a:lnRef>
+          <a:fillRef idx="1">
+            <a:schemeClr val="lt1"/>
+          </a:fillRef>
+          <a:effectRef idx="0">
+            <a:schemeClr val="dk1"/>
+          </a:effectRef>
+          <a:fontRef idx="minor">
+            <a:schemeClr val="dk1"/>
+          </a:fontRef>
+        </p:style>
+        <p:txBody>
+          <a:bodyPr rtlCol="0" anchor="ctr"/>
+          <a:lstStyle/>
+          <a:p>
+            <a:pPr algn="ctr"/>
+            <a:r>
+              <a:rPr lang="en-US" altLang="ko-KR" sz="1000"/>
+              <a:t>3</a:t>
+            </a:r>
+          </a:p>
+          <a:p>
+            <a:pPr algn="ctr"/>
+            <a:r>
+              <a:rPr lang="en-US" altLang="ko-KR" sz="1000"/>
+              <a:t>y=7</a:t>
+            </a:r>
+            <a:endParaRPr lang="ko-KR" altLang="en-US" sz="1000"/>
+          </a:p>
+        </p:txBody>
+      </p:sp>
+      <p:sp>
+        <p:nvSpPr>
+          <p:cNvPr id="41" name="직사각형 40">
+            <a:extLst>
+              <a:ext uri="{FF2B5EF4-FFF2-40B4-BE49-F238E27FC236}">
+                <a16:creationId xmlns:a16="http://schemas.microsoft.com/office/drawing/2014/main" id="{A949F82E-8850-4394-BDCC-05C2F7ADA1B6}"/>
+              </a:ext>
+            </a:extLst>
+          </p:cNvPr>
+          <p:cNvSpPr/>
+          <p:nvPr/>
+        </p:nvSpPr>
+        <p:spPr>
+          <a:xfrm>
+            <a:off x="5140324" y="3651870"/>
+            <a:ext cx="432048" cy="360040"/>
+          </a:xfrm>
+          <a:prstGeom prst="rect">
+            <a:avLst/>
+          </a:prstGeom>
+          <a:solidFill>
+            <a:schemeClr val="bg1">
+              <a:lumMod val="65000"/>
+            </a:schemeClr>
+          </a:solidFill>
+        </p:spPr>
+        <p:style>
+          <a:lnRef idx="2">
+            <a:schemeClr val="dk1"/>
+          </a:lnRef>
+          <a:fillRef idx="1">
+            <a:schemeClr val="lt1"/>
+          </a:fillRef>
+          <a:effectRef idx="0">
+            <a:schemeClr val="dk1"/>
+          </a:effectRef>
+          <a:fontRef idx="minor">
+            <a:schemeClr val="dk1"/>
+          </a:fontRef>
+        </p:style>
+        <p:txBody>
+          <a:bodyPr rtlCol="0" anchor="ctr"/>
+          <a:lstStyle/>
+          <a:p>
+            <a:pPr algn="ctr"/>
+            <a:r>
+              <a:rPr lang="en-US" altLang="ko-KR" sz="1000"/>
+              <a:t>3</a:t>
+            </a:r>
+          </a:p>
+          <a:p>
+            <a:pPr algn="ctr"/>
+            <a:r>
+              <a:rPr lang="en-US" altLang="ko-KR" sz="1000"/>
+              <a:t>x=5</a:t>
+            </a:r>
+            <a:endParaRPr lang="ko-KR" altLang="en-US" sz="1000"/>
+          </a:p>
+        </p:txBody>
+      </p:sp>
+      <p:sp>
+        <p:nvSpPr>
+          <p:cNvPr id="43" name="TextBox 42">
+            <a:extLst>
+              <a:ext uri="{FF2B5EF4-FFF2-40B4-BE49-F238E27FC236}">
+                <a16:creationId xmlns:a16="http://schemas.microsoft.com/office/drawing/2014/main" id="{B32EACED-9831-4B90-ACF4-3D170553C41F}"/>
+              </a:ext>
+            </a:extLst>
+          </p:cNvPr>
+          <p:cNvSpPr txBox="1"/>
+          <p:nvPr/>
+        </p:nvSpPr>
+        <p:spPr>
+          <a:xfrm>
+            <a:off x="6358620" y="1662521"/>
+            <a:ext cx="728084" cy="307777"/>
+          </a:xfrm>
+          <a:prstGeom prst="rect">
+            <a:avLst/>
+          </a:prstGeom>
+          <a:noFill/>
+        </p:spPr>
+        <p:txBody>
+          <a:bodyPr wrap="none" rtlCol="0">
+            <a:spAutoFit/>
+          </a:bodyPr>
+          <a:lstStyle/>
+          <a:p>
+            <a:r>
+              <a:rPr lang="en-US" altLang="ko-KR" sz="1400"/>
+              <a:t>Leader</a:t>
+            </a:r>
+            <a:endParaRPr lang="ko-KR" altLang="en-US" sz="1400"/>
+          </a:p>
+        </p:txBody>
+      </p:sp>
+      <p:sp>
+        <p:nvSpPr>
+          <p:cNvPr id="44" name="TextBox 43">
+            <a:extLst>
+              <a:ext uri="{FF2B5EF4-FFF2-40B4-BE49-F238E27FC236}">
+                <a16:creationId xmlns:a16="http://schemas.microsoft.com/office/drawing/2014/main" id="{5530A3E1-F5BC-4321-A087-6C52D8CD88BC}"/>
+              </a:ext>
+            </a:extLst>
+          </p:cNvPr>
+          <p:cNvSpPr txBox="1"/>
+          <p:nvPr/>
+        </p:nvSpPr>
+        <p:spPr>
+          <a:xfrm>
+            <a:off x="6358620" y="2940228"/>
+            <a:ext cx="949684" cy="307777"/>
+          </a:xfrm>
+          <a:prstGeom prst="rect">
+            <a:avLst/>
+          </a:prstGeom>
+          <a:noFill/>
+        </p:spPr>
+        <p:txBody>
+          <a:bodyPr wrap="none" rtlCol="0">
+            <a:spAutoFit/>
+          </a:bodyPr>
+          <a:lstStyle/>
+          <a:p>
+            <a:r>
+              <a:rPr lang="en-US" altLang="ko-KR" sz="1400"/>
+              <a:t>Followers</a:t>
+            </a:r>
+            <a:endParaRPr lang="ko-KR" altLang="en-US" sz="1400"/>
+          </a:p>
+        </p:txBody>
+      </p:sp>
+      <p:sp>
+        <p:nvSpPr>
+          <p:cNvPr id="45" name="TextBox 44">
+            <a:extLst>
+              <a:ext uri="{FF2B5EF4-FFF2-40B4-BE49-F238E27FC236}">
+                <a16:creationId xmlns:a16="http://schemas.microsoft.com/office/drawing/2014/main" id="{E79F6D5D-0E85-4976-A0D8-0C8E042B712C}"/>
+              </a:ext>
+            </a:extLst>
+          </p:cNvPr>
+          <p:cNvSpPr txBox="1"/>
+          <p:nvPr/>
+        </p:nvSpPr>
+        <p:spPr>
+          <a:xfrm>
+            <a:off x="6357950" y="1212875"/>
+            <a:ext cx="1106200" cy="307777"/>
+          </a:xfrm>
+          <a:prstGeom prst="rect">
+            <a:avLst/>
+          </a:prstGeom>
+          <a:noFill/>
+        </p:spPr>
+        <p:txBody>
+          <a:bodyPr wrap="none" rtlCol="0">
+            <a:spAutoFit/>
+          </a:bodyPr>
+          <a:lstStyle/>
+          <a:p>
+            <a:r>
+              <a:rPr lang="en-US" altLang="ko-KR" sz="1400"/>
+              <a:t>Entry Index</a:t>
+            </a:r>
+            <a:endParaRPr lang="ko-KR" altLang="en-US" sz="1400"/>
+          </a:p>
+        </p:txBody>
+      </p:sp>
+      <p:sp>
+        <p:nvSpPr>
+          <p:cNvPr id="46" name="오른쪽 중괄호 45">
+            <a:extLst>
+              <a:ext uri="{FF2B5EF4-FFF2-40B4-BE49-F238E27FC236}">
+                <a16:creationId xmlns:a16="http://schemas.microsoft.com/office/drawing/2014/main" id="{A68CC319-D0A4-4D7F-8771-2F85D42949BC}"/>
+              </a:ext>
+            </a:extLst>
+          </p:cNvPr>
+          <p:cNvSpPr/>
+          <p:nvPr/>
+        </p:nvSpPr>
+        <p:spPr>
+          <a:xfrm>
+            <a:off x="6084168" y="2320341"/>
+            <a:ext cx="226608" cy="1547553"/>
+          </a:xfrm>
+          <a:prstGeom prst="rightBrace">
+            <a:avLst>
+              <a:gd name="adj1" fmla="val 18746"/>
+              <a:gd name="adj2" fmla="val 50000"/>
+            </a:avLst>
+          </a:prstGeom>
+          <a:ln>
+            <a:solidFill>
+              <a:schemeClr val="tx1"/>
+            </a:solidFill>
+          </a:ln>
+        </p:spPr>
+        <p:style>
+          <a:lnRef idx="1">
+            <a:schemeClr val="accent1"/>
+          </a:lnRef>
+          <a:fillRef idx="0">
+            <a:schemeClr val="accent1"/>
+          </a:fillRef>
+          <a:effectRef idx="0">
+            <a:schemeClr val="accent1"/>
+          </a:effectRef>
+          <a:fontRef idx="minor">
+            <a:schemeClr val="tx1"/>
+          </a:fontRef>
+        </p:style>
+        <p:txBody>
+          <a:bodyPr rtlCol="0" anchor="ctr"/>
+          <a:lstStyle/>
+          <a:p>
+            <a:pPr algn="ctr"/>
+            <a:endParaRPr lang="ko-KR" altLang="en-US"/>
+          </a:p>
+        </p:txBody>
+      </p:sp>
+      <p:sp>
+        <p:nvSpPr>
+          <p:cNvPr id="47" name="직사각형 46">
+            <a:extLst>
+              <a:ext uri="{FF2B5EF4-FFF2-40B4-BE49-F238E27FC236}">
+                <a16:creationId xmlns:a16="http://schemas.microsoft.com/office/drawing/2014/main" id="{B273B1EB-0FC4-41EB-8B1C-9317385C2A5F}"/>
+              </a:ext>
+            </a:extLst>
+          </p:cNvPr>
+          <p:cNvSpPr/>
+          <p:nvPr/>
+        </p:nvSpPr>
+        <p:spPr>
+          <a:xfrm>
+            <a:off x="2555776" y="1203598"/>
+            <a:ext cx="432048" cy="360040"/>
+          </a:xfrm>
+          <a:prstGeom prst="rect">
+            <a:avLst/>
+          </a:prstGeom>
+          <a:noFill/>
+          <a:ln>
+            <a:noFill/>
+          </a:ln>
+        </p:spPr>
+        <p:style>
+          <a:lnRef idx="2">
+            <a:schemeClr val="dk1"/>
+          </a:lnRef>
+          <a:fillRef idx="1">
+            <a:schemeClr val="lt1"/>
+          </a:fillRef>
+          <a:effectRef idx="0">
+            <a:schemeClr val="dk1"/>
+          </a:effectRef>
+          <a:fontRef idx="minor">
+            <a:schemeClr val="dk1"/>
+          </a:fontRef>
+        </p:style>
+        <p:txBody>
+          <a:bodyPr rtlCol="0" anchor="ctr"/>
+          <a:lstStyle/>
+          <a:p>
+            <a:pPr algn="ctr"/>
+            <a:r>
+              <a:rPr lang="en-US" altLang="ko-KR" sz="1400"/>
+              <a:t>1</a:t>
+            </a:r>
+          </a:p>
+        </p:txBody>
+      </p:sp>
+      <p:sp>
+        <p:nvSpPr>
+          <p:cNvPr id="48" name="직사각형 47">
+            <a:extLst>
+              <a:ext uri="{FF2B5EF4-FFF2-40B4-BE49-F238E27FC236}">
+                <a16:creationId xmlns:a16="http://schemas.microsoft.com/office/drawing/2014/main" id="{70B92AEB-6B7F-4BD5-B5CC-F44F71BA56FC}"/>
+              </a:ext>
+            </a:extLst>
+          </p:cNvPr>
+          <p:cNvSpPr/>
+          <p:nvPr/>
+        </p:nvSpPr>
+        <p:spPr>
+          <a:xfrm>
+            <a:off x="2987824" y="1203598"/>
+            <a:ext cx="432048" cy="360040"/>
+          </a:xfrm>
+          <a:prstGeom prst="rect">
+            <a:avLst/>
+          </a:prstGeom>
+          <a:noFill/>
+          <a:ln>
+            <a:noFill/>
+          </a:ln>
+        </p:spPr>
+        <p:style>
+          <a:lnRef idx="2">
+            <a:schemeClr val="dk1"/>
+          </a:lnRef>
+          <a:fillRef idx="1">
+            <a:schemeClr val="lt1"/>
+          </a:fillRef>
+          <a:effectRef idx="0">
+            <a:schemeClr val="dk1"/>
+          </a:effectRef>
+          <a:fontRef idx="minor">
+            <a:schemeClr val="dk1"/>
+          </a:fontRef>
+        </p:style>
+        <p:txBody>
+          <a:bodyPr rtlCol="0" anchor="ctr"/>
+          <a:lstStyle/>
+          <a:p>
+            <a:pPr algn="ctr"/>
+            <a:r>
+              <a:rPr lang="en-US" altLang="ko-KR" sz="1400"/>
+              <a:t>2</a:t>
+            </a:r>
+          </a:p>
+        </p:txBody>
+      </p:sp>
+      <p:sp>
+        <p:nvSpPr>
+          <p:cNvPr id="49" name="직사각형 48">
+            <a:extLst>
+              <a:ext uri="{FF2B5EF4-FFF2-40B4-BE49-F238E27FC236}">
+                <a16:creationId xmlns:a16="http://schemas.microsoft.com/office/drawing/2014/main" id="{DD1C708F-CCB3-455D-B901-2A88C60F3164}"/>
+              </a:ext>
+            </a:extLst>
+          </p:cNvPr>
+          <p:cNvSpPr/>
+          <p:nvPr/>
+        </p:nvSpPr>
+        <p:spPr>
+          <a:xfrm>
+            <a:off x="3419872" y="1203598"/>
+            <a:ext cx="432048" cy="360040"/>
+          </a:xfrm>
+          <a:prstGeom prst="rect">
+            <a:avLst/>
+          </a:prstGeom>
+          <a:noFill/>
+          <a:ln>
+            <a:noFill/>
+          </a:ln>
+        </p:spPr>
+        <p:style>
+          <a:lnRef idx="2">
+            <a:schemeClr val="dk1"/>
+          </a:lnRef>
+          <a:fillRef idx="1">
+            <a:schemeClr val="lt1"/>
+          </a:fillRef>
+          <a:effectRef idx="0">
+            <a:schemeClr val="dk1"/>
+          </a:effectRef>
+          <a:fontRef idx="minor">
+            <a:schemeClr val="dk1"/>
+          </a:fontRef>
+        </p:style>
+        <p:txBody>
+          <a:bodyPr rtlCol="0" anchor="ctr"/>
+          <a:lstStyle/>
+          <a:p>
+            <a:pPr algn="ctr"/>
+            <a:r>
+              <a:rPr lang="en-US" altLang="ko-KR" sz="1400"/>
+              <a:t>3</a:t>
+            </a:r>
+          </a:p>
+        </p:txBody>
+      </p:sp>
+      <p:sp>
+        <p:nvSpPr>
+          <p:cNvPr id="50" name="직사각형 49">
+            <a:extLst>
+              <a:ext uri="{FF2B5EF4-FFF2-40B4-BE49-F238E27FC236}">
+                <a16:creationId xmlns:a16="http://schemas.microsoft.com/office/drawing/2014/main" id="{87C9D3D6-8AA2-4301-8EC0-C94F5528FD1E}"/>
+              </a:ext>
+            </a:extLst>
+          </p:cNvPr>
+          <p:cNvSpPr/>
+          <p:nvPr/>
+        </p:nvSpPr>
+        <p:spPr>
+          <a:xfrm>
+            <a:off x="3851920" y="1203598"/>
+            <a:ext cx="432048" cy="360040"/>
+          </a:xfrm>
+          <a:prstGeom prst="rect">
+            <a:avLst/>
+          </a:prstGeom>
+          <a:noFill/>
+          <a:ln>
+            <a:noFill/>
+          </a:ln>
+        </p:spPr>
+        <p:style>
+          <a:lnRef idx="2">
+            <a:schemeClr val="dk1"/>
+          </a:lnRef>
+          <a:fillRef idx="1">
+            <a:schemeClr val="lt1"/>
+          </a:fillRef>
+          <a:effectRef idx="0">
+            <a:schemeClr val="dk1"/>
+          </a:effectRef>
+          <a:fontRef idx="minor">
+            <a:schemeClr val="dk1"/>
+          </a:fontRef>
+        </p:style>
+        <p:txBody>
+          <a:bodyPr rtlCol="0" anchor="ctr"/>
+          <a:lstStyle/>
+          <a:p>
+            <a:pPr algn="ctr"/>
+            <a:r>
+              <a:rPr lang="en-US" altLang="ko-KR" sz="1400"/>
+              <a:t>4</a:t>
+            </a:r>
+          </a:p>
+        </p:txBody>
+      </p:sp>
+      <p:sp>
+        <p:nvSpPr>
+          <p:cNvPr id="51" name="직사각형 50">
+            <a:extLst>
+              <a:ext uri="{FF2B5EF4-FFF2-40B4-BE49-F238E27FC236}">
+                <a16:creationId xmlns:a16="http://schemas.microsoft.com/office/drawing/2014/main" id="{63E240B1-CACF-4ED7-98DA-F2839989FD13}"/>
+              </a:ext>
+            </a:extLst>
+          </p:cNvPr>
+          <p:cNvSpPr/>
+          <p:nvPr/>
+        </p:nvSpPr>
+        <p:spPr>
+          <a:xfrm>
+            <a:off x="4281388" y="1203598"/>
+            <a:ext cx="432048" cy="360040"/>
+          </a:xfrm>
+          <a:prstGeom prst="rect">
+            <a:avLst/>
+          </a:prstGeom>
+          <a:noFill/>
+          <a:ln>
+            <a:noFill/>
+          </a:ln>
+        </p:spPr>
+        <p:style>
+          <a:lnRef idx="2">
+            <a:schemeClr val="dk1"/>
+          </a:lnRef>
+          <a:fillRef idx="1">
+            <a:schemeClr val="lt1"/>
+          </a:fillRef>
+          <a:effectRef idx="0">
+            <a:schemeClr val="dk1"/>
+          </a:effectRef>
+          <a:fontRef idx="minor">
+            <a:schemeClr val="dk1"/>
+          </a:fontRef>
+        </p:style>
+        <p:txBody>
+          <a:bodyPr rtlCol="0" anchor="ctr"/>
+          <a:lstStyle/>
+          <a:p>
+            <a:pPr algn="ctr"/>
+            <a:r>
+              <a:rPr lang="en-US" altLang="ko-KR" sz="1400"/>
+              <a:t>5</a:t>
+            </a:r>
+          </a:p>
+        </p:txBody>
+      </p:sp>
+      <p:sp>
+        <p:nvSpPr>
+          <p:cNvPr id="52" name="직사각형 51">
+            <a:extLst>
+              <a:ext uri="{FF2B5EF4-FFF2-40B4-BE49-F238E27FC236}">
+                <a16:creationId xmlns:a16="http://schemas.microsoft.com/office/drawing/2014/main" id="{A10D775B-10A8-47B8-AE75-A605C8DC8A2C}"/>
+              </a:ext>
+            </a:extLst>
+          </p:cNvPr>
+          <p:cNvSpPr/>
+          <p:nvPr/>
+        </p:nvSpPr>
+        <p:spPr>
+          <a:xfrm>
+            <a:off x="4710856" y="1203598"/>
+            <a:ext cx="432048" cy="360040"/>
+          </a:xfrm>
+          <a:prstGeom prst="rect">
+            <a:avLst/>
+          </a:prstGeom>
+          <a:noFill/>
+          <a:ln>
+            <a:noFill/>
+          </a:ln>
+        </p:spPr>
+        <p:style>
+          <a:lnRef idx="2">
+            <a:schemeClr val="dk1"/>
+          </a:lnRef>
+          <a:fillRef idx="1">
+            <a:schemeClr val="lt1"/>
+          </a:fillRef>
+          <a:effectRef idx="0">
+            <a:schemeClr val="dk1"/>
+          </a:effectRef>
+          <a:fontRef idx="minor">
+            <a:schemeClr val="dk1"/>
+          </a:fontRef>
+        </p:style>
+        <p:txBody>
+          <a:bodyPr rtlCol="0" anchor="ctr"/>
+          <a:lstStyle/>
+          <a:p>
+            <a:pPr algn="ctr"/>
+            <a:r>
+              <a:rPr lang="en-US" altLang="ko-KR" sz="1400"/>
+              <a:t>6</a:t>
+            </a:r>
+          </a:p>
+        </p:txBody>
+      </p:sp>
+      <p:sp>
+        <p:nvSpPr>
+          <p:cNvPr id="53" name="직사각형 52">
+            <a:extLst>
+              <a:ext uri="{FF2B5EF4-FFF2-40B4-BE49-F238E27FC236}">
+                <a16:creationId xmlns:a16="http://schemas.microsoft.com/office/drawing/2014/main" id="{D71B199D-CEA1-4C88-8CD8-FDF9EFEF13AC}"/>
+              </a:ext>
+            </a:extLst>
+          </p:cNvPr>
+          <p:cNvSpPr/>
+          <p:nvPr/>
+        </p:nvSpPr>
+        <p:spPr>
+          <a:xfrm>
+            <a:off x="5140324" y="1203598"/>
+            <a:ext cx="432048" cy="360040"/>
+          </a:xfrm>
+          <a:prstGeom prst="rect">
+            <a:avLst/>
+          </a:prstGeom>
+          <a:noFill/>
+          <a:ln>
+            <a:noFill/>
+          </a:ln>
+        </p:spPr>
+        <p:style>
+          <a:lnRef idx="2">
+            <a:schemeClr val="dk1"/>
+          </a:lnRef>
+          <a:fillRef idx="1">
+            <a:schemeClr val="lt1"/>
+          </a:fillRef>
+          <a:effectRef idx="0">
+            <a:schemeClr val="dk1"/>
+          </a:effectRef>
+          <a:fontRef idx="minor">
+            <a:schemeClr val="dk1"/>
+          </a:fontRef>
+        </p:style>
+        <p:txBody>
+          <a:bodyPr rtlCol="0" anchor="ctr"/>
+          <a:lstStyle/>
+          <a:p>
+            <a:pPr algn="ctr"/>
+            <a:r>
+              <a:rPr lang="en-US" altLang="ko-KR" sz="1400"/>
+              <a:t>7</a:t>
+            </a:r>
+          </a:p>
+        </p:txBody>
+      </p:sp>
+      <p:sp>
+        <p:nvSpPr>
+          <p:cNvPr id="54" name="직사각형 53">
+            <a:extLst>
+              <a:ext uri="{FF2B5EF4-FFF2-40B4-BE49-F238E27FC236}">
+                <a16:creationId xmlns:a16="http://schemas.microsoft.com/office/drawing/2014/main" id="{EA1FDA34-8F94-481F-9694-97E832D6BDD4}"/>
+              </a:ext>
+            </a:extLst>
+          </p:cNvPr>
+          <p:cNvSpPr/>
+          <p:nvPr/>
+        </p:nvSpPr>
+        <p:spPr>
+          <a:xfrm>
+            <a:off x="5569792" y="1203598"/>
+            <a:ext cx="432048" cy="360040"/>
+          </a:xfrm>
+          <a:prstGeom prst="rect">
+            <a:avLst/>
+          </a:prstGeom>
+          <a:noFill/>
+          <a:ln>
+            <a:noFill/>
+          </a:ln>
+        </p:spPr>
+        <p:style>
+          <a:lnRef idx="2">
+            <a:schemeClr val="dk1"/>
+          </a:lnRef>
+          <a:fillRef idx="1">
+            <a:schemeClr val="lt1"/>
+          </a:fillRef>
+          <a:effectRef idx="0">
+            <a:schemeClr val="dk1"/>
+          </a:effectRef>
+          <a:fontRef idx="minor">
+            <a:schemeClr val="dk1"/>
+          </a:fontRef>
+        </p:style>
+        <p:txBody>
+          <a:bodyPr rtlCol="0" anchor="ctr"/>
+          <a:lstStyle/>
+          <a:p>
+            <a:pPr algn="ctr"/>
+            <a:r>
+              <a:rPr lang="en-US" altLang="ko-KR" sz="1400"/>
+              <a:t>8</a:t>
+            </a:r>
+          </a:p>
+        </p:txBody>
+      </p:sp>
+      <p:cxnSp>
+        <p:nvCxnSpPr>
+          <p:cNvPr id="55" name="직선 화살표 연결선 54">
+            <a:extLst>
+              <a:ext uri="{FF2B5EF4-FFF2-40B4-BE49-F238E27FC236}">
+                <a16:creationId xmlns:a16="http://schemas.microsoft.com/office/drawing/2014/main" id="{443ADB39-781E-4E1E-A26A-AEB1C071A67F}"/>
+              </a:ext>
+            </a:extLst>
+          </p:cNvPr>
+          <p:cNvCxnSpPr>
+            <a:cxnSpLocks/>
+          </p:cNvCxnSpPr>
+          <p:nvPr/>
+        </p:nvCxnSpPr>
+        <p:spPr>
+          <a:xfrm>
+            <a:off x="2555776" y="4155926"/>
+            <a:ext cx="3014016" cy="0"/>
+          </a:xfrm>
+          <a:prstGeom prst="straightConnector1">
+            <a:avLst/>
+          </a:prstGeom>
+          <a:ln w="19050">
+            <a:solidFill>
+              <a:schemeClr val="tx1"/>
+            </a:solidFill>
+            <a:headEnd type="arrow" w="med" len="med"/>
+            <a:tailEnd type="arrow" w="med" len="med"/>
+          </a:ln>
+        </p:spPr>
+        <p:style>
+          <a:lnRef idx="1">
+            <a:schemeClr val="accent1"/>
+          </a:lnRef>
+          <a:fillRef idx="0">
+            <a:schemeClr val="accent1"/>
+          </a:fillRef>
+          <a:effectRef idx="0">
+            <a:schemeClr val="accent1"/>
+          </a:effectRef>
+          <a:fontRef idx="minor">
+            <a:schemeClr val="tx1"/>
+          </a:fontRef>
+        </p:style>
+      </p:cxnSp>
+      <p:sp>
+        <p:nvSpPr>
+          <p:cNvPr id="61" name="TextBox 60">
+            <a:extLst>
+              <a:ext uri="{FF2B5EF4-FFF2-40B4-BE49-F238E27FC236}">
+                <a16:creationId xmlns:a16="http://schemas.microsoft.com/office/drawing/2014/main" id="{BEDAB674-1E72-487A-81E7-DC152F081E2F}"/>
+              </a:ext>
+            </a:extLst>
+          </p:cNvPr>
+          <p:cNvSpPr txBox="1"/>
+          <p:nvPr/>
+        </p:nvSpPr>
+        <p:spPr>
+          <a:xfrm>
+            <a:off x="3243425" y="4156546"/>
+            <a:ext cx="1638718" cy="307777"/>
+          </a:xfrm>
+          <a:prstGeom prst="rect">
+            <a:avLst/>
+          </a:prstGeom>
+          <a:noFill/>
+        </p:spPr>
+        <p:txBody>
+          <a:bodyPr wrap="none" rtlCol="0">
+            <a:spAutoFit/>
+          </a:bodyPr>
+          <a:lstStyle/>
+          <a:p>
+            <a:r>
+              <a:rPr lang="en-US" altLang="ko-KR" sz="1400"/>
+              <a:t>Commited Entries</a:t>
+            </a:r>
+            <a:endParaRPr lang="ko-KR" altLang="en-US" sz="1400"/>
+          </a:p>
+        </p:txBody>
+      </p:sp>
+    </p:spTree>
+    <p:extLst>
+      <p:ext uri="{BB962C8B-B14F-4D97-AF65-F5344CB8AC3E}">
+        <p14:creationId xmlns:p14="http://schemas.microsoft.com/office/powerpoint/2010/main" val="2135645344"/>
+      </p:ext>
+    </p:extLst>
+  </p:cSld>
+  <p:clrMapOvr>
+    <a:masterClrMapping/>
+  </p:clrMapOvr>
+</p:sld>
+</file>
+
+<file path=ppt/slides/slide6.xml><?xml version="1.0" encoding="utf-8"?>
+<p:sld xmlns:a="http://schemas.openxmlformats.org/drawingml/2006/main" xmlns:r="http://schemas.openxmlformats.org/officeDocument/2006/relationships" xmlns:p="http://schemas.openxmlformats.org/presentationml/2006/main">
+  <p:cSld>
+    <p:spTree>
+      <p:nvGrpSpPr>
+        <p:cNvPr id="1" name=""/>
+        <p:cNvGrpSpPr/>
+        <p:nvPr/>
+      </p:nvGrpSpPr>
+      <p:grpSpPr>
+        <a:xfrm>
+          <a:off x="0" y="0"/>
+          <a:ext cx="0" cy="0"/>
+          <a:chOff x="0" y="0"/>
+          <a:chExt cx="0" cy="0"/>
+        </a:xfrm>
+      </p:grpSpPr>
+      <p:sp>
+        <p:nvSpPr>
+          <p:cNvPr id="2" name="제목 1">
+            <a:extLst>
+              <a:ext uri="{FF2B5EF4-FFF2-40B4-BE49-F238E27FC236}">
+                <a16:creationId xmlns:a16="http://schemas.microsoft.com/office/drawing/2014/main" id="{BC291C17-39D6-4CD3-BA97-F7F1EDB2AC89}"/>
+              </a:ext>
+            </a:extLst>
+          </p:cNvPr>
+          <p:cNvSpPr>
+            <a:spLocks noGrp="1"/>
+          </p:cNvSpPr>
+          <p:nvPr>
+            <p:ph type="title"/>
+          </p:nvPr>
+        </p:nvSpPr>
+        <p:spPr/>
+        <p:txBody>
+          <a:bodyPr/>
+          <a:lstStyle/>
+          <a:p>
+            <a:r>
+              <a:rPr lang="en-US" altLang="ko-KR"/>
+              <a:t>Cluster Member Add/Remove</a:t>
+            </a:r>
+            <a:endParaRPr lang="ko-KR" altLang="en-US"/>
+          </a:p>
+        </p:txBody>
+      </p:sp>
+      <p:sp>
+        <p:nvSpPr>
+          <p:cNvPr id="16" name="타원 15">
+            <a:extLst>
+              <a:ext uri="{FF2B5EF4-FFF2-40B4-BE49-F238E27FC236}">
+                <a16:creationId xmlns:a16="http://schemas.microsoft.com/office/drawing/2014/main" id="{61990FC2-8CD2-4643-BFA1-AB25D36A052D}"/>
+              </a:ext>
+            </a:extLst>
+          </p:cNvPr>
+          <p:cNvSpPr/>
+          <p:nvPr/>
+        </p:nvSpPr>
+        <p:spPr>
+          <a:xfrm>
+            <a:off x="2411760" y="1923678"/>
+            <a:ext cx="288032" cy="288032"/>
+          </a:xfrm>
+          <a:prstGeom prst="ellipse">
+            <a:avLst/>
+          </a:prstGeom>
+          <a:noFill/>
+        </p:spPr>
+        <p:style>
+          <a:lnRef idx="2">
+            <a:schemeClr val="dk1"/>
+          </a:lnRef>
+          <a:fillRef idx="1">
+            <a:schemeClr val="lt1"/>
+          </a:fillRef>
+          <a:effectRef idx="0">
+            <a:schemeClr val="dk1"/>
+          </a:effectRef>
+          <a:fontRef idx="minor">
+            <a:schemeClr val="dk1"/>
+          </a:fontRef>
+        </p:style>
+        <p:txBody>
+          <a:bodyPr rtlCol="0" anchor="ctr"/>
+          <a:lstStyle/>
+          <a:p>
+            <a:pPr algn="ctr"/>
+            <a:endParaRPr lang="ko-KR" altLang="en-US"/>
+          </a:p>
+        </p:txBody>
+      </p:sp>
+      <p:sp>
+        <p:nvSpPr>
+          <p:cNvPr id="56" name="타원 55">
+            <a:extLst>
+              <a:ext uri="{FF2B5EF4-FFF2-40B4-BE49-F238E27FC236}">
+                <a16:creationId xmlns:a16="http://schemas.microsoft.com/office/drawing/2014/main" id="{0FD44B01-8869-4E66-875A-794D86A9789B}"/>
+              </a:ext>
+            </a:extLst>
+          </p:cNvPr>
+          <p:cNvSpPr/>
+          <p:nvPr/>
+        </p:nvSpPr>
+        <p:spPr>
+          <a:xfrm>
+            <a:off x="2843808" y="1923678"/>
+            <a:ext cx="288032" cy="288032"/>
+          </a:xfrm>
+          <a:prstGeom prst="ellipse">
+            <a:avLst/>
+          </a:prstGeom>
+          <a:noFill/>
+        </p:spPr>
+        <p:style>
+          <a:lnRef idx="2">
+            <a:schemeClr val="dk1"/>
+          </a:lnRef>
+          <a:fillRef idx="1">
+            <a:schemeClr val="lt1"/>
+          </a:fillRef>
+          <a:effectRef idx="0">
+            <a:schemeClr val="dk1"/>
+          </a:effectRef>
+          <a:fontRef idx="minor">
+            <a:schemeClr val="dk1"/>
+          </a:fontRef>
+        </p:style>
+        <p:txBody>
+          <a:bodyPr rtlCol="0" anchor="ctr"/>
+          <a:lstStyle/>
+          <a:p>
+            <a:pPr algn="ctr"/>
+            <a:endParaRPr lang="ko-KR" altLang="en-US"/>
+          </a:p>
+        </p:txBody>
+      </p:sp>
+      <p:sp>
+        <p:nvSpPr>
+          <p:cNvPr id="57" name="타원 56">
+            <a:extLst>
+              <a:ext uri="{FF2B5EF4-FFF2-40B4-BE49-F238E27FC236}">
+                <a16:creationId xmlns:a16="http://schemas.microsoft.com/office/drawing/2014/main" id="{D7E972B4-90B5-42B0-BB9B-4820C23FFCD9}"/>
+              </a:ext>
+            </a:extLst>
+          </p:cNvPr>
+          <p:cNvSpPr/>
+          <p:nvPr/>
+        </p:nvSpPr>
+        <p:spPr>
+          <a:xfrm>
+            <a:off x="3275856" y="1923678"/>
+            <a:ext cx="288032" cy="288032"/>
+          </a:xfrm>
+          <a:prstGeom prst="ellipse">
+            <a:avLst/>
+          </a:prstGeom>
+          <a:noFill/>
+        </p:spPr>
+        <p:style>
+          <a:lnRef idx="2">
+            <a:schemeClr val="dk1"/>
+          </a:lnRef>
+          <a:fillRef idx="1">
+            <a:schemeClr val="lt1"/>
+          </a:fillRef>
+          <a:effectRef idx="0">
+            <a:schemeClr val="dk1"/>
+          </a:effectRef>
+          <a:fontRef idx="minor">
+            <a:schemeClr val="dk1"/>
+          </a:fontRef>
+        </p:style>
+        <p:txBody>
+          <a:bodyPr rtlCol="0" anchor="ctr"/>
+          <a:lstStyle/>
+          <a:p>
+            <a:pPr algn="ctr"/>
+            <a:endParaRPr lang="ko-KR" altLang="en-US"/>
+          </a:p>
+        </p:txBody>
+      </p:sp>
+      <p:sp>
+        <p:nvSpPr>
+          <p:cNvPr id="58" name="타원 57">
+            <a:extLst>
+              <a:ext uri="{FF2B5EF4-FFF2-40B4-BE49-F238E27FC236}">
+                <a16:creationId xmlns:a16="http://schemas.microsoft.com/office/drawing/2014/main" id="{560646BC-3625-4924-BD16-5A935B010F36}"/>
+              </a:ext>
+            </a:extLst>
+          </p:cNvPr>
+          <p:cNvSpPr/>
+          <p:nvPr/>
+        </p:nvSpPr>
+        <p:spPr>
+          <a:xfrm>
+            <a:off x="3707904" y="1923678"/>
+            <a:ext cx="288032" cy="288032"/>
+          </a:xfrm>
+          <a:prstGeom prst="ellipse">
+            <a:avLst/>
+          </a:prstGeom>
+          <a:noFill/>
+        </p:spPr>
+        <p:style>
+          <a:lnRef idx="2">
+            <a:schemeClr val="dk1"/>
+          </a:lnRef>
+          <a:fillRef idx="1">
+            <a:schemeClr val="lt1"/>
+          </a:fillRef>
+          <a:effectRef idx="0">
+            <a:schemeClr val="dk1"/>
+          </a:effectRef>
+          <a:fontRef idx="minor">
+            <a:schemeClr val="dk1"/>
+          </a:fontRef>
+        </p:style>
+        <p:txBody>
+          <a:bodyPr rtlCol="0" anchor="ctr"/>
+          <a:lstStyle/>
+          <a:p>
+            <a:pPr algn="ctr"/>
+            <a:endParaRPr lang="ko-KR" altLang="en-US"/>
+          </a:p>
+        </p:txBody>
+      </p:sp>
+      <p:sp>
+        <p:nvSpPr>
+          <p:cNvPr id="59" name="타원 58">
+            <a:extLst>
+              <a:ext uri="{FF2B5EF4-FFF2-40B4-BE49-F238E27FC236}">
+                <a16:creationId xmlns:a16="http://schemas.microsoft.com/office/drawing/2014/main" id="{6368E4E6-1052-4913-B64F-69C4E9B56A39}"/>
+              </a:ext>
+            </a:extLst>
+          </p:cNvPr>
+          <p:cNvSpPr/>
+          <p:nvPr/>
+        </p:nvSpPr>
+        <p:spPr>
+          <a:xfrm>
+            <a:off x="4141118" y="1923678"/>
+            <a:ext cx="288032" cy="288032"/>
+          </a:xfrm>
+          <a:prstGeom prst="ellipse">
+            <a:avLst/>
+          </a:prstGeom>
+          <a:noFill/>
+        </p:spPr>
+        <p:style>
+          <a:lnRef idx="2">
+            <a:schemeClr val="dk1"/>
+          </a:lnRef>
+          <a:fillRef idx="1">
+            <a:schemeClr val="lt1"/>
+          </a:fillRef>
+          <a:effectRef idx="0">
+            <a:schemeClr val="dk1"/>
+          </a:effectRef>
+          <a:fontRef idx="minor">
+            <a:schemeClr val="dk1"/>
+          </a:fontRef>
+        </p:style>
+        <p:txBody>
+          <a:bodyPr rtlCol="0" anchor="ctr"/>
+          <a:lstStyle/>
+          <a:p>
+            <a:pPr algn="ctr"/>
+            <a:r>
+              <a:rPr lang="en-US" altLang="ko-KR" sz="2000" b="1"/>
+              <a:t>+</a:t>
+            </a:r>
+            <a:endParaRPr lang="ko-KR" altLang="en-US" sz="2000" b="1"/>
+          </a:p>
+        </p:txBody>
+      </p:sp>
+      <p:sp>
+        <p:nvSpPr>
+          <p:cNvPr id="17" name="사각형: 둥근 모서리 16">
+            <a:extLst>
+              <a:ext uri="{FF2B5EF4-FFF2-40B4-BE49-F238E27FC236}">
+                <a16:creationId xmlns:a16="http://schemas.microsoft.com/office/drawing/2014/main" id="{0D69D834-9A14-46E3-AAD6-1C974F7FAE29}"/>
+              </a:ext>
+            </a:extLst>
+          </p:cNvPr>
+          <p:cNvSpPr/>
+          <p:nvPr/>
+        </p:nvSpPr>
+        <p:spPr>
+          <a:xfrm>
+            <a:off x="2339752" y="1851670"/>
+            <a:ext cx="1296144" cy="432048"/>
+          </a:xfrm>
+          <a:prstGeom prst="roundRect">
+            <a:avLst/>
+          </a:prstGeom>
+          <a:noFill/>
+          <a:ln>
+            <a:solidFill>
+              <a:srgbClr val="C00000"/>
+            </a:solidFill>
+            <a:prstDash val="dash"/>
+          </a:ln>
+        </p:spPr>
+        <p:style>
+          <a:lnRef idx="2">
+            <a:schemeClr val="accent1">
+              <a:shade val="50000"/>
+            </a:schemeClr>
+          </a:lnRef>
+          <a:fillRef idx="1">
+            <a:schemeClr val="accent1"/>
+          </a:fillRef>
+          <a:effectRef idx="0">
+            <a:schemeClr val="accent1"/>
+          </a:effectRef>
+          <a:fontRef idx="minor">
+            <a:schemeClr val="lt1"/>
+          </a:fontRef>
+        </p:style>
+        <p:txBody>
+          <a:bodyPr rtlCol="0" anchor="ctr"/>
+          <a:lstStyle/>
+          <a:p>
+            <a:pPr algn="ctr"/>
+            <a:endParaRPr lang="ko-KR" altLang="en-US"/>
+          </a:p>
+        </p:txBody>
+      </p:sp>
+      <p:sp>
+        <p:nvSpPr>
+          <p:cNvPr id="60" name="사각형: 둥근 모서리 59">
+            <a:extLst>
+              <a:ext uri="{FF2B5EF4-FFF2-40B4-BE49-F238E27FC236}">
+                <a16:creationId xmlns:a16="http://schemas.microsoft.com/office/drawing/2014/main" id="{B39F5E57-F07A-42E0-A80F-FAC22A29BDC7}"/>
+              </a:ext>
+            </a:extLst>
+          </p:cNvPr>
+          <p:cNvSpPr/>
+          <p:nvPr/>
+        </p:nvSpPr>
+        <p:spPr>
+          <a:xfrm>
+            <a:off x="3203848" y="1851670"/>
+            <a:ext cx="1296144" cy="432048"/>
+          </a:xfrm>
+          <a:prstGeom prst="roundRect">
+            <a:avLst/>
+          </a:prstGeom>
+          <a:noFill/>
+          <a:ln>
+            <a:solidFill>
+              <a:schemeClr val="tx2"/>
+            </a:solidFill>
+            <a:prstDash val="dash"/>
+          </a:ln>
+        </p:spPr>
+        <p:style>
+          <a:lnRef idx="2">
+            <a:schemeClr val="accent1">
+              <a:shade val="50000"/>
+            </a:schemeClr>
+          </a:lnRef>
+          <a:fillRef idx="1">
+            <a:schemeClr val="accent1"/>
+          </a:fillRef>
+          <a:effectRef idx="0">
+            <a:schemeClr val="accent1"/>
+          </a:effectRef>
+          <a:fontRef idx="minor">
+            <a:schemeClr val="lt1"/>
+          </a:fontRef>
+        </p:style>
+        <p:txBody>
+          <a:bodyPr rtlCol="0" anchor="ctr"/>
+          <a:lstStyle/>
+          <a:p>
+            <a:pPr algn="ctr"/>
+            <a:endParaRPr lang="ko-KR" altLang="en-US"/>
+          </a:p>
+        </p:txBody>
+      </p:sp>
+      <p:sp>
+        <p:nvSpPr>
+          <p:cNvPr id="62" name="TextBox 61">
+            <a:extLst>
+              <a:ext uri="{FF2B5EF4-FFF2-40B4-BE49-F238E27FC236}">
+                <a16:creationId xmlns:a16="http://schemas.microsoft.com/office/drawing/2014/main" id="{AECD8D23-B48A-47E3-9A5B-A11CCEC7EC8E}"/>
+              </a:ext>
+            </a:extLst>
+          </p:cNvPr>
+          <p:cNvSpPr txBox="1"/>
+          <p:nvPr/>
+        </p:nvSpPr>
+        <p:spPr>
+          <a:xfrm>
+            <a:off x="3084254" y="2293094"/>
+            <a:ext cx="647934" cy="307777"/>
+          </a:xfrm>
+          <a:prstGeom prst="rect">
+            <a:avLst/>
+          </a:prstGeom>
+          <a:noFill/>
+        </p:spPr>
+        <p:txBody>
+          <a:bodyPr wrap="none" rtlCol="0" anchor="ctr">
+            <a:spAutoFit/>
+          </a:bodyPr>
+          <a:lstStyle/>
+          <a:p>
+            <a:r>
+              <a:rPr lang="en-US" altLang="ko-KR" sz="1400" b="1"/>
+              <a:t>4 + 1</a:t>
+            </a:r>
+            <a:endParaRPr lang="ko-KR" altLang="en-US" sz="1400" b="1"/>
+          </a:p>
+        </p:txBody>
+      </p:sp>
+      <p:sp>
+        <p:nvSpPr>
+          <p:cNvPr id="63" name="타원 62">
+            <a:extLst>
+              <a:ext uri="{FF2B5EF4-FFF2-40B4-BE49-F238E27FC236}">
+                <a16:creationId xmlns:a16="http://schemas.microsoft.com/office/drawing/2014/main" id="{76F5FE7D-2145-4BC2-8904-369B91D34CE6}"/>
+              </a:ext>
+            </a:extLst>
+          </p:cNvPr>
+          <p:cNvSpPr/>
+          <p:nvPr/>
+        </p:nvSpPr>
+        <p:spPr>
+          <a:xfrm>
+            <a:off x="2411760" y="2856135"/>
+            <a:ext cx="288032" cy="288032"/>
+          </a:xfrm>
+          <a:prstGeom prst="ellipse">
+            <a:avLst/>
+          </a:prstGeom>
+          <a:noFill/>
+        </p:spPr>
+        <p:style>
+          <a:lnRef idx="2">
+            <a:schemeClr val="dk1"/>
+          </a:lnRef>
+          <a:fillRef idx="1">
+            <a:schemeClr val="lt1"/>
+          </a:fillRef>
+          <a:effectRef idx="0">
+            <a:schemeClr val="dk1"/>
+          </a:effectRef>
+          <a:fontRef idx="minor">
+            <a:schemeClr val="dk1"/>
+          </a:fontRef>
+        </p:style>
+        <p:txBody>
+          <a:bodyPr rtlCol="0" anchor="ctr"/>
+          <a:lstStyle/>
+          <a:p>
+            <a:pPr algn="ctr"/>
+            <a:r>
+              <a:rPr lang="en-US" altLang="ko-KR" sz="2000" b="1"/>
+              <a:t>-</a:t>
+            </a:r>
+            <a:endParaRPr lang="ko-KR" altLang="en-US" sz="2000" b="1"/>
+          </a:p>
+        </p:txBody>
+      </p:sp>
+      <p:sp>
+        <p:nvSpPr>
+          <p:cNvPr id="64" name="타원 63">
+            <a:extLst>
+              <a:ext uri="{FF2B5EF4-FFF2-40B4-BE49-F238E27FC236}">
+                <a16:creationId xmlns:a16="http://schemas.microsoft.com/office/drawing/2014/main" id="{5EB62026-1098-48E8-907C-3631421498B1}"/>
+              </a:ext>
+            </a:extLst>
+          </p:cNvPr>
+          <p:cNvSpPr/>
+          <p:nvPr/>
+        </p:nvSpPr>
+        <p:spPr>
+          <a:xfrm>
+            <a:off x="2843808" y="2856135"/>
+            <a:ext cx="288032" cy="288032"/>
+          </a:xfrm>
+          <a:prstGeom prst="ellipse">
+            <a:avLst/>
+          </a:prstGeom>
+          <a:noFill/>
+        </p:spPr>
+        <p:style>
+          <a:lnRef idx="2">
+            <a:schemeClr val="dk1"/>
+          </a:lnRef>
+          <a:fillRef idx="1">
+            <a:schemeClr val="lt1"/>
+          </a:fillRef>
+          <a:effectRef idx="0">
+            <a:schemeClr val="dk1"/>
+          </a:effectRef>
+          <a:fontRef idx="minor">
+            <a:schemeClr val="dk1"/>
+          </a:fontRef>
+        </p:style>
+        <p:txBody>
+          <a:bodyPr rtlCol="0" anchor="ctr"/>
+          <a:lstStyle/>
+          <a:p>
+            <a:pPr algn="ctr"/>
+            <a:endParaRPr lang="ko-KR" altLang="en-US"/>
+          </a:p>
+        </p:txBody>
+      </p:sp>
+      <p:sp>
+        <p:nvSpPr>
+          <p:cNvPr id="65" name="타원 64">
+            <a:extLst>
+              <a:ext uri="{FF2B5EF4-FFF2-40B4-BE49-F238E27FC236}">
+                <a16:creationId xmlns:a16="http://schemas.microsoft.com/office/drawing/2014/main" id="{75D6E6E8-6600-4E7C-9DFC-A020641B3938}"/>
+              </a:ext>
+            </a:extLst>
+          </p:cNvPr>
+          <p:cNvSpPr/>
+          <p:nvPr/>
+        </p:nvSpPr>
+        <p:spPr>
+          <a:xfrm>
+            <a:off x="3275856" y="2856135"/>
+            <a:ext cx="288032" cy="288032"/>
+          </a:xfrm>
+          <a:prstGeom prst="ellipse">
+            <a:avLst/>
+          </a:prstGeom>
+          <a:noFill/>
+        </p:spPr>
+        <p:style>
+          <a:lnRef idx="2">
+            <a:schemeClr val="dk1"/>
+          </a:lnRef>
+          <a:fillRef idx="1">
+            <a:schemeClr val="lt1"/>
+          </a:fillRef>
+          <a:effectRef idx="0">
+            <a:schemeClr val="dk1"/>
+          </a:effectRef>
+          <a:fontRef idx="minor">
+            <a:schemeClr val="dk1"/>
+          </a:fontRef>
+        </p:style>
+        <p:txBody>
+          <a:bodyPr rtlCol="0" anchor="ctr"/>
+          <a:lstStyle/>
+          <a:p>
+            <a:pPr algn="ctr"/>
+            <a:endParaRPr lang="ko-KR" altLang="en-US"/>
+          </a:p>
+        </p:txBody>
+      </p:sp>
+      <p:sp>
+        <p:nvSpPr>
+          <p:cNvPr id="66" name="타원 65">
+            <a:extLst>
+              <a:ext uri="{FF2B5EF4-FFF2-40B4-BE49-F238E27FC236}">
+                <a16:creationId xmlns:a16="http://schemas.microsoft.com/office/drawing/2014/main" id="{D82913FE-F783-4F4C-837F-2368E2244648}"/>
+              </a:ext>
+            </a:extLst>
+          </p:cNvPr>
+          <p:cNvSpPr/>
+          <p:nvPr/>
+        </p:nvSpPr>
+        <p:spPr>
+          <a:xfrm>
+            <a:off x="3707904" y="2856135"/>
+            <a:ext cx="288032" cy="288032"/>
+          </a:xfrm>
+          <a:prstGeom prst="ellipse">
+            <a:avLst/>
+          </a:prstGeom>
+          <a:noFill/>
+        </p:spPr>
+        <p:style>
+          <a:lnRef idx="2">
+            <a:schemeClr val="dk1"/>
+          </a:lnRef>
+          <a:fillRef idx="1">
+            <a:schemeClr val="lt1"/>
+          </a:fillRef>
+          <a:effectRef idx="0">
+            <a:schemeClr val="dk1"/>
+          </a:effectRef>
+          <a:fontRef idx="minor">
+            <a:schemeClr val="dk1"/>
+          </a:fontRef>
+        </p:style>
+        <p:txBody>
+          <a:bodyPr rtlCol="0" anchor="ctr"/>
+          <a:lstStyle/>
+          <a:p>
+            <a:pPr algn="ctr"/>
+            <a:endParaRPr lang="ko-KR" altLang="en-US"/>
+          </a:p>
+        </p:txBody>
+      </p:sp>
+      <p:sp>
+        <p:nvSpPr>
+          <p:cNvPr id="67" name="타원 66">
+            <a:extLst>
+              <a:ext uri="{FF2B5EF4-FFF2-40B4-BE49-F238E27FC236}">
+                <a16:creationId xmlns:a16="http://schemas.microsoft.com/office/drawing/2014/main" id="{B05B3EB6-76AB-4413-B9A0-DBAD73A96C65}"/>
+              </a:ext>
+            </a:extLst>
+          </p:cNvPr>
+          <p:cNvSpPr/>
+          <p:nvPr/>
+        </p:nvSpPr>
+        <p:spPr>
+          <a:xfrm>
+            <a:off x="4141118" y="2856135"/>
+            <a:ext cx="288032" cy="288032"/>
+          </a:xfrm>
+          <a:prstGeom prst="ellipse">
+            <a:avLst/>
+          </a:prstGeom>
+          <a:noFill/>
+        </p:spPr>
+        <p:style>
+          <a:lnRef idx="2">
+            <a:schemeClr val="dk1"/>
+          </a:lnRef>
+          <a:fillRef idx="1">
+            <a:schemeClr val="lt1"/>
+          </a:fillRef>
+          <a:effectRef idx="0">
+            <a:schemeClr val="dk1"/>
+          </a:effectRef>
+          <a:fontRef idx="minor">
+            <a:schemeClr val="dk1"/>
+          </a:fontRef>
+        </p:style>
+        <p:txBody>
+          <a:bodyPr rtlCol="0" anchor="ctr"/>
+          <a:lstStyle/>
+          <a:p>
+            <a:pPr algn="ctr"/>
+            <a:endParaRPr lang="ko-KR" altLang="en-US" sz="2000" b="1"/>
+          </a:p>
+        </p:txBody>
+      </p:sp>
+      <p:sp>
+        <p:nvSpPr>
+          <p:cNvPr id="68" name="사각형: 둥근 모서리 67">
+            <a:extLst>
+              <a:ext uri="{FF2B5EF4-FFF2-40B4-BE49-F238E27FC236}">
+                <a16:creationId xmlns:a16="http://schemas.microsoft.com/office/drawing/2014/main" id="{6E6F3A10-F2E2-4C9B-AB0B-BA4D432B5156}"/>
+              </a:ext>
+            </a:extLst>
+          </p:cNvPr>
+          <p:cNvSpPr/>
+          <p:nvPr/>
+        </p:nvSpPr>
+        <p:spPr>
+          <a:xfrm>
+            <a:off x="2339752" y="2784127"/>
+            <a:ext cx="1296144" cy="432048"/>
+          </a:xfrm>
+          <a:prstGeom prst="roundRect">
+            <a:avLst/>
+          </a:prstGeom>
+          <a:noFill/>
+          <a:ln>
+            <a:solidFill>
+              <a:srgbClr val="C00000"/>
+            </a:solidFill>
+            <a:prstDash val="dash"/>
+          </a:ln>
+        </p:spPr>
+        <p:style>
+          <a:lnRef idx="2">
+            <a:schemeClr val="accent1">
+              <a:shade val="50000"/>
+            </a:schemeClr>
+          </a:lnRef>
+          <a:fillRef idx="1">
+            <a:schemeClr val="accent1"/>
+          </a:fillRef>
+          <a:effectRef idx="0">
+            <a:schemeClr val="accent1"/>
+          </a:effectRef>
+          <a:fontRef idx="minor">
+            <a:schemeClr val="lt1"/>
+          </a:fontRef>
+        </p:style>
+        <p:txBody>
+          <a:bodyPr rtlCol="0" anchor="ctr"/>
+          <a:lstStyle/>
+          <a:p>
+            <a:pPr algn="ctr"/>
+            <a:endParaRPr lang="ko-KR" altLang="en-US"/>
+          </a:p>
+        </p:txBody>
+      </p:sp>
+      <p:sp>
+        <p:nvSpPr>
+          <p:cNvPr id="69" name="사각형: 둥근 모서리 68">
+            <a:extLst>
+              <a:ext uri="{FF2B5EF4-FFF2-40B4-BE49-F238E27FC236}">
+                <a16:creationId xmlns:a16="http://schemas.microsoft.com/office/drawing/2014/main" id="{B1B98793-1BB6-4DD3-9571-C40949022866}"/>
+              </a:ext>
+            </a:extLst>
+          </p:cNvPr>
+          <p:cNvSpPr/>
+          <p:nvPr/>
+        </p:nvSpPr>
+        <p:spPr>
+          <a:xfrm>
+            <a:off x="3203848" y="2784127"/>
+            <a:ext cx="1296144" cy="432048"/>
+          </a:xfrm>
+          <a:prstGeom prst="roundRect">
+            <a:avLst/>
+          </a:prstGeom>
+          <a:noFill/>
+          <a:ln>
+            <a:solidFill>
+              <a:schemeClr val="tx2"/>
+            </a:solidFill>
+            <a:prstDash val="dash"/>
+          </a:ln>
+        </p:spPr>
+        <p:style>
+          <a:lnRef idx="2">
+            <a:schemeClr val="accent1">
+              <a:shade val="50000"/>
+            </a:schemeClr>
+          </a:lnRef>
+          <a:fillRef idx="1">
+            <a:schemeClr val="accent1"/>
+          </a:fillRef>
+          <a:effectRef idx="0">
+            <a:schemeClr val="accent1"/>
+          </a:effectRef>
+          <a:fontRef idx="minor">
+            <a:schemeClr val="lt1"/>
+          </a:fontRef>
+        </p:style>
+        <p:txBody>
+          <a:bodyPr rtlCol="0" anchor="ctr"/>
+          <a:lstStyle/>
+          <a:p>
+            <a:pPr algn="ctr"/>
+            <a:endParaRPr lang="ko-KR" altLang="en-US"/>
+          </a:p>
+        </p:txBody>
+      </p:sp>
+      <p:sp>
+        <p:nvSpPr>
+          <p:cNvPr id="70" name="TextBox 69">
+            <a:extLst>
+              <a:ext uri="{FF2B5EF4-FFF2-40B4-BE49-F238E27FC236}">
+                <a16:creationId xmlns:a16="http://schemas.microsoft.com/office/drawing/2014/main" id="{AF80800D-0D51-4E9F-93F6-F794A404BE69}"/>
+              </a:ext>
+            </a:extLst>
+          </p:cNvPr>
+          <p:cNvSpPr txBox="1"/>
+          <p:nvPr/>
+        </p:nvSpPr>
+        <p:spPr>
+          <a:xfrm>
+            <a:off x="3084254" y="3225551"/>
+            <a:ext cx="591829" cy="307777"/>
+          </a:xfrm>
+          <a:prstGeom prst="rect">
+            <a:avLst/>
+          </a:prstGeom>
+          <a:noFill/>
+        </p:spPr>
+        <p:txBody>
+          <a:bodyPr wrap="none" rtlCol="0" anchor="ctr">
+            <a:spAutoFit/>
+          </a:bodyPr>
+          <a:lstStyle/>
+          <a:p>
+            <a:r>
+              <a:rPr lang="en-US" altLang="ko-KR" sz="1400" b="1"/>
+              <a:t>5 - 1</a:t>
+            </a:r>
+            <a:endParaRPr lang="ko-KR" altLang="en-US" sz="1400" b="1"/>
+          </a:p>
+        </p:txBody>
+      </p:sp>
+      <p:sp>
+        <p:nvSpPr>
+          <p:cNvPr id="72" name="타원 71">
+            <a:extLst>
+              <a:ext uri="{FF2B5EF4-FFF2-40B4-BE49-F238E27FC236}">
+                <a16:creationId xmlns:a16="http://schemas.microsoft.com/office/drawing/2014/main" id="{BF9803EC-00B8-4672-97E3-C396083B8739}"/>
+              </a:ext>
+            </a:extLst>
+          </p:cNvPr>
+          <p:cNvSpPr/>
+          <p:nvPr/>
+        </p:nvSpPr>
+        <p:spPr>
+          <a:xfrm>
+            <a:off x="4932040" y="1923678"/>
+            <a:ext cx="288032" cy="288032"/>
+          </a:xfrm>
+          <a:prstGeom prst="ellipse">
+            <a:avLst/>
+          </a:prstGeom>
+          <a:noFill/>
+        </p:spPr>
+        <p:style>
+          <a:lnRef idx="2">
+            <a:schemeClr val="dk1"/>
+          </a:lnRef>
+          <a:fillRef idx="1">
+            <a:schemeClr val="lt1"/>
+          </a:fillRef>
+          <a:effectRef idx="0">
+            <a:schemeClr val="dk1"/>
+          </a:effectRef>
+          <a:fontRef idx="minor">
+            <a:schemeClr val="dk1"/>
+          </a:fontRef>
+        </p:style>
+        <p:txBody>
+          <a:bodyPr rtlCol="0" anchor="ctr"/>
+          <a:lstStyle/>
+          <a:p>
+            <a:pPr algn="ctr"/>
+            <a:endParaRPr lang="ko-KR" altLang="en-US"/>
+          </a:p>
+        </p:txBody>
+      </p:sp>
+      <p:sp>
+        <p:nvSpPr>
+          <p:cNvPr id="73" name="타원 72">
+            <a:extLst>
+              <a:ext uri="{FF2B5EF4-FFF2-40B4-BE49-F238E27FC236}">
+                <a16:creationId xmlns:a16="http://schemas.microsoft.com/office/drawing/2014/main" id="{4C0C8594-EC0E-4707-91DA-A540BEB08B0A}"/>
+              </a:ext>
+            </a:extLst>
+          </p:cNvPr>
+          <p:cNvSpPr/>
+          <p:nvPr/>
+        </p:nvSpPr>
+        <p:spPr>
+          <a:xfrm>
+            <a:off x="5364088" y="1923678"/>
+            <a:ext cx="288032" cy="288032"/>
+          </a:xfrm>
+          <a:prstGeom prst="ellipse">
+            <a:avLst/>
+          </a:prstGeom>
+          <a:noFill/>
+        </p:spPr>
+        <p:style>
+          <a:lnRef idx="2">
+            <a:schemeClr val="dk1"/>
+          </a:lnRef>
+          <a:fillRef idx="1">
+            <a:schemeClr val="lt1"/>
+          </a:fillRef>
+          <a:effectRef idx="0">
+            <a:schemeClr val="dk1"/>
+          </a:effectRef>
+          <a:fontRef idx="minor">
+            <a:schemeClr val="dk1"/>
+          </a:fontRef>
+        </p:style>
+        <p:txBody>
+          <a:bodyPr rtlCol="0" anchor="ctr"/>
+          <a:lstStyle/>
+          <a:p>
+            <a:pPr algn="ctr"/>
+            <a:endParaRPr lang="ko-KR" altLang="en-US"/>
+          </a:p>
+        </p:txBody>
+      </p:sp>
+      <p:sp>
+        <p:nvSpPr>
+          <p:cNvPr id="74" name="타원 73">
+            <a:extLst>
+              <a:ext uri="{FF2B5EF4-FFF2-40B4-BE49-F238E27FC236}">
+                <a16:creationId xmlns:a16="http://schemas.microsoft.com/office/drawing/2014/main" id="{A043E23C-4936-44C9-AC17-A9069C30AE81}"/>
+              </a:ext>
+            </a:extLst>
+          </p:cNvPr>
+          <p:cNvSpPr/>
+          <p:nvPr/>
+        </p:nvSpPr>
+        <p:spPr>
+          <a:xfrm>
+            <a:off x="5796136" y="1923678"/>
+            <a:ext cx="288032" cy="288032"/>
+          </a:xfrm>
+          <a:prstGeom prst="ellipse">
+            <a:avLst/>
+          </a:prstGeom>
+          <a:noFill/>
+        </p:spPr>
+        <p:style>
+          <a:lnRef idx="2">
+            <a:schemeClr val="dk1"/>
+          </a:lnRef>
+          <a:fillRef idx="1">
+            <a:schemeClr val="lt1"/>
+          </a:fillRef>
+          <a:effectRef idx="0">
+            <a:schemeClr val="dk1"/>
+          </a:effectRef>
+          <a:fontRef idx="minor">
+            <a:schemeClr val="dk1"/>
+          </a:fontRef>
+        </p:style>
+        <p:txBody>
+          <a:bodyPr rtlCol="0" anchor="ctr"/>
+          <a:lstStyle/>
+          <a:p>
+            <a:pPr algn="ctr"/>
+            <a:endParaRPr lang="ko-KR" altLang="en-US"/>
+          </a:p>
+        </p:txBody>
+      </p:sp>
+      <p:sp>
+        <p:nvSpPr>
+          <p:cNvPr id="75" name="타원 74">
+            <a:extLst>
+              <a:ext uri="{FF2B5EF4-FFF2-40B4-BE49-F238E27FC236}">
+                <a16:creationId xmlns:a16="http://schemas.microsoft.com/office/drawing/2014/main" id="{D0EE1EF2-E846-4D4F-AC35-B74BE896B2AD}"/>
+              </a:ext>
+            </a:extLst>
+          </p:cNvPr>
+          <p:cNvSpPr/>
+          <p:nvPr/>
+        </p:nvSpPr>
+        <p:spPr>
+          <a:xfrm>
+            <a:off x="6229350" y="1923678"/>
+            <a:ext cx="288032" cy="288032"/>
+          </a:xfrm>
+          <a:prstGeom prst="ellipse">
+            <a:avLst/>
+          </a:prstGeom>
+          <a:noFill/>
+        </p:spPr>
+        <p:style>
+          <a:lnRef idx="2">
+            <a:schemeClr val="dk1"/>
+          </a:lnRef>
+          <a:fillRef idx="1">
+            <a:schemeClr val="lt1"/>
+          </a:fillRef>
+          <a:effectRef idx="0">
+            <a:schemeClr val="dk1"/>
+          </a:effectRef>
+          <a:fontRef idx="minor">
+            <a:schemeClr val="dk1"/>
+          </a:fontRef>
+        </p:style>
+        <p:txBody>
+          <a:bodyPr rtlCol="0" anchor="ctr"/>
+          <a:lstStyle/>
+          <a:p>
+            <a:pPr algn="ctr"/>
+            <a:r>
+              <a:rPr lang="en-US" altLang="ko-KR" sz="2000" b="1"/>
+              <a:t>+</a:t>
+            </a:r>
+            <a:endParaRPr lang="ko-KR" altLang="en-US" sz="2000" b="1"/>
+          </a:p>
+        </p:txBody>
+      </p:sp>
+      <p:sp>
+        <p:nvSpPr>
+          <p:cNvPr id="76" name="사각형: 둥근 모서리 75">
+            <a:extLst>
+              <a:ext uri="{FF2B5EF4-FFF2-40B4-BE49-F238E27FC236}">
+                <a16:creationId xmlns:a16="http://schemas.microsoft.com/office/drawing/2014/main" id="{6A740FD0-ADA8-4FE7-845B-9C9370D0B3EA}"/>
+              </a:ext>
+            </a:extLst>
+          </p:cNvPr>
+          <p:cNvSpPr/>
+          <p:nvPr/>
+        </p:nvSpPr>
+        <p:spPr>
+          <a:xfrm>
+            <a:off x="4860032" y="1851670"/>
+            <a:ext cx="864096" cy="432048"/>
+          </a:xfrm>
+          <a:prstGeom prst="roundRect">
+            <a:avLst/>
+          </a:prstGeom>
+          <a:noFill/>
+          <a:ln>
+            <a:solidFill>
+              <a:srgbClr val="C00000"/>
+            </a:solidFill>
+            <a:prstDash val="dash"/>
+          </a:ln>
+        </p:spPr>
+        <p:style>
+          <a:lnRef idx="2">
+            <a:schemeClr val="accent1">
+              <a:shade val="50000"/>
+            </a:schemeClr>
+          </a:lnRef>
+          <a:fillRef idx="1">
+            <a:schemeClr val="accent1"/>
+          </a:fillRef>
+          <a:effectRef idx="0">
+            <a:schemeClr val="accent1"/>
+          </a:effectRef>
+          <a:fontRef idx="minor">
+            <a:schemeClr val="lt1"/>
+          </a:fontRef>
+        </p:style>
+        <p:txBody>
+          <a:bodyPr rtlCol="0" anchor="ctr"/>
+          <a:lstStyle/>
+          <a:p>
+            <a:pPr algn="ctr"/>
+            <a:endParaRPr lang="ko-KR" altLang="en-US"/>
+          </a:p>
+        </p:txBody>
+      </p:sp>
+      <p:sp>
+        <p:nvSpPr>
+          <p:cNvPr id="77" name="사각형: 둥근 모서리 76">
+            <a:extLst>
+              <a:ext uri="{FF2B5EF4-FFF2-40B4-BE49-F238E27FC236}">
+                <a16:creationId xmlns:a16="http://schemas.microsoft.com/office/drawing/2014/main" id="{017ECFA9-A4A5-4A59-9DBC-1DAC90AC0F8D}"/>
+              </a:ext>
+            </a:extLst>
+          </p:cNvPr>
+          <p:cNvSpPr/>
+          <p:nvPr/>
+        </p:nvSpPr>
+        <p:spPr>
+          <a:xfrm>
+            <a:off x="5292080" y="1851670"/>
+            <a:ext cx="1296144" cy="432048"/>
+          </a:xfrm>
+          <a:prstGeom prst="roundRect">
+            <a:avLst/>
+          </a:prstGeom>
+          <a:noFill/>
+          <a:ln>
+            <a:solidFill>
+              <a:schemeClr val="tx2"/>
+            </a:solidFill>
+            <a:prstDash val="dash"/>
+          </a:ln>
+        </p:spPr>
+        <p:style>
+          <a:lnRef idx="2">
+            <a:schemeClr val="accent1">
+              <a:shade val="50000"/>
+            </a:schemeClr>
+          </a:lnRef>
+          <a:fillRef idx="1">
+            <a:schemeClr val="accent1"/>
+          </a:fillRef>
+          <a:effectRef idx="0">
+            <a:schemeClr val="accent1"/>
+          </a:effectRef>
+          <a:fontRef idx="minor">
+            <a:schemeClr val="lt1"/>
+          </a:fontRef>
+        </p:style>
+        <p:txBody>
+          <a:bodyPr rtlCol="0" anchor="ctr"/>
+          <a:lstStyle/>
+          <a:p>
+            <a:pPr algn="ctr"/>
+            <a:endParaRPr lang="ko-KR" altLang="en-US"/>
+          </a:p>
+        </p:txBody>
+      </p:sp>
+      <p:sp>
+        <p:nvSpPr>
+          <p:cNvPr id="78" name="TextBox 77">
+            <a:extLst>
+              <a:ext uri="{FF2B5EF4-FFF2-40B4-BE49-F238E27FC236}">
+                <a16:creationId xmlns:a16="http://schemas.microsoft.com/office/drawing/2014/main" id="{CE1B23BA-646A-4918-BC59-6345A2375BE1}"/>
+              </a:ext>
+            </a:extLst>
+          </p:cNvPr>
+          <p:cNvSpPr txBox="1"/>
+          <p:nvPr/>
+        </p:nvSpPr>
+        <p:spPr>
+          <a:xfrm>
+            <a:off x="5400160" y="2293094"/>
+            <a:ext cx="647934" cy="307777"/>
+          </a:xfrm>
+          <a:prstGeom prst="rect">
+            <a:avLst/>
+          </a:prstGeom>
+          <a:noFill/>
+        </p:spPr>
+        <p:txBody>
+          <a:bodyPr wrap="none" rtlCol="0" anchor="ctr">
+            <a:spAutoFit/>
+          </a:bodyPr>
+          <a:lstStyle/>
+          <a:p>
+            <a:r>
+              <a:rPr lang="en-US" altLang="ko-KR" sz="1400" b="1"/>
+              <a:t>2 + 1</a:t>
+            </a:r>
+            <a:endParaRPr lang="ko-KR" altLang="en-US" sz="1400" b="1"/>
+          </a:p>
+        </p:txBody>
+      </p:sp>
+      <p:sp>
+        <p:nvSpPr>
+          <p:cNvPr id="80" name="타원 79">
+            <a:extLst>
+              <a:ext uri="{FF2B5EF4-FFF2-40B4-BE49-F238E27FC236}">
+                <a16:creationId xmlns:a16="http://schemas.microsoft.com/office/drawing/2014/main" id="{ED885840-636A-4088-92D5-0A0DC5E56DA4}"/>
+              </a:ext>
+            </a:extLst>
+          </p:cNvPr>
+          <p:cNvSpPr/>
+          <p:nvPr/>
+        </p:nvSpPr>
+        <p:spPr>
+          <a:xfrm>
+            <a:off x="4932040" y="2856135"/>
+            <a:ext cx="288032" cy="288032"/>
+          </a:xfrm>
+          <a:prstGeom prst="ellipse">
+            <a:avLst/>
+          </a:prstGeom>
+          <a:noFill/>
+        </p:spPr>
+        <p:style>
+          <a:lnRef idx="2">
+            <a:schemeClr val="dk1"/>
+          </a:lnRef>
+          <a:fillRef idx="1">
+            <a:schemeClr val="lt1"/>
+          </a:fillRef>
+          <a:effectRef idx="0">
+            <a:schemeClr val="dk1"/>
+          </a:effectRef>
+          <a:fontRef idx="minor">
+            <a:schemeClr val="dk1"/>
+          </a:fontRef>
+        </p:style>
+        <p:txBody>
+          <a:bodyPr rtlCol="0" anchor="ctr"/>
+          <a:lstStyle/>
+          <a:p>
+            <a:pPr algn="ctr"/>
+            <a:r>
+              <a:rPr lang="en-US" altLang="ko-KR" sz="1800" b="1"/>
+              <a:t>-</a:t>
+            </a:r>
+            <a:endParaRPr lang="ko-KR" altLang="en-US" sz="1800" b="1"/>
+          </a:p>
+        </p:txBody>
+      </p:sp>
+      <p:sp>
+        <p:nvSpPr>
+          <p:cNvPr id="81" name="타원 80">
+            <a:extLst>
+              <a:ext uri="{FF2B5EF4-FFF2-40B4-BE49-F238E27FC236}">
+                <a16:creationId xmlns:a16="http://schemas.microsoft.com/office/drawing/2014/main" id="{F384BCEC-0E20-4450-AF16-41C0F00FB15A}"/>
+              </a:ext>
+            </a:extLst>
+          </p:cNvPr>
+          <p:cNvSpPr/>
+          <p:nvPr/>
+        </p:nvSpPr>
+        <p:spPr>
+          <a:xfrm>
+            <a:off x="5364088" y="2856135"/>
+            <a:ext cx="288032" cy="288032"/>
+          </a:xfrm>
+          <a:prstGeom prst="ellipse">
+            <a:avLst/>
+          </a:prstGeom>
+          <a:noFill/>
+        </p:spPr>
+        <p:style>
+          <a:lnRef idx="2">
+            <a:schemeClr val="dk1"/>
+          </a:lnRef>
+          <a:fillRef idx="1">
+            <a:schemeClr val="lt1"/>
+          </a:fillRef>
+          <a:effectRef idx="0">
+            <a:schemeClr val="dk1"/>
+          </a:effectRef>
+          <a:fontRef idx="minor">
+            <a:schemeClr val="dk1"/>
+          </a:fontRef>
+        </p:style>
+        <p:txBody>
+          <a:bodyPr rtlCol="0" anchor="ctr"/>
+          <a:lstStyle/>
+          <a:p>
+            <a:pPr algn="ctr"/>
+            <a:endParaRPr lang="ko-KR" altLang="en-US"/>
+          </a:p>
+        </p:txBody>
+      </p:sp>
+      <p:sp>
+        <p:nvSpPr>
+          <p:cNvPr id="82" name="타원 81">
+            <a:extLst>
+              <a:ext uri="{FF2B5EF4-FFF2-40B4-BE49-F238E27FC236}">
+                <a16:creationId xmlns:a16="http://schemas.microsoft.com/office/drawing/2014/main" id="{0AE57286-7EEF-459C-B583-D7F5CBAEA39E}"/>
+              </a:ext>
+            </a:extLst>
+          </p:cNvPr>
+          <p:cNvSpPr/>
+          <p:nvPr/>
+        </p:nvSpPr>
+        <p:spPr>
+          <a:xfrm>
+            <a:off x="5796136" y="2856135"/>
+            <a:ext cx="288032" cy="288032"/>
+          </a:xfrm>
+          <a:prstGeom prst="ellipse">
+            <a:avLst/>
+          </a:prstGeom>
+          <a:noFill/>
+        </p:spPr>
+        <p:style>
+          <a:lnRef idx="2">
+            <a:schemeClr val="dk1"/>
+          </a:lnRef>
+          <a:fillRef idx="1">
+            <a:schemeClr val="lt1"/>
+          </a:fillRef>
+          <a:effectRef idx="0">
+            <a:schemeClr val="dk1"/>
+          </a:effectRef>
+          <a:fontRef idx="minor">
+            <a:schemeClr val="dk1"/>
+          </a:fontRef>
+        </p:style>
+        <p:txBody>
+          <a:bodyPr rtlCol="0" anchor="ctr"/>
+          <a:lstStyle/>
+          <a:p>
+            <a:pPr algn="ctr"/>
+            <a:endParaRPr lang="ko-KR" altLang="en-US"/>
+          </a:p>
+        </p:txBody>
+      </p:sp>
+      <p:sp>
+        <p:nvSpPr>
+          <p:cNvPr id="83" name="타원 82">
+            <a:extLst>
+              <a:ext uri="{FF2B5EF4-FFF2-40B4-BE49-F238E27FC236}">
+                <a16:creationId xmlns:a16="http://schemas.microsoft.com/office/drawing/2014/main" id="{CA929E2F-9C80-45EA-AB55-A0238329A015}"/>
+              </a:ext>
+            </a:extLst>
+          </p:cNvPr>
+          <p:cNvSpPr/>
+          <p:nvPr/>
+        </p:nvSpPr>
+        <p:spPr>
+          <a:xfrm>
+            <a:off x="6229350" y="2856135"/>
+            <a:ext cx="288032" cy="288032"/>
+          </a:xfrm>
+          <a:prstGeom prst="ellipse">
+            <a:avLst/>
+          </a:prstGeom>
+          <a:noFill/>
+        </p:spPr>
+        <p:style>
+          <a:lnRef idx="2">
+            <a:schemeClr val="dk1"/>
+          </a:lnRef>
+          <a:fillRef idx="1">
+            <a:schemeClr val="lt1"/>
+          </a:fillRef>
+          <a:effectRef idx="0">
+            <a:schemeClr val="dk1"/>
+          </a:effectRef>
+          <a:fontRef idx="minor">
+            <a:schemeClr val="dk1"/>
+          </a:fontRef>
+        </p:style>
+        <p:txBody>
+          <a:bodyPr rtlCol="0" anchor="ctr"/>
+          <a:lstStyle/>
+          <a:p>
+            <a:pPr algn="ctr"/>
+            <a:endParaRPr lang="ko-KR" altLang="en-US" sz="2000" b="1"/>
+          </a:p>
+        </p:txBody>
+      </p:sp>
+      <p:sp>
+        <p:nvSpPr>
+          <p:cNvPr id="84" name="사각형: 둥근 모서리 83">
+            <a:extLst>
+              <a:ext uri="{FF2B5EF4-FFF2-40B4-BE49-F238E27FC236}">
+                <a16:creationId xmlns:a16="http://schemas.microsoft.com/office/drawing/2014/main" id="{EEE359F0-4498-4D5D-9C9A-8615E8943AD8}"/>
+              </a:ext>
+            </a:extLst>
+          </p:cNvPr>
+          <p:cNvSpPr/>
+          <p:nvPr/>
+        </p:nvSpPr>
+        <p:spPr>
+          <a:xfrm>
+            <a:off x="4860032" y="2784127"/>
+            <a:ext cx="864096" cy="432048"/>
+          </a:xfrm>
+          <a:prstGeom prst="roundRect">
+            <a:avLst/>
+          </a:prstGeom>
+          <a:noFill/>
+          <a:ln>
+            <a:solidFill>
+              <a:srgbClr val="C00000"/>
+            </a:solidFill>
+            <a:prstDash val="dash"/>
+          </a:ln>
+        </p:spPr>
+        <p:style>
+          <a:lnRef idx="2">
+            <a:schemeClr val="accent1">
+              <a:shade val="50000"/>
+            </a:schemeClr>
+          </a:lnRef>
+          <a:fillRef idx="1">
+            <a:schemeClr val="accent1"/>
+          </a:fillRef>
+          <a:effectRef idx="0">
+            <a:schemeClr val="accent1"/>
+          </a:effectRef>
+          <a:fontRef idx="minor">
+            <a:schemeClr val="lt1"/>
+          </a:fontRef>
+        </p:style>
+        <p:txBody>
+          <a:bodyPr rtlCol="0" anchor="ctr"/>
+          <a:lstStyle/>
+          <a:p>
+            <a:pPr algn="ctr"/>
+            <a:endParaRPr lang="ko-KR" altLang="en-US"/>
+          </a:p>
+        </p:txBody>
+      </p:sp>
+      <p:sp>
+        <p:nvSpPr>
+          <p:cNvPr id="85" name="사각형: 둥근 모서리 84">
+            <a:extLst>
+              <a:ext uri="{FF2B5EF4-FFF2-40B4-BE49-F238E27FC236}">
+                <a16:creationId xmlns:a16="http://schemas.microsoft.com/office/drawing/2014/main" id="{55895646-79F5-4FA4-A81F-C51732515F2C}"/>
+              </a:ext>
+            </a:extLst>
+          </p:cNvPr>
+          <p:cNvSpPr/>
+          <p:nvPr/>
+        </p:nvSpPr>
+        <p:spPr>
+          <a:xfrm>
+            <a:off x="5292080" y="2784127"/>
+            <a:ext cx="1296144" cy="432048"/>
+          </a:xfrm>
+          <a:prstGeom prst="roundRect">
+            <a:avLst/>
+          </a:prstGeom>
+          <a:noFill/>
+          <a:ln>
+            <a:solidFill>
+              <a:schemeClr val="tx2"/>
+            </a:solidFill>
+            <a:prstDash val="dash"/>
+          </a:ln>
+        </p:spPr>
+        <p:style>
+          <a:lnRef idx="2">
+            <a:schemeClr val="accent1">
+              <a:shade val="50000"/>
+            </a:schemeClr>
+          </a:lnRef>
+          <a:fillRef idx="1">
+            <a:schemeClr val="accent1"/>
+          </a:fillRef>
+          <a:effectRef idx="0">
+            <a:schemeClr val="accent1"/>
+          </a:effectRef>
+          <a:fontRef idx="minor">
+            <a:schemeClr val="lt1"/>
+          </a:fontRef>
+        </p:style>
+        <p:txBody>
+          <a:bodyPr rtlCol="0" anchor="ctr"/>
+          <a:lstStyle/>
+          <a:p>
+            <a:pPr algn="ctr"/>
+            <a:endParaRPr lang="ko-KR" altLang="en-US"/>
+          </a:p>
+        </p:txBody>
+      </p:sp>
+      <p:sp>
+        <p:nvSpPr>
+          <p:cNvPr id="86" name="TextBox 85">
+            <a:extLst>
+              <a:ext uri="{FF2B5EF4-FFF2-40B4-BE49-F238E27FC236}">
+                <a16:creationId xmlns:a16="http://schemas.microsoft.com/office/drawing/2014/main" id="{56FC7832-0E06-4216-9A62-D6A5A8FCB553}"/>
+              </a:ext>
+            </a:extLst>
+          </p:cNvPr>
+          <p:cNvSpPr txBox="1"/>
+          <p:nvPr/>
+        </p:nvSpPr>
+        <p:spPr>
+          <a:xfrm>
+            <a:off x="5428213" y="3225551"/>
+            <a:ext cx="591829" cy="307777"/>
+          </a:xfrm>
+          <a:prstGeom prst="rect">
+            <a:avLst/>
+          </a:prstGeom>
+          <a:noFill/>
+        </p:spPr>
+        <p:txBody>
+          <a:bodyPr wrap="none" rtlCol="0" anchor="ctr">
+            <a:spAutoFit/>
+          </a:bodyPr>
+          <a:lstStyle/>
+          <a:p>
+            <a:r>
+              <a:rPr lang="en-US" altLang="ko-KR" sz="1400" b="1"/>
+              <a:t>4 - 1</a:t>
+            </a:r>
+            <a:endParaRPr lang="ko-KR" altLang="en-US" sz="1400" b="1"/>
+          </a:p>
+        </p:txBody>
+      </p:sp>
+      <p:sp>
+        <p:nvSpPr>
+          <p:cNvPr id="87" name="사각형: 둥근 모서리 86">
+            <a:extLst>
+              <a:ext uri="{FF2B5EF4-FFF2-40B4-BE49-F238E27FC236}">
+                <a16:creationId xmlns:a16="http://schemas.microsoft.com/office/drawing/2014/main" id="{10B8C3A7-52BC-4047-A0A3-48B336291FBA}"/>
+              </a:ext>
+            </a:extLst>
+          </p:cNvPr>
+          <p:cNvSpPr/>
+          <p:nvPr/>
+        </p:nvSpPr>
+        <p:spPr>
+          <a:xfrm>
+            <a:off x="2987824" y="3622092"/>
+            <a:ext cx="360040" cy="223318"/>
+          </a:xfrm>
+          <a:prstGeom prst="roundRect">
+            <a:avLst/>
+          </a:prstGeom>
+          <a:noFill/>
+          <a:ln>
+            <a:solidFill>
+              <a:srgbClr val="C00000"/>
+            </a:solidFill>
+            <a:prstDash val="dash"/>
+          </a:ln>
+        </p:spPr>
+        <p:style>
+          <a:lnRef idx="2">
+            <a:schemeClr val="accent1">
+              <a:shade val="50000"/>
+            </a:schemeClr>
+          </a:lnRef>
+          <a:fillRef idx="1">
+            <a:schemeClr val="accent1"/>
+          </a:fillRef>
+          <a:effectRef idx="0">
+            <a:schemeClr val="accent1"/>
+          </a:effectRef>
+          <a:fontRef idx="minor">
+            <a:schemeClr val="lt1"/>
+          </a:fontRef>
+        </p:style>
+        <p:txBody>
+          <a:bodyPr rtlCol="0" anchor="ctr"/>
+          <a:lstStyle/>
+          <a:p>
+            <a:pPr algn="ctr"/>
+            <a:endParaRPr lang="ko-KR" altLang="en-US"/>
+          </a:p>
+        </p:txBody>
+      </p:sp>
+      <p:sp>
+        <p:nvSpPr>
+          <p:cNvPr id="88" name="TextBox 87">
+            <a:extLst>
+              <a:ext uri="{FF2B5EF4-FFF2-40B4-BE49-F238E27FC236}">
+                <a16:creationId xmlns:a16="http://schemas.microsoft.com/office/drawing/2014/main" id="{AD458CF6-A6C2-4CBB-9E93-0C90EE26DCAD}"/>
+              </a:ext>
+            </a:extLst>
+          </p:cNvPr>
+          <p:cNvSpPr txBox="1"/>
+          <p:nvPr/>
+        </p:nvSpPr>
+        <p:spPr>
+          <a:xfrm>
+            <a:off x="3347864" y="3579862"/>
+            <a:ext cx="1101712" cy="307777"/>
+          </a:xfrm>
+          <a:prstGeom prst="rect">
+            <a:avLst/>
+          </a:prstGeom>
+          <a:noFill/>
+        </p:spPr>
+        <p:txBody>
+          <a:bodyPr wrap="none" rtlCol="0">
+            <a:spAutoFit/>
+          </a:bodyPr>
+          <a:lstStyle/>
+          <a:p>
+            <a:r>
+              <a:rPr lang="en-US" altLang="ko-KR" sz="1400"/>
+              <a:t>Old Cluster</a:t>
+            </a:r>
+            <a:endParaRPr lang="ko-KR" altLang="en-US" sz="1400"/>
+          </a:p>
+        </p:txBody>
+      </p:sp>
+      <p:sp>
+        <p:nvSpPr>
+          <p:cNvPr id="89" name="사각형: 둥근 모서리 88">
+            <a:extLst>
+              <a:ext uri="{FF2B5EF4-FFF2-40B4-BE49-F238E27FC236}">
+                <a16:creationId xmlns:a16="http://schemas.microsoft.com/office/drawing/2014/main" id="{866EFC9F-C4E4-4EEF-BAB2-F2FA8AB9C4B2}"/>
+              </a:ext>
+            </a:extLst>
+          </p:cNvPr>
+          <p:cNvSpPr/>
+          <p:nvPr/>
+        </p:nvSpPr>
+        <p:spPr>
+          <a:xfrm>
+            <a:off x="4567806" y="3622092"/>
+            <a:ext cx="360040" cy="223318"/>
+          </a:xfrm>
+          <a:prstGeom prst="roundRect">
+            <a:avLst/>
+          </a:prstGeom>
+          <a:noFill/>
+          <a:ln>
+            <a:solidFill>
+              <a:schemeClr val="tx2"/>
+            </a:solidFill>
+            <a:prstDash val="dash"/>
+          </a:ln>
+        </p:spPr>
+        <p:style>
+          <a:lnRef idx="2">
+            <a:schemeClr val="accent1">
+              <a:shade val="50000"/>
+            </a:schemeClr>
+          </a:lnRef>
+          <a:fillRef idx="1">
+            <a:schemeClr val="accent1"/>
+          </a:fillRef>
+          <a:effectRef idx="0">
+            <a:schemeClr val="accent1"/>
+          </a:effectRef>
+          <a:fontRef idx="minor">
+            <a:schemeClr val="lt1"/>
+          </a:fontRef>
+        </p:style>
+        <p:txBody>
+          <a:bodyPr rtlCol="0" anchor="ctr"/>
+          <a:lstStyle/>
+          <a:p>
+            <a:pPr algn="ctr"/>
+            <a:endParaRPr lang="ko-KR" altLang="en-US"/>
+          </a:p>
+        </p:txBody>
+      </p:sp>
+      <p:sp>
+        <p:nvSpPr>
+          <p:cNvPr id="90" name="TextBox 89">
+            <a:extLst>
+              <a:ext uri="{FF2B5EF4-FFF2-40B4-BE49-F238E27FC236}">
+                <a16:creationId xmlns:a16="http://schemas.microsoft.com/office/drawing/2014/main" id="{E949AE53-8279-48E2-880D-9FF802C93C20}"/>
+              </a:ext>
+            </a:extLst>
+          </p:cNvPr>
+          <p:cNvSpPr txBox="1"/>
+          <p:nvPr/>
+        </p:nvSpPr>
+        <p:spPr>
+          <a:xfrm>
+            <a:off x="4927846" y="3579862"/>
+            <a:ext cx="1175450" cy="307777"/>
+          </a:xfrm>
+          <a:prstGeom prst="rect">
+            <a:avLst/>
+          </a:prstGeom>
+          <a:noFill/>
+        </p:spPr>
+        <p:txBody>
+          <a:bodyPr wrap="none" rtlCol="0">
+            <a:spAutoFit/>
+          </a:bodyPr>
+          <a:lstStyle/>
+          <a:p>
+            <a:r>
+              <a:rPr lang="en-US" altLang="ko-KR" sz="1400"/>
+              <a:t>New Cluster</a:t>
+            </a:r>
+            <a:endParaRPr lang="ko-KR" altLang="en-US" sz="1400"/>
+          </a:p>
+        </p:txBody>
+      </p:sp>
+    </p:spTree>
+    <p:extLst>
+      <p:ext uri="{BB962C8B-B14F-4D97-AF65-F5344CB8AC3E}">
+        <p14:creationId xmlns:p14="http://schemas.microsoft.com/office/powerpoint/2010/main" val="1543108179"/>
+      </p:ext>
+    </p:extLst>
+  </p:cSld>
+  <p:clrMapOvr>
+    <a:masterClrMapping/>
+  </p:clrMapOvr>
+</p:sld>
+</file>
+
+<file path=ppt/slides/slide7.xml><?xml version="1.0" encoding="utf-8"?>
+<p:sld xmlns:a="http://schemas.openxmlformats.org/drawingml/2006/main" xmlns:r="http://schemas.openxmlformats.org/officeDocument/2006/relationships" xmlns:p="http://schemas.openxmlformats.org/presentationml/2006/main">
+  <p:cSld>
+    <p:spTree>
+      <p:nvGrpSpPr>
+        <p:cNvPr id="1" name=""/>
+        <p:cNvGrpSpPr/>
+        <p:nvPr/>
+      </p:nvGrpSpPr>
+      <p:grpSpPr>
+        <a:xfrm>
+          <a:off x="0" y="0"/>
+          <a:ext cx="0" cy="0"/>
+          <a:chOff x="0" y="0"/>
+          <a:chExt cx="0" cy="0"/>
+        </a:xfrm>
+      </p:grpSpPr>
+      <p:sp>
+        <p:nvSpPr>
+          <p:cNvPr id="2" name="제목 1">
+            <a:extLst>
+              <a:ext uri="{FF2B5EF4-FFF2-40B4-BE49-F238E27FC236}">
+                <a16:creationId xmlns:a16="http://schemas.microsoft.com/office/drawing/2014/main" id="{BC291C17-39D6-4CD3-BA97-F7F1EDB2AC89}"/>
+              </a:ext>
+            </a:extLst>
+          </p:cNvPr>
+          <p:cNvSpPr>
+            <a:spLocks noGrp="1"/>
+          </p:cNvSpPr>
+          <p:nvPr>
+            <p:ph type="title"/>
+          </p:nvPr>
+        </p:nvSpPr>
+        <p:spPr/>
+        <p:txBody>
+          <a:bodyPr/>
+          <a:lstStyle/>
+          <a:p>
+            <a:endParaRPr lang="ko-KR" altLang="en-US"/>
+          </a:p>
+        </p:txBody>
+      </p:sp>
+    </p:spTree>
+    <p:extLst>
+      <p:ext uri="{BB962C8B-B14F-4D97-AF65-F5344CB8AC3E}">
+        <p14:creationId xmlns:p14="http://schemas.microsoft.com/office/powerpoint/2010/main" val="848897619"/>
+      </p:ext>
+    </p:extLst>
+  </p:cSld>
+  <p:clrMapOvr>
+    <a:masterClrMapping/>
+  </p:clrMapOvr>
+</p:sld>
+</file>
+
+<file path=ppt/slides/slide8.xml><?xml version="1.0" encoding="utf-8"?>
+<p:sld xmlns:a="http://schemas.openxmlformats.org/drawingml/2006/main" xmlns:r="http://schemas.openxmlformats.org/officeDocument/2006/relationships" xmlns:p="http://schemas.openxmlformats.org/presentationml/2006/main">
+  <p:cSld>
+    <p:spTree>
+      <p:nvGrpSpPr>
+        <p:cNvPr id="1" name=""/>
+        <p:cNvGrpSpPr/>
+        <p:nvPr/>
+      </p:nvGrpSpPr>
+      <p:grpSpPr>
+        <a:xfrm>
+          <a:off x="0" y="0"/>
+          <a:ext cx="0" cy="0"/>
+          <a:chOff x="0" y="0"/>
+          <a:chExt cx="0" cy="0"/>
+        </a:xfrm>
+      </p:grpSpPr>
+      <p:sp>
+        <p:nvSpPr>
+          <p:cNvPr id="2" name="제목 1">
+            <a:extLst>
+              <a:ext uri="{FF2B5EF4-FFF2-40B4-BE49-F238E27FC236}">
                 <a16:creationId xmlns:a16="http://schemas.microsoft.com/office/drawing/2014/main" id="{FC67F929-A4E0-49DA-A87A-869BFE4EFE72}"/>
               </a:ext>
             </a:extLst>
@@ -9255,7 +15005,7 @@
 </p:sld>
 </file>
 
-<file path=ppt/slides/slide5.xml><?xml version="1.0" encoding="utf-8"?>
+<file path=ppt/slides/slide9.xml><?xml version="1.0" encoding="utf-8"?>
 <p:sld xmlns:a="http://schemas.openxmlformats.org/drawingml/2006/main" xmlns:r="http://schemas.openxmlformats.org/officeDocument/2006/relationships" xmlns:p="http://schemas.openxmlformats.org/presentationml/2006/main">
   <p:cSld>
     <p:spTree>

--- a/images/theory_analysis/Raft_Consensus_Algorithm/Raft_Consensus_Algorithm.pptx
+++ b/images/theory_analysis/Raft_Consensus_Algorithm/Raft_Consensus_Algorithm.pptx
@@ -5,7 +5,7 @@
     <p:sldMasterId id="2147483648" r:id="rId1"/>
   </p:sldMasterIdLst>
   <p:notesMasterIdLst>
-    <p:notesMasterId r:id="rId12"/>
+    <p:notesMasterId r:id="rId13"/>
   </p:notesMasterIdLst>
   <p:sldIdLst>
     <p:sldId id="362" r:id="rId2"/>
@@ -16,8 +16,9 @@
     <p:sldId id="370" r:id="rId7"/>
     <p:sldId id="371" r:id="rId8"/>
     <p:sldId id="369" r:id="rId9"/>
-    <p:sldId id="366" r:id="rId10"/>
-    <p:sldId id="365" r:id="rId11"/>
+    <p:sldId id="372" r:id="rId10"/>
+    <p:sldId id="366" r:id="rId11"/>
+    <p:sldId id="365" r:id="rId12"/>
   </p:sldIdLst>
   <p:sldSz cx="9144000" cy="5143500" type="screen16x9"/>
   <p:notesSz cx="6858000" cy="9144000"/>
@@ -6087,6 +6088,2713 @@
 </file>
 
 <file path=ppt/slides/slide10.xml><?xml version="1.0" encoding="utf-8"?>
+<p:sld xmlns:a="http://schemas.openxmlformats.org/drawingml/2006/main" xmlns:r="http://schemas.openxmlformats.org/officeDocument/2006/relationships" xmlns:p="http://schemas.openxmlformats.org/presentationml/2006/main">
+  <p:cSld>
+    <p:spTree>
+      <p:nvGrpSpPr>
+        <p:cNvPr id="1" name=""/>
+        <p:cNvGrpSpPr/>
+        <p:nvPr/>
+      </p:nvGrpSpPr>
+      <p:grpSpPr>
+        <a:xfrm>
+          <a:off x="0" y="0"/>
+          <a:ext cx="0" cy="0"/>
+          <a:chOff x="0" y="0"/>
+          <a:chExt cx="0" cy="0"/>
+        </a:xfrm>
+      </p:grpSpPr>
+      <p:sp>
+        <p:nvSpPr>
+          <p:cNvPr id="2" name="제목 1">
+            <a:extLst>
+              <a:ext uri="{FF2B5EF4-FFF2-40B4-BE49-F238E27FC236}">
+                <a16:creationId xmlns:a16="http://schemas.microsoft.com/office/drawing/2014/main" id="{FC67F929-A4E0-49DA-A87A-869BFE4EFE72}"/>
+              </a:ext>
+            </a:extLst>
+          </p:cNvPr>
+          <p:cNvSpPr>
+            <a:spLocks noGrp="1"/>
+          </p:cNvSpPr>
+          <p:nvPr>
+            <p:ph type="title"/>
+          </p:nvPr>
+        </p:nvSpPr>
+        <p:spPr>
+          <a:xfrm>
+            <a:off x="457200" y="58316"/>
+            <a:ext cx="8229600" cy="857250"/>
+          </a:xfrm>
+        </p:spPr>
+        <p:txBody>
+          <a:bodyPr>
+            <a:normAutofit/>
+          </a:bodyPr>
+          <a:lstStyle/>
+          <a:p>
+            <a:r>
+              <a:rPr lang="en-US" altLang="ko-KR"/>
+              <a:t>raft</a:t>
+            </a:r>
+            <a:r>
+              <a:rPr lang="ko-KR" altLang="en-US"/>
+              <a:t> </a:t>
+            </a:r>
+            <a:r>
+              <a:rPr lang="en-US" altLang="ko-KR"/>
+              <a:t>Architecture</a:t>
+            </a:r>
+            <a:endParaRPr lang="ko-KR" altLang="en-US"/>
+          </a:p>
+        </p:txBody>
+      </p:sp>
+      <p:sp>
+        <p:nvSpPr>
+          <p:cNvPr id="13" name="사각형: 둥근 모서리 12">
+            <a:extLst>
+              <a:ext uri="{FF2B5EF4-FFF2-40B4-BE49-F238E27FC236}">
+                <a16:creationId xmlns:a16="http://schemas.microsoft.com/office/drawing/2014/main" id="{78B4F8B2-6CEE-4211-B403-8EDA4BFAACE0}"/>
+              </a:ext>
+            </a:extLst>
+          </p:cNvPr>
+          <p:cNvSpPr/>
+          <p:nvPr/>
+        </p:nvSpPr>
+        <p:spPr>
+          <a:xfrm>
+            <a:off x="4339005" y="1059582"/>
+            <a:ext cx="2500704" cy="1512168"/>
+          </a:xfrm>
+          <a:prstGeom prst="roundRect">
+            <a:avLst>
+              <a:gd name="adj" fmla="val 4544"/>
+            </a:avLst>
+          </a:prstGeom>
+        </p:spPr>
+        <p:style>
+          <a:lnRef idx="2">
+            <a:schemeClr val="dk1"/>
+          </a:lnRef>
+          <a:fillRef idx="1">
+            <a:schemeClr val="lt1"/>
+          </a:fillRef>
+          <a:effectRef idx="0">
+            <a:schemeClr val="dk1"/>
+          </a:effectRef>
+          <a:fontRef idx="minor">
+            <a:schemeClr val="dk1"/>
+          </a:fontRef>
+        </p:style>
+        <p:txBody>
+          <a:bodyPr rtlCol="0" anchor="t"/>
+          <a:lstStyle/>
+          <a:p>
+            <a:pPr algn="ctr"/>
+            <a:r>
+              <a:rPr lang="en-US" altLang="ko-KR" sz="1400"/>
+              <a:t> Server / Leader</a:t>
+            </a:r>
+          </a:p>
+        </p:txBody>
+      </p:sp>
+      <p:sp>
+        <p:nvSpPr>
+          <p:cNvPr id="17" name="사각형: 둥근 모서리 16">
+            <a:extLst>
+              <a:ext uri="{FF2B5EF4-FFF2-40B4-BE49-F238E27FC236}">
+                <a16:creationId xmlns:a16="http://schemas.microsoft.com/office/drawing/2014/main" id="{4B6619E2-F023-459E-8D44-EE63D2A4FAF3}"/>
+              </a:ext>
+            </a:extLst>
+          </p:cNvPr>
+          <p:cNvSpPr/>
+          <p:nvPr/>
+        </p:nvSpPr>
+        <p:spPr>
+          <a:xfrm>
+            <a:off x="935053" y="2571750"/>
+            <a:ext cx="1584176" cy="353194"/>
+          </a:xfrm>
+          <a:prstGeom prst="roundRect">
+            <a:avLst>
+              <a:gd name="adj" fmla="val 15281"/>
+            </a:avLst>
+          </a:prstGeom>
+        </p:spPr>
+        <p:style>
+          <a:lnRef idx="2">
+            <a:schemeClr val="dk1"/>
+          </a:lnRef>
+          <a:fillRef idx="1">
+            <a:schemeClr val="lt1"/>
+          </a:fillRef>
+          <a:effectRef idx="0">
+            <a:schemeClr val="dk1"/>
+          </a:effectRef>
+          <a:fontRef idx="minor">
+            <a:schemeClr val="dk1"/>
+          </a:fontRef>
+        </p:style>
+        <p:txBody>
+          <a:bodyPr rtlCol="0" anchor="ctr"/>
+          <a:lstStyle/>
+          <a:p>
+            <a:pPr algn="ctr"/>
+            <a:r>
+              <a:rPr lang="en-US" altLang="ko-KR" sz="1400" b="1"/>
+              <a:t>Client</a:t>
+            </a:r>
+          </a:p>
+        </p:txBody>
+      </p:sp>
+      <p:sp>
+        <p:nvSpPr>
+          <p:cNvPr id="25" name="사각형: 둥근 모서리 24">
+            <a:extLst>
+              <a:ext uri="{FF2B5EF4-FFF2-40B4-BE49-F238E27FC236}">
+                <a16:creationId xmlns:a16="http://schemas.microsoft.com/office/drawing/2014/main" id="{C6DCD957-0614-4A48-A3D4-796839CC9A32}"/>
+              </a:ext>
+            </a:extLst>
+          </p:cNvPr>
+          <p:cNvSpPr/>
+          <p:nvPr/>
+        </p:nvSpPr>
+        <p:spPr>
+          <a:xfrm>
+            <a:off x="4431695" y="1397343"/>
+            <a:ext cx="1008112" cy="526335"/>
+          </a:xfrm>
+          <a:prstGeom prst="roundRect">
+            <a:avLst>
+              <a:gd name="adj" fmla="val 11714"/>
+            </a:avLst>
+          </a:prstGeom>
+        </p:spPr>
+        <p:style>
+          <a:lnRef idx="2">
+            <a:schemeClr val="dk1"/>
+          </a:lnRef>
+          <a:fillRef idx="1">
+            <a:schemeClr val="lt1"/>
+          </a:fillRef>
+          <a:effectRef idx="0">
+            <a:schemeClr val="dk1"/>
+          </a:effectRef>
+          <a:fontRef idx="minor">
+            <a:schemeClr val="dk1"/>
+          </a:fontRef>
+        </p:style>
+        <p:txBody>
+          <a:bodyPr rtlCol="0" anchor="ctr"/>
+          <a:lstStyle/>
+          <a:p>
+            <a:pPr algn="ctr"/>
+            <a:r>
+              <a:rPr lang="en-US" altLang="ko-KR" sz="1000"/>
+              <a:t>Consensus </a:t>
+            </a:r>
+          </a:p>
+          <a:p>
+            <a:pPr algn="ctr"/>
+            <a:r>
+              <a:rPr lang="en-US" altLang="ko-KR" sz="1000"/>
+              <a:t>Module</a:t>
+            </a:r>
+          </a:p>
+        </p:txBody>
+      </p:sp>
+      <p:sp>
+        <p:nvSpPr>
+          <p:cNvPr id="26" name="사각형: 둥근 모서리 25">
+            <a:extLst>
+              <a:ext uri="{FF2B5EF4-FFF2-40B4-BE49-F238E27FC236}">
+                <a16:creationId xmlns:a16="http://schemas.microsoft.com/office/drawing/2014/main" id="{44297D1D-62EC-4FCF-8EA6-354DDA58DCE8}"/>
+              </a:ext>
+            </a:extLst>
+          </p:cNvPr>
+          <p:cNvSpPr/>
+          <p:nvPr/>
+        </p:nvSpPr>
+        <p:spPr>
+          <a:xfrm>
+            <a:off x="4431695" y="2117969"/>
+            <a:ext cx="2315272" cy="353195"/>
+          </a:xfrm>
+          <a:prstGeom prst="roundRect">
+            <a:avLst>
+              <a:gd name="adj" fmla="val 15759"/>
+            </a:avLst>
+          </a:prstGeom>
+        </p:spPr>
+        <p:style>
+          <a:lnRef idx="2">
+            <a:schemeClr val="dk1"/>
+          </a:lnRef>
+          <a:fillRef idx="1">
+            <a:schemeClr val="lt1"/>
+          </a:fillRef>
+          <a:effectRef idx="0">
+            <a:schemeClr val="dk1"/>
+          </a:effectRef>
+          <a:fontRef idx="minor">
+            <a:schemeClr val="dk1"/>
+          </a:fontRef>
+        </p:style>
+        <p:txBody>
+          <a:bodyPr rtlCol="0" anchor="ctr"/>
+          <a:lstStyle/>
+          <a:p>
+            <a:r>
+              <a:rPr lang="en-US" altLang="ko-KR" sz="1000"/>
+              <a:t>Log</a:t>
+            </a:r>
+          </a:p>
+        </p:txBody>
+      </p:sp>
+      <p:sp>
+        <p:nvSpPr>
+          <p:cNvPr id="27" name="사각형: 둥근 모서리 26">
+            <a:extLst>
+              <a:ext uri="{FF2B5EF4-FFF2-40B4-BE49-F238E27FC236}">
+                <a16:creationId xmlns:a16="http://schemas.microsoft.com/office/drawing/2014/main" id="{0B9B37E3-3DB9-4BFE-9F1B-C2A627D9E733}"/>
+              </a:ext>
+            </a:extLst>
+          </p:cNvPr>
+          <p:cNvSpPr/>
+          <p:nvPr/>
+        </p:nvSpPr>
+        <p:spPr>
+          <a:xfrm>
+            <a:off x="4818770" y="2171974"/>
+            <a:ext cx="489719" cy="245183"/>
+          </a:xfrm>
+          <a:prstGeom prst="roundRect">
+            <a:avLst>
+              <a:gd name="adj" fmla="val 15759"/>
+            </a:avLst>
+          </a:prstGeom>
+        </p:spPr>
+        <p:style>
+          <a:lnRef idx="2">
+            <a:schemeClr val="dk1"/>
+          </a:lnRef>
+          <a:fillRef idx="1">
+            <a:schemeClr val="lt1"/>
+          </a:fillRef>
+          <a:effectRef idx="0">
+            <a:schemeClr val="dk1"/>
+          </a:effectRef>
+          <a:fontRef idx="minor">
+            <a:schemeClr val="dk1"/>
+          </a:fontRef>
+        </p:style>
+        <p:txBody>
+          <a:bodyPr rtlCol="0" anchor="ctr"/>
+          <a:lstStyle/>
+          <a:p>
+            <a:pPr algn="ctr"/>
+            <a:r>
+              <a:rPr lang="en-US" altLang="ko-KR" sz="900"/>
+              <a:t>Entry</a:t>
+            </a:r>
+          </a:p>
+        </p:txBody>
+      </p:sp>
+      <p:sp>
+        <p:nvSpPr>
+          <p:cNvPr id="3" name="타원 2">
+            <a:extLst>
+              <a:ext uri="{FF2B5EF4-FFF2-40B4-BE49-F238E27FC236}">
+                <a16:creationId xmlns:a16="http://schemas.microsoft.com/office/drawing/2014/main" id="{5D3AD20B-A15D-4EE6-BEC7-CF148211217C}"/>
+              </a:ext>
+            </a:extLst>
+          </p:cNvPr>
+          <p:cNvSpPr/>
+          <p:nvPr/>
+        </p:nvSpPr>
+        <p:spPr>
+          <a:xfrm>
+            <a:off x="6353446" y="2258561"/>
+            <a:ext cx="72008" cy="72008"/>
+          </a:xfrm>
+          <a:prstGeom prst="ellipse">
+            <a:avLst/>
+          </a:prstGeom>
+          <a:solidFill>
+            <a:schemeClr val="tx1"/>
+          </a:solidFill>
+          <a:ln>
+            <a:noFill/>
+          </a:ln>
+        </p:spPr>
+        <p:style>
+          <a:lnRef idx="2">
+            <a:schemeClr val="accent1">
+              <a:shade val="50000"/>
+            </a:schemeClr>
+          </a:lnRef>
+          <a:fillRef idx="1">
+            <a:schemeClr val="accent1"/>
+          </a:fillRef>
+          <a:effectRef idx="0">
+            <a:schemeClr val="accent1"/>
+          </a:effectRef>
+          <a:fontRef idx="minor">
+            <a:schemeClr val="lt1"/>
+          </a:fontRef>
+        </p:style>
+        <p:txBody>
+          <a:bodyPr rtlCol="0" anchor="ctr"/>
+          <a:lstStyle/>
+          <a:p>
+            <a:pPr algn="ctr"/>
+            <a:endParaRPr lang="ko-KR" altLang="en-US" sz="1400"/>
+          </a:p>
+        </p:txBody>
+      </p:sp>
+      <p:sp>
+        <p:nvSpPr>
+          <p:cNvPr id="32" name="타원 31">
+            <a:extLst>
+              <a:ext uri="{FF2B5EF4-FFF2-40B4-BE49-F238E27FC236}">
+                <a16:creationId xmlns:a16="http://schemas.microsoft.com/office/drawing/2014/main" id="{5FD284C8-4323-4D3A-94B3-4E8C7F1BD3B0}"/>
+              </a:ext>
+            </a:extLst>
+          </p:cNvPr>
+          <p:cNvSpPr/>
+          <p:nvPr/>
+        </p:nvSpPr>
+        <p:spPr>
+          <a:xfrm>
+            <a:off x="6476728" y="2258561"/>
+            <a:ext cx="72008" cy="72008"/>
+          </a:xfrm>
+          <a:prstGeom prst="ellipse">
+            <a:avLst/>
+          </a:prstGeom>
+          <a:solidFill>
+            <a:schemeClr val="tx1"/>
+          </a:solidFill>
+          <a:ln>
+            <a:noFill/>
+          </a:ln>
+        </p:spPr>
+        <p:style>
+          <a:lnRef idx="2">
+            <a:schemeClr val="accent1">
+              <a:shade val="50000"/>
+            </a:schemeClr>
+          </a:lnRef>
+          <a:fillRef idx="1">
+            <a:schemeClr val="accent1"/>
+          </a:fillRef>
+          <a:effectRef idx="0">
+            <a:schemeClr val="accent1"/>
+          </a:effectRef>
+          <a:fontRef idx="minor">
+            <a:schemeClr val="lt1"/>
+          </a:fontRef>
+        </p:style>
+        <p:txBody>
+          <a:bodyPr rtlCol="0" anchor="ctr"/>
+          <a:lstStyle/>
+          <a:p>
+            <a:pPr algn="ctr"/>
+            <a:endParaRPr lang="ko-KR" altLang="en-US" sz="1400"/>
+          </a:p>
+        </p:txBody>
+      </p:sp>
+      <p:sp>
+        <p:nvSpPr>
+          <p:cNvPr id="33" name="타원 32">
+            <a:extLst>
+              <a:ext uri="{FF2B5EF4-FFF2-40B4-BE49-F238E27FC236}">
+                <a16:creationId xmlns:a16="http://schemas.microsoft.com/office/drawing/2014/main" id="{7B3D390F-41A4-47CD-9FD7-92570EBE0EB4}"/>
+              </a:ext>
+            </a:extLst>
+          </p:cNvPr>
+          <p:cNvSpPr/>
+          <p:nvPr/>
+        </p:nvSpPr>
+        <p:spPr>
+          <a:xfrm>
+            <a:off x="6595107" y="2258561"/>
+            <a:ext cx="72008" cy="72008"/>
+          </a:xfrm>
+          <a:prstGeom prst="ellipse">
+            <a:avLst/>
+          </a:prstGeom>
+          <a:solidFill>
+            <a:schemeClr val="tx1"/>
+          </a:solidFill>
+          <a:ln>
+            <a:noFill/>
+          </a:ln>
+        </p:spPr>
+        <p:style>
+          <a:lnRef idx="2">
+            <a:schemeClr val="accent1">
+              <a:shade val="50000"/>
+            </a:schemeClr>
+          </a:lnRef>
+          <a:fillRef idx="1">
+            <a:schemeClr val="accent1"/>
+          </a:fillRef>
+          <a:effectRef idx="0">
+            <a:schemeClr val="accent1"/>
+          </a:effectRef>
+          <a:fontRef idx="minor">
+            <a:schemeClr val="lt1"/>
+          </a:fontRef>
+        </p:style>
+        <p:txBody>
+          <a:bodyPr rtlCol="0" anchor="ctr"/>
+          <a:lstStyle/>
+          <a:p>
+            <a:pPr algn="ctr"/>
+            <a:endParaRPr lang="ko-KR" altLang="en-US" sz="1400"/>
+          </a:p>
+        </p:txBody>
+      </p:sp>
+      <p:sp>
+        <p:nvSpPr>
+          <p:cNvPr id="34" name="사각형: 둥근 모서리 33">
+            <a:extLst>
+              <a:ext uri="{FF2B5EF4-FFF2-40B4-BE49-F238E27FC236}">
+                <a16:creationId xmlns:a16="http://schemas.microsoft.com/office/drawing/2014/main" id="{E58549BF-6380-4D21-AC27-FC72FE1CD1DF}"/>
+              </a:ext>
+            </a:extLst>
+          </p:cNvPr>
+          <p:cNvSpPr/>
+          <p:nvPr/>
+        </p:nvSpPr>
+        <p:spPr>
+          <a:xfrm>
+            <a:off x="5687581" y="1397343"/>
+            <a:ext cx="1059386" cy="526335"/>
+          </a:xfrm>
+          <a:prstGeom prst="roundRect">
+            <a:avLst>
+              <a:gd name="adj" fmla="val 11714"/>
+            </a:avLst>
+          </a:prstGeom>
+        </p:spPr>
+        <p:style>
+          <a:lnRef idx="2">
+            <a:schemeClr val="dk1"/>
+          </a:lnRef>
+          <a:fillRef idx="1">
+            <a:schemeClr val="lt1"/>
+          </a:fillRef>
+          <a:effectRef idx="0">
+            <a:schemeClr val="dk1"/>
+          </a:effectRef>
+          <a:fontRef idx="minor">
+            <a:schemeClr val="dk1"/>
+          </a:fontRef>
+        </p:style>
+        <p:txBody>
+          <a:bodyPr rtlCol="0" anchor="ctr"/>
+          <a:lstStyle/>
+          <a:p>
+            <a:pPr algn="ctr"/>
+            <a:r>
+              <a:rPr lang="en-US" altLang="ko-KR" sz="1000"/>
+              <a:t>State Machine</a:t>
+            </a:r>
+          </a:p>
+          <a:p>
+            <a:pPr algn="ctr"/>
+            <a:r>
+              <a:rPr lang="en-US" altLang="ko-KR" sz="900"/>
+              <a:t>Key1 : Value1</a:t>
+            </a:r>
+          </a:p>
+          <a:p>
+            <a:pPr algn="ctr"/>
+            <a:r>
+              <a:rPr lang="en-US" altLang="ko-KR" sz="900"/>
+              <a:t>Key2 : Value2</a:t>
+            </a:r>
+          </a:p>
+        </p:txBody>
+      </p:sp>
+      <p:sp>
+        <p:nvSpPr>
+          <p:cNvPr id="37" name="사각형: 둥근 모서리 36">
+            <a:extLst>
+              <a:ext uri="{FF2B5EF4-FFF2-40B4-BE49-F238E27FC236}">
+                <a16:creationId xmlns:a16="http://schemas.microsoft.com/office/drawing/2014/main" id="{70746400-FF33-4474-BD5D-DF900D244CE4}"/>
+              </a:ext>
+            </a:extLst>
+          </p:cNvPr>
+          <p:cNvSpPr/>
+          <p:nvPr/>
+        </p:nvSpPr>
+        <p:spPr>
+          <a:xfrm>
+            <a:off x="5308489" y="2171974"/>
+            <a:ext cx="489719" cy="245183"/>
+          </a:xfrm>
+          <a:prstGeom prst="roundRect">
+            <a:avLst>
+              <a:gd name="adj" fmla="val 15759"/>
+            </a:avLst>
+          </a:prstGeom>
+        </p:spPr>
+        <p:style>
+          <a:lnRef idx="2">
+            <a:schemeClr val="dk1"/>
+          </a:lnRef>
+          <a:fillRef idx="1">
+            <a:schemeClr val="lt1"/>
+          </a:fillRef>
+          <a:effectRef idx="0">
+            <a:schemeClr val="dk1"/>
+          </a:effectRef>
+          <a:fontRef idx="minor">
+            <a:schemeClr val="dk1"/>
+          </a:fontRef>
+        </p:style>
+        <p:txBody>
+          <a:bodyPr rtlCol="0" anchor="ctr"/>
+          <a:lstStyle/>
+          <a:p>
+            <a:pPr algn="ctr"/>
+            <a:r>
+              <a:rPr lang="en-US" altLang="ko-KR" sz="900"/>
+              <a:t>Entry</a:t>
+            </a:r>
+          </a:p>
+        </p:txBody>
+      </p:sp>
+      <p:sp>
+        <p:nvSpPr>
+          <p:cNvPr id="39" name="사각형: 둥근 모서리 38">
+            <a:extLst>
+              <a:ext uri="{FF2B5EF4-FFF2-40B4-BE49-F238E27FC236}">
+                <a16:creationId xmlns:a16="http://schemas.microsoft.com/office/drawing/2014/main" id="{0C3FECA8-68E1-4296-92F1-C97A722DD66B}"/>
+              </a:ext>
+            </a:extLst>
+          </p:cNvPr>
+          <p:cNvSpPr/>
+          <p:nvPr/>
+        </p:nvSpPr>
+        <p:spPr>
+          <a:xfrm>
+            <a:off x="5798208" y="2171974"/>
+            <a:ext cx="489719" cy="245183"/>
+          </a:xfrm>
+          <a:prstGeom prst="roundRect">
+            <a:avLst>
+              <a:gd name="adj" fmla="val 15759"/>
+            </a:avLst>
+          </a:prstGeom>
+        </p:spPr>
+        <p:style>
+          <a:lnRef idx="2">
+            <a:schemeClr val="dk1"/>
+          </a:lnRef>
+          <a:fillRef idx="1">
+            <a:schemeClr val="lt1"/>
+          </a:fillRef>
+          <a:effectRef idx="0">
+            <a:schemeClr val="dk1"/>
+          </a:effectRef>
+          <a:fontRef idx="minor">
+            <a:schemeClr val="dk1"/>
+          </a:fontRef>
+        </p:style>
+        <p:txBody>
+          <a:bodyPr rtlCol="0" anchor="ctr"/>
+          <a:lstStyle/>
+          <a:p>
+            <a:pPr algn="ctr"/>
+            <a:r>
+              <a:rPr lang="en-US" altLang="ko-KR" sz="900"/>
+              <a:t>Entry</a:t>
+            </a:r>
+          </a:p>
+        </p:txBody>
+      </p:sp>
+      <p:sp>
+        <p:nvSpPr>
+          <p:cNvPr id="40" name="사각형: 둥근 모서리 39">
+            <a:extLst>
+              <a:ext uri="{FF2B5EF4-FFF2-40B4-BE49-F238E27FC236}">
+                <a16:creationId xmlns:a16="http://schemas.microsoft.com/office/drawing/2014/main" id="{148C94EE-589A-4FEA-9B33-CA76DC4F0BA1}"/>
+              </a:ext>
+            </a:extLst>
+          </p:cNvPr>
+          <p:cNvSpPr/>
+          <p:nvPr/>
+        </p:nvSpPr>
+        <p:spPr>
+          <a:xfrm>
+            <a:off x="2863384" y="2859782"/>
+            <a:ext cx="2500704" cy="1512168"/>
+          </a:xfrm>
+          <a:prstGeom prst="roundRect">
+            <a:avLst>
+              <a:gd name="adj" fmla="val 4544"/>
+            </a:avLst>
+          </a:prstGeom>
+        </p:spPr>
+        <p:style>
+          <a:lnRef idx="2">
+            <a:schemeClr val="dk1"/>
+          </a:lnRef>
+          <a:fillRef idx="1">
+            <a:schemeClr val="lt1"/>
+          </a:fillRef>
+          <a:effectRef idx="0">
+            <a:schemeClr val="dk1"/>
+          </a:effectRef>
+          <a:fontRef idx="minor">
+            <a:schemeClr val="dk1"/>
+          </a:fontRef>
+        </p:style>
+        <p:txBody>
+          <a:bodyPr rtlCol="0" anchor="t"/>
+          <a:lstStyle/>
+          <a:p>
+            <a:pPr algn="ctr"/>
+            <a:r>
+              <a:rPr lang="en-US" altLang="ko-KR" sz="1400"/>
+              <a:t> Server / Follower</a:t>
+            </a:r>
+          </a:p>
+        </p:txBody>
+      </p:sp>
+      <p:sp>
+        <p:nvSpPr>
+          <p:cNvPr id="41" name="사각형: 둥근 모서리 40">
+            <a:extLst>
+              <a:ext uri="{FF2B5EF4-FFF2-40B4-BE49-F238E27FC236}">
+                <a16:creationId xmlns:a16="http://schemas.microsoft.com/office/drawing/2014/main" id="{9CF4EB27-06BB-4AFF-B3F9-0CF959373DB1}"/>
+              </a:ext>
+            </a:extLst>
+          </p:cNvPr>
+          <p:cNvSpPr/>
+          <p:nvPr/>
+        </p:nvSpPr>
+        <p:spPr>
+          <a:xfrm>
+            <a:off x="2956074" y="3197543"/>
+            <a:ext cx="1008112" cy="526335"/>
+          </a:xfrm>
+          <a:prstGeom prst="roundRect">
+            <a:avLst>
+              <a:gd name="adj" fmla="val 11714"/>
+            </a:avLst>
+          </a:prstGeom>
+        </p:spPr>
+        <p:style>
+          <a:lnRef idx="2">
+            <a:schemeClr val="dk1"/>
+          </a:lnRef>
+          <a:fillRef idx="1">
+            <a:schemeClr val="lt1"/>
+          </a:fillRef>
+          <a:effectRef idx="0">
+            <a:schemeClr val="dk1"/>
+          </a:effectRef>
+          <a:fontRef idx="minor">
+            <a:schemeClr val="dk1"/>
+          </a:fontRef>
+        </p:style>
+        <p:txBody>
+          <a:bodyPr rtlCol="0" anchor="ctr"/>
+          <a:lstStyle/>
+          <a:p>
+            <a:pPr algn="ctr"/>
+            <a:r>
+              <a:rPr lang="en-US" altLang="ko-KR" sz="1000"/>
+              <a:t>Consensus </a:t>
+            </a:r>
+          </a:p>
+          <a:p>
+            <a:pPr algn="ctr"/>
+            <a:r>
+              <a:rPr lang="en-US" altLang="ko-KR" sz="1000"/>
+              <a:t>Module</a:t>
+            </a:r>
+          </a:p>
+        </p:txBody>
+      </p:sp>
+      <p:sp>
+        <p:nvSpPr>
+          <p:cNvPr id="42" name="사각형: 둥근 모서리 41">
+            <a:extLst>
+              <a:ext uri="{FF2B5EF4-FFF2-40B4-BE49-F238E27FC236}">
+                <a16:creationId xmlns:a16="http://schemas.microsoft.com/office/drawing/2014/main" id="{1067F584-E1F2-4116-9961-7982DF74F228}"/>
+              </a:ext>
+            </a:extLst>
+          </p:cNvPr>
+          <p:cNvSpPr/>
+          <p:nvPr/>
+        </p:nvSpPr>
+        <p:spPr>
+          <a:xfrm>
+            <a:off x="2956074" y="3918169"/>
+            <a:ext cx="2315272" cy="353195"/>
+          </a:xfrm>
+          <a:prstGeom prst="roundRect">
+            <a:avLst>
+              <a:gd name="adj" fmla="val 15759"/>
+            </a:avLst>
+          </a:prstGeom>
+        </p:spPr>
+        <p:style>
+          <a:lnRef idx="2">
+            <a:schemeClr val="dk1"/>
+          </a:lnRef>
+          <a:fillRef idx="1">
+            <a:schemeClr val="lt1"/>
+          </a:fillRef>
+          <a:effectRef idx="0">
+            <a:schemeClr val="dk1"/>
+          </a:effectRef>
+          <a:fontRef idx="minor">
+            <a:schemeClr val="dk1"/>
+          </a:fontRef>
+        </p:style>
+        <p:txBody>
+          <a:bodyPr rtlCol="0" anchor="ctr"/>
+          <a:lstStyle/>
+          <a:p>
+            <a:r>
+              <a:rPr lang="en-US" altLang="ko-KR" sz="1000"/>
+              <a:t>Log</a:t>
+            </a:r>
+          </a:p>
+        </p:txBody>
+      </p:sp>
+      <p:sp>
+        <p:nvSpPr>
+          <p:cNvPr id="43" name="사각형: 둥근 모서리 42">
+            <a:extLst>
+              <a:ext uri="{FF2B5EF4-FFF2-40B4-BE49-F238E27FC236}">
+                <a16:creationId xmlns:a16="http://schemas.microsoft.com/office/drawing/2014/main" id="{CF26C3EA-A73F-48BC-8DC6-752A4696E4D8}"/>
+              </a:ext>
+            </a:extLst>
+          </p:cNvPr>
+          <p:cNvSpPr/>
+          <p:nvPr/>
+        </p:nvSpPr>
+        <p:spPr>
+          <a:xfrm>
+            <a:off x="3343149" y="3972174"/>
+            <a:ext cx="489719" cy="245183"/>
+          </a:xfrm>
+          <a:prstGeom prst="roundRect">
+            <a:avLst>
+              <a:gd name="adj" fmla="val 15759"/>
+            </a:avLst>
+          </a:prstGeom>
+        </p:spPr>
+        <p:style>
+          <a:lnRef idx="2">
+            <a:schemeClr val="dk1"/>
+          </a:lnRef>
+          <a:fillRef idx="1">
+            <a:schemeClr val="lt1"/>
+          </a:fillRef>
+          <a:effectRef idx="0">
+            <a:schemeClr val="dk1"/>
+          </a:effectRef>
+          <a:fontRef idx="minor">
+            <a:schemeClr val="dk1"/>
+          </a:fontRef>
+        </p:style>
+        <p:txBody>
+          <a:bodyPr rtlCol="0" anchor="ctr"/>
+          <a:lstStyle/>
+          <a:p>
+            <a:pPr algn="ctr"/>
+            <a:r>
+              <a:rPr lang="en-US" altLang="ko-KR" sz="900"/>
+              <a:t>Entry</a:t>
+            </a:r>
+          </a:p>
+        </p:txBody>
+      </p:sp>
+      <p:sp>
+        <p:nvSpPr>
+          <p:cNvPr id="44" name="타원 43">
+            <a:extLst>
+              <a:ext uri="{FF2B5EF4-FFF2-40B4-BE49-F238E27FC236}">
+                <a16:creationId xmlns:a16="http://schemas.microsoft.com/office/drawing/2014/main" id="{9786AC4F-82B0-407F-BA77-BFD047922B6C}"/>
+              </a:ext>
+            </a:extLst>
+          </p:cNvPr>
+          <p:cNvSpPr/>
+          <p:nvPr/>
+        </p:nvSpPr>
+        <p:spPr>
+          <a:xfrm>
+            <a:off x="4877825" y="4058761"/>
+            <a:ext cx="72008" cy="72008"/>
+          </a:xfrm>
+          <a:prstGeom prst="ellipse">
+            <a:avLst/>
+          </a:prstGeom>
+          <a:solidFill>
+            <a:schemeClr val="tx1"/>
+          </a:solidFill>
+          <a:ln>
+            <a:noFill/>
+          </a:ln>
+        </p:spPr>
+        <p:style>
+          <a:lnRef idx="2">
+            <a:schemeClr val="accent1">
+              <a:shade val="50000"/>
+            </a:schemeClr>
+          </a:lnRef>
+          <a:fillRef idx="1">
+            <a:schemeClr val="accent1"/>
+          </a:fillRef>
+          <a:effectRef idx="0">
+            <a:schemeClr val="accent1"/>
+          </a:effectRef>
+          <a:fontRef idx="minor">
+            <a:schemeClr val="lt1"/>
+          </a:fontRef>
+        </p:style>
+        <p:txBody>
+          <a:bodyPr rtlCol="0" anchor="ctr"/>
+          <a:lstStyle/>
+          <a:p>
+            <a:pPr algn="ctr"/>
+            <a:endParaRPr lang="ko-KR" altLang="en-US" sz="1400"/>
+          </a:p>
+        </p:txBody>
+      </p:sp>
+      <p:sp>
+        <p:nvSpPr>
+          <p:cNvPr id="45" name="타원 44">
+            <a:extLst>
+              <a:ext uri="{FF2B5EF4-FFF2-40B4-BE49-F238E27FC236}">
+                <a16:creationId xmlns:a16="http://schemas.microsoft.com/office/drawing/2014/main" id="{0F6713F3-EB13-44A9-AADC-FE9FFDEC3641}"/>
+              </a:ext>
+            </a:extLst>
+          </p:cNvPr>
+          <p:cNvSpPr/>
+          <p:nvPr/>
+        </p:nvSpPr>
+        <p:spPr>
+          <a:xfrm>
+            <a:off x="5001107" y="4058761"/>
+            <a:ext cx="72008" cy="72008"/>
+          </a:xfrm>
+          <a:prstGeom prst="ellipse">
+            <a:avLst/>
+          </a:prstGeom>
+          <a:solidFill>
+            <a:schemeClr val="tx1"/>
+          </a:solidFill>
+          <a:ln>
+            <a:noFill/>
+          </a:ln>
+        </p:spPr>
+        <p:style>
+          <a:lnRef idx="2">
+            <a:schemeClr val="accent1">
+              <a:shade val="50000"/>
+            </a:schemeClr>
+          </a:lnRef>
+          <a:fillRef idx="1">
+            <a:schemeClr val="accent1"/>
+          </a:fillRef>
+          <a:effectRef idx="0">
+            <a:schemeClr val="accent1"/>
+          </a:effectRef>
+          <a:fontRef idx="minor">
+            <a:schemeClr val="lt1"/>
+          </a:fontRef>
+        </p:style>
+        <p:txBody>
+          <a:bodyPr rtlCol="0" anchor="ctr"/>
+          <a:lstStyle/>
+          <a:p>
+            <a:pPr algn="ctr"/>
+            <a:endParaRPr lang="ko-KR" altLang="en-US" sz="1400"/>
+          </a:p>
+        </p:txBody>
+      </p:sp>
+      <p:sp>
+        <p:nvSpPr>
+          <p:cNvPr id="46" name="타원 45">
+            <a:extLst>
+              <a:ext uri="{FF2B5EF4-FFF2-40B4-BE49-F238E27FC236}">
+                <a16:creationId xmlns:a16="http://schemas.microsoft.com/office/drawing/2014/main" id="{5314E016-3592-4C38-BFFE-9C4BD345D2A1}"/>
+              </a:ext>
+            </a:extLst>
+          </p:cNvPr>
+          <p:cNvSpPr/>
+          <p:nvPr/>
+        </p:nvSpPr>
+        <p:spPr>
+          <a:xfrm>
+            <a:off x="5119486" y="4058761"/>
+            <a:ext cx="72008" cy="72008"/>
+          </a:xfrm>
+          <a:prstGeom prst="ellipse">
+            <a:avLst/>
+          </a:prstGeom>
+          <a:solidFill>
+            <a:schemeClr val="tx1"/>
+          </a:solidFill>
+          <a:ln>
+            <a:noFill/>
+          </a:ln>
+        </p:spPr>
+        <p:style>
+          <a:lnRef idx="2">
+            <a:schemeClr val="accent1">
+              <a:shade val="50000"/>
+            </a:schemeClr>
+          </a:lnRef>
+          <a:fillRef idx="1">
+            <a:schemeClr val="accent1"/>
+          </a:fillRef>
+          <a:effectRef idx="0">
+            <a:schemeClr val="accent1"/>
+          </a:effectRef>
+          <a:fontRef idx="minor">
+            <a:schemeClr val="lt1"/>
+          </a:fontRef>
+        </p:style>
+        <p:txBody>
+          <a:bodyPr rtlCol="0" anchor="ctr"/>
+          <a:lstStyle/>
+          <a:p>
+            <a:pPr algn="ctr"/>
+            <a:endParaRPr lang="ko-KR" altLang="en-US" sz="1400"/>
+          </a:p>
+        </p:txBody>
+      </p:sp>
+      <p:sp>
+        <p:nvSpPr>
+          <p:cNvPr id="47" name="사각형: 둥근 모서리 46">
+            <a:extLst>
+              <a:ext uri="{FF2B5EF4-FFF2-40B4-BE49-F238E27FC236}">
+                <a16:creationId xmlns:a16="http://schemas.microsoft.com/office/drawing/2014/main" id="{B1D1B5C4-955F-4396-B096-F0EA0028351E}"/>
+              </a:ext>
+            </a:extLst>
+          </p:cNvPr>
+          <p:cNvSpPr/>
+          <p:nvPr/>
+        </p:nvSpPr>
+        <p:spPr>
+          <a:xfrm>
+            <a:off x="4211960" y="3197543"/>
+            <a:ext cx="1059386" cy="526335"/>
+          </a:xfrm>
+          <a:prstGeom prst="roundRect">
+            <a:avLst>
+              <a:gd name="adj" fmla="val 11714"/>
+            </a:avLst>
+          </a:prstGeom>
+        </p:spPr>
+        <p:style>
+          <a:lnRef idx="2">
+            <a:schemeClr val="dk1"/>
+          </a:lnRef>
+          <a:fillRef idx="1">
+            <a:schemeClr val="lt1"/>
+          </a:fillRef>
+          <a:effectRef idx="0">
+            <a:schemeClr val="dk1"/>
+          </a:effectRef>
+          <a:fontRef idx="minor">
+            <a:schemeClr val="dk1"/>
+          </a:fontRef>
+        </p:style>
+        <p:txBody>
+          <a:bodyPr rtlCol="0" anchor="ctr"/>
+          <a:lstStyle/>
+          <a:p>
+            <a:pPr algn="ctr"/>
+            <a:r>
+              <a:rPr lang="en-US" altLang="ko-KR" sz="1000"/>
+              <a:t>State Machine</a:t>
+            </a:r>
+          </a:p>
+          <a:p>
+            <a:pPr algn="ctr"/>
+            <a:r>
+              <a:rPr lang="en-US" altLang="ko-KR" sz="900"/>
+              <a:t>Key1 : Value1</a:t>
+            </a:r>
+          </a:p>
+          <a:p>
+            <a:pPr algn="ctr"/>
+            <a:r>
+              <a:rPr lang="en-US" altLang="ko-KR" sz="900"/>
+              <a:t>Key2 : Value2</a:t>
+            </a:r>
+          </a:p>
+        </p:txBody>
+      </p:sp>
+      <p:sp>
+        <p:nvSpPr>
+          <p:cNvPr id="48" name="사각형: 둥근 모서리 47">
+            <a:extLst>
+              <a:ext uri="{FF2B5EF4-FFF2-40B4-BE49-F238E27FC236}">
+                <a16:creationId xmlns:a16="http://schemas.microsoft.com/office/drawing/2014/main" id="{EE2042F4-A756-4709-A464-DC8E131E324D}"/>
+              </a:ext>
+            </a:extLst>
+          </p:cNvPr>
+          <p:cNvSpPr/>
+          <p:nvPr/>
+        </p:nvSpPr>
+        <p:spPr>
+          <a:xfrm>
+            <a:off x="3832868" y="3972174"/>
+            <a:ext cx="489719" cy="245183"/>
+          </a:xfrm>
+          <a:prstGeom prst="roundRect">
+            <a:avLst>
+              <a:gd name="adj" fmla="val 15759"/>
+            </a:avLst>
+          </a:prstGeom>
+        </p:spPr>
+        <p:style>
+          <a:lnRef idx="2">
+            <a:schemeClr val="dk1"/>
+          </a:lnRef>
+          <a:fillRef idx="1">
+            <a:schemeClr val="lt1"/>
+          </a:fillRef>
+          <a:effectRef idx="0">
+            <a:schemeClr val="dk1"/>
+          </a:effectRef>
+          <a:fontRef idx="minor">
+            <a:schemeClr val="dk1"/>
+          </a:fontRef>
+        </p:style>
+        <p:txBody>
+          <a:bodyPr rtlCol="0" anchor="ctr"/>
+          <a:lstStyle/>
+          <a:p>
+            <a:pPr algn="ctr"/>
+            <a:r>
+              <a:rPr lang="en-US" altLang="ko-KR" sz="900"/>
+              <a:t>Entry</a:t>
+            </a:r>
+          </a:p>
+        </p:txBody>
+      </p:sp>
+      <p:sp>
+        <p:nvSpPr>
+          <p:cNvPr id="49" name="사각형: 둥근 모서리 48">
+            <a:extLst>
+              <a:ext uri="{FF2B5EF4-FFF2-40B4-BE49-F238E27FC236}">
+                <a16:creationId xmlns:a16="http://schemas.microsoft.com/office/drawing/2014/main" id="{9C533EF7-9FF1-4F5B-9940-822E3FEE571E}"/>
+              </a:ext>
+            </a:extLst>
+          </p:cNvPr>
+          <p:cNvSpPr/>
+          <p:nvPr/>
+        </p:nvSpPr>
+        <p:spPr>
+          <a:xfrm>
+            <a:off x="4322587" y="3972174"/>
+            <a:ext cx="489719" cy="245183"/>
+          </a:xfrm>
+          <a:prstGeom prst="roundRect">
+            <a:avLst>
+              <a:gd name="adj" fmla="val 15759"/>
+            </a:avLst>
+          </a:prstGeom>
+        </p:spPr>
+        <p:style>
+          <a:lnRef idx="2">
+            <a:schemeClr val="dk1"/>
+          </a:lnRef>
+          <a:fillRef idx="1">
+            <a:schemeClr val="lt1"/>
+          </a:fillRef>
+          <a:effectRef idx="0">
+            <a:schemeClr val="dk1"/>
+          </a:effectRef>
+          <a:fontRef idx="minor">
+            <a:schemeClr val="dk1"/>
+          </a:fontRef>
+        </p:style>
+        <p:txBody>
+          <a:bodyPr rtlCol="0" anchor="ctr"/>
+          <a:lstStyle/>
+          <a:p>
+            <a:pPr algn="ctr"/>
+            <a:r>
+              <a:rPr lang="en-US" altLang="ko-KR" sz="900"/>
+              <a:t>Entry</a:t>
+            </a:r>
+          </a:p>
+        </p:txBody>
+      </p:sp>
+      <p:sp>
+        <p:nvSpPr>
+          <p:cNvPr id="50" name="사각형: 둥근 모서리 49">
+            <a:extLst>
+              <a:ext uri="{FF2B5EF4-FFF2-40B4-BE49-F238E27FC236}">
+                <a16:creationId xmlns:a16="http://schemas.microsoft.com/office/drawing/2014/main" id="{CB1C941A-10C9-40B5-B1A1-99459AFDF63F}"/>
+              </a:ext>
+            </a:extLst>
+          </p:cNvPr>
+          <p:cNvSpPr/>
+          <p:nvPr/>
+        </p:nvSpPr>
+        <p:spPr>
+          <a:xfrm>
+            <a:off x="5724128" y="2859782"/>
+            <a:ext cx="2500704" cy="1512168"/>
+          </a:xfrm>
+          <a:prstGeom prst="roundRect">
+            <a:avLst>
+              <a:gd name="adj" fmla="val 4544"/>
+            </a:avLst>
+          </a:prstGeom>
+        </p:spPr>
+        <p:style>
+          <a:lnRef idx="2">
+            <a:schemeClr val="dk1"/>
+          </a:lnRef>
+          <a:fillRef idx="1">
+            <a:schemeClr val="lt1"/>
+          </a:fillRef>
+          <a:effectRef idx="0">
+            <a:schemeClr val="dk1"/>
+          </a:effectRef>
+          <a:fontRef idx="minor">
+            <a:schemeClr val="dk1"/>
+          </a:fontRef>
+        </p:style>
+        <p:txBody>
+          <a:bodyPr rtlCol="0" anchor="t"/>
+          <a:lstStyle/>
+          <a:p>
+            <a:pPr algn="ctr"/>
+            <a:r>
+              <a:rPr lang="en-US" altLang="ko-KR" sz="1400" b="1"/>
+              <a:t> </a:t>
+            </a:r>
+            <a:r>
+              <a:rPr lang="en-US" altLang="ko-KR" sz="1400"/>
+              <a:t>Server / Follower</a:t>
+            </a:r>
+          </a:p>
+        </p:txBody>
+      </p:sp>
+      <p:sp>
+        <p:nvSpPr>
+          <p:cNvPr id="51" name="사각형: 둥근 모서리 50">
+            <a:extLst>
+              <a:ext uri="{FF2B5EF4-FFF2-40B4-BE49-F238E27FC236}">
+                <a16:creationId xmlns:a16="http://schemas.microsoft.com/office/drawing/2014/main" id="{C2968461-4B71-4447-8ACD-C91B903576B9}"/>
+              </a:ext>
+            </a:extLst>
+          </p:cNvPr>
+          <p:cNvSpPr/>
+          <p:nvPr/>
+        </p:nvSpPr>
+        <p:spPr>
+          <a:xfrm>
+            <a:off x="5816818" y="3197543"/>
+            <a:ext cx="1008112" cy="526335"/>
+          </a:xfrm>
+          <a:prstGeom prst="roundRect">
+            <a:avLst>
+              <a:gd name="adj" fmla="val 11714"/>
+            </a:avLst>
+          </a:prstGeom>
+        </p:spPr>
+        <p:style>
+          <a:lnRef idx="2">
+            <a:schemeClr val="dk1"/>
+          </a:lnRef>
+          <a:fillRef idx="1">
+            <a:schemeClr val="lt1"/>
+          </a:fillRef>
+          <a:effectRef idx="0">
+            <a:schemeClr val="dk1"/>
+          </a:effectRef>
+          <a:fontRef idx="minor">
+            <a:schemeClr val="dk1"/>
+          </a:fontRef>
+        </p:style>
+        <p:txBody>
+          <a:bodyPr rtlCol="0" anchor="ctr"/>
+          <a:lstStyle/>
+          <a:p>
+            <a:pPr algn="ctr"/>
+            <a:r>
+              <a:rPr lang="en-US" altLang="ko-KR" sz="1000"/>
+              <a:t>Consensus </a:t>
+            </a:r>
+          </a:p>
+          <a:p>
+            <a:pPr algn="ctr"/>
+            <a:r>
+              <a:rPr lang="en-US" altLang="ko-KR" sz="1000"/>
+              <a:t>Module</a:t>
+            </a:r>
+          </a:p>
+        </p:txBody>
+      </p:sp>
+      <p:sp>
+        <p:nvSpPr>
+          <p:cNvPr id="52" name="사각형: 둥근 모서리 51">
+            <a:extLst>
+              <a:ext uri="{FF2B5EF4-FFF2-40B4-BE49-F238E27FC236}">
+                <a16:creationId xmlns:a16="http://schemas.microsoft.com/office/drawing/2014/main" id="{EB6F81DE-FC73-40CA-BC9F-DA91571CF665}"/>
+              </a:ext>
+            </a:extLst>
+          </p:cNvPr>
+          <p:cNvSpPr/>
+          <p:nvPr/>
+        </p:nvSpPr>
+        <p:spPr>
+          <a:xfrm>
+            <a:off x="5816818" y="3918169"/>
+            <a:ext cx="2315272" cy="353195"/>
+          </a:xfrm>
+          <a:prstGeom prst="roundRect">
+            <a:avLst>
+              <a:gd name="adj" fmla="val 15759"/>
+            </a:avLst>
+          </a:prstGeom>
+        </p:spPr>
+        <p:style>
+          <a:lnRef idx="2">
+            <a:schemeClr val="dk1"/>
+          </a:lnRef>
+          <a:fillRef idx="1">
+            <a:schemeClr val="lt1"/>
+          </a:fillRef>
+          <a:effectRef idx="0">
+            <a:schemeClr val="dk1"/>
+          </a:effectRef>
+          <a:fontRef idx="minor">
+            <a:schemeClr val="dk1"/>
+          </a:fontRef>
+        </p:style>
+        <p:txBody>
+          <a:bodyPr rtlCol="0" anchor="ctr"/>
+          <a:lstStyle/>
+          <a:p>
+            <a:r>
+              <a:rPr lang="en-US" altLang="ko-KR" sz="1000"/>
+              <a:t>Log</a:t>
+            </a:r>
+          </a:p>
+        </p:txBody>
+      </p:sp>
+      <p:sp>
+        <p:nvSpPr>
+          <p:cNvPr id="53" name="사각형: 둥근 모서리 52">
+            <a:extLst>
+              <a:ext uri="{FF2B5EF4-FFF2-40B4-BE49-F238E27FC236}">
+                <a16:creationId xmlns:a16="http://schemas.microsoft.com/office/drawing/2014/main" id="{CE5E7750-E24A-4D7F-A653-E1884A8B51AC}"/>
+              </a:ext>
+            </a:extLst>
+          </p:cNvPr>
+          <p:cNvSpPr/>
+          <p:nvPr/>
+        </p:nvSpPr>
+        <p:spPr>
+          <a:xfrm>
+            <a:off x="6203893" y="3972174"/>
+            <a:ext cx="489719" cy="245183"/>
+          </a:xfrm>
+          <a:prstGeom prst="roundRect">
+            <a:avLst>
+              <a:gd name="adj" fmla="val 15759"/>
+            </a:avLst>
+          </a:prstGeom>
+        </p:spPr>
+        <p:style>
+          <a:lnRef idx="2">
+            <a:schemeClr val="dk1"/>
+          </a:lnRef>
+          <a:fillRef idx="1">
+            <a:schemeClr val="lt1"/>
+          </a:fillRef>
+          <a:effectRef idx="0">
+            <a:schemeClr val="dk1"/>
+          </a:effectRef>
+          <a:fontRef idx="minor">
+            <a:schemeClr val="dk1"/>
+          </a:fontRef>
+        </p:style>
+        <p:txBody>
+          <a:bodyPr rtlCol="0" anchor="ctr"/>
+          <a:lstStyle/>
+          <a:p>
+            <a:pPr algn="ctr"/>
+            <a:r>
+              <a:rPr lang="en-US" altLang="ko-KR" sz="900"/>
+              <a:t>Entry</a:t>
+            </a:r>
+          </a:p>
+        </p:txBody>
+      </p:sp>
+      <p:sp>
+        <p:nvSpPr>
+          <p:cNvPr id="54" name="타원 53">
+            <a:extLst>
+              <a:ext uri="{FF2B5EF4-FFF2-40B4-BE49-F238E27FC236}">
+                <a16:creationId xmlns:a16="http://schemas.microsoft.com/office/drawing/2014/main" id="{80934E9B-C4BE-4824-817E-ED6C369FF927}"/>
+              </a:ext>
+            </a:extLst>
+          </p:cNvPr>
+          <p:cNvSpPr/>
+          <p:nvPr/>
+        </p:nvSpPr>
+        <p:spPr>
+          <a:xfrm>
+            <a:off x="7738569" y="4058761"/>
+            <a:ext cx="72008" cy="72008"/>
+          </a:xfrm>
+          <a:prstGeom prst="ellipse">
+            <a:avLst/>
+          </a:prstGeom>
+          <a:solidFill>
+            <a:schemeClr val="tx1"/>
+          </a:solidFill>
+          <a:ln>
+            <a:noFill/>
+          </a:ln>
+        </p:spPr>
+        <p:style>
+          <a:lnRef idx="2">
+            <a:schemeClr val="accent1">
+              <a:shade val="50000"/>
+            </a:schemeClr>
+          </a:lnRef>
+          <a:fillRef idx="1">
+            <a:schemeClr val="accent1"/>
+          </a:fillRef>
+          <a:effectRef idx="0">
+            <a:schemeClr val="accent1"/>
+          </a:effectRef>
+          <a:fontRef idx="minor">
+            <a:schemeClr val="lt1"/>
+          </a:fontRef>
+        </p:style>
+        <p:txBody>
+          <a:bodyPr rtlCol="0" anchor="ctr"/>
+          <a:lstStyle/>
+          <a:p>
+            <a:pPr algn="ctr"/>
+            <a:endParaRPr lang="ko-KR" altLang="en-US" sz="1400"/>
+          </a:p>
+        </p:txBody>
+      </p:sp>
+      <p:sp>
+        <p:nvSpPr>
+          <p:cNvPr id="55" name="타원 54">
+            <a:extLst>
+              <a:ext uri="{FF2B5EF4-FFF2-40B4-BE49-F238E27FC236}">
+                <a16:creationId xmlns:a16="http://schemas.microsoft.com/office/drawing/2014/main" id="{9F9B00BE-800C-4156-A60B-CA0AC15C1563}"/>
+              </a:ext>
+            </a:extLst>
+          </p:cNvPr>
+          <p:cNvSpPr/>
+          <p:nvPr/>
+        </p:nvSpPr>
+        <p:spPr>
+          <a:xfrm>
+            <a:off x="7861851" y="4058761"/>
+            <a:ext cx="72008" cy="72008"/>
+          </a:xfrm>
+          <a:prstGeom prst="ellipse">
+            <a:avLst/>
+          </a:prstGeom>
+          <a:solidFill>
+            <a:schemeClr val="tx1"/>
+          </a:solidFill>
+          <a:ln>
+            <a:noFill/>
+          </a:ln>
+        </p:spPr>
+        <p:style>
+          <a:lnRef idx="2">
+            <a:schemeClr val="accent1">
+              <a:shade val="50000"/>
+            </a:schemeClr>
+          </a:lnRef>
+          <a:fillRef idx="1">
+            <a:schemeClr val="accent1"/>
+          </a:fillRef>
+          <a:effectRef idx="0">
+            <a:schemeClr val="accent1"/>
+          </a:effectRef>
+          <a:fontRef idx="minor">
+            <a:schemeClr val="lt1"/>
+          </a:fontRef>
+        </p:style>
+        <p:txBody>
+          <a:bodyPr rtlCol="0" anchor="ctr"/>
+          <a:lstStyle/>
+          <a:p>
+            <a:pPr algn="ctr"/>
+            <a:endParaRPr lang="ko-KR" altLang="en-US" sz="1400"/>
+          </a:p>
+        </p:txBody>
+      </p:sp>
+      <p:sp>
+        <p:nvSpPr>
+          <p:cNvPr id="56" name="타원 55">
+            <a:extLst>
+              <a:ext uri="{FF2B5EF4-FFF2-40B4-BE49-F238E27FC236}">
+                <a16:creationId xmlns:a16="http://schemas.microsoft.com/office/drawing/2014/main" id="{0976750B-59ED-457C-BB48-773BF0D3AC8E}"/>
+              </a:ext>
+            </a:extLst>
+          </p:cNvPr>
+          <p:cNvSpPr/>
+          <p:nvPr/>
+        </p:nvSpPr>
+        <p:spPr>
+          <a:xfrm>
+            <a:off x="7980230" y="4058761"/>
+            <a:ext cx="72008" cy="72008"/>
+          </a:xfrm>
+          <a:prstGeom prst="ellipse">
+            <a:avLst/>
+          </a:prstGeom>
+          <a:solidFill>
+            <a:schemeClr val="tx1"/>
+          </a:solidFill>
+          <a:ln>
+            <a:noFill/>
+          </a:ln>
+        </p:spPr>
+        <p:style>
+          <a:lnRef idx="2">
+            <a:schemeClr val="accent1">
+              <a:shade val="50000"/>
+            </a:schemeClr>
+          </a:lnRef>
+          <a:fillRef idx="1">
+            <a:schemeClr val="accent1"/>
+          </a:fillRef>
+          <a:effectRef idx="0">
+            <a:schemeClr val="accent1"/>
+          </a:effectRef>
+          <a:fontRef idx="minor">
+            <a:schemeClr val="lt1"/>
+          </a:fontRef>
+        </p:style>
+        <p:txBody>
+          <a:bodyPr rtlCol="0" anchor="ctr"/>
+          <a:lstStyle/>
+          <a:p>
+            <a:pPr algn="ctr"/>
+            <a:endParaRPr lang="ko-KR" altLang="en-US" sz="1400"/>
+          </a:p>
+        </p:txBody>
+      </p:sp>
+      <p:sp>
+        <p:nvSpPr>
+          <p:cNvPr id="57" name="사각형: 둥근 모서리 56">
+            <a:extLst>
+              <a:ext uri="{FF2B5EF4-FFF2-40B4-BE49-F238E27FC236}">
+                <a16:creationId xmlns:a16="http://schemas.microsoft.com/office/drawing/2014/main" id="{8E938E7F-607D-44B5-89A5-83426B891130}"/>
+              </a:ext>
+            </a:extLst>
+          </p:cNvPr>
+          <p:cNvSpPr/>
+          <p:nvPr/>
+        </p:nvSpPr>
+        <p:spPr>
+          <a:xfrm>
+            <a:off x="7072704" y="3197543"/>
+            <a:ext cx="1059386" cy="526335"/>
+          </a:xfrm>
+          <a:prstGeom prst="roundRect">
+            <a:avLst>
+              <a:gd name="adj" fmla="val 11714"/>
+            </a:avLst>
+          </a:prstGeom>
+        </p:spPr>
+        <p:style>
+          <a:lnRef idx="2">
+            <a:schemeClr val="dk1"/>
+          </a:lnRef>
+          <a:fillRef idx="1">
+            <a:schemeClr val="lt1"/>
+          </a:fillRef>
+          <a:effectRef idx="0">
+            <a:schemeClr val="dk1"/>
+          </a:effectRef>
+          <a:fontRef idx="minor">
+            <a:schemeClr val="dk1"/>
+          </a:fontRef>
+        </p:style>
+        <p:txBody>
+          <a:bodyPr rtlCol="0" anchor="ctr"/>
+          <a:lstStyle/>
+          <a:p>
+            <a:pPr algn="ctr"/>
+            <a:r>
+              <a:rPr lang="en-US" altLang="ko-KR" sz="1000"/>
+              <a:t>State Machine</a:t>
+            </a:r>
+          </a:p>
+          <a:p>
+            <a:pPr algn="ctr"/>
+            <a:r>
+              <a:rPr lang="en-US" altLang="ko-KR" sz="900"/>
+              <a:t>Key1 : Value1</a:t>
+            </a:r>
+          </a:p>
+          <a:p>
+            <a:pPr algn="ctr"/>
+            <a:r>
+              <a:rPr lang="en-US" altLang="ko-KR" sz="900"/>
+              <a:t>Key2 : Value2</a:t>
+            </a:r>
+          </a:p>
+        </p:txBody>
+      </p:sp>
+      <p:sp>
+        <p:nvSpPr>
+          <p:cNvPr id="58" name="사각형: 둥근 모서리 57">
+            <a:extLst>
+              <a:ext uri="{FF2B5EF4-FFF2-40B4-BE49-F238E27FC236}">
+                <a16:creationId xmlns:a16="http://schemas.microsoft.com/office/drawing/2014/main" id="{F7C03899-7AF7-4312-8B39-7C91ABAA887B}"/>
+              </a:ext>
+            </a:extLst>
+          </p:cNvPr>
+          <p:cNvSpPr/>
+          <p:nvPr/>
+        </p:nvSpPr>
+        <p:spPr>
+          <a:xfrm>
+            <a:off x="6693612" y="3972174"/>
+            <a:ext cx="489719" cy="245183"/>
+          </a:xfrm>
+          <a:prstGeom prst="roundRect">
+            <a:avLst>
+              <a:gd name="adj" fmla="val 15759"/>
+            </a:avLst>
+          </a:prstGeom>
+        </p:spPr>
+        <p:style>
+          <a:lnRef idx="2">
+            <a:schemeClr val="dk1"/>
+          </a:lnRef>
+          <a:fillRef idx="1">
+            <a:schemeClr val="lt1"/>
+          </a:fillRef>
+          <a:effectRef idx="0">
+            <a:schemeClr val="dk1"/>
+          </a:effectRef>
+          <a:fontRef idx="minor">
+            <a:schemeClr val="dk1"/>
+          </a:fontRef>
+        </p:style>
+        <p:txBody>
+          <a:bodyPr rtlCol="0" anchor="ctr"/>
+          <a:lstStyle/>
+          <a:p>
+            <a:pPr algn="ctr"/>
+            <a:r>
+              <a:rPr lang="en-US" altLang="ko-KR" sz="900"/>
+              <a:t>Entry</a:t>
+            </a:r>
+          </a:p>
+        </p:txBody>
+      </p:sp>
+      <p:sp>
+        <p:nvSpPr>
+          <p:cNvPr id="59" name="사각형: 둥근 모서리 58">
+            <a:extLst>
+              <a:ext uri="{FF2B5EF4-FFF2-40B4-BE49-F238E27FC236}">
+                <a16:creationId xmlns:a16="http://schemas.microsoft.com/office/drawing/2014/main" id="{A069886E-2DB0-4833-B0EB-7E4316E9D0A6}"/>
+              </a:ext>
+            </a:extLst>
+          </p:cNvPr>
+          <p:cNvSpPr/>
+          <p:nvPr/>
+        </p:nvSpPr>
+        <p:spPr>
+          <a:xfrm>
+            <a:off x="7183331" y="3972174"/>
+            <a:ext cx="489719" cy="245183"/>
+          </a:xfrm>
+          <a:prstGeom prst="roundRect">
+            <a:avLst>
+              <a:gd name="adj" fmla="val 15759"/>
+            </a:avLst>
+          </a:prstGeom>
+        </p:spPr>
+        <p:style>
+          <a:lnRef idx="2">
+            <a:schemeClr val="dk1"/>
+          </a:lnRef>
+          <a:fillRef idx="1">
+            <a:schemeClr val="lt1"/>
+          </a:fillRef>
+          <a:effectRef idx="0">
+            <a:schemeClr val="dk1"/>
+          </a:effectRef>
+          <a:fontRef idx="minor">
+            <a:schemeClr val="dk1"/>
+          </a:fontRef>
+        </p:style>
+        <p:txBody>
+          <a:bodyPr rtlCol="0" anchor="ctr"/>
+          <a:lstStyle/>
+          <a:p>
+            <a:pPr algn="ctr"/>
+            <a:r>
+              <a:rPr lang="en-US" altLang="ko-KR" sz="900"/>
+              <a:t>Entry</a:t>
+            </a:r>
+          </a:p>
+        </p:txBody>
+      </p:sp>
+      <p:cxnSp>
+        <p:nvCxnSpPr>
+          <p:cNvPr id="61" name="직선 화살표 연결선 60">
+            <a:extLst>
+              <a:ext uri="{FF2B5EF4-FFF2-40B4-BE49-F238E27FC236}">
+                <a16:creationId xmlns:a16="http://schemas.microsoft.com/office/drawing/2014/main" id="{A9A91FF4-0219-48AE-8FEA-3A11C15051D2}"/>
+              </a:ext>
+            </a:extLst>
+          </p:cNvPr>
+          <p:cNvCxnSpPr>
+            <a:cxnSpLocks/>
+            <a:stCxn id="25" idx="2"/>
+            <a:endCxn id="41" idx="0"/>
+          </p:cNvCxnSpPr>
+          <p:nvPr/>
+        </p:nvCxnSpPr>
+        <p:spPr>
+          <a:xfrm flipH="1">
+            <a:off x="3460130" y="1923678"/>
+            <a:ext cx="1475621" cy="1273865"/>
+          </a:xfrm>
+          <a:prstGeom prst="straightConnector1">
+            <a:avLst/>
+          </a:prstGeom>
+          <a:ln w="19050">
+            <a:solidFill>
+              <a:schemeClr val="tx1"/>
+            </a:solidFill>
+            <a:headEnd type="arrow" w="med" len="med"/>
+            <a:tailEnd type="arrow" w="med" len="med"/>
+          </a:ln>
+        </p:spPr>
+        <p:style>
+          <a:lnRef idx="1">
+            <a:schemeClr val="accent1"/>
+          </a:lnRef>
+          <a:fillRef idx="0">
+            <a:schemeClr val="accent1"/>
+          </a:fillRef>
+          <a:effectRef idx="0">
+            <a:schemeClr val="accent1"/>
+          </a:effectRef>
+          <a:fontRef idx="minor">
+            <a:schemeClr val="tx1"/>
+          </a:fontRef>
+        </p:style>
+      </p:cxnSp>
+      <p:cxnSp>
+        <p:nvCxnSpPr>
+          <p:cNvPr id="62" name="직선 화살표 연결선 61">
+            <a:extLst>
+              <a:ext uri="{FF2B5EF4-FFF2-40B4-BE49-F238E27FC236}">
+                <a16:creationId xmlns:a16="http://schemas.microsoft.com/office/drawing/2014/main" id="{51984296-1A10-4774-B585-87D186F7B23D}"/>
+              </a:ext>
+            </a:extLst>
+          </p:cNvPr>
+          <p:cNvCxnSpPr>
+            <a:cxnSpLocks/>
+            <a:stCxn id="25" idx="2"/>
+            <a:endCxn id="51" idx="0"/>
+          </p:cNvCxnSpPr>
+          <p:nvPr/>
+        </p:nvCxnSpPr>
+        <p:spPr>
+          <a:xfrm>
+            <a:off x="4935751" y="1923678"/>
+            <a:ext cx="1385123" cy="1273865"/>
+          </a:xfrm>
+          <a:prstGeom prst="straightConnector1">
+            <a:avLst/>
+          </a:prstGeom>
+          <a:ln w="19050">
+            <a:solidFill>
+              <a:schemeClr val="tx1"/>
+            </a:solidFill>
+            <a:headEnd type="arrow" w="med" len="med"/>
+            <a:tailEnd type="arrow" w="med" len="med"/>
+          </a:ln>
+        </p:spPr>
+        <p:style>
+          <a:lnRef idx="1">
+            <a:schemeClr val="accent1"/>
+          </a:lnRef>
+          <a:fillRef idx="0">
+            <a:schemeClr val="accent1"/>
+          </a:fillRef>
+          <a:effectRef idx="0">
+            <a:schemeClr val="accent1"/>
+          </a:effectRef>
+          <a:fontRef idx="minor">
+            <a:schemeClr val="tx1"/>
+          </a:fontRef>
+        </p:style>
+      </p:cxnSp>
+      <p:cxnSp>
+        <p:nvCxnSpPr>
+          <p:cNvPr id="66" name="직선 화살표 연결선 65">
+            <a:extLst>
+              <a:ext uri="{FF2B5EF4-FFF2-40B4-BE49-F238E27FC236}">
+                <a16:creationId xmlns:a16="http://schemas.microsoft.com/office/drawing/2014/main" id="{A74069CD-6B29-498B-B2F7-0440F345F784}"/>
+              </a:ext>
+            </a:extLst>
+          </p:cNvPr>
+          <p:cNvCxnSpPr>
+            <a:cxnSpLocks/>
+            <a:stCxn id="41" idx="2"/>
+            <a:endCxn id="42" idx="0"/>
+          </p:cNvCxnSpPr>
+          <p:nvPr/>
+        </p:nvCxnSpPr>
+        <p:spPr>
+          <a:xfrm>
+            <a:off x="3460130" y="3723878"/>
+            <a:ext cx="653580" cy="194291"/>
+          </a:xfrm>
+          <a:prstGeom prst="straightConnector1">
+            <a:avLst/>
+          </a:prstGeom>
+          <a:ln w="19050">
+            <a:solidFill>
+              <a:schemeClr val="tx1"/>
+            </a:solidFill>
+            <a:headEnd type="none" w="med" len="med"/>
+            <a:tailEnd type="arrow" w="med" len="med"/>
+          </a:ln>
+        </p:spPr>
+        <p:style>
+          <a:lnRef idx="1">
+            <a:schemeClr val="accent1"/>
+          </a:lnRef>
+          <a:fillRef idx="0">
+            <a:schemeClr val="accent1"/>
+          </a:fillRef>
+          <a:effectRef idx="0">
+            <a:schemeClr val="accent1"/>
+          </a:effectRef>
+          <a:fontRef idx="minor">
+            <a:schemeClr val="tx1"/>
+          </a:fontRef>
+        </p:style>
+      </p:cxnSp>
+      <p:cxnSp>
+        <p:nvCxnSpPr>
+          <p:cNvPr id="69" name="직선 화살표 연결선 68">
+            <a:extLst>
+              <a:ext uri="{FF2B5EF4-FFF2-40B4-BE49-F238E27FC236}">
+                <a16:creationId xmlns:a16="http://schemas.microsoft.com/office/drawing/2014/main" id="{A116F54E-6A91-4984-8100-D272B3B42921}"/>
+              </a:ext>
+            </a:extLst>
+          </p:cNvPr>
+          <p:cNvCxnSpPr>
+            <a:cxnSpLocks/>
+            <a:stCxn id="42" idx="0"/>
+            <a:endCxn id="47" idx="2"/>
+          </p:cNvCxnSpPr>
+          <p:nvPr/>
+        </p:nvCxnSpPr>
+        <p:spPr>
+          <a:xfrm flipV="1">
+            <a:off x="4113710" y="3723878"/>
+            <a:ext cx="627943" cy="194291"/>
+          </a:xfrm>
+          <a:prstGeom prst="straightConnector1">
+            <a:avLst/>
+          </a:prstGeom>
+          <a:ln w="19050">
+            <a:solidFill>
+              <a:schemeClr val="tx1"/>
+            </a:solidFill>
+            <a:headEnd type="none" w="med" len="med"/>
+            <a:tailEnd type="arrow" w="med" len="med"/>
+          </a:ln>
+        </p:spPr>
+        <p:style>
+          <a:lnRef idx="1">
+            <a:schemeClr val="accent1"/>
+          </a:lnRef>
+          <a:fillRef idx="0">
+            <a:schemeClr val="accent1"/>
+          </a:fillRef>
+          <a:effectRef idx="0">
+            <a:schemeClr val="accent1"/>
+          </a:effectRef>
+          <a:fontRef idx="minor">
+            <a:schemeClr val="tx1"/>
+          </a:fontRef>
+        </p:style>
+      </p:cxnSp>
+      <p:cxnSp>
+        <p:nvCxnSpPr>
+          <p:cNvPr id="72" name="직선 화살표 연결선 71">
+            <a:extLst>
+              <a:ext uri="{FF2B5EF4-FFF2-40B4-BE49-F238E27FC236}">
+                <a16:creationId xmlns:a16="http://schemas.microsoft.com/office/drawing/2014/main" id="{B61238E2-F14A-408C-A108-1A93F7357628}"/>
+              </a:ext>
+            </a:extLst>
+          </p:cNvPr>
+          <p:cNvCxnSpPr>
+            <a:cxnSpLocks/>
+            <a:stCxn id="51" idx="2"/>
+            <a:endCxn id="52" idx="0"/>
+          </p:cNvCxnSpPr>
+          <p:nvPr/>
+        </p:nvCxnSpPr>
+        <p:spPr>
+          <a:xfrm>
+            <a:off x="6320874" y="3723878"/>
+            <a:ext cx="653580" cy="194291"/>
+          </a:xfrm>
+          <a:prstGeom prst="straightConnector1">
+            <a:avLst/>
+          </a:prstGeom>
+          <a:ln w="19050">
+            <a:solidFill>
+              <a:schemeClr val="tx1"/>
+            </a:solidFill>
+            <a:headEnd type="none" w="med" len="med"/>
+            <a:tailEnd type="arrow" w="med" len="med"/>
+          </a:ln>
+        </p:spPr>
+        <p:style>
+          <a:lnRef idx="1">
+            <a:schemeClr val="accent1"/>
+          </a:lnRef>
+          <a:fillRef idx="0">
+            <a:schemeClr val="accent1"/>
+          </a:fillRef>
+          <a:effectRef idx="0">
+            <a:schemeClr val="accent1"/>
+          </a:effectRef>
+          <a:fontRef idx="minor">
+            <a:schemeClr val="tx1"/>
+          </a:fontRef>
+        </p:style>
+      </p:cxnSp>
+      <p:cxnSp>
+        <p:nvCxnSpPr>
+          <p:cNvPr id="75" name="직선 화살표 연결선 74">
+            <a:extLst>
+              <a:ext uri="{FF2B5EF4-FFF2-40B4-BE49-F238E27FC236}">
+                <a16:creationId xmlns:a16="http://schemas.microsoft.com/office/drawing/2014/main" id="{4F3DF0AC-0EF3-457A-8051-A6D874157F47}"/>
+              </a:ext>
+            </a:extLst>
+          </p:cNvPr>
+          <p:cNvCxnSpPr>
+            <a:cxnSpLocks/>
+            <a:stCxn id="52" idx="0"/>
+            <a:endCxn id="57" idx="2"/>
+          </p:cNvCxnSpPr>
+          <p:nvPr/>
+        </p:nvCxnSpPr>
+        <p:spPr>
+          <a:xfrm flipV="1">
+            <a:off x="6974454" y="3723878"/>
+            <a:ext cx="627943" cy="194291"/>
+          </a:xfrm>
+          <a:prstGeom prst="straightConnector1">
+            <a:avLst/>
+          </a:prstGeom>
+          <a:ln w="19050">
+            <a:solidFill>
+              <a:schemeClr val="tx1"/>
+            </a:solidFill>
+            <a:headEnd type="none" w="med" len="med"/>
+            <a:tailEnd type="arrow" w="med" len="med"/>
+          </a:ln>
+        </p:spPr>
+        <p:style>
+          <a:lnRef idx="1">
+            <a:schemeClr val="accent1"/>
+          </a:lnRef>
+          <a:fillRef idx="0">
+            <a:schemeClr val="accent1"/>
+          </a:fillRef>
+          <a:effectRef idx="0">
+            <a:schemeClr val="accent1"/>
+          </a:effectRef>
+          <a:fontRef idx="minor">
+            <a:schemeClr val="tx1"/>
+          </a:fontRef>
+        </p:style>
+      </p:cxnSp>
+      <p:cxnSp>
+        <p:nvCxnSpPr>
+          <p:cNvPr id="78" name="직선 화살표 연결선 77">
+            <a:extLst>
+              <a:ext uri="{FF2B5EF4-FFF2-40B4-BE49-F238E27FC236}">
+                <a16:creationId xmlns:a16="http://schemas.microsoft.com/office/drawing/2014/main" id="{3FA107AC-EC51-4D01-A2B1-72965FC269D6}"/>
+              </a:ext>
+            </a:extLst>
+          </p:cNvPr>
+          <p:cNvCxnSpPr>
+            <a:cxnSpLocks/>
+            <a:stCxn id="25" idx="2"/>
+            <a:endCxn id="26" idx="0"/>
+          </p:cNvCxnSpPr>
+          <p:nvPr/>
+        </p:nvCxnSpPr>
+        <p:spPr>
+          <a:xfrm>
+            <a:off x="4935751" y="1923678"/>
+            <a:ext cx="653580" cy="194291"/>
+          </a:xfrm>
+          <a:prstGeom prst="straightConnector1">
+            <a:avLst/>
+          </a:prstGeom>
+          <a:ln w="19050">
+            <a:solidFill>
+              <a:schemeClr val="tx1"/>
+            </a:solidFill>
+            <a:headEnd type="none" w="med" len="med"/>
+            <a:tailEnd type="arrow" w="med" len="med"/>
+          </a:ln>
+        </p:spPr>
+        <p:style>
+          <a:lnRef idx="1">
+            <a:schemeClr val="accent1"/>
+          </a:lnRef>
+          <a:fillRef idx="0">
+            <a:schemeClr val="accent1"/>
+          </a:fillRef>
+          <a:effectRef idx="0">
+            <a:schemeClr val="accent1"/>
+          </a:effectRef>
+          <a:fontRef idx="minor">
+            <a:schemeClr val="tx1"/>
+          </a:fontRef>
+        </p:style>
+      </p:cxnSp>
+      <p:cxnSp>
+        <p:nvCxnSpPr>
+          <p:cNvPr id="82" name="직선 화살표 연결선 81">
+            <a:extLst>
+              <a:ext uri="{FF2B5EF4-FFF2-40B4-BE49-F238E27FC236}">
+                <a16:creationId xmlns:a16="http://schemas.microsoft.com/office/drawing/2014/main" id="{DCE57166-7C09-425D-9135-C29C418DC730}"/>
+              </a:ext>
+            </a:extLst>
+          </p:cNvPr>
+          <p:cNvCxnSpPr>
+            <a:cxnSpLocks/>
+            <a:stCxn id="26" idx="0"/>
+            <a:endCxn id="34" idx="2"/>
+          </p:cNvCxnSpPr>
+          <p:nvPr/>
+        </p:nvCxnSpPr>
+        <p:spPr>
+          <a:xfrm flipV="1">
+            <a:off x="5589331" y="1923678"/>
+            <a:ext cx="627943" cy="194291"/>
+          </a:xfrm>
+          <a:prstGeom prst="straightConnector1">
+            <a:avLst/>
+          </a:prstGeom>
+          <a:ln w="19050">
+            <a:solidFill>
+              <a:schemeClr val="tx1"/>
+            </a:solidFill>
+            <a:headEnd type="none" w="med" len="med"/>
+            <a:tailEnd type="arrow" w="med" len="med"/>
+          </a:ln>
+        </p:spPr>
+        <p:style>
+          <a:lnRef idx="1">
+            <a:schemeClr val="accent1"/>
+          </a:lnRef>
+          <a:fillRef idx="0">
+            <a:schemeClr val="accent1"/>
+          </a:fillRef>
+          <a:effectRef idx="0">
+            <a:schemeClr val="accent1"/>
+          </a:effectRef>
+          <a:fontRef idx="minor">
+            <a:schemeClr val="tx1"/>
+          </a:fontRef>
+        </p:style>
+      </p:cxnSp>
+      <p:sp>
+        <p:nvSpPr>
+          <p:cNvPr id="85" name="사각형: 둥근 모서리 84">
+            <a:extLst>
+              <a:ext uri="{FF2B5EF4-FFF2-40B4-BE49-F238E27FC236}">
+                <a16:creationId xmlns:a16="http://schemas.microsoft.com/office/drawing/2014/main" id="{52608EE5-4F23-4AB5-9C59-3CA787350097}"/>
+              </a:ext>
+            </a:extLst>
+          </p:cNvPr>
+          <p:cNvSpPr/>
+          <p:nvPr/>
+        </p:nvSpPr>
+        <p:spPr>
+          <a:xfrm>
+            <a:off x="2735254" y="926143"/>
+            <a:ext cx="5627696" cy="3589823"/>
+          </a:xfrm>
+          <a:prstGeom prst="roundRect">
+            <a:avLst>
+              <a:gd name="adj" fmla="val 2531"/>
+            </a:avLst>
+          </a:prstGeom>
+          <a:noFill/>
+          <a:ln>
+            <a:prstDash val="dash"/>
+          </a:ln>
+        </p:spPr>
+        <p:style>
+          <a:lnRef idx="2">
+            <a:schemeClr val="dk1"/>
+          </a:lnRef>
+          <a:fillRef idx="1">
+            <a:schemeClr val="lt1"/>
+          </a:fillRef>
+          <a:effectRef idx="0">
+            <a:schemeClr val="dk1"/>
+          </a:effectRef>
+          <a:fontRef idx="minor">
+            <a:schemeClr val="dk1"/>
+          </a:fontRef>
+        </p:style>
+        <p:txBody>
+          <a:bodyPr rtlCol="0" anchor="t"/>
+          <a:lstStyle/>
+          <a:p>
+            <a:pPr algn="r"/>
+            <a:r>
+              <a:rPr lang="en-US" altLang="ko-KR" b="1"/>
+              <a:t>Server </a:t>
+            </a:r>
+          </a:p>
+          <a:p>
+            <a:pPr algn="r"/>
+            <a:r>
+              <a:rPr lang="en-US" altLang="ko-KR" b="1"/>
+              <a:t>Cluster</a:t>
+            </a:r>
+            <a:endParaRPr lang="ko-KR" altLang="en-US" b="1"/>
+          </a:p>
+        </p:txBody>
+      </p:sp>
+      <p:sp>
+        <p:nvSpPr>
+          <p:cNvPr id="88" name="사각형: 둥근 모서리 87">
+            <a:extLst>
+              <a:ext uri="{FF2B5EF4-FFF2-40B4-BE49-F238E27FC236}">
+                <a16:creationId xmlns:a16="http://schemas.microsoft.com/office/drawing/2014/main" id="{970F272D-8AFB-46BA-B371-D89E3D8799BF}"/>
+              </a:ext>
+            </a:extLst>
+          </p:cNvPr>
+          <p:cNvSpPr/>
+          <p:nvPr/>
+        </p:nvSpPr>
+        <p:spPr>
+          <a:xfrm>
+            <a:off x="881051" y="2612241"/>
+            <a:ext cx="1584176" cy="353194"/>
+          </a:xfrm>
+          <a:prstGeom prst="roundRect">
+            <a:avLst>
+              <a:gd name="adj" fmla="val 15281"/>
+            </a:avLst>
+          </a:prstGeom>
+        </p:spPr>
+        <p:style>
+          <a:lnRef idx="2">
+            <a:schemeClr val="dk1"/>
+          </a:lnRef>
+          <a:fillRef idx="1">
+            <a:schemeClr val="lt1"/>
+          </a:fillRef>
+          <a:effectRef idx="0">
+            <a:schemeClr val="dk1"/>
+          </a:effectRef>
+          <a:fontRef idx="minor">
+            <a:schemeClr val="dk1"/>
+          </a:fontRef>
+        </p:style>
+        <p:txBody>
+          <a:bodyPr rtlCol="0" anchor="ctr"/>
+          <a:lstStyle/>
+          <a:p>
+            <a:pPr algn="ctr"/>
+            <a:r>
+              <a:rPr lang="en-US" altLang="ko-KR" sz="1400" b="1"/>
+              <a:t>Client</a:t>
+            </a:r>
+          </a:p>
+        </p:txBody>
+      </p:sp>
+      <p:sp>
+        <p:nvSpPr>
+          <p:cNvPr id="89" name="사각형: 둥근 모서리 88">
+            <a:extLst>
+              <a:ext uri="{FF2B5EF4-FFF2-40B4-BE49-F238E27FC236}">
+                <a16:creationId xmlns:a16="http://schemas.microsoft.com/office/drawing/2014/main" id="{9925EBFE-FCCD-4FBF-9AE1-8341EF97AD9B}"/>
+              </a:ext>
+            </a:extLst>
+          </p:cNvPr>
+          <p:cNvSpPr/>
+          <p:nvPr/>
+        </p:nvSpPr>
+        <p:spPr>
+          <a:xfrm>
+            <a:off x="827584" y="2655962"/>
+            <a:ext cx="1584176" cy="353194"/>
+          </a:xfrm>
+          <a:prstGeom prst="roundRect">
+            <a:avLst>
+              <a:gd name="adj" fmla="val 15281"/>
+            </a:avLst>
+          </a:prstGeom>
+        </p:spPr>
+        <p:style>
+          <a:lnRef idx="2">
+            <a:schemeClr val="dk1"/>
+          </a:lnRef>
+          <a:fillRef idx="1">
+            <a:schemeClr val="lt1"/>
+          </a:fillRef>
+          <a:effectRef idx="0">
+            <a:schemeClr val="dk1"/>
+          </a:effectRef>
+          <a:fontRef idx="minor">
+            <a:schemeClr val="dk1"/>
+          </a:fontRef>
+        </p:style>
+        <p:txBody>
+          <a:bodyPr rtlCol="0" anchor="ctr"/>
+          <a:lstStyle/>
+          <a:p>
+            <a:pPr algn="ctr"/>
+            <a:r>
+              <a:rPr lang="en-US" altLang="ko-KR" sz="1400" b="1"/>
+              <a:t>Client</a:t>
+            </a:r>
+          </a:p>
+        </p:txBody>
+      </p:sp>
+      <p:cxnSp>
+        <p:nvCxnSpPr>
+          <p:cNvPr id="60" name="직선 화살표 연결선 59">
+            <a:extLst>
+              <a:ext uri="{FF2B5EF4-FFF2-40B4-BE49-F238E27FC236}">
+                <a16:creationId xmlns:a16="http://schemas.microsoft.com/office/drawing/2014/main" id="{44909C6D-98AF-49A5-AA96-7422158CC6A5}"/>
+              </a:ext>
+            </a:extLst>
+          </p:cNvPr>
+          <p:cNvCxnSpPr>
+            <a:cxnSpLocks/>
+            <a:stCxn id="89" idx="3"/>
+            <a:endCxn id="25" idx="1"/>
+          </p:cNvCxnSpPr>
+          <p:nvPr/>
+        </p:nvCxnSpPr>
+        <p:spPr>
+          <a:xfrm flipV="1">
+            <a:off x="2411760" y="1660511"/>
+            <a:ext cx="2019935" cy="1172048"/>
+          </a:xfrm>
+          <a:prstGeom prst="straightConnector1">
+            <a:avLst/>
+          </a:prstGeom>
+          <a:ln w="19050">
+            <a:solidFill>
+              <a:schemeClr val="tx1"/>
+            </a:solidFill>
+            <a:headEnd type="none" w="med" len="med"/>
+            <a:tailEnd type="arrow" w="med" len="med"/>
+          </a:ln>
+        </p:spPr>
+        <p:style>
+          <a:lnRef idx="1">
+            <a:schemeClr val="accent1"/>
+          </a:lnRef>
+          <a:fillRef idx="0">
+            <a:schemeClr val="accent1"/>
+          </a:fillRef>
+          <a:effectRef idx="0">
+            <a:schemeClr val="accent1"/>
+          </a:effectRef>
+          <a:fontRef idx="minor">
+            <a:schemeClr val="tx1"/>
+          </a:fontRef>
+        </p:style>
+      </p:cxnSp>
+      <p:sp>
+        <p:nvSpPr>
+          <p:cNvPr id="91" name="타원 90">
+            <a:extLst>
+              <a:ext uri="{FF2B5EF4-FFF2-40B4-BE49-F238E27FC236}">
+                <a16:creationId xmlns:a16="http://schemas.microsoft.com/office/drawing/2014/main" id="{3966D047-3DEA-40BB-917E-E25C40956BC9}"/>
+              </a:ext>
+            </a:extLst>
+          </p:cNvPr>
+          <p:cNvSpPr/>
+          <p:nvPr/>
+        </p:nvSpPr>
+        <p:spPr>
+          <a:xfrm>
+            <a:off x="2284922" y="2724547"/>
+            <a:ext cx="216024" cy="216024"/>
+          </a:xfrm>
+          <a:prstGeom prst="ellipse">
+            <a:avLst/>
+          </a:prstGeom>
+          <a:ln w="19050"/>
+        </p:spPr>
+        <p:style>
+          <a:lnRef idx="2">
+            <a:schemeClr val="dk1"/>
+          </a:lnRef>
+          <a:fillRef idx="1">
+            <a:schemeClr val="lt1"/>
+          </a:fillRef>
+          <a:effectRef idx="0">
+            <a:schemeClr val="dk1"/>
+          </a:effectRef>
+          <a:fontRef idx="minor">
+            <a:schemeClr val="dk1"/>
+          </a:fontRef>
+        </p:style>
+        <p:txBody>
+          <a:bodyPr rtlCol="0" anchor="ctr"/>
+          <a:lstStyle/>
+          <a:p>
+            <a:pPr algn="ctr"/>
+            <a:r>
+              <a:rPr lang="en-US" altLang="ko-KR" sz="1000"/>
+              <a:t>1</a:t>
+            </a:r>
+            <a:endParaRPr lang="ko-KR" altLang="en-US" sz="1000"/>
+          </a:p>
+        </p:txBody>
+      </p:sp>
+      <p:sp>
+        <p:nvSpPr>
+          <p:cNvPr id="92" name="타원 91">
+            <a:extLst>
+              <a:ext uri="{FF2B5EF4-FFF2-40B4-BE49-F238E27FC236}">
+                <a16:creationId xmlns:a16="http://schemas.microsoft.com/office/drawing/2014/main" id="{8B99A77A-63D2-433F-AF46-D18E9568EC32}"/>
+              </a:ext>
+            </a:extLst>
+          </p:cNvPr>
+          <p:cNvSpPr/>
+          <p:nvPr/>
+        </p:nvSpPr>
+        <p:spPr>
+          <a:xfrm>
+            <a:off x="5201020" y="1912538"/>
+            <a:ext cx="216024" cy="216024"/>
+          </a:xfrm>
+          <a:prstGeom prst="ellipse">
+            <a:avLst/>
+          </a:prstGeom>
+          <a:ln w="19050"/>
+        </p:spPr>
+        <p:style>
+          <a:lnRef idx="2">
+            <a:schemeClr val="dk1"/>
+          </a:lnRef>
+          <a:fillRef idx="1">
+            <a:schemeClr val="lt1"/>
+          </a:fillRef>
+          <a:effectRef idx="0">
+            <a:schemeClr val="dk1"/>
+          </a:effectRef>
+          <a:fontRef idx="minor">
+            <a:schemeClr val="dk1"/>
+          </a:fontRef>
+        </p:style>
+        <p:txBody>
+          <a:bodyPr rtlCol="0" anchor="ctr"/>
+          <a:lstStyle/>
+          <a:p>
+            <a:pPr algn="ctr"/>
+            <a:r>
+              <a:rPr lang="en-US" altLang="ko-KR" sz="1000"/>
+              <a:t>2</a:t>
+            </a:r>
+            <a:endParaRPr lang="ko-KR" altLang="en-US" sz="1000"/>
+          </a:p>
+        </p:txBody>
+      </p:sp>
+      <p:sp>
+        <p:nvSpPr>
+          <p:cNvPr id="93" name="타원 92">
+            <a:extLst>
+              <a:ext uri="{FF2B5EF4-FFF2-40B4-BE49-F238E27FC236}">
+                <a16:creationId xmlns:a16="http://schemas.microsoft.com/office/drawing/2014/main" id="{BCB82458-436E-412F-9410-9117AEEC767D}"/>
+              </a:ext>
+            </a:extLst>
+          </p:cNvPr>
+          <p:cNvSpPr/>
+          <p:nvPr/>
+        </p:nvSpPr>
+        <p:spPr>
+          <a:xfrm>
+            <a:off x="3779912" y="2608895"/>
+            <a:ext cx="216024" cy="216024"/>
+          </a:xfrm>
+          <a:prstGeom prst="ellipse">
+            <a:avLst/>
+          </a:prstGeom>
+          <a:ln w="19050"/>
+        </p:spPr>
+        <p:style>
+          <a:lnRef idx="2">
+            <a:schemeClr val="dk1"/>
+          </a:lnRef>
+          <a:fillRef idx="1">
+            <a:schemeClr val="lt1"/>
+          </a:fillRef>
+          <a:effectRef idx="0">
+            <a:schemeClr val="dk1"/>
+          </a:effectRef>
+          <a:fontRef idx="minor">
+            <a:schemeClr val="dk1"/>
+          </a:fontRef>
+        </p:style>
+        <p:txBody>
+          <a:bodyPr rtlCol="0" anchor="ctr"/>
+          <a:lstStyle/>
+          <a:p>
+            <a:pPr algn="ctr"/>
+            <a:r>
+              <a:rPr lang="en-US" altLang="ko-KR" sz="1000"/>
+              <a:t>3</a:t>
+            </a:r>
+            <a:endParaRPr lang="ko-KR" altLang="en-US" sz="1000"/>
+          </a:p>
+        </p:txBody>
+      </p:sp>
+      <p:sp>
+        <p:nvSpPr>
+          <p:cNvPr id="95" name="타원 94">
+            <a:extLst>
+              <a:ext uri="{FF2B5EF4-FFF2-40B4-BE49-F238E27FC236}">
+                <a16:creationId xmlns:a16="http://schemas.microsoft.com/office/drawing/2014/main" id="{73303B4A-C73A-409C-9CB9-BE31EC7B592E}"/>
+              </a:ext>
+            </a:extLst>
+          </p:cNvPr>
+          <p:cNvSpPr/>
+          <p:nvPr/>
+        </p:nvSpPr>
+        <p:spPr>
+          <a:xfrm>
+            <a:off x="3627927" y="3720146"/>
+            <a:ext cx="216024" cy="216024"/>
+          </a:xfrm>
+          <a:prstGeom prst="ellipse">
+            <a:avLst/>
+          </a:prstGeom>
+          <a:ln w="19050"/>
+        </p:spPr>
+        <p:style>
+          <a:lnRef idx="2">
+            <a:schemeClr val="dk1"/>
+          </a:lnRef>
+          <a:fillRef idx="1">
+            <a:schemeClr val="lt1"/>
+          </a:fillRef>
+          <a:effectRef idx="0">
+            <a:schemeClr val="dk1"/>
+          </a:effectRef>
+          <a:fontRef idx="minor">
+            <a:schemeClr val="dk1"/>
+          </a:fontRef>
+        </p:style>
+        <p:txBody>
+          <a:bodyPr rtlCol="0" anchor="ctr"/>
+          <a:lstStyle/>
+          <a:p>
+            <a:pPr algn="ctr"/>
+            <a:r>
+              <a:rPr lang="en-US" altLang="ko-KR" sz="1000"/>
+              <a:t>4</a:t>
+            </a:r>
+            <a:endParaRPr lang="ko-KR" altLang="en-US" sz="1000"/>
+          </a:p>
+        </p:txBody>
+      </p:sp>
+      <p:sp>
+        <p:nvSpPr>
+          <p:cNvPr id="96" name="타원 95">
+            <a:extLst>
+              <a:ext uri="{FF2B5EF4-FFF2-40B4-BE49-F238E27FC236}">
+                <a16:creationId xmlns:a16="http://schemas.microsoft.com/office/drawing/2014/main" id="{A61FE943-ACFB-4074-A9D9-51F8703D8850}"/>
+              </a:ext>
+            </a:extLst>
+          </p:cNvPr>
+          <p:cNvSpPr/>
+          <p:nvPr/>
+        </p:nvSpPr>
+        <p:spPr>
+          <a:xfrm>
+            <a:off x="6488671" y="3720146"/>
+            <a:ext cx="216024" cy="216024"/>
+          </a:xfrm>
+          <a:prstGeom prst="ellipse">
+            <a:avLst/>
+          </a:prstGeom>
+          <a:ln w="19050"/>
+        </p:spPr>
+        <p:style>
+          <a:lnRef idx="2">
+            <a:schemeClr val="dk1"/>
+          </a:lnRef>
+          <a:fillRef idx="1">
+            <a:schemeClr val="lt1"/>
+          </a:fillRef>
+          <a:effectRef idx="0">
+            <a:schemeClr val="dk1"/>
+          </a:effectRef>
+          <a:fontRef idx="minor">
+            <a:schemeClr val="dk1"/>
+          </a:fontRef>
+        </p:style>
+        <p:txBody>
+          <a:bodyPr rtlCol="0" anchor="ctr"/>
+          <a:lstStyle/>
+          <a:p>
+            <a:pPr algn="ctr"/>
+            <a:r>
+              <a:rPr lang="en-US" altLang="ko-KR" sz="1000"/>
+              <a:t>4</a:t>
+            </a:r>
+            <a:endParaRPr lang="ko-KR" altLang="en-US" sz="1000"/>
+          </a:p>
+        </p:txBody>
+      </p:sp>
+      <p:sp>
+        <p:nvSpPr>
+          <p:cNvPr id="98" name="타원 97">
+            <a:extLst>
+              <a:ext uri="{FF2B5EF4-FFF2-40B4-BE49-F238E27FC236}">
+                <a16:creationId xmlns:a16="http://schemas.microsoft.com/office/drawing/2014/main" id="{9DDDFEE0-4AEA-4949-A137-2D6BED5139C5}"/>
+              </a:ext>
+            </a:extLst>
+          </p:cNvPr>
+          <p:cNvSpPr/>
+          <p:nvPr/>
+        </p:nvSpPr>
+        <p:spPr>
+          <a:xfrm>
+            <a:off x="4324226" y="3720146"/>
+            <a:ext cx="216024" cy="216024"/>
+          </a:xfrm>
+          <a:prstGeom prst="ellipse">
+            <a:avLst/>
+          </a:prstGeom>
+          <a:ln w="19050"/>
+        </p:spPr>
+        <p:style>
+          <a:lnRef idx="2">
+            <a:schemeClr val="dk1"/>
+          </a:lnRef>
+          <a:fillRef idx="1">
+            <a:schemeClr val="lt1"/>
+          </a:fillRef>
+          <a:effectRef idx="0">
+            <a:schemeClr val="dk1"/>
+          </a:effectRef>
+          <a:fontRef idx="minor">
+            <a:schemeClr val="dk1"/>
+          </a:fontRef>
+        </p:style>
+        <p:txBody>
+          <a:bodyPr rtlCol="0" anchor="ctr"/>
+          <a:lstStyle/>
+          <a:p>
+            <a:pPr algn="ctr"/>
+            <a:r>
+              <a:rPr lang="en-US" altLang="ko-KR" sz="1000"/>
+              <a:t>4</a:t>
+            </a:r>
+            <a:endParaRPr lang="ko-KR" altLang="en-US" sz="1000"/>
+          </a:p>
+        </p:txBody>
+      </p:sp>
+      <p:sp>
+        <p:nvSpPr>
+          <p:cNvPr id="99" name="타원 98">
+            <a:extLst>
+              <a:ext uri="{FF2B5EF4-FFF2-40B4-BE49-F238E27FC236}">
+                <a16:creationId xmlns:a16="http://schemas.microsoft.com/office/drawing/2014/main" id="{809A5EAC-22B8-48CD-BD94-91FDE2238E5A}"/>
+              </a:ext>
+            </a:extLst>
+          </p:cNvPr>
+          <p:cNvSpPr/>
+          <p:nvPr/>
+        </p:nvSpPr>
+        <p:spPr>
+          <a:xfrm>
+            <a:off x="7179574" y="3720146"/>
+            <a:ext cx="216024" cy="216024"/>
+          </a:xfrm>
+          <a:prstGeom prst="ellipse">
+            <a:avLst/>
+          </a:prstGeom>
+          <a:ln w="19050"/>
+        </p:spPr>
+        <p:style>
+          <a:lnRef idx="2">
+            <a:schemeClr val="dk1"/>
+          </a:lnRef>
+          <a:fillRef idx="1">
+            <a:schemeClr val="lt1"/>
+          </a:fillRef>
+          <a:effectRef idx="0">
+            <a:schemeClr val="dk1"/>
+          </a:effectRef>
+          <a:fontRef idx="minor">
+            <a:schemeClr val="dk1"/>
+          </a:fontRef>
+        </p:style>
+        <p:txBody>
+          <a:bodyPr rtlCol="0" anchor="ctr"/>
+          <a:lstStyle/>
+          <a:p>
+            <a:pPr algn="ctr"/>
+            <a:r>
+              <a:rPr lang="en-US" altLang="ko-KR" sz="1000"/>
+              <a:t>4</a:t>
+            </a:r>
+            <a:endParaRPr lang="ko-KR" altLang="en-US" sz="1000"/>
+          </a:p>
+        </p:txBody>
+      </p:sp>
+      <p:sp>
+        <p:nvSpPr>
+          <p:cNvPr id="100" name="타원 99">
+            <a:extLst>
+              <a:ext uri="{FF2B5EF4-FFF2-40B4-BE49-F238E27FC236}">
+                <a16:creationId xmlns:a16="http://schemas.microsoft.com/office/drawing/2014/main" id="{2E5039A9-B205-4C11-ABD1-022288DA59B6}"/>
+              </a:ext>
+            </a:extLst>
+          </p:cNvPr>
+          <p:cNvSpPr/>
+          <p:nvPr/>
+        </p:nvSpPr>
+        <p:spPr>
+          <a:xfrm>
+            <a:off x="5799304" y="1912538"/>
+            <a:ext cx="216024" cy="216024"/>
+          </a:xfrm>
+          <a:prstGeom prst="ellipse">
+            <a:avLst/>
+          </a:prstGeom>
+          <a:ln w="19050"/>
+        </p:spPr>
+        <p:style>
+          <a:lnRef idx="2">
+            <a:schemeClr val="dk1"/>
+          </a:lnRef>
+          <a:fillRef idx="1">
+            <a:schemeClr val="lt1"/>
+          </a:fillRef>
+          <a:effectRef idx="0">
+            <a:schemeClr val="dk1"/>
+          </a:effectRef>
+          <a:fontRef idx="minor">
+            <a:schemeClr val="dk1"/>
+          </a:fontRef>
+        </p:style>
+        <p:txBody>
+          <a:bodyPr rtlCol="0" anchor="ctr"/>
+          <a:lstStyle/>
+          <a:p>
+            <a:pPr algn="ctr"/>
+            <a:r>
+              <a:rPr lang="en-US" altLang="ko-KR" sz="1000"/>
+              <a:t>2</a:t>
+            </a:r>
+            <a:endParaRPr lang="ko-KR" altLang="en-US" sz="1000"/>
+          </a:p>
+        </p:txBody>
+      </p:sp>
+      <p:sp>
+        <p:nvSpPr>
+          <p:cNvPr id="101" name="타원 100">
+            <a:extLst>
+              <a:ext uri="{FF2B5EF4-FFF2-40B4-BE49-F238E27FC236}">
+                <a16:creationId xmlns:a16="http://schemas.microsoft.com/office/drawing/2014/main" id="{2654D743-4445-4646-9E4C-7042013B651E}"/>
+              </a:ext>
+            </a:extLst>
+          </p:cNvPr>
+          <p:cNvSpPr/>
+          <p:nvPr/>
+        </p:nvSpPr>
+        <p:spPr>
+          <a:xfrm>
+            <a:off x="3991351" y="2612206"/>
+            <a:ext cx="216024" cy="216024"/>
+          </a:xfrm>
+          <a:prstGeom prst="ellipse">
+            <a:avLst/>
+          </a:prstGeom>
+          <a:ln w="19050"/>
+        </p:spPr>
+        <p:style>
+          <a:lnRef idx="2">
+            <a:schemeClr val="dk1"/>
+          </a:lnRef>
+          <a:fillRef idx="1">
+            <a:schemeClr val="lt1"/>
+          </a:fillRef>
+          <a:effectRef idx="0">
+            <a:schemeClr val="dk1"/>
+          </a:effectRef>
+          <a:fontRef idx="minor">
+            <a:schemeClr val="dk1"/>
+          </a:fontRef>
+        </p:style>
+        <p:txBody>
+          <a:bodyPr rtlCol="0" anchor="ctr"/>
+          <a:lstStyle/>
+          <a:p>
+            <a:pPr algn="ctr"/>
+            <a:r>
+              <a:rPr lang="en-US" altLang="ko-KR" sz="1000"/>
+              <a:t>5</a:t>
+            </a:r>
+            <a:endParaRPr lang="ko-KR" altLang="en-US" sz="1000"/>
+          </a:p>
+        </p:txBody>
+      </p:sp>
+    </p:spTree>
+    <p:extLst>
+      <p:ext uri="{BB962C8B-B14F-4D97-AF65-F5344CB8AC3E}">
+        <p14:creationId xmlns:p14="http://schemas.microsoft.com/office/powerpoint/2010/main" val="1254229793"/>
+      </p:ext>
+    </p:extLst>
+  </p:cSld>
+  <p:clrMapOvr>
+    <a:masterClrMapping/>
+  </p:clrMapOvr>
+</p:sld>
+</file>
+
+<file path=ppt/slides/slide11.xml><?xml version="1.0" encoding="utf-8"?>
 <p:sld xmlns:a="http://schemas.openxmlformats.org/drawingml/2006/main" xmlns:r="http://schemas.openxmlformats.org/officeDocument/2006/relationships" xmlns:p="http://schemas.openxmlformats.org/presentationml/2006/main">
   <p:cSld>
     <p:spTree>
@@ -14241,7 +16949,7 @@
           <p:cNvPr id="2" name="제목 1">
             <a:extLst>
               <a:ext uri="{FF2B5EF4-FFF2-40B4-BE49-F238E27FC236}">
-                <a16:creationId xmlns:a16="http://schemas.microsoft.com/office/drawing/2014/main" id="{FC67F929-A4E0-49DA-A87A-869BFE4EFE72}"/>
+                <a16:creationId xmlns:a16="http://schemas.microsoft.com/office/drawing/2014/main" id="{BC291C17-39D6-4CD3-BA97-F7F1EDB2AC89}"/>
               </a:ext>
             </a:extLst>
           </p:cNvPr>
@@ -14252,29 +16960,16 @@
             <p:ph type="title"/>
           </p:nvPr>
         </p:nvSpPr>
-        <p:spPr>
-          <a:xfrm>
-            <a:off x="457200" y="58316"/>
-            <a:ext cx="8229600" cy="857250"/>
-          </a:xfrm>
-        </p:spPr>
+        <p:spPr/>
         <p:txBody>
           <a:bodyPr>
-            <a:normAutofit/>
+            <a:normAutofit fontScale="90000"/>
           </a:bodyPr>
           <a:lstStyle/>
           <a:p>
             <a:r>
               <a:rPr lang="en-US" altLang="ko-KR"/>
-              <a:t>raft</a:t>
-            </a:r>
-            <a:r>
-              <a:rPr lang="ko-KR" altLang="en-US"/>
-              <a:t> </a:t>
-            </a:r>
-            <a:r>
-              <a:rPr lang="en-US" altLang="ko-KR"/>
-              <a:t>Architecture</a:t>
+              <a:t>Cluster Member Add, Leader Split</a:t>
             </a:r>
             <a:endParaRPr lang="ko-KR" altLang="en-US"/>
           </a:p>
@@ -14282,74 +16977,23 @@
       </p:sp>
       <p:sp>
         <p:nvSpPr>
-          <p:cNvPr id="13" name="사각형: 둥근 모서리 12">
-            <a:extLst>
-              <a:ext uri="{FF2B5EF4-FFF2-40B4-BE49-F238E27FC236}">
-                <a16:creationId xmlns:a16="http://schemas.microsoft.com/office/drawing/2014/main" id="{78B4F8B2-6CEE-4211-B403-8EDA4BFAACE0}"/>
-              </a:ext>
-            </a:extLst>
-          </p:cNvPr>
-          <p:cNvSpPr/>
-          <p:nvPr/>
-        </p:nvSpPr>
-        <p:spPr>
-          <a:xfrm>
-            <a:off x="4339005" y="1059582"/>
-            <a:ext cx="2500704" cy="1512168"/>
-          </a:xfrm>
-          <a:prstGeom prst="roundRect">
-            <a:avLst>
-              <a:gd name="adj" fmla="val 4544"/>
-            </a:avLst>
-          </a:prstGeom>
-        </p:spPr>
-        <p:style>
-          <a:lnRef idx="2">
-            <a:schemeClr val="dk1"/>
-          </a:lnRef>
-          <a:fillRef idx="1">
-            <a:schemeClr val="lt1"/>
-          </a:fillRef>
-          <a:effectRef idx="0">
-            <a:schemeClr val="dk1"/>
-          </a:effectRef>
-          <a:fontRef idx="minor">
-            <a:schemeClr val="dk1"/>
-          </a:fontRef>
-        </p:style>
-        <p:txBody>
-          <a:bodyPr rtlCol="0" anchor="t"/>
-          <a:lstStyle/>
-          <a:p>
-            <a:pPr algn="ctr"/>
-            <a:r>
-              <a:rPr lang="en-US" altLang="ko-KR" sz="1400"/>
-              <a:t> Server / Leader</a:t>
-            </a:r>
-          </a:p>
-        </p:txBody>
-      </p:sp>
-      <p:sp>
-        <p:nvSpPr>
-          <p:cNvPr id="17" name="사각형: 둥근 모서리 16">
-            <a:extLst>
-              <a:ext uri="{FF2B5EF4-FFF2-40B4-BE49-F238E27FC236}">
-                <a16:creationId xmlns:a16="http://schemas.microsoft.com/office/drawing/2014/main" id="{4B6619E2-F023-459E-8D44-EE63D2A4FAF3}"/>
-              </a:ext>
-            </a:extLst>
-          </p:cNvPr>
-          <p:cNvSpPr/>
-          <p:nvPr/>
-        </p:nvSpPr>
-        <p:spPr>
-          <a:xfrm>
-            <a:off x="935053" y="2571750"/>
-            <a:ext cx="1584176" cy="353194"/>
-          </a:xfrm>
-          <a:prstGeom prst="roundRect">
-            <a:avLst>
-              <a:gd name="adj" fmla="val 15281"/>
-            </a:avLst>
+          <p:cNvPr id="37" name="직사각형 36">
+            <a:extLst>
+              <a:ext uri="{FF2B5EF4-FFF2-40B4-BE49-F238E27FC236}">
+                <a16:creationId xmlns:a16="http://schemas.microsoft.com/office/drawing/2014/main" id="{78BDAAD2-7896-4771-B77C-FF2985839BE1}"/>
+              </a:ext>
+            </a:extLst>
+          </p:cNvPr>
+          <p:cNvSpPr/>
+          <p:nvPr/>
+        </p:nvSpPr>
+        <p:spPr>
+          <a:xfrm>
+            <a:off x="2987824" y="1491630"/>
+            <a:ext cx="1800200" cy="216024"/>
+          </a:xfrm>
+          <a:prstGeom prst="rect">
+            <a:avLst/>
           </a:prstGeom>
         </p:spPr>
         <p:style>
@@ -14371,34 +17015,29 @@
           <a:lstStyle/>
           <a:p>
             <a:pPr algn="ctr"/>
-            <a:r>
-              <a:rPr lang="en-US" altLang="ko-KR" sz="1400" b="1"/>
-              <a:t>Client</a:t>
-            </a:r>
-          </a:p>
-        </p:txBody>
-      </p:sp>
-      <p:sp>
-        <p:nvSpPr>
-          <p:cNvPr id="25" name="사각형: 둥근 모서리 24">
-            <a:extLst>
-              <a:ext uri="{FF2B5EF4-FFF2-40B4-BE49-F238E27FC236}">
-                <a16:creationId xmlns:a16="http://schemas.microsoft.com/office/drawing/2014/main" id="{C6DCD957-0614-4A48-A3D4-796839CC9A32}"/>
-              </a:ext>
-            </a:extLst>
-          </p:cNvPr>
-          <p:cNvSpPr/>
-          <p:nvPr/>
-        </p:nvSpPr>
-        <p:spPr>
-          <a:xfrm>
-            <a:off x="4431695" y="1397343"/>
-            <a:ext cx="1008112" cy="526335"/>
-          </a:xfrm>
-          <a:prstGeom prst="roundRect">
-            <a:avLst>
-              <a:gd name="adj" fmla="val 11714"/>
-            </a:avLst>
+            <a:endParaRPr lang="ko-KR" altLang="en-US"/>
+          </a:p>
+        </p:txBody>
+      </p:sp>
+      <p:sp>
+        <p:nvSpPr>
+          <p:cNvPr id="38" name="직사각형 37">
+            <a:extLst>
+              <a:ext uri="{FF2B5EF4-FFF2-40B4-BE49-F238E27FC236}">
+                <a16:creationId xmlns:a16="http://schemas.microsoft.com/office/drawing/2014/main" id="{AA8134E4-62FC-46B6-AB2C-F0F001FD2134}"/>
+              </a:ext>
+            </a:extLst>
+          </p:cNvPr>
+          <p:cNvSpPr/>
+          <p:nvPr/>
+        </p:nvSpPr>
+        <p:spPr>
+          <a:xfrm>
+            <a:off x="2987824" y="1920800"/>
+            <a:ext cx="1944216" cy="216024"/>
+          </a:xfrm>
+          <a:prstGeom prst="rect">
+            <a:avLst/>
           </a:prstGeom>
         </p:spPr>
         <p:style>
@@ -14420,158 +17059,46 @@
           <a:lstStyle/>
           <a:p>
             <a:pPr algn="ctr"/>
-            <a:r>
-              <a:rPr lang="en-US" altLang="ko-KR" sz="1000"/>
-              <a:t>Consensus </a:t>
-            </a:r>
-          </a:p>
-          <a:p>
-            <a:pPr algn="ctr"/>
-            <a:r>
-              <a:rPr lang="en-US" altLang="ko-KR" sz="1000"/>
-              <a:t>Module</a:t>
-            </a:r>
-          </a:p>
-        </p:txBody>
-      </p:sp>
-      <p:sp>
-        <p:nvSpPr>
-          <p:cNvPr id="26" name="사각형: 둥근 모서리 25">
-            <a:extLst>
-              <a:ext uri="{FF2B5EF4-FFF2-40B4-BE49-F238E27FC236}">
-                <a16:creationId xmlns:a16="http://schemas.microsoft.com/office/drawing/2014/main" id="{44297D1D-62EC-4FCF-8EA6-354DDA58DCE8}"/>
-              </a:ext>
-            </a:extLst>
-          </p:cNvPr>
-          <p:cNvSpPr/>
-          <p:nvPr/>
-        </p:nvSpPr>
-        <p:spPr>
-          <a:xfrm>
-            <a:off x="4431695" y="2117969"/>
-            <a:ext cx="2315272" cy="353195"/>
-          </a:xfrm>
-          <a:prstGeom prst="roundRect">
-            <a:avLst>
-              <a:gd name="adj" fmla="val 15759"/>
-            </a:avLst>
-          </a:prstGeom>
-        </p:spPr>
-        <p:style>
-          <a:lnRef idx="2">
-            <a:schemeClr val="dk1"/>
-          </a:lnRef>
-          <a:fillRef idx="1">
-            <a:schemeClr val="lt1"/>
-          </a:fillRef>
-          <a:effectRef idx="0">
-            <a:schemeClr val="dk1"/>
-          </a:effectRef>
-          <a:fontRef idx="minor">
-            <a:schemeClr val="dk1"/>
-          </a:fontRef>
-        </p:style>
-        <p:txBody>
-          <a:bodyPr rtlCol="0" anchor="ctr"/>
-          <a:lstStyle/>
-          <a:p>
-            <a:r>
-              <a:rPr lang="en-US" altLang="ko-KR" sz="1000"/>
-              <a:t>Log</a:t>
-            </a:r>
-          </a:p>
-        </p:txBody>
-      </p:sp>
-      <p:sp>
-        <p:nvSpPr>
-          <p:cNvPr id="27" name="사각형: 둥근 모서리 26">
-            <a:extLst>
-              <a:ext uri="{FF2B5EF4-FFF2-40B4-BE49-F238E27FC236}">
-                <a16:creationId xmlns:a16="http://schemas.microsoft.com/office/drawing/2014/main" id="{0B9B37E3-3DB9-4BFE-9F1B-C2A627D9E733}"/>
-              </a:ext>
-            </a:extLst>
-          </p:cNvPr>
-          <p:cNvSpPr/>
-          <p:nvPr/>
-        </p:nvSpPr>
-        <p:spPr>
-          <a:xfrm>
-            <a:off x="4818770" y="2171974"/>
-            <a:ext cx="489719" cy="245183"/>
-          </a:xfrm>
-          <a:prstGeom prst="roundRect">
-            <a:avLst>
-              <a:gd name="adj" fmla="val 15759"/>
-            </a:avLst>
-          </a:prstGeom>
-        </p:spPr>
-        <p:style>
-          <a:lnRef idx="2">
-            <a:schemeClr val="dk1"/>
-          </a:lnRef>
-          <a:fillRef idx="1">
-            <a:schemeClr val="lt1"/>
-          </a:fillRef>
-          <a:effectRef idx="0">
-            <a:schemeClr val="dk1"/>
-          </a:effectRef>
-          <a:fontRef idx="minor">
-            <a:schemeClr val="dk1"/>
-          </a:fontRef>
-        </p:style>
-        <p:txBody>
-          <a:bodyPr rtlCol="0" anchor="ctr"/>
-          <a:lstStyle/>
-          <a:p>
-            <a:pPr algn="ctr"/>
-            <a:r>
-              <a:rPr lang="en-US" altLang="ko-KR" sz="900"/>
-              <a:t>Entry</a:t>
-            </a:r>
-          </a:p>
-        </p:txBody>
-      </p:sp>
-      <p:sp>
-        <p:nvSpPr>
-          <p:cNvPr id="3" name="타원 2">
-            <a:extLst>
-              <a:ext uri="{FF2B5EF4-FFF2-40B4-BE49-F238E27FC236}">
-                <a16:creationId xmlns:a16="http://schemas.microsoft.com/office/drawing/2014/main" id="{5D3AD20B-A15D-4EE6-BEC7-CF148211217C}"/>
-              </a:ext>
-            </a:extLst>
-          </p:cNvPr>
-          <p:cNvSpPr/>
-          <p:nvPr/>
-        </p:nvSpPr>
-        <p:spPr>
-          <a:xfrm>
-            <a:off x="6353446" y="2258561"/>
-            <a:ext cx="72008" cy="72008"/>
-          </a:xfrm>
-          <a:prstGeom prst="ellipse">
+            <a:endParaRPr lang="ko-KR" altLang="en-US"/>
+          </a:p>
+        </p:txBody>
+      </p:sp>
+      <p:sp>
+        <p:nvSpPr>
+          <p:cNvPr id="39" name="직사각형 38">
+            <a:extLst>
+              <a:ext uri="{FF2B5EF4-FFF2-40B4-BE49-F238E27FC236}">
+                <a16:creationId xmlns:a16="http://schemas.microsoft.com/office/drawing/2014/main" id="{B6CEA896-12A5-41EF-B7CC-F9EB5703C4DC}"/>
+              </a:ext>
+            </a:extLst>
+          </p:cNvPr>
+          <p:cNvSpPr/>
+          <p:nvPr/>
+        </p:nvSpPr>
+        <p:spPr>
+          <a:xfrm>
+            <a:off x="4788024" y="1491630"/>
+            <a:ext cx="1152128" cy="216024"/>
+          </a:xfrm>
+          <a:prstGeom prst="rect">
             <a:avLst/>
           </a:prstGeom>
           <a:solidFill>
             <a:schemeClr val="tx1"/>
           </a:solidFill>
-          <a:ln>
-            <a:noFill/>
-          </a:ln>
-        </p:spPr>
-        <p:style>
-          <a:lnRef idx="2">
-            <a:schemeClr val="accent1">
-              <a:shade val="50000"/>
-            </a:schemeClr>
-          </a:lnRef>
-          <a:fillRef idx="1">
-            <a:schemeClr val="accent1"/>
-          </a:fillRef>
-          <a:effectRef idx="0">
-            <a:schemeClr val="accent1"/>
-          </a:effectRef>
-          <a:fontRef idx="minor">
-            <a:schemeClr val="lt1"/>
+        </p:spPr>
+        <p:style>
+          <a:lnRef idx="2">
+            <a:schemeClr val="dk1"/>
+          </a:lnRef>
+          <a:fillRef idx="1">
+            <a:schemeClr val="lt1"/>
+          </a:fillRef>
+          <a:effectRef idx="0">
+            <a:schemeClr val="dk1"/>
+          </a:effectRef>
+          <a:fontRef idx="minor">
+            <a:schemeClr val="dk1"/>
           </a:fontRef>
         </p:style>
         <p:txBody>
@@ -14579,51 +17106,46 @@
           <a:lstStyle/>
           <a:p>
             <a:pPr algn="ctr"/>
-            <a:endParaRPr lang="ko-KR" altLang="en-US" sz="1400"/>
-          </a:p>
-        </p:txBody>
-      </p:sp>
-      <p:sp>
-        <p:nvSpPr>
-          <p:cNvPr id="32" name="타원 31">
-            <a:extLst>
-              <a:ext uri="{FF2B5EF4-FFF2-40B4-BE49-F238E27FC236}">
-                <a16:creationId xmlns:a16="http://schemas.microsoft.com/office/drawing/2014/main" id="{5FD284C8-4323-4D3A-94B3-4E8C7F1BD3B0}"/>
-              </a:ext>
-            </a:extLst>
-          </p:cNvPr>
-          <p:cNvSpPr/>
-          <p:nvPr/>
-        </p:nvSpPr>
-        <p:spPr>
-          <a:xfrm>
-            <a:off x="6476728" y="2258561"/>
-            <a:ext cx="72008" cy="72008"/>
-          </a:xfrm>
-          <a:prstGeom prst="ellipse">
+            <a:endParaRPr lang="ko-KR" altLang="en-US"/>
+          </a:p>
+        </p:txBody>
+      </p:sp>
+      <p:sp>
+        <p:nvSpPr>
+          <p:cNvPr id="41" name="직사각형 40">
+            <a:extLst>
+              <a:ext uri="{FF2B5EF4-FFF2-40B4-BE49-F238E27FC236}">
+                <a16:creationId xmlns:a16="http://schemas.microsoft.com/office/drawing/2014/main" id="{DC7D2E7E-8197-4D1E-89FE-DEC05B6B0F37}"/>
+              </a:ext>
+            </a:extLst>
+          </p:cNvPr>
+          <p:cNvSpPr/>
+          <p:nvPr/>
+        </p:nvSpPr>
+        <p:spPr>
+          <a:xfrm>
+            <a:off x="4932040" y="1920800"/>
+            <a:ext cx="1008112" cy="216024"/>
+          </a:xfrm>
+          <a:prstGeom prst="rect">
             <a:avLst/>
           </a:prstGeom>
           <a:solidFill>
             <a:schemeClr val="tx1"/>
           </a:solidFill>
-          <a:ln>
-            <a:noFill/>
-          </a:ln>
-        </p:spPr>
-        <p:style>
-          <a:lnRef idx="2">
-            <a:schemeClr val="accent1">
-              <a:shade val="50000"/>
-            </a:schemeClr>
-          </a:lnRef>
-          <a:fillRef idx="1">
-            <a:schemeClr val="accent1"/>
-          </a:fillRef>
-          <a:effectRef idx="0">
-            <a:schemeClr val="accent1"/>
-          </a:effectRef>
-          <a:fontRef idx="minor">
-            <a:schemeClr val="lt1"/>
+        </p:spPr>
+        <p:style>
+          <a:lnRef idx="2">
+            <a:schemeClr val="dk1"/>
+          </a:lnRef>
+          <a:fillRef idx="1">
+            <a:schemeClr val="lt1"/>
+          </a:fillRef>
+          <a:effectRef idx="0">
+            <a:schemeClr val="dk1"/>
+          </a:effectRef>
+          <a:fontRef idx="minor">
+            <a:schemeClr val="dk1"/>
           </a:fontRef>
         </p:style>
         <p:txBody>
@@ -14631,51 +17153,46 @@
           <a:lstStyle/>
           <a:p>
             <a:pPr algn="ctr"/>
-            <a:endParaRPr lang="ko-KR" altLang="en-US" sz="1400"/>
-          </a:p>
-        </p:txBody>
-      </p:sp>
-      <p:sp>
-        <p:nvSpPr>
-          <p:cNvPr id="33" name="타원 32">
-            <a:extLst>
-              <a:ext uri="{FF2B5EF4-FFF2-40B4-BE49-F238E27FC236}">
-                <a16:creationId xmlns:a16="http://schemas.microsoft.com/office/drawing/2014/main" id="{7B3D390F-41A4-47CD-9FD7-92570EBE0EB4}"/>
-              </a:ext>
-            </a:extLst>
-          </p:cNvPr>
-          <p:cNvSpPr/>
-          <p:nvPr/>
-        </p:nvSpPr>
-        <p:spPr>
-          <a:xfrm>
-            <a:off x="6595107" y="2258561"/>
-            <a:ext cx="72008" cy="72008"/>
-          </a:xfrm>
-          <a:prstGeom prst="ellipse">
+            <a:endParaRPr lang="ko-KR" altLang="en-US"/>
+          </a:p>
+        </p:txBody>
+      </p:sp>
+      <p:sp>
+        <p:nvSpPr>
+          <p:cNvPr id="42" name="직사각형 41">
+            <a:extLst>
+              <a:ext uri="{FF2B5EF4-FFF2-40B4-BE49-F238E27FC236}">
+                <a16:creationId xmlns:a16="http://schemas.microsoft.com/office/drawing/2014/main" id="{0F912DE0-D4D5-495E-9D92-01ED95E421B0}"/>
+              </a:ext>
+            </a:extLst>
+          </p:cNvPr>
+          <p:cNvSpPr/>
+          <p:nvPr/>
+        </p:nvSpPr>
+        <p:spPr>
+          <a:xfrm>
+            <a:off x="4268384" y="2349970"/>
+            <a:ext cx="1671768" cy="216024"/>
+          </a:xfrm>
+          <a:prstGeom prst="rect">
             <a:avLst/>
           </a:prstGeom>
           <a:solidFill>
             <a:schemeClr val="tx1"/>
           </a:solidFill>
-          <a:ln>
-            <a:noFill/>
-          </a:ln>
-        </p:spPr>
-        <p:style>
-          <a:lnRef idx="2">
-            <a:schemeClr val="accent1">
-              <a:shade val="50000"/>
-            </a:schemeClr>
-          </a:lnRef>
-          <a:fillRef idx="1">
-            <a:schemeClr val="accent1"/>
-          </a:fillRef>
-          <a:effectRef idx="0">
-            <a:schemeClr val="accent1"/>
-          </a:effectRef>
-          <a:fontRef idx="minor">
-            <a:schemeClr val="lt1"/>
+        </p:spPr>
+        <p:style>
+          <a:lnRef idx="2">
+            <a:schemeClr val="dk1"/>
+          </a:lnRef>
+          <a:fillRef idx="1">
+            <a:schemeClr val="lt1"/>
+          </a:fillRef>
+          <a:effectRef idx="0">
+            <a:schemeClr val="dk1"/>
+          </a:effectRef>
+          <a:fontRef idx="minor">
+            <a:schemeClr val="dk1"/>
           </a:fontRef>
         </p:style>
         <p:txBody>
@@ -14683,414 +17200,46 @@
           <a:lstStyle/>
           <a:p>
             <a:pPr algn="ctr"/>
-            <a:endParaRPr lang="ko-KR" altLang="en-US" sz="1400"/>
-          </a:p>
-        </p:txBody>
-      </p:sp>
-      <p:sp>
-        <p:nvSpPr>
-          <p:cNvPr id="34" name="사각형: 둥근 모서리 33">
-            <a:extLst>
-              <a:ext uri="{FF2B5EF4-FFF2-40B4-BE49-F238E27FC236}">
-                <a16:creationId xmlns:a16="http://schemas.microsoft.com/office/drawing/2014/main" id="{E58549BF-6380-4D21-AC27-FC72FE1CD1DF}"/>
-              </a:ext>
-            </a:extLst>
-          </p:cNvPr>
-          <p:cNvSpPr/>
-          <p:nvPr/>
-        </p:nvSpPr>
-        <p:spPr>
-          <a:xfrm>
-            <a:off x="5687581" y="1397343"/>
-            <a:ext cx="1059386" cy="526335"/>
-          </a:xfrm>
-          <a:prstGeom prst="roundRect">
-            <a:avLst>
-              <a:gd name="adj" fmla="val 11714"/>
-            </a:avLst>
-          </a:prstGeom>
-        </p:spPr>
-        <p:style>
-          <a:lnRef idx="2">
-            <a:schemeClr val="dk1"/>
-          </a:lnRef>
-          <a:fillRef idx="1">
-            <a:schemeClr val="lt1"/>
-          </a:fillRef>
-          <a:effectRef idx="0">
-            <a:schemeClr val="dk1"/>
-          </a:effectRef>
-          <a:fontRef idx="minor">
-            <a:schemeClr val="dk1"/>
-          </a:fontRef>
-        </p:style>
-        <p:txBody>
-          <a:bodyPr rtlCol="0" anchor="ctr"/>
-          <a:lstStyle/>
-          <a:p>
-            <a:pPr algn="ctr"/>
-            <a:r>
-              <a:rPr lang="en-US" altLang="ko-KR" sz="1000"/>
-              <a:t>State Machine</a:t>
-            </a:r>
-          </a:p>
-          <a:p>
-            <a:pPr algn="ctr"/>
-            <a:r>
-              <a:rPr lang="en-US" altLang="ko-KR" sz="900"/>
-              <a:t>Key1 : Value1</a:t>
-            </a:r>
-          </a:p>
-          <a:p>
-            <a:pPr algn="ctr"/>
-            <a:r>
-              <a:rPr lang="en-US" altLang="ko-KR" sz="900"/>
-              <a:t>Key2 : Value2</a:t>
-            </a:r>
-          </a:p>
-        </p:txBody>
-      </p:sp>
-      <p:sp>
-        <p:nvSpPr>
-          <p:cNvPr id="37" name="사각형: 둥근 모서리 36">
-            <a:extLst>
-              <a:ext uri="{FF2B5EF4-FFF2-40B4-BE49-F238E27FC236}">
-                <a16:creationId xmlns:a16="http://schemas.microsoft.com/office/drawing/2014/main" id="{70746400-FF33-4474-BD5D-DF900D244CE4}"/>
-              </a:ext>
-            </a:extLst>
-          </p:cNvPr>
-          <p:cNvSpPr/>
-          <p:nvPr/>
-        </p:nvSpPr>
-        <p:spPr>
-          <a:xfrm>
-            <a:off x="5308489" y="2171974"/>
-            <a:ext cx="489719" cy="245183"/>
-          </a:xfrm>
-          <a:prstGeom prst="roundRect">
-            <a:avLst>
-              <a:gd name="adj" fmla="val 15759"/>
-            </a:avLst>
-          </a:prstGeom>
-        </p:spPr>
-        <p:style>
-          <a:lnRef idx="2">
-            <a:schemeClr val="dk1"/>
-          </a:lnRef>
-          <a:fillRef idx="1">
-            <a:schemeClr val="lt1"/>
-          </a:fillRef>
-          <a:effectRef idx="0">
-            <a:schemeClr val="dk1"/>
-          </a:effectRef>
-          <a:fontRef idx="minor">
-            <a:schemeClr val="dk1"/>
-          </a:fontRef>
-        </p:style>
-        <p:txBody>
-          <a:bodyPr rtlCol="0" anchor="ctr"/>
-          <a:lstStyle/>
-          <a:p>
-            <a:pPr algn="ctr"/>
-            <a:r>
-              <a:rPr lang="en-US" altLang="ko-KR" sz="900"/>
-              <a:t>Entry</a:t>
-            </a:r>
-          </a:p>
-        </p:txBody>
-      </p:sp>
-      <p:sp>
-        <p:nvSpPr>
-          <p:cNvPr id="39" name="사각형: 둥근 모서리 38">
-            <a:extLst>
-              <a:ext uri="{FF2B5EF4-FFF2-40B4-BE49-F238E27FC236}">
-                <a16:creationId xmlns:a16="http://schemas.microsoft.com/office/drawing/2014/main" id="{0C3FECA8-68E1-4296-92F1-C97A722DD66B}"/>
-              </a:ext>
-            </a:extLst>
-          </p:cNvPr>
-          <p:cNvSpPr/>
-          <p:nvPr/>
-        </p:nvSpPr>
-        <p:spPr>
-          <a:xfrm>
-            <a:off x="5798208" y="2171974"/>
-            <a:ext cx="489719" cy="245183"/>
-          </a:xfrm>
-          <a:prstGeom prst="roundRect">
-            <a:avLst>
-              <a:gd name="adj" fmla="val 15759"/>
-            </a:avLst>
-          </a:prstGeom>
-        </p:spPr>
-        <p:style>
-          <a:lnRef idx="2">
-            <a:schemeClr val="dk1"/>
-          </a:lnRef>
-          <a:fillRef idx="1">
-            <a:schemeClr val="lt1"/>
-          </a:fillRef>
-          <a:effectRef idx="0">
-            <a:schemeClr val="dk1"/>
-          </a:effectRef>
-          <a:fontRef idx="minor">
-            <a:schemeClr val="dk1"/>
-          </a:fontRef>
-        </p:style>
-        <p:txBody>
-          <a:bodyPr rtlCol="0" anchor="ctr"/>
-          <a:lstStyle/>
-          <a:p>
-            <a:pPr algn="ctr"/>
-            <a:r>
-              <a:rPr lang="en-US" altLang="ko-KR" sz="900"/>
-              <a:t>Entry</a:t>
-            </a:r>
-          </a:p>
-        </p:txBody>
-      </p:sp>
-      <p:sp>
-        <p:nvSpPr>
-          <p:cNvPr id="40" name="사각형: 둥근 모서리 39">
-            <a:extLst>
-              <a:ext uri="{FF2B5EF4-FFF2-40B4-BE49-F238E27FC236}">
-                <a16:creationId xmlns:a16="http://schemas.microsoft.com/office/drawing/2014/main" id="{148C94EE-589A-4FEA-9B33-CA76DC4F0BA1}"/>
-              </a:ext>
-            </a:extLst>
-          </p:cNvPr>
-          <p:cNvSpPr/>
-          <p:nvPr/>
-        </p:nvSpPr>
-        <p:spPr>
-          <a:xfrm>
-            <a:off x="2863384" y="2859782"/>
-            <a:ext cx="2500704" cy="1512168"/>
-          </a:xfrm>
-          <a:prstGeom prst="roundRect">
-            <a:avLst>
-              <a:gd name="adj" fmla="val 4544"/>
-            </a:avLst>
-          </a:prstGeom>
-        </p:spPr>
-        <p:style>
-          <a:lnRef idx="2">
-            <a:schemeClr val="dk1"/>
-          </a:lnRef>
-          <a:fillRef idx="1">
-            <a:schemeClr val="lt1"/>
-          </a:fillRef>
-          <a:effectRef idx="0">
-            <a:schemeClr val="dk1"/>
-          </a:effectRef>
-          <a:fontRef idx="minor">
-            <a:schemeClr val="dk1"/>
-          </a:fontRef>
-        </p:style>
-        <p:txBody>
-          <a:bodyPr rtlCol="0" anchor="t"/>
-          <a:lstStyle/>
-          <a:p>
-            <a:pPr algn="ctr"/>
-            <a:r>
-              <a:rPr lang="en-US" altLang="ko-KR" sz="1400"/>
-              <a:t> Server / Follower</a:t>
-            </a:r>
-          </a:p>
-        </p:txBody>
-      </p:sp>
-      <p:sp>
-        <p:nvSpPr>
-          <p:cNvPr id="41" name="사각형: 둥근 모서리 40">
-            <a:extLst>
-              <a:ext uri="{FF2B5EF4-FFF2-40B4-BE49-F238E27FC236}">
-                <a16:creationId xmlns:a16="http://schemas.microsoft.com/office/drawing/2014/main" id="{9CF4EB27-06BB-4AFF-B3F9-0CF959373DB1}"/>
-              </a:ext>
-            </a:extLst>
-          </p:cNvPr>
-          <p:cNvSpPr/>
-          <p:nvPr/>
-        </p:nvSpPr>
-        <p:spPr>
-          <a:xfrm>
-            <a:off x="2956074" y="3197543"/>
-            <a:ext cx="1008112" cy="526335"/>
-          </a:xfrm>
-          <a:prstGeom prst="roundRect">
-            <a:avLst>
-              <a:gd name="adj" fmla="val 11714"/>
-            </a:avLst>
-          </a:prstGeom>
-        </p:spPr>
-        <p:style>
-          <a:lnRef idx="2">
-            <a:schemeClr val="dk1"/>
-          </a:lnRef>
-          <a:fillRef idx="1">
-            <a:schemeClr val="lt1"/>
-          </a:fillRef>
-          <a:effectRef idx="0">
-            <a:schemeClr val="dk1"/>
-          </a:effectRef>
-          <a:fontRef idx="minor">
-            <a:schemeClr val="dk1"/>
-          </a:fontRef>
-        </p:style>
-        <p:txBody>
-          <a:bodyPr rtlCol="0" anchor="ctr"/>
-          <a:lstStyle/>
-          <a:p>
-            <a:pPr algn="ctr"/>
-            <a:r>
-              <a:rPr lang="en-US" altLang="ko-KR" sz="1000"/>
-              <a:t>Consensus </a:t>
-            </a:r>
-          </a:p>
-          <a:p>
-            <a:pPr algn="ctr"/>
-            <a:r>
-              <a:rPr lang="en-US" altLang="ko-KR" sz="1000"/>
-              <a:t>Module</a:t>
-            </a:r>
-          </a:p>
-        </p:txBody>
-      </p:sp>
-      <p:sp>
-        <p:nvSpPr>
-          <p:cNvPr id="42" name="사각형: 둥근 모서리 41">
-            <a:extLst>
-              <a:ext uri="{FF2B5EF4-FFF2-40B4-BE49-F238E27FC236}">
-                <a16:creationId xmlns:a16="http://schemas.microsoft.com/office/drawing/2014/main" id="{1067F584-E1F2-4116-9961-7982DF74F228}"/>
-              </a:ext>
-            </a:extLst>
-          </p:cNvPr>
-          <p:cNvSpPr/>
-          <p:nvPr/>
-        </p:nvSpPr>
-        <p:spPr>
-          <a:xfrm>
-            <a:off x="2956074" y="3918169"/>
-            <a:ext cx="2315272" cy="353195"/>
-          </a:xfrm>
-          <a:prstGeom prst="roundRect">
-            <a:avLst>
-              <a:gd name="adj" fmla="val 15759"/>
-            </a:avLst>
-          </a:prstGeom>
-        </p:spPr>
-        <p:style>
-          <a:lnRef idx="2">
-            <a:schemeClr val="dk1"/>
-          </a:lnRef>
-          <a:fillRef idx="1">
-            <a:schemeClr val="lt1"/>
-          </a:fillRef>
-          <a:effectRef idx="0">
-            <a:schemeClr val="dk1"/>
-          </a:effectRef>
-          <a:fontRef idx="minor">
-            <a:schemeClr val="dk1"/>
-          </a:fontRef>
-        </p:style>
-        <p:txBody>
-          <a:bodyPr rtlCol="0" anchor="ctr"/>
-          <a:lstStyle/>
-          <a:p>
-            <a:r>
-              <a:rPr lang="en-US" altLang="ko-KR" sz="1000"/>
-              <a:t>Log</a:t>
-            </a:r>
-          </a:p>
-        </p:txBody>
-      </p:sp>
-      <p:sp>
-        <p:nvSpPr>
-          <p:cNvPr id="43" name="사각형: 둥근 모서리 42">
-            <a:extLst>
-              <a:ext uri="{FF2B5EF4-FFF2-40B4-BE49-F238E27FC236}">
-                <a16:creationId xmlns:a16="http://schemas.microsoft.com/office/drawing/2014/main" id="{CF26C3EA-A73F-48BC-8DC6-752A4696E4D8}"/>
-              </a:ext>
-            </a:extLst>
-          </p:cNvPr>
-          <p:cNvSpPr/>
-          <p:nvPr/>
-        </p:nvSpPr>
-        <p:spPr>
-          <a:xfrm>
-            <a:off x="3343149" y="3972174"/>
-            <a:ext cx="489719" cy="245183"/>
-          </a:xfrm>
-          <a:prstGeom prst="roundRect">
-            <a:avLst>
-              <a:gd name="adj" fmla="val 15759"/>
-            </a:avLst>
-          </a:prstGeom>
-        </p:spPr>
-        <p:style>
-          <a:lnRef idx="2">
-            <a:schemeClr val="dk1"/>
-          </a:lnRef>
-          <a:fillRef idx="1">
-            <a:schemeClr val="lt1"/>
-          </a:fillRef>
-          <a:effectRef idx="0">
-            <a:schemeClr val="dk1"/>
-          </a:effectRef>
-          <a:fontRef idx="minor">
-            <a:schemeClr val="dk1"/>
-          </a:fontRef>
-        </p:style>
-        <p:txBody>
-          <a:bodyPr rtlCol="0" anchor="ctr"/>
-          <a:lstStyle/>
-          <a:p>
-            <a:pPr algn="ctr"/>
-            <a:r>
-              <a:rPr lang="en-US" altLang="ko-KR" sz="900"/>
-              <a:t>Entry</a:t>
-            </a:r>
-          </a:p>
-        </p:txBody>
-      </p:sp>
-      <p:sp>
-        <p:nvSpPr>
-          <p:cNvPr id="44" name="타원 43">
-            <a:extLst>
-              <a:ext uri="{FF2B5EF4-FFF2-40B4-BE49-F238E27FC236}">
-                <a16:creationId xmlns:a16="http://schemas.microsoft.com/office/drawing/2014/main" id="{9786AC4F-82B0-407F-BA77-BFD047922B6C}"/>
-              </a:ext>
-            </a:extLst>
-          </p:cNvPr>
-          <p:cNvSpPr/>
-          <p:nvPr/>
-        </p:nvSpPr>
-        <p:spPr>
-          <a:xfrm>
-            <a:off x="4877825" y="4058761"/>
-            <a:ext cx="72008" cy="72008"/>
-          </a:xfrm>
-          <a:prstGeom prst="ellipse">
+            <a:endParaRPr lang="ko-KR" altLang="en-US"/>
+          </a:p>
+        </p:txBody>
+      </p:sp>
+      <p:sp>
+        <p:nvSpPr>
+          <p:cNvPr id="43" name="직사각형 42">
+            <a:extLst>
+              <a:ext uri="{FF2B5EF4-FFF2-40B4-BE49-F238E27FC236}">
+                <a16:creationId xmlns:a16="http://schemas.microsoft.com/office/drawing/2014/main" id="{B422249C-A584-412B-9FC7-DDE11FF97D9A}"/>
+              </a:ext>
+            </a:extLst>
+          </p:cNvPr>
+          <p:cNvSpPr/>
+          <p:nvPr/>
+        </p:nvSpPr>
+        <p:spPr>
+          <a:xfrm>
+            <a:off x="3995937" y="2779140"/>
+            <a:ext cx="1944216" cy="216024"/>
+          </a:xfrm>
+          <a:prstGeom prst="rect">
             <a:avLst/>
           </a:prstGeom>
           <a:solidFill>
             <a:schemeClr val="tx1"/>
           </a:solidFill>
-          <a:ln>
-            <a:noFill/>
-          </a:ln>
-        </p:spPr>
-        <p:style>
-          <a:lnRef idx="2">
-            <a:schemeClr val="accent1">
-              <a:shade val="50000"/>
-            </a:schemeClr>
-          </a:lnRef>
-          <a:fillRef idx="1">
-            <a:schemeClr val="accent1"/>
-          </a:fillRef>
-          <a:effectRef idx="0">
-            <a:schemeClr val="accent1"/>
-          </a:effectRef>
-          <a:fontRef idx="minor">
-            <a:schemeClr val="lt1"/>
+        </p:spPr>
+        <p:style>
+          <a:lnRef idx="2">
+            <a:schemeClr val="dk1"/>
+          </a:lnRef>
+          <a:fillRef idx="1">
+            <a:schemeClr val="lt1"/>
+          </a:fillRef>
+          <a:effectRef idx="0">
+            <a:schemeClr val="dk1"/>
+          </a:effectRef>
+          <a:fontRef idx="minor">
+            <a:schemeClr val="dk1"/>
           </a:fontRef>
         </p:style>
         <p:txBody>
@@ -15098,51 +17247,46 @@
           <a:lstStyle/>
           <a:p>
             <a:pPr algn="ctr"/>
-            <a:endParaRPr lang="ko-KR" altLang="en-US" sz="1400"/>
-          </a:p>
-        </p:txBody>
-      </p:sp>
-      <p:sp>
-        <p:nvSpPr>
-          <p:cNvPr id="45" name="타원 44">
-            <a:extLst>
-              <a:ext uri="{FF2B5EF4-FFF2-40B4-BE49-F238E27FC236}">
-                <a16:creationId xmlns:a16="http://schemas.microsoft.com/office/drawing/2014/main" id="{0F6713F3-EB13-44A9-AADC-FE9FFDEC3641}"/>
-              </a:ext>
-            </a:extLst>
-          </p:cNvPr>
-          <p:cNvSpPr/>
-          <p:nvPr/>
-        </p:nvSpPr>
-        <p:spPr>
-          <a:xfrm>
-            <a:off x="5001107" y="4058761"/>
-            <a:ext cx="72008" cy="72008"/>
-          </a:xfrm>
-          <a:prstGeom prst="ellipse">
+            <a:endParaRPr lang="ko-KR" altLang="en-US"/>
+          </a:p>
+        </p:txBody>
+      </p:sp>
+      <p:sp>
+        <p:nvSpPr>
+          <p:cNvPr id="44" name="직사각형 43">
+            <a:extLst>
+              <a:ext uri="{FF2B5EF4-FFF2-40B4-BE49-F238E27FC236}">
+                <a16:creationId xmlns:a16="http://schemas.microsoft.com/office/drawing/2014/main" id="{203EB78E-7D3C-44DA-807A-84F7FF4E437C}"/>
+              </a:ext>
+            </a:extLst>
+          </p:cNvPr>
+          <p:cNvSpPr/>
+          <p:nvPr/>
+        </p:nvSpPr>
+        <p:spPr>
+          <a:xfrm>
+            <a:off x="3995936" y="3208309"/>
+            <a:ext cx="1944215" cy="216024"/>
+          </a:xfrm>
+          <a:prstGeom prst="rect">
             <a:avLst/>
           </a:prstGeom>
           <a:solidFill>
             <a:schemeClr val="tx1"/>
           </a:solidFill>
-          <a:ln>
-            <a:noFill/>
-          </a:ln>
-        </p:spPr>
-        <p:style>
-          <a:lnRef idx="2">
-            <a:schemeClr val="accent1">
-              <a:shade val="50000"/>
-            </a:schemeClr>
-          </a:lnRef>
-          <a:fillRef idx="1">
-            <a:schemeClr val="accent1"/>
-          </a:fillRef>
-          <a:effectRef idx="0">
-            <a:schemeClr val="accent1"/>
-          </a:effectRef>
-          <a:fontRef idx="minor">
-            <a:schemeClr val="lt1"/>
+        </p:spPr>
+        <p:style>
+          <a:lnRef idx="2">
+            <a:schemeClr val="dk1"/>
+          </a:lnRef>
+          <a:fillRef idx="1">
+            <a:schemeClr val="lt1"/>
+          </a:fillRef>
+          <a:effectRef idx="0">
+            <a:schemeClr val="dk1"/>
+          </a:effectRef>
+          <a:fontRef idx="minor">
+            <a:schemeClr val="dk1"/>
           </a:fontRef>
         </p:style>
         <p:txBody>
@@ -15150,51 +17294,43 @@
           <a:lstStyle/>
           <a:p>
             <a:pPr algn="ctr"/>
-            <a:endParaRPr lang="ko-KR" altLang="en-US" sz="1400"/>
-          </a:p>
-        </p:txBody>
-      </p:sp>
-      <p:sp>
-        <p:nvSpPr>
-          <p:cNvPr id="46" name="타원 45">
-            <a:extLst>
-              <a:ext uri="{FF2B5EF4-FFF2-40B4-BE49-F238E27FC236}">
-                <a16:creationId xmlns:a16="http://schemas.microsoft.com/office/drawing/2014/main" id="{5314E016-3592-4C38-BFFE-9C4BD345D2A1}"/>
-              </a:ext>
-            </a:extLst>
-          </p:cNvPr>
-          <p:cNvSpPr/>
-          <p:nvPr/>
-        </p:nvSpPr>
-        <p:spPr>
-          <a:xfrm>
-            <a:off x="5119486" y="4058761"/>
-            <a:ext cx="72008" cy="72008"/>
-          </a:xfrm>
-          <a:prstGeom prst="ellipse">
-            <a:avLst/>
-          </a:prstGeom>
-          <a:solidFill>
-            <a:schemeClr val="tx1"/>
-          </a:solidFill>
-          <a:ln>
-            <a:noFill/>
-          </a:ln>
-        </p:spPr>
-        <p:style>
-          <a:lnRef idx="2">
-            <a:schemeClr val="accent1">
-              <a:shade val="50000"/>
-            </a:schemeClr>
-          </a:lnRef>
-          <a:fillRef idx="1">
-            <a:schemeClr val="accent1"/>
-          </a:fillRef>
-          <a:effectRef idx="0">
-            <a:schemeClr val="accent1"/>
-          </a:effectRef>
-          <a:fontRef idx="minor">
-            <a:schemeClr val="lt1"/>
+            <a:endParaRPr lang="ko-KR" altLang="en-US"/>
+          </a:p>
+        </p:txBody>
+      </p:sp>
+      <p:sp>
+        <p:nvSpPr>
+          <p:cNvPr id="45" name="직사각형 44">
+            <a:extLst>
+              <a:ext uri="{FF2B5EF4-FFF2-40B4-BE49-F238E27FC236}">
+                <a16:creationId xmlns:a16="http://schemas.microsoft.com/office/drawing/2014/main" id="{DB3A4A25-AB29-480B-B80A-1ABA5B1F8938}"/>
+              </a:ext>
+            </a:extLst>
+          </p:cNvPr>
+          <p:cNvSpPr/>
+          <p:nvPr/>
+        </p:nvSpPr>
+        <p:spPr>
+          <a:xfrm>
+            <a:off x="2987824" y="2349970"/>
+            <a:ext cx="1280560" cy="216024"/>
+          </a:xfrm>
+          <a:prstGeom prst="rect">
+            <a:avLst/>
+          </a:prstGeom>
+        </p:spPr>
+        <p:style>
+          <a:lnRef idx="2">
+            <a:schemeClr val="dk1"/>
+          </a:lnRef>
+          <a:fillRef idx="1">
+            <a:schemeClr val="lt1"/>
+          </a:fillRef>
+          <a:effectRef idx="0">
+            <a:schemeClr val="dk1"/>
+          </a:effectRef>
+          <a:fontRef idx="minor">
+            <a:schemeClr val="dk1"/>
           </a:fontRef>
         </p:style>
         <p:txBody>
@@ -15202,724 +17338,37 @@
           <a:lstStyle/>
           <a:p>
             <a:pPr algn="ctr"/>
-            <a:endParaRPr lang="ko-KR" altLang="en-US" sz="1400"/>
-          </a:p>
-        </p:txBody>
-      </p:sp>
-      <p:sp>
-        <p:nvSpPr>
-          <p:cNvPr id="47" name="사각형: 둥근 모서리 46">
-            <a:extLst>
-              <a:ext uri="{FF2B5EF4-FFF2-40B4-BE49-F238E27FC236}">
-                <a16:creationId xmlns:a16="http://schemas.microsoft.com/office/drawing/2014/main" id="{B1D1B5C4-955F-4396-B096-F0EA0028351E}"/>
-              </a:ext>
-            </a:extLst>
-          </p:cNvPr>
-          <p:cNvSpPr/>
-          <p:nvPr/>
-        </p:nvSpPr>
-        <p:spPr>
-          <a:xfrm>
-            <a:off x="4211960" y="3197543"/>
-            <a:ext cx="1059386" cy="526335"/>
-          </a:xfrm>
-          <a:prstGeom prst="roundRect">
-            <a:avLst>
-              <a:gd name="adj" fmla="val 11714"/>
-            </a:avLst>
-          </a:prstGeom>
-        </p:spPr>
-        <p:style>
-          <a:lnRef idx="2">
-            <a:schemeClr val="dk1"/>
-          </a:lnRef>
-          <a:fillRef idx="1">
-            <a:schemeClr val="lt1"/>
-          </a:fillRef>
-          <a:effectRef idx="0">
-            <a:schemeClr val="dk1"/>
-          </a:effectRef>
-          <a:fontRef idx="minor">
-            <a:schemeClr val="dk1"/>
-          </a:fontRef>
-        </p:style>
-        <p:txBody>
-          <a:bodyPr rtlCol="0" anchor="ctr"/>
-          <a:lstStyle/>
-          <a:p>
-            <a:pPr algn="ctr"/>
-            <a:r>
-              <a:rPr lang="en-US" altLang="ko-KR" sz="1000"/>
-              <a:t>State Machine</a:t>
-            </a:r>
-          </a:p>
-          <a:p>
-            <a:pPr algn="ctr"/>
-            <a:r>
-              <a:rPr lang="en-US" altLang="ko-KR" sz="900"/>
-              <a:t>Key1 : Value1</a:t>
-            </a:r>
-          </a:p>
-          <a:p>
-            <a:pPr algn="ctr"/>
-            <a:r>
-              <a:rPr lang="en-US" altLang="ko-KR" sz="900"/>
-              <a:t>Key2 : Value2</a:t>
-            </a:r>
-          </a:p>
-        </p:txBody>
-      </p:sp>
-      <p:sp>
-        <p:nvSpPr>
-          <p:cNvPr id="48" name="사각형: 둥근 모서리 47">
-            <a:extLst>
-              <a:ext uri="{FF2B5EF4-FFF2-40B4-BE49-F238E27FC236}">
-                <a16:creationId xmlns:a16="http://schemas.microsoft.com/office/drawing/2014/main" id="{EE2042F4-A756-4709-A464-DC8E131E324D}"/>
-              </a:ext>
-            </a:extLst>
-          </p:cNvPr>
-          <p:cNvSpPr/>
-          <p:nvPr/>
-        </p:nvSpPr>
-        <p:spPr>
-          <a:xfrm>
-            <a:off x="3832868" y="3972174"/>
-            <a:ext cx="489719" cy="245183"/>
-          </a:xfrm>
-          <a:prstGeom prst="roundRect">
-            <a:avLst>
-              <a:gd name="adj" fmla="val 15759"/>
-            </a:avLst>
-          </a:prstGeom>
-        </p:spPr>
-        <p:style>
-          <a:lnRef idx="2">
-            <a:schemeClr val="dk1"/>
-          </a:lnRef>
-          <a:fillRef idx="1">
-            <a:schemeClr val="lt1"/>
-          </a:fillRef>
-          <a:effectRef idx="0">
-            <a:schemeClr val="dk1"/>
-          </a:effectRef>
-          <a:fontRef idx="minor">
-            <a:schemeClr val="dk1"/>
-          </a:fontRef>
-        </p:style>
-        <p:txBody>
-          <a:bodyPr rtlCol="0" anchor="ctr"/>
-          <a:lstStyle/>
-          <a:p>
-            <a:pPr algn="ctr"/>
-            <a:r>
-              <a:rPr lang="en-US" altLang="ko-KR" sz="900"/>
-              <a:t>Entry</a:t>
-            </a:r>
-          </a:p>
-        </p:txBody>
-      </p:sp>
-      <p:sp>
-        <p:nvSpPr>
-          <p:cNvPr id="49" name="사각형: 둥근 모서리 48">
-            <a:extLst>
-              <a:ext uri="{FF2B5EF4-FFF2-40B4-BE49-F238E27FC236}">
-                <a16:creationId xmlns:a16="http://schemas.microsoft.com/office/drawing/2014/main" id="{9C533EF7-9FF1-4F5B-9940-822E3FEE571E}"/>
-              </a:ext>
-            </a:extLst>
-          </p:cNvPr>
-          <p:cNvSpPr/>
-          <p:nvPr/>
-        </p:nvSpPr>
-        <p:spPr>
-          <a:xfrm>
-            <a:off x="4322587" y="3972174"/>
-            <a:ext cx="489719" cy="245183"/>
-          </a:xfrm>
-          <a:prstGeom prst="roundRect">
-            <a:avLst>
-              <a:gd name="adj" fmla="val 15759"/>
-            </a:avLst>
-          </a:prstGeom>
-        </p:spPr>
-        <p:style>
-          <a:lnRef idx="2">
-            <a:schemeClr val="dk1"/>
-          </a:lnRef>
-          <a:fillRef idx="1">
-            <a:schemeClr val="lt1"/>
-          </a:fillRef>
-          <a:effectRef idx="0">
-            <a:schemeClr val="dk1"/>
-          </a:effectRef>
-          <a:fontRef idx="minor">
-            <a:schemeClr val="dk1"/>
-          </a:fontRef>
-        </p:style>
-        <p:txBody>
-          <a:bodyPr rtlCol="0" anchor="ctr"/>
-          <a:lstStyle/>
-          <a:p>
-            <a:pPr algn="ctr"/>
-            <a:r>
-              <a:rPr lang="en-US" altLang="ko-KR" sz="900"/>
-              <a:t>Entry</a:t>
-            </a:r>
-          </a:p>
-        </p:txBody>
-      </p:sp>
-      <p:sp>
-        <p:nvSpPr>
-          <p:cNvPr id="50" name="사각형: 둥근 모서리 49">
-            <a:extLst>
-              <a:ext uri="{FF2B5EF4-FFF2-40B4-BE49-F238E27FC236}">
-                <a16:creationId xmlns:a16="http://schemas.microsoft.com/office/drawing/2014/main" id="{CB1C941A-10C9-40B5-B1A1-99459AFDF63F}"/>
-              </a:ext>
-            </a:extLst>
-          </p:cNvPr>
-          <p:cNvSpPr/>
-          <p:nvPr/>
-        </p:nvSpPr>
-        <p:spPr>
-          <a:xfrm>
-            <a:off x="5724128" y="2859782"/>
-            <a:ext cx="2500704" cy="1512168"/>
-          </a:xfrm>
-          <a:prstGeom prst="roundRect">
-            <a:avLst>
-              <a:gd name="adj" fmla="val 4544"/>
-            </a:avLst>
-          </a:prstGeom>
-        </p:spPr>
-        <p:style>
-          <a:lnRef idx="2">
-            <a:schemeClr val="dk1"/>
-          </a:lnRef>
-          <a:fillRef idx="1">
-            <a:schemeClr val="lt1"/>
-          </a:fillRef>
-          <a:effectRef idx="0">
-            <a:schemeClr val="dk1"/>
-          </a:effectRef>
-          <a:fontRef idx="minor">
-            <a:schemeClr val="dk1"/>
-          </a:fontRef>
-        </p:style>
-        <p:txBody>
-          <a:bodyPr rtlCol="0" anchor="t"/>
-          <a:lstStyle/>
-          <a:p>
-            <a:pPr algn="ctr"/>
-            <a:r>
-              <a:rPr lang="en-US" altLang="ko-KR" sz="1400" b="1"/>
-              <a:t> </a:t>
-            </a:r>
-            <a:r>
-              <a:rPr lang="en-US" altLang="ko-KR" sz="1400"/>
-              <a:t>Server / Follower</a:t>
-            </a:r>
-          </a:p>
-        </p:txBody>
-      </p:sp>
-      <p:sp>
-        <p:nvSpPr>
-          <p:cNvPr id="51" name="사각형: 둥근 모서리 50">
-            <a:extLst>
-              <a:ext uri="{FF2B5EF4-FFF2-40B4-BE49-F238E27FC236}">
-                <a16:creationId xmlns:a16="http://schemas.microsoft.com/office/drawing/2014/main" id="{C2968461-4B71-4447-8ACD-C91B903576B9}"/>
-              </a:ext>
-            </a:extLst>
-          </p:cNvPr>
-          <p:cNvSpPr/>
-          <p:nvPr/>
-        </p:nvSpPr>
-        <p:spPr>
-          <a:xfrm>
-            <a:off x="5816818" y="3197543"/>
-            <a:ext cx="1008112" cy="526335"/>
-          </a:xfrm>
-          <a:prstGeom prst="roundRect">
-            <a:avLst>
-              <a:gd name="adj" fmla="val 11714"/>
-            </a:avLst>
-          </a:prstGeom>
-        </p:spPr>
-        <p:style>
-          <a:lnRef idx="2">
-            <a:schemeClr val="dk1"/>
-          </a:lnRef>
-          <a:fillRef idx="1">
-            <a:schemeClr val="lt1"/>
-          </a:fillRef>
-          <a:effectRef idx="0">
-            <a:schemeClr val="dk1"/>
-          </a:effectRef>
-          <a:fontRef idx="minor">
-            <a:schemeClr val="dk1"/>
-          </a:fontRef>
-        </p:style>
-        <p:txBody>
-          <a:bodyPr rtlCol="0" anchor="ctr"/>
-          <a:lstStyle/>
-          <a:p>
-            <a:pPr algn="ctr"/>
-            <a:r>
-              <a:rPr lang="en-US" altLang="ko-KR" sz="1000"/>
-              <a:t>Consensus </a:t>
-            </a:r>
-          </a:p>
-          <a:p>
-            <a:pPr algn="ctr"/>
-            <a:r>
-              <a:rPr lang="en-US" altLang="ko-KR" sz="1000"/>
-              <a:t>Module</a:t>
-            </a:r>
-          </a:p>
-        </p:txBody>
-      </p:sp>
-      <p:sp>
-        <p:nvSpPr>
-          <p:cNvPr id="52" name="사각형: 둥근 모서리 51">
-            <a:extLst>
-              <a:ext uri="{FF2B5EF4-FFF2-40B4-BE49-F238E27FC236}">
-                <a16:creationId xmlns:a16="http://schemas.microsoft.com/office/drawing/2014/main" id="{EB6F81DE-FC73-40CA-BC9F-DA91571CF665}"/>
-              </a:ext>
-            </a:extLst>
-          </p:cNvPr>
-          <p:cNvSpPr/>
-          <p:nvPr/>
-        </p:nvSpPr>
-        <p:spPr>
-          <a:xfrm>
-            <a:off x="5816818" y="3918169"/>
-            <a:ext cx="2315272" cy="353195"/>
-          </a:xfrm>
-          <a:prstGeom prst="roundRect">
-            <a:avLst>
-              <a:gd name="adj" fmla="val 15759"/>
-            </a:avLst>
-          </a:prstGeom>
-        </p:spPr>
-        <p:style>
-          <a:lnRef idx="2">
-            <a:schemeClr val="dk1"/>
-          </a:lnRef>
-          <a:fillRef idx="1">
-            <a:schemeClr val="lt1"/>
-          </a:fillRef>
-          <a:effectRef idx="0">
-            <a:schemeClr val="dk1"/>
-          </a:effectRef>
-          <a:fontRef idx="minor">
-            <a:schemeClr val="dk1"/>
-          </a:fontRef>
-        </p:style>
-        <p:txBody>
-          <a:bodyPr rtlCol="0" anchor="ctr"/>
-          <a:lstStyle/>
-          <a:p>
-            <a:r>
-              <a:rPr lang="en-US" altLang="ko-KR" sz="1000"/>
-              <a:t>Log</a:t>
-            </a:r>
-          </a:p>
-        </p:txBody>
-      </p:sp>
-      <p:sp>
-        <p:nvSpPr>
-          <p:cNvPr id="53" name="사각형: 둥근 모서리 52">
-            <a:extLst>
-              <a:ext uri="{FF2B5EF4-FFF2-40B4-BE49-F238E27FC236}">
-                <a16:creationId xmlns:a16="http://schemas.microsoft.com/office/drawing/2014/main" id="{CE5E7750-E24A-4D7F-A653-E1884A8B51AC}"/>
-              </a:ext>
-            </a:extLst>
-          </p:cNvPr>
-          <p:cNvSpPr/>
-          <p:nvPr/>
-        </p:nvSpPr>
-        <p:spPr>
-          <a:xfrm>
-            <a:off x="6203893" y="3972174"/>
-            <a:ext cx="489719" cy="245183"/>
-          </a:xfrm>
-          <a:prstGeom prst="roundRect">
-            <a:avLst>
-              <a:gd name="adj" fmla="val 15759"/>
-            </a:avLst>
-          </a:prstGeom>
-        </p:spPr>
-        <p:style>
-          <a:lnRef idx="2">
-            <a:schemeClr val="dk1"/>
-          </a:lnRef>
-          <a:fillRef idx="1">
-            <a:schemeClr val="lt1"/>
-          </a:fillRef>
-          <a:effectRef idx="0">
-            <a:schemeClr val="dk1"/>
-          </a:effectRef>
-          <a:fontRef idx="minor">
-            <a:schemeClr val="dk1"/>
-          </a:fontRef>
-        </p:style>
-        <p:txBody>
-          <a:bodyPr rtlCol="0" anchor="ctr"/>
-          <a:lstStyle/>
-          <a:p>
-            <a:pPr algn="ctr"/>
-            <a:r>
-              <a:rPr lang="en-US" altLang="ko-KR" sz="900"/>
-              <a:t>Entry</a:t>
-            </a:r>
-          </a:p>
-        </p:txBody>
-      </p:sp>
-      <p:sp>
-        <p:nvSpPr>
-          <p:cNvPr id="54" name="타원 53">
-            <a:extLst>
-              <a:ext uri="{FF2B5EF4-FFF2-40B4-BE49-F238E27FC236}">
-                <a16:creationId xmlns:a16="http://schemas.microsoft.com/office/drawing/2014/main" id="{80934E9B-C4BE-4824-817E-ED6C369FF927}"/>
-              </a:ext>
-            </a:extLst>
-          </p:cNvPr>
-          <p:cNvSpPr/>
-          <p:nvPr/>
-        </p:nvSpPr>
-        <p:spPr>
-          <a:xfrm>
-            <a:off x="7738569" y="4058761"/>
-            <a:ext cx="72008" cy="72008"/>
-          </a:xfrm>
-          <a:prstGeom prst="ellipse">
-            <a:avLst/>
-          </a:prstGeom>
-          <a:solidFill>
-            <a:schemeClr val="tx1"/>
-          </a:solidFill>
-          <a:ln>
-            <a:noFill/>
-          </a:ln>
-        </p:spPr>
-        <p:style>
-          <a:lnRef idx="2">
-            <a:schemeClr val="accent1">
-              <a:shade val="50000"/>
-            </a:schemeClr>
-          </a:lnRef>
-          <a:fillRef idx="1">
-            <a:schemeClr val="accent1"/>
-          </a:fillRef>
-          <a:effectRef idx="0">
-            <a:schemeClr val="accent1"/>
-          </a:effectRef>
-          <a:fontRef idx="minor">
-            <a:schemeClr val="lt1"/>
-          </a:fontRef>
-        </p:style>
-        <p:txBody>
-          <a:bodyPr rtlCol="0" anchor="ctr"/>
-          <a:lstStyle/>
-          <a:p>
-            <a:pPr algn="ctr"/>
-            <a:endParaRPr lang="ko-KR" altLang="en-US" sz="1400"/>
-          </a:p>
-        </p:txBody>
-      </p:sp>
-      <p:sp>
-        <p:nvSpPr>
-          <p:cNvPr id="55" name="타원 54">
-            <a:extLst>
-              <a:ext uri="{FF2B5EF4-FFF2-40B4-BE49-F238E27FC236}">
-                <a16:creationId xmlns:a16="http://schemas.microsoft.com/office/drawing/2014/main" id="{9F9B00BE-800C-4156-A60B-CA0AC15C1563}"/>
-              </a:ext>
-            </a:extLst>
-          </p:cNvPr>
-          <p:cNvSpPr/>
-          <p:nvPr/>
-        </p:nvSpPr>
-        <p:spPr>
-          <a:xfrm>
-            <a:off x="7861851" y="4058761"/>
-            <a:ext cx="72008" cy="72008"/>
-          </a:xfrm>
-          <a:prstGeom prst="ellipse">
-            <a:avLst/>
-          </a:prstGeom>
-          <a:solidFill>
-            <a:schemeClr val="tx1"/>
-          </a:solidFill>
-          <a:ln>
-            <a:noFill/>
-          </a:ln>
-        </p:spPr>
-        <p:style>
-          <a:lnRef idx="2">
-            <a:schemeClr val="accent1">
-              <a:shade val="50000"/>
-            </a:schemeClr>
-          </a:lnRef>
-          <a:fillRef idx="1">
-            <a:schemeClr val="accent1"/>
-          </a:fillRef>
-          <a:effectRef idx="0">
-            <a:schemeClr val="accent1"/>
-          </a:effectRef>
-          <a:fontRef idx="minor">
-            <a:schemeClr val="lt1"/>
-          </a:fontRef>
-        </p:style>
-        <p:txBody>
-          <a:bodyPr rtlCol="0" anchor="ctr"/>
-          <a:lstStyle/>
-          <a:p>
-            <a:pPr algn="ctr"/>
-            <a:endParaRPr lang="ko-KR" altLang="en-US" sz="1400"/>
-          </a:p>
-        </p:txBody>
-      </p:sp>
-      <p:sp>
-        <p:nvSpPr>
-          <p:cNvPr id="56" name="타원 55">
-            <a:extLst>
-              <a:ext uri="{FF2B5EF4-FFF2-40B4-BE49-F238E27FC236}">
-                <a16:creationId xmlns:a16="http://schemas.microsoft.com/office/drawing/2014/main" id="{0976750B-59ED-457C-BB48-773BF0D3AC8E}"/>
-              </a:ext>
-            </a:extLst>
-          </p:cNvPr>
-          <p:cNvSpPr/>
-          <p:nvPr/>
-        </p:nvSpPr>
-        <p:spPr>
-          <a:xfrm>
-            <a:off x="7980230" y="4058761"/>
-            <a:ext cx="72008" cy="72008"/>
-          </a:xfrm>
-          <a:prstGeom prst="ellipse">
-            <a:avLst/>
-          </a:prstGeom>
-          <a:solidFill>
-            <a:schemeClr val="tx1"/>
-          </a:solidFill>
-          <a:ln>
-            <a:noFill/>
-          </a:ln>
-        </p:spPr>
-        <p:style>
-          <a:lnRef idx="2">
-            <a:schemeClr val="accent1">
-              <a:shade val="50000"/>
-            </a:schemeClr>
-          </a:lnRef>
-          <a:fillRef idx="1">
-            <a:schemeClr val="accent1"/>
-          </a:fillRef>
-          <a:effectRef idx="0">
-            <a:schemeClr val="accent1"/>
-          </a:effectRef>
-          <a:fontRef idx="minor">
-            <a:schemeClr val="lt1"/>
-          </a:fontRef>
-        </p:style>
-        <p:txBody>
-          <a:bodyPr rtlCol="0" anchor="ctr"/>
-          <a:lstStyle/>
-          <a:p>
-            <a:pPr algn="ctr"/>
-            <a:endParaRPr lang="ko-KR" altLang="en-US" sz="1400"/>
-          </a:p>
-        </p:txBody>
-      </p:sp>
-      <p:sp>
-        <p:nvSpPr>
-          <p:cNvPr id="57" name="사각형: 둥근 모서리 56">
-            <a:extLst>
-              <a:ext uri="{FF2B5EF4-FFF2-40B4-BE49-F238E27FC236}">
-                <a16:creationId xmlns:a16="http://schemas.microsoft.com/office/drawing/2014/main" id="{8E938E7F-607D-44B5-89A5-83426B891130}"/>
-              </a:ext>
-            </a:extLst>
-          </p:cNvPr>
-          <p:cNvSpPr/>
-          <p:nvPr/>
-        </p:nvSpPr>
-        <p:spPr>
-          <a:xfrm>
-            <a:off x="7072704" y="3197543"/>
-            <a:ext cx="1059386" cy="526335"/>
-          </a:xfrm>
-          <a:prstGeom prst="roundRect">
-            <a:avLst>
-              <a:gd name="adj" fmla="val 11714"/>
-            </a:avLst>
-          </a:prstGeom>
-        </p:spPr>
-        <p:style>
-          <a:lnRef idx="2">
-            <a:schemeClr val="dk1"/>
-          </a:lnRef>
-          <a:fillRef idx="1">
-            <a:schemeClr val="lt1"/>
-          </a:fillRef>
-          <a:effectRef idx="0">
-            <a:schemeClr val="dk1"/>
-          </a:effectRef>
-          <a:fontRef idx="minor">
-            <a:schemeClr val="dk1"/>
-          </a:fontRef>
-        </p:style>
-        <p:txBody>
-          <a:bodyPr rtlCol="0" anchor="ctr"/>
-          <a:lstStyle/>
-          <a:p>
-            <a:pPr algn="ctr"/>
-            <a:r>
-              <a:rPr lang="en-US" altLang="ko-KR" sz="1000"/>
-              <a:t>State Machine</a:t>
-            </a:r>
-          </a:p>
-          <a:p>
-            <a:pPr algn="ctr"/>
-            <a:r>
-              <a:rPr lang="en-US" altLang="ko-KR" sz="900"/>
-              <a:t>Key1 : Value1</a:t>
-            </a:r>
-          </a:p>
-          <a:p>
-            <a:pPr algn="ctr"/>
-            <a:r>
-              <a:rPr lang="en-US" altLang="ko-KR" sz="900"/>
-              <a:t>Key2 : Value2</a:t>
-            </a:r>
-          </a:p>
-        </p:txBody>
-      </p:sp>
-      <p:sp>
-        <p:nvSpPr>
-          <p:cNvPr id="58" name="사각형: 둥근 모서리 57">
-            <a:extLst>
-              <a:ext uri="{FF2B5EF4-FFF2-40B4-BE49-F238E27FC236}">
-                <a16:creationId xmlns:a16="http://schemas.microsoft.com/office/drawing/2014/main" id="{F7C03899-7AF7-4312-8B39-7C91ABAA887B}"/>
-              </a:ext>
-            </a:extLst>
-          </p:cNvPr>
-          <p:cNvSpPr/>
-          <p:nvPr/>
-        </p:nvSpPr>
-        <p:spPr>
-          <a:xfrm>
-            <a:off x="6693612" y="3972174"/>
-            <a:ext cx="489719" cy="245183"/>
-          </a:xfrm>
-          <a:prstGeom prst="roundRect">
-            <a:avLst>
-              <a:gd name="adj" fmla="val 15759"/>
-            </a:avLst>
-          </a:prstGeom>
-        </p:spPr>
-        <p:style>
-          <a:lnRef idx="2">
-            <a:schemeClr val="dk1"/>
-          </a:lnRef>
-          <a:fillRef idx="1">
-            <a:schemeClr val="lt1"/>
-          </a:fillRef>
-          <a:effectRef idx="0">
-            <a:schemeClr val="dk1"/>
-          </a:effectRef>
-          <a:fontRef idx="minor">
-            <a:schemeClr val="dk1"/>
-          </a:fontRef>
-        </p:style>
-        <p:txBody>
-          <a:bodyPr rtlCol="0" anchor="ctr"/>
-          <a:lstStyle/>
-          <a:p>
-            <a:pPr algn="ctr"/>
-            <a:r>
-              <a:rPr lang="en-US" altLang="ko-KR" sz="900"/>
-              <a:t>Entry</a:t>
-            </a:r>
-          </a:p>
-        </p:txBody>
-      </p:sp>
-      <p:sp>
-        <p:nvSpPr>
-          <p:cNvPr id="59" name="사각형: 둥근 모서리 58">
-            <a:extLst>
-              <a:ext uri="{FF2B5EF4-FFF2-40B4-BE49-F238E27FC236}">
-                <a16:creationId xmlns:a16="http://schemas.microsoft.com/office/drawing/2014/main" id="{A069886E-2DB0-4833-B0EB-7E4316E9D0A6}"/>
-              </a:ext>
-            </a:extLst>
-          </p:cNvPr>
-          <p:cNvSpPr/>
-          <p:nvPr/>
-        </p:nvSpPr>
-        <p:spPr>
-          <a:xfrm>
-            <a:off x="7183331" y="3972174"/>
-            <a:ext cx="489719" cy="245183"/>
-          </a:xfrm>
-          <a:prstGeom prst="roundRect">
-            <a:avLst>
-              <a:gd name="adj" fmla="val 15759"/>
-            </a:avLst>
-          </a:prstGeom>
-        </p:spPr>
-        <p:style>
-          <a:lnRef idx="2">
-            <a:schemeClr val="dk1"/>
-          </a:lnRef>
-          <a:fillRef idx="1">
-            <a:schemeClr val="lt1"/>
-          </a:fillRef>
-          <a:effectRef idx="0">
-            <a:schemeClr val="dk1"/>
-          </a:effectRef>
-          <a:fontRef idx="minor">
-            <a:schemeClr val="dk1"/>
-          </a:fontRef>
-        </p:style>
-        <p:txBody>
-          <a:bodyPr rtlCol="0" anchor="ctr"/>
-          <a:lstStyle/>
-          <a:p>
-            <a:pPr algn="ctr"/>
-            <a:r>
-              <a:rPr lang="en-US" altLang="ko-KR" sz="900"/>
-              <a:t>Entry</a:t>
-            </a:r>
+            <a:endParaRPr lang="ko-KR" altLang="en-US"/>
           </a:p>
         </p:txBody>
       </p:sp>
       <p:cxnSp>
         <p:nvCxnSpPr>
-          <p:cNvPr id="61" name="직선 화살표 연결선 60">
-            <a:extLst>
-              <a:ext uri="{FF2B5EF4-FFF2-40B4-BE49-F238E27FC236}">
-                <a16:creationId xmlns:a16="http://schemas.microsoft.com/office/drawing/2014/main" id="{A9A91FF4-0219-48AE-8FEA-3A11C15051D2}"/>
+          <p:cNvPr id="4" name="직선 연결선 3">
+            <a:extLst>
+              <a:ext uri="{FF2B5EF4-FFF2-40B4-BE49-F238E27FC236}">
+                <a16:creationId xmlns:a16="http://schemas.microsoft.com/office/drawing/2014/main" id="{1FEE3C36-4148-4E33-BAD7-BEF47F751018}"/>
               </a:ext>
             </a:extLst>
           </p:cNvPr>
           <p:cNvCxnSpPr>
             <a:cxnSpLocks/>
-            <a:stCxn id="25" idx="2"/>
-            <a:endCxn id="41" idx="0"/>
           </p:cNvCxnSpPr>
           <p:nvPr/>
         </p:nvCxnSpPr>
         <p:spPr>
-          <a:xfrm flipH="1">
-            <a:off x="3460130" y="1923678"/>
-            <a:ext cx="1475621" cy="1273865"/>
-          </a:xfrm>
-          <a:prstGeom prst="straightConnector1">
+          <a:xfrm>
+            <a:off x="4442273" y="1419622"/>
+            <a:ext cx="0" cy="2088232"/>
+          </a:xfrm>
+          <a:prstGeom prst="line">
             <a:avLst/>
           </a:prstGeom>
           <a:ln w="19050">
             <a:solidFill>
-              <a:schemeClr val="tx1"/>
+              <a:srgbClr val="C00000"/>
             </a:solidFill>
-            <a:headEnd type="arrow" w="med" len="med"/>
-            <a:tailEnd type="arrow" w="med" len="med"/>
+            <a:prstDash val="dash"/>
           </a:ln>
         </p:spPr>
         <p:style>
@@ -15937,73 +17386,68 @@
           </a:fontRef>
         </p:style>
       </p:cxnSp>
+      <p:sp>
+        <p:nvSpPr>
+          <p:cNvPr id="52" name="TextBox 51">
+            <a:extLst>
+              <a:ext uri="{FF2B5EF4-FFF2-40B4-BE49-F238E27FC236}">
+                <a16:creationId xmlns:a16="http://schemas.microsoft.com/office/drawing/2014/main" id="{B30E555F-B696-4FE4-AD5A-6C0F81B6BD85}"/>
+              </a:ext>
+            </a:extLst>
+          </p:cNvPr>
+          <p:cNvSpPr txBox="1"/>
+          <p:nvPr/>
+        </p:nvSpPr>
+        <p:spPr>
+          <a:xfrm>
+            <a:off x="2123728" y="1428290"/>
+            <a:ext cx="859787" cy="307777"/>
+          </a:xfrm>
+          <a:prstGeom prst="rect">
+            <a:avLst/>
+          </a:prstGeom>
+          <a:noFill/>
+        </p:spPr>
+        <p:txBody>
+          <a:bodyPr wrap="none" rtlCol="0">
+            <a:spAutoFit/>
+          </a:bodyPr>
+          <a:lstStyle/>
+          <a:p>
+            <a:r>
+              <a:rPr lang="en-US" altLang="ko-KR" sz="1400"/>
+              <a:t>Server</a:t>
+            </a:r>
+            <a:r>
+              <a:rPr lang="ko-KR" altLang="en-US" sz="1400"/>
+              <a:t> </a:t>
+            </a:r>
+            <a:r>
+              <a:rPr lang="en-US" altLang="ko-KR" sz="1400"/>
+              <a:t>1</a:t>
+            </a:r>
+            <a:endParaRPr lang="ko-KR" altLang="en-US" sz="1400"/>
+          </a:p>
+        </p:txBody>
+      </p:sp>
       <p:cxnSp>
         <p:nvCxnSpPr>
-          <p:cNvPr id="62" name="직선 화살표 연결선 61">
-            <a:extLst>
-              <a:ext uri="{FF2B5EF4-FFF2-40B4-BE49-F238E27FC236}">
-                <a16:creationId xmlns:a16="http://schemas.microsoft.com/office/drawing/2014/main" id="{51984296-1A10-4774-B585-87D186F7B23D}"/>
+          <p:cNvPr id="53" name="직선 화살표 연결선 52">
+            <a:extLst>
+              <a:ext uri="{FF2B5EF4-FFF2-40B4-BE49-F238E27FC236}">
+                <a16:creationId xmlns:a16="http://schemas.microsoft.com/office/drawing/2014/main" id="{5263AAED-D3EF-4D1B-841E-6D4CA128E686}"/>
               </a:ext>
             </a:extLst>
           </p:cNvPr>
           <p:cNvCxnSpPr>
             <a:cxnSpLocks/>
-            <a:stCxn id="25" idx="2"/>
-            <a:endCxn id="51" idx="0"/>
           </p:cNvCxnSpPr>
           <p:nvPr/>
         </p:nvCxnSpPr>
         <p:spPr>
           <a:xfrm>
-            <a:off x="4935751" y="1923678"/>
-            <a:ext cx="1385123" cy="1273865"/>
-          </a:xfrm>
-          <a:prstGeom prst="straightConnector1">
-            <a:avLst/>
-          </a:prstGeom>
-          <a:ln w="19050">
-            <a:solidFill>
-              <a:schemeClr val="tx1"/>
-            </a:solidFill>
-            <a:headEnd type="arrow" w="med" len="med"/>
-            <a:tailEnd type="arrow" w="med" len="med"/>
-          </a:ln>
-        </p:spPr>
-        <p:style>
-          <a:lnRef idx="1">
-            <a:schemeClr val="accent1"/>
-          </a:lnRef>
-          <a:fillRef idx="0">
-            <a:schemeClr val="accent1"/>
-          </a:fillRef>
-          <a:effectRef idx="0">
-            <a:schemeClr val="accent1"/>
-          </a:effectRef>
-          <a:fontRef idx="minor">
-            <a:schemeClr val="tx1"/>
-          </a:fontRef>
-        </p:style>
-      </p:cxnSp>
-      <p:cxnSp>
-        <p:nvCxnSpPr>
-          <p:cNvPr id="66" name="직선 화살표 연결선 65">
-            <a:extLst>
-              <a:ext uri="{FF2B5EF4-FFF2-40B4-BE49-F238E27FC236}">
-                <a16:creationId xmlns:a16="http://schemas.microsoft.com/office/drawing/2014/main" id="{A74069CD-6B29-498B-B2F7-0440F345F784}"/>
-              </a:ext>
-            </a:extLst>
-          </p:cNvPr>
-          <p:cNvCxnSpPr>
-            <a:cxnSpLocks/>
-            <a:stCxn id="41" idx="2"/>
-            <a:endCxn id="42" idx="0"/>
-          </p:cNvCxnSpPr>
-          <p:nvPr/>
-        </p:nvCxnSpPr>
-        <p:spPr>
-          <a:xfrm>
-            <a:off x="3460130" y="3723878"/>
-            <a:ext cx="653580" cy="194291"/>
+            <a:off x="2843808" y="3637480"/>
+            <a:ext cx="3312368" cy="0"/>
           </a:xfrm>
           <a:prstGeom prst="straightConnector1">
             <a:avLst/>
@@ -16031,892 +17475,385 @@
           </a:fontRef>
         </p:style>
       </p:cxnSp>
-      <p:cxnSp>
-        <p:nvCxnSpPr>
-          <p:cNvPr id="69" name="직선 화살표 연결선 68">
-            <a:extLst>
-              <a:ext uri="{FF2B5EF4-FFF2-40B4-BE49-F238E27FC236}">
-                <a16:creationId xmlns:a16="http://schemas.microsoft.com/office/drawing/2014/main" id="{A116F54E-6A91-4984-8100-D272B3B42921}"/>
-              </a:ext>
-            </a:extLst>
-          </p:cNvPr>
-          <p:cNvCxnSpPr>
-            <a:cxnSpLocks/>
-            <a:stCxn id="42" idx="0"/>
-            <a:endCxn id="47" idx="2"/>
-          </p:cNvCxnSpPr>
-          <p:nvPr/>
-        </p:nvCxnSpPr>
-        <p:spPr>
-          <a:xfrm flipV="1">
-            <a:off x="4113710" y="3723878"/>
-            <a:ext cx="627943" cy="194291"/>
-          </a:xfrm>
-          <a:prstGeom prst="straightConnector1">
-            <a:avLst/>
-          </a:prstGeom>
-          <a:ln w="19050">
-            <a:solidFill>
-              <a:schemeClr val="tx1"/>
-            </a:solidFill>
-            <a:headEnd type="none" w="med" len="med"/>
-            <a:tailEnd type="arrow" w="med" len="med"/>
-          </a:ln>
-        </p:spPr>
-        <p:style>
-          <a:lnRef idx="1">
-            <a:schemeClr val="accent1"/>
-          </a:lnRef>
-          <a:fillRef idx="0">
-            <a:schemeClr val="accent1"/>
-          </a:fillRef>
-          <a:effectRef idx="0">
-            <a:schemeClr val="accent1"/>
-          </a:effectRef>
-          <a:fontRef idx="minor">
+      <p:sp>
+        <p:nvSpPr>
+          <p:cNvPr id="54" name="TextBox 53">
+            <a:extLst>
+              <a:ext uri="{FF2B5EF4-FFF2-40B4-BE49-F238E27FC236}">
+                <a16:creationId xmlns:a16="http://schemas.microsoft.com/office/drawing/2014/main" id="{CD058B0E-C428-4A9A-8AD6-7ADC47C4EF6D}"/>
+              </a:ext>
+            </a:extLst>
+          </p:cNvPr>
+          <p:cNvSpPr txBox="1"/>
+          <p:nvPr/>
+        </p:nvSpPr>
+        <p:spPr>
+          <a:xfrm>
+            <a:off x="4151969" y="3646880"/>
+            <a:ext cx="580608" cy="307777"/>
+          </a:xfrm>
+          <a:prstGeom prst="rect">
+            <a:avLst/>
+          </a:prstGeom>
+          <a:noFill/>
+        </p:spPr>
+        <p:txBody>
+          <a:bodyPr wrap="none" rtlCol="0">
+            <a:spAutoFit/>
+          </a:bodyPr>
+          <a:lstStyle/>
+          <a:p>
+            <a:r>
+              <a:rPr lang="en-US" altLang="ko-KR" sz="1400"/>
+              <a:t>Time</a:t>
+            </a:r>
+            <a:endParaRPr lang="ko-KR" altLang="en-US" sz="1400"/>
+          </a:p>
+        </p:txBody>
+      </p:sp>
+      <p:sp>
+        <p:nvSpPr>
+          <p:cNvPr id="61" name="TextBox 60">
+            <a:extLst>
+              <a:ext uri="{FF2B5EF4-FFF2-40B4-BE49-F238E27FC236}">
+                <a16:creationId xmlns:a16="http://schemas.microsoft.com/office/drawing/2014/main" id="{E2BA8992-502C-47EF-8BA0-772EFE29F2F9}"/>
+              </a:ext>
+            </a:extLst>
+          </p:cNvPr>
+          <p:cNvSpPr txBox="1"/>
+          <p:nvPr/>
+        </p:nvSpPr>
+        <p:spPr>
+          <a:xfrm>
+            <a:off x="2123728" y="1874253"/>
+            <a:ext cx="859787" cy="307777"/>
+          </a:xfrm>
+          <a:prstGeom prst="rect">
+            <a:avLst/>
+          </a:prstGeom>
+          <a:noFill/>
+        </p:spPr>
+        <p:txBody>
+          <a:bodyPr wrap="none" rtlCol="0">
+            <a:spAutoFit/>
+          </a:bodyPr>
+          <a:lstStyle/>
+          <a:p>
+            <a:r>
+              <a:rPr lang="en-US" altLang="ko-KR" sz="1400"/>
+              <a:t>Server</a:t>
+            </a:r>
+            <a:r>
+              <a:rPr lang="ko-KR" altLang="en-US" sz="1400"/>
+              <a:t> </a:t>
+            </a:r>
+            <a:r>
+              <a:rPr lang="en-US" altLang="ko-KR" sz="1400"/>
+              <a:t>2</a:t>
+            </a:r>
+            <a:endParaRPr lang="ko-KR" altLang="en-US" sz="1400"/>
+          </a:p>
+        </p:txBody>
+      </p:sp>
+      <p:sp>
+        <p:nvSpPr>
+          <p:cNvPr id="71" name="TextBox 70">
+            <a:extLst>
+              <a:ext uri="{FF2B5EF4-FFF2-40B4-BE49-F238E27FC236}">
+                <a16:creationId xmlns:a16="http://schemas.microsoft.com/office/drawing/2014/main" id="{5C46063C-3A2B-4354-B277-8F0546B321E5}"/>
+              </a:ext>
+            </a:extLst>
+          </p:cNvPr>
+          <p:cNvSpPr txBox="1"/>
+          <p:nvPr/>
+        </p:nvSpPr>
+        <p:spPr>
+          <a:xfrm>
+            <a:off x="2123728" y="2311148"/>
+            <a:ext cx="859787" cy="307777"/>
+          </a:xfrm>
+          <a:prstGeom prst="rect">
+            <a:avLst/>
+          </a:prstGeom>
+          <a:noFill/>
+        </p:spPr>
+        <p:txBody>
+          <a:bodyPr wrap="none" rtlCol="0">
+            <a:spAutoFit/>
+          </a:bodyPr>
+          <a:lstStyle/>
+          <a:p>
+            <a:r>
+              <a:rPr lang="en-US" altLang="ko-KR" sz="1400"/>
+              <a:t>Server</a:t>
+            </a:r>
+            <a:r>
+              <a:rPr lang="ko-KR" altLang="en-US" sz="1400"/>
+              <a:t> </a:t>
+            </a:r>
+            <a:r>
+              <a:rPr lang="en-US" altLang="ko-KR" sz="1400"/>
+              <a:t>3</a:t>
+            </a:r>
+            <a:endParaRPr lang="ko-KR" altLang="en-US" sz="1400"/>
+          </a:p>
+        </p:txBody>
+      </p:sp>
+      <p:sp>
+        <p:nvSpPr>
+          <p:cNvPr id="79" name="TextBox 78">
+            <a:extLst>
+              <a:ext uri="{FF2B5EF4-FFF2-40B4-BE49-F238E27FC236}">
+                <a16:creationId xmlns:a16="http://schemas.microsoft.com/office/drawing/2014/main" id="{B9036800-742F-43AA-A8A2-F41D01B8B61B}"/>
+              </a:ext>
+            </a:extLst>
+          </p:cNvPr>
+          <p:cNvSpPr txBox="1"/>
+          <p:nvPr/>
+        </p:nvSpPr>
+        <p:spPr>
+          <a:xfrm>
+            <a:off x="2123728" y="2736593"/>
+            <a:ext cx="859787" cy="307777"/>
+          </a:xfrm>
+          <a:prstGeom prst="rect">
+            <a:avLst/>
+          </a:prstGeom>
+          <a:noFill/>
+        </p:spPr>
+        <p:txBody>
+          <a:bodyPr wrap="none" rtlCol="0">
+            <a:spAutoFit/>
+          </a:bodyPr>
+          <a:lstStyle/>
+          <a:p>
+            <a:r>
+              <a:rPr lang="en-US" altLang="ko-KR" sz="1400"/>
+              <a:t>Server</a:t>
+            </a:r>
+            <a:r>
+              <a:rPr lang="ko-KR" altLang="en-US" sz="1400"/>
+              <a:t> </a:t>
+            </a:r>
+            <a:r>
+              <a:rPr lang="en-US" altLang="ko-KR" sz="1400"/>
+              <a:t>4</a:t>
+            </a:r>
+            <a:endParaRPr lang="ko-KR" altLang="en-US" sz="1400"/>
+          </a:p>
+        </p:txBody>
+      </p:sp>
+      <p:sp>
+        <p:nvSpPr>
+          <p:cNvPr id="91" name="TextBox 90">
+            <a:extLst>
+              <a:ext uri="{FF2B5EF4-FFF2-40B4-BE49-F238E27FC236}">
+                <a16:creationId xmlns:a16="http://schemas.microsoft.com/office/drawing/2014/main" id="{3B9F0C0B-F607-4A35-8D92-09A2E3B8ED03}"/>
+              </a:ext>
+            </a:extLst>
+          </p:cNvPr>
+          <p:cNvSpPr txBox="1"/>
+          <p:nvPr/>
+        </p:nvSpPr>
+        <p:spPr>
+          <a:xfrm>
+            <a:off x="2123728" y="3160994"/>
+            <a:ext cx="859787" cy="307777"/>
+          </a:xfrm>
+          <a:prstGeom prst="rect">
+            <a:avLst/>
+          </a:prstGeom>
+          <a:noFill/>
+        </p:spPr>
+        <p:txBody>
+          <a:bodyPr wrap="none" rtlCol="0">
+            <a:spAutoFit/>
+          </a:bodyPr>
+          <a:lstStyle/>
+          <a:p>
+            <a:r>
+              <a:rPr lang="en-US" altLang="ko-KR" sz="1400"/>
+              <a:t>Server</a:t>
+            </a:r>
+            <a:r>
+              <a:rPr lang="ko-KR" altLang="en-US" sz="1400"/>
+              <a:t> </a:t>
+            </a:r>
+            <a:r>
+              <a:rPr lang="en-US" altLang="ko-KR" sz="1400"/>
+              <a:t>5</a:t>
+            </a:r>
+            <a:endParaRPr lang="ko-KR" altLang="en-US" sz="1400"/>
+          </a:p>
+        </p:txBody>
+      </p:sp>
+      <p:sp>
+        <p:nvSpPr>
+          <p:cNvPr id="93" name="직사각형 92">
+            <a:extLst>
+              <a:ext uri="{FF2B5EF4-FFF2-40B4-BE49-F238E27FC236}">
+                <a16:creationId xmlns:a16="http://schemas.microsoft.com/office/drawing/2014/main" id="{AF82E54B-1516-4F4C-96EF-EE1D619F7E43}"/>
+              </a:ext>
+            </a:extLst>
+          </p:cNvPr>
+          <p:cNvSpPr/>
+          <p:nvPr/>
+        </p:nvSpPr>
+        <p:spPr>
+          <a:xfrm>
+            <a:off x="2929168" y="3979328"/>
+            <a:ext cx="288032" cy="189437"/>
+          </a:xfrm>
+          <a:prstGeom prst="rect">
+            <a:avLst/>
+          </a:prstGeom>
+        </p:spPr>
+        <p:style>
+          <a:lnRef idx="2">
+            <a:schemeClr val="dk1"/>
+          </a:lnRef>
+          <a:fillRef idx="1">
+            <a:schemeClr val="lt1"/>
+          </a:fillRef>
+          <a:effectRef idx="0">
+            <a:schemeClr val="dk1"/>
+          </a:effectRef>
+          <a:fontRef idx="minor">
+            <a:schemeClr val="dk1"/>
+          </a:fontRef>
+        </p:style>
+        <p:txBody>
+          <a:bodyPr rtlCol="0" anchor="ctr"/>
+          <a:lstStyle/>
+          <a:p>
+            <a:pPr algn="ctr"/>
+            <a:endParaRPr lang="ko-KR" altLang="en-US"/>
+          </a:p>
+        </p:txBody>
+      </p:sp>
+      <p:sp>
+        <p:nvSpPr>
+          <p:cNvPr id="94" name="직사각형 93">
+            <a:extLst>
+              <a:ext uri="{FF2B5EF4-FFF2-40B4-BE49-F238E27FC236}">
+                <a16:creationId xmlns:a16="http://schemas.microsoft.com/office/drawing/2014/main" id="{44546E7C-E715-4F1C-B5BE-50ACAD3016D6}"/>
+              </a:ext>
+            </a:extLst>
+          </p:cNvPr>
+          <p:cNvSpPr/>
+          <p:nvPr/>
+        </p:nvSpPr>
+        <p:spPr>
+          <a:xfrm>
+            <a:off x="4696041" y="3975106"/>
+            <a:ext cx="288032" cy="189437"/>
+          </a:xfrm>
+          <a:prstGeom prst="rect">
+            <a:avLst/>
+          </a:prstGeom>
+          <a:solidFill>
             <a:schemeClr val="tx1"/>
-          </a:fontRef>
-        </p:style>
-      </p:cxnSp>
-      <p:cxnSp>
-        <p:nvCxnSpPr>
-          <p:cNvPr id="72" name="직선 화살표 연결선 71">
-            <a:extLst>
-              <a:ext uri="{FF2B5EF4-FFF2-40B4-BE49-F238E27FC236}">
-                <a16:creationId xmlns:a16="http://schemas.microsoft.com/office/drawing/2014/main" id="{B61238E2-F14A-408C-A108-1A93F7357628}"/>
-              </a:ext>
-            </a:extLst>
-          </p:cNvPr>
-          <p:cNvCxnSpPr>
-            <a:cxnSpLocks/>
-            <a:stCxn id="51" idx="2"/>
-            <a:endCxn id="52" idx="0"/>
-          </p:cNvCxnSpPr>
-          <p:nvPr/>
-        </p:nvCxnSpPr>
-        <p:spPr>
-          <a:xfrm>
-            <a:off x="6320874" y="3723878"/>
-            <a:ext cx="653580" cy="194291"/>
-          </a:xfrm>
-          <a:prstGeom prst="straightConnector1">
-            <a:avLst/>
-          </a:prstGeom>
-          <a:ln w="19050">
-            <a:solidFill>
-              <a:schemeClr val="tx1"/>
-            </a:solidFill>
-            <a:headEnd type="none" w="med" len="med"/>
-            <a:tailEnd type="arrow" w="med" len="med"/>
-          </a:ln>
-        </p:spPr>
-        <p:style>
-          <a:lnRef idx="1">
-            <a:schemeClr val="accent1"/>
-          </a:lnRef>
-          <a:fillRef idx="0">
-            <a:schemeClr val="accent1"/>
-          </a:fillRef>
-          <a:effectRef idx="0">
-            <a:schemeClr val="accent1"/>
-          </a:effectRef>
-          <a:fontRef idx="minor">
-            <a:schemeClr val="tx1"/>
-          </a:fontRef>
-        </p:style>
-      </p:cxnSp>
-      <p:cxnSp>
-        <p:nvCxnSpPr>
-          <p:cNvPr id="75" name="직선 화살표 연결선 74">
-            <a:extLst>
-              <a:ext uri="{FF2B5EF4-FFF2-40B4-BE49-F238E27FC236}">
-                <a16:creationId xmlns:a16="http://schemas.microsoft.com/office/drawing/2014/main" id="{4F3DF0AC-0EF3-457A-8051-A6D874157F47}"/>
-              </a:ext>
-            </a:extLst>
-          </p:cNvPr>
-          <p:cNvCxnSpPr>
-            <a:cxnSpLocks/>
-            <a:stCxn id="52" idx="0"/>
-            <a:endCxn id="57" idx="2"/>
-          </p:cNvCxnSpPr>
-          <p:nvPr/>
-        </p:nvCxnSpPr>
-        <p:spPr>
-          <a:xfrm flipV="1">
-            <a:off x="6974454" y="3723878"/>
-            <a:ext cx="627943" cy="194291"/>
-          </a:xfrm>
-          <a:prstGeom prst="straightConnector1">
-            <a:avLst/>
-          </a:prstGeom>
-          <a:ln w="19050">
-            <a:solidFill>
-              <a:schemeClr val="tx1"/>
-            </a:solidFill>
-            <a:headEnd type="none" w="med" len="med"/>
-            <a:tailEnd type="arrow" w="med" len="med"/>
-          </a:ln>
-        </p:spPr>
-        <p:style>
-          <a:lnRef idx="1">
-            <a:schemeClr val="accent1"/>
-          </a:lnRef>
-          <a:fillRef idx="0">
-            <a:schemeClr val="accent1"/>
-          </a:fillRef>
-          <a:effectRef idx="0">
-            <a:schemeClr val="accent1"/>
-          </a:effectRef>
-          <a:fontRef idx="minor">
-            <a:schemeClr val="tx1"/>
-          </a:fontRef>
-        </p:style>
-      </p:cxnSp>
-      <p:cxnSp>
-        <p:nvCxnSpPr>
-          <p:cNvPr id="78" name="직선 화살표 연결선 77">
-            <a:extLst>
-              <a:ext uri="{FF2B5EF4-FFF2-40B4-BE49-F238E27FC236}">
-                <a16:creationId xmlns:a16="http://schemas.microsoft.com/office/drawing/2014/main" id="{3FA107AC-EC51-4D01-A2B1-72965FC269D6}"/>
-              </a:ext>
-            </a:extLst>
-          </p:cNvPr>
-          <p:cNvCxnSpPr>
-            <a:cxnSpLocks/>
-            <a:stCxn id="25" idx="2"/>
-            <a:endCxn id="26" idx="0"/>
-          </p:cNvCxnSpPr>
-          <p:nvPr/>
-        </p:nvCxnSpPr>
-        <p:spPr>
-          <a:xfrm>
-            <a:off x="4935751" y="1923678"/>
-            <a:ext cx="653580" cy="194291"/>
-          </a:xfrm>
-          <a:prstGeom prst="straightConnector1">
-            <a:avLst/>
-          </a:prstGeom>
-          <a:ln w="19050">
-            <a:solidFill>
-              <a:schemeClr val="tx1"/>
-            </a:solidFill>
-            <a:headEnd type="none" w="med" len="med"/>
-            <a:tailEnd type="arrow" w="med" len="med"/>
-          </a:ln>
-        </p:spPr>
-        <p:style>
-          <a:lnRef idx="1">
-            <a:schemeClr val="accent1"/>
-          </a:lnRef>
-          <a:fillRef idx="0">
-            <a:schemeClr val="accent1"/>
-          </a:fillRef>
-          <a:effectRef idx="0">
-            <a:schemeClr val="accent1"/>
-          </a:effectRef>
-          <a:fontRef idx="minor">
-            <a:schemeClr val="tx1"/>
-          </a:fontRef>
-        </p:style>
-      </p:cxnSp>
-      <p:cxnSp>
-        <p:nvCxnSpPr>
-          <p:cNvPr id="82" name="직선 화살표 연결선 81">
-            <a:extLst>
-              <a:ext uri="{FF2B5EF4-FFF2-40B4-BE49-F238E27FC236}">
-                <a16:creationId xmlns:a16="http://schemas.microsoft.com/office/drawing/2014/main" id="{DCE57166-7C09-425D-9135-C29C418DC730}"/>
-              </a:ext>
-            </a:extLst>
-          </p:cNvPr>
-          <p:cNvCxnSpPr>
-            <a:cxnSpLocks/>
-            <a:stCxn id="26" idx="0"/>
-            <a:endCxn id="34" idx="2"/>
-          </p:cNvCxnSpPr>
-          <p:nvPr/>
-        </p:nvCxnSpPr>
-        <p:spPr>
-          <a:xfrm flipV="1">
-            <a:off x="5589331" y="1923678"/>
-            <a:ext cx="627943" cy="194291"/>
-          </a:xfrm>
-          <a:prstGeom prst="straightConnector1">
-            <a:avLst/>
-          </a:prstGeom>
-          <a:ln w="19050">
-            <a:solidFill>
-              <a:schemeClr val="tx1"/>
-            </a:solidFill>
-            <a:headEnd type="none" w="med" len="med"/>
-            <a:tailEnd type="arrow" w="med" len="med"/>
-          </a:ln>
-        </p:spPr>
-        <p:style>
-          <a:lnRef idx="1">
-            <a:schemeClr val="accent1"/>
-          </a:lnRef>
-          <a:fillRef idx="0">
-            <a:schemeClr val="accent1"/>
-          </a:fillRef>
-          <a:effectRef idx="0">
-            <a:schemeClr val="accent1"/>
-          </a:effectRef>
-          <a:fontRef idx="minor">
-            <a:schemeClr val="tx1"/>
-          </a:fontRef>
-        </p:style>
-      </p:cxnSp>
-      <p:sp>
-        <p:nvSpPr>
-          <p:cNvPr id="85" name="사각형: 둥근 모서리 84">
-            <a:extLst>
-              <a:ext uri="{FF2B5EF4-FFF2-40B4-BE49-F238E27FC236}">
-                <a16:creationId xmlns:a16="http://schemas.microsoft.com/office/drawing/2014/main" id="{52608EE5-4F23-4AB5-9C59-3CA787350097}"/>
-              </a:ext>
-            </a:extLst>
-          </p:cNvPr>
-          <p:cNvSpPr/>
-          <p:nvPr/>
-        </p:nvSpPr>
-        <p:spPr>
-          <a:xfrm>
-            <a:off x="2735254" y="926143"/>
-            <a:ext cx="5627696" cy="3589823"/>
-          </a:xfrm>
-          <a:prstGeom prst="roundRect">
-            <a:avLst>
-              <a:gd name="adj" fmla="val 2531"/>
-            </a:avLst>
+          </a:solidFill>
+        </p:spPr>
+        <p:style>
+          <a:lnRef idx="2">
+            <a:schemeClr val="dk1"/>
+          </a:lnRef>
+          <a:fillRef idx="1">
+            <a:schemeClr val="lt1"/>
+          </a:fillRef>
+          <a:effectRef idx="0">
+            <a:schemeClr val="dk1"/>
+          </a:effectRef>
+          <a:fontRef idx="minor">
+            <a:schemeClr val="dk1"/>
+          </a:fontRef>
+        </p:style>
+        <p:txBody>
+          <a:bodyPr rtlCol="0" anchor="ctr"/>
+          <a:lstStyle/>
+          <a:p>
+            <a:pPr algn="ctr"/>
+            <a:endParaRPr lang="ko-KR" altLang="en-US"/>
+          </a:p>
+        </p:txBody>
+      </p:sp>
+      <p:sp>
+        <p:nvSpPr>
+          <p:cNvPr id="95" name="TextBox 94">
+            <a:extLst>
+              <a:ext uri="{FF2B5EF4-FFF2-40B4-BE49-F238E27FC236}">
+                <a16:creationId xmlns:a16="http://schemas.microsoft.com/office/drawing/2014/main" id="{7B4BD63F-9764-4848-888E-85C47EA338C9}"/>
+              </a:ext>
+            </a:extLst>
+          </p:cNvPr>
+          <p:cNvSpPr txBox="1"/>
+          <p:nvPr/>
+        </p:nvSpPr>
+        <p:spPr>
+          <a:xfrm>
+            <a:off x="3185697" y="3920157"/>
+            <a:ext cx="920445" cy="307777"/>
+          </a:xfrm>
+          <a:prstGeom prst="rect">
+            <a:avLst/>
           </a:prstGeom>
           <a:noFill/>
-          <a:ln>
-            <a:prstDash val="dash"/>
-          </a:ln>
-        </p:spPr>
-        <p:style>
-          <a:lnRef idx="2">
-            <a:schemeClr val="dk1"/>
-          </a:lnRef>
-          <a:fillRef idx="1">
-            <a:schemeClr val="lt1"/>
-          </a:fillRef>
-          <a:effectRef idx="0">
-            <a:schemeClr val="dk1"/>
-          </a:effectRef>
-          <a:fontRef idx="minor">
-            <a:schemeClr val="dk1"/>
-          </a:fontRef>
-        </p:style>
-        <p:txBody>
-          <a:bodyPr rtlCol="0" anchor="t"/>
-          <a:lstStyle/>
-          <a:p>
-            <a:pPr algn="r"/>
-            <a:r>
-              <a:rPr lang="en-US" altLang="ko-KR" b="1"/>
-              <a:t>Server </a:t>
-            </a:r>
-          </a:p>
-          <a:p>
-            <a:pPr algn="r"/>
-            <a:r>
-              <a:rPr lang="en-US" altLang="ko-KR" b="1"/>
-              <a:t>Cluster</a:t>
-            </a:r>
-            <a:endParaRPr lang="ko-KR" altLang="en-US" b="1"/>
-          </a:p>
-        </p:txBody>
-      </p:sp>
-      <p:sp>
-        <p:nvSpPr>
-          <p:cNvPr id="88" name="사각형: 둥근 모서리 87">
-            <a:extLst>
-              <a:ext uri="{FF2B5EF4-FFF2-40B4-BE49-F238E27FC236}">
-                <a16:creationId xmlns:a16="http://schemas.microsoft.com/office/drawing/2014/main" id="{970F272D-8AFB-46BA-B371-D89E3D8799BF}"/>
-              </a:ext>
-            </a:extLst>
-          </p:cNvPr>
-          <p:cNvSpPr/>
-          <p:nvPr/>
-        </p:nvSpPr>
-        <p:spPr>
-          <a:xfrm>
-            <a:off x="881051" y="2612241"/>
-            <a:ext cx="1584176" cy="353194"/>
-          </a:xfrm>
-          <a:prstGeom prst="roundRect">
-            <a:avLst>
-              <a:gd name="adj" fmla="val 15281"/>
-            </a:avLst>
-          </a:prstGeom>
-        </p:spPr>
-        <p:style>
-          <a:lnRef idx="2">
-            <a:schemeClr val="dk1"/>
-          </a:lnRef>
-          <a:fillRef idx="1">
-            <a:schemeClr val="lt1"/>
-          </a:fillRef>
-          <a:effectRef idx="0">
-            <a:schemeClr val="dk1"/>
-          </a:effectRef>
-          <a:fontRef idx="minor">
-            <a:schemeClr val="dk1"/>
-          </a:fontRef>
-        </p:style>
-        <p:txBody>
-          <a:bodyPr rtlCol="0" anchor="ctr"/>
-          <a:lstStyle/>
-          <a:p>
-            <a:pPr algn="ctr"/>
-            <a:r>
-              <a:rPr lang="en-US" altLang="ko-KR" sz="1400" b="1"/>
-              <a:t>Client</a:t>
-            </a:r>
-          </a:p>
-        </p:txBody>
-      </p:sp>
-      <p:sp>
-        <p:nvSpPr>
-          <p:cNvPr id="89" name="사각형: 둥근 모서리 88">
-            <a:extLst>
-              <a:ext uri="{FF2B5EF4-FFF2-40B4-BE49-F238E27FC236}">
-                <a16:creationId xmlns:a16="http://schemas.microsoft.com/office/drawing/2014/main" id="{9925EBFE-FCCD-4FBF-9AE1-8341EF97AD9B}"/>
-              </a:ext>
-            </a:extLst>
-          </p:cNvPr>
-          <p:cNvSpPr/>
-          <p:nvPr/>
-        </p:nvSpPr>
-        <p:spPr>
-          <a:xfrm>
-            <a:off x="827584" y="2655962"/>
-            <a:ext cx="1584176" cy="353194"/>
-          </a:xfrm>
-          <a:prstGeom prst="roundRect">
-            <a:avLst>
-              <a:gd name="adj" fmla="val 15281"/>
-            </a:avLst>
-          </a:prstGeom>
-        </p:spPr>
-        <p:style>
-          <a:lnRef idx="2">
-            <a:schemeClr val="dk1"/>
-          </a:lnRef>
-          <a:fillRef idx="1">
-            <a:schemeClr val="lt1"/>
-          </a:fillRef>
-          <a:effectRef idx="0">
-            <a:schemeClr val="dk1"/>
-          </a:effectRef>
-          <a:fontRef idx="minor">
-            <a:schemeClr val="dk1"/>
-          </a:fontRef>
-        </p:style>
-        <p:txBody>
-          <a:bodyPr rtlCol="0" anchor="ctr"/>
-          <a:lstStyle/>
-          <a:p>
-            <a:pPr algn="ctr"/>
-            <a:r>
-              <a:rPr lang="en-US" altLang="ko-KR" sz="1400" b="1"/>
-              <a:t>Client</a:t>
-            </a:r>
-          </a:p>
-        </p:txBody>
-      </p:sp>
-      <p:cxnSp>
-        <p:nvCxnSpPr>
-          <p:cNvPr id="60" name="직선 화살표 연결선 59">
-            <a:extLst>
-              <a:ext uri="{FF2B5EF4-FFF2-40B4-BE49-F238E27FC236}">
-                <a16:creationId xmlns:a16="http://schemas.microsoft.com/office/drawing/2014/main" id="{44909C6D-98AF-49A5-AA96-7422158CC6A5}"/>
-              </a:ext>
-            </a:extLst>
-          </p:cNvPr>
-          <p:cNvCxnSpPr>
-            <a:cxnSpLocks/>
-            <a:stCxn id="89" idx="3"/>
-            <a:endCxn id="25" idx="1"/>
-          </p:cNvCxnSpPr>
-          <p:nvPr/>
-        </p:nvCxnSpPr>
-        <p:spPr>
-          <a:xfrm flipV="1">
-            <a:off x="2411760" y="1660511"/>
-            <a:ext cx="2019935" cy="1172048"/>
-          </a:xfrm>
-          <a:prstGeom prst="straightConnector1">
-            <a:avLst/>
-          </a:prstGeom>
-          <a:ln w="19050">
-            <a:solidFill>
-              <a:schemeClr val="tx1"/>
-            </a:solidFill>
-            <a:headEnd type="none" w="med" len="med"/>
-            <a:tailEnd type="arrow" w="med" len="med"/>
-          </a:ln>
-        </p:spPr>
-        <p:style>
-          <a:lnRef idx="1">
-            <a:schemeClr val="accent1"/>
-          </a:lnRef>
-          <a:fillRef idx="0">
-            <a:schemeClr val="accent1"/>
-          </a:fillRef>
-          <a:effectRef idx="0">
-            <a:schemeClr val="accent1"/>
-          </a:effectRef>
-          <a:fontRef idx="minor">
-            <a:schemeClr val="tx1"/>
-          </a:fontRef>
-        </p:style>
-      </p:cxnSp>
-      <p:sp>
-        <p:nvSpPr>
-          <p:cNvPr id="91" name="타원 90">
-            <a:extLst>
-              <a:ext uri="{FF2B5EF4-FFF2-40B4-BE49-F238E27FC236}">
-                <a16:creationId xmlns:a16="http://schemas.microsoft.com/office/drawing/2014/main" id="{3966D047-3DEA-40BB-917E-E25C40956BC9}"/>
-              </a:ext>
-            </a:extLst>
-          </p:cNvPr>
-          <p:cNvSpPr/>
-          <p:nvPr/>
-        </p:nvSpPr>
-        <p:spPr>
-          <a:xfrm>
-            <a:off x="2284922" y="2724547"/>
-            <a:ext cx="216024" cy="216024"/>
-          </a:xfrm>
-          <a:prstGeom prst="ellipse">
-            <a:avLst/>
-          </a:prstGeom>
-          <a:ln w="19050"/>
-        </p:spPr>
-        <p:style>
-          <a:lnRef idx="2">
-            <a:schemeClr val="dk1"/>
-          </a:lnRef>
-          <a:fillRef idx="1">
-            <a:schemeClr val="lt1"/>
-          </a:fillRef>
-          <a:effectRef idx="0">
-            <a:schemeClr val="dk1"/>
-          </a:effectRef>
-          <a:fontRef idx="minor">
-            <a:schemeClr val="dk1"/>
-          </a:fontRef>
-        </p:style>
-        <p:txBody>
-          <a:bodyPr rtlCol="0" anchor="ctr"/>
-          <a:lstStyle/>
-          <a:p>
-            <a:pPr algn="ctr"/>
-            <a:r>
-              <a:rPr lang="en-US" altLang="ko-KR" sz="1000"/>
-              <a:t>1</a:t>
-            </a:r>
-            <a:endParaRPr lang="ko-KR" altLang="en-US" sz="1000"/>
-          </a:p>
-        </p:txBody>
-      </p:sp>
-      <p:sp>
-        <p:nvSpPr>
-          <p:cNvPr id="92" name="타원 91">
-            <a:extLst>
-              <a:ext uri="{FF2B5EF4-FFF2-40B4-BE49-F238E27FC236}">
-                <a16:creationId xmlns:a16="http://schemas.microsoft.com/office/drawing/2014/main" id="{8B99A77A-63D2-433F-AF46-D18E9568EC32}"/>
-              </a:ext>
-            </a:extLst>
-          </p:cNvPr>
-          <p:cNvSpPr/>
-          <p:nvPr/>
-        </p:nvSpPr>
-        <p:spPr>
-          <a:xfrm>
-            <a:off x="5201020" y="1912538"/>
-            <a:ext cx="216024" cy="216024"/>
-          </a:xfrm>
-          <a:prstGeom prst="ellipse">
-            <a:avLst/>
-          </a:prstGeom>
-          <a:ln w="19050"/>
-        </p:spPr>
-        <p:style>
-          <a:lnRef idx="2">
-            <a:schemeClr val="dk1"/>
-          </a:lnRef>
-          <a:fillRef idx="1">
-            <a:schemeClr val="lt1"/>
-          </a:fillRef>
-          <a:effectRef idx="0">
-            <a:schemeClr val="dk1"/>
-          </a:effectRef>
-          <a:fontRef idx="minor">
-            <a:schemeClr val="dk1"/>
-          </a:fontRef>
-        </p:style>
-        <p:txBody>
-          <a:bodyPr rtlCol="0" anchor="ctr"/>
-          <a:lstStyle/>
-          <a:p>
-            <a:pPr algn="ctr"/>
-            <a:r>
-              <a:rPr lang="en-US" altLang="ko-KR" sz="1000"/>
-              <a:t>2</a:t>
-            </a:r>
-            <a:endParaRPr lang="ko-KR" altLang="en-US" sz="1000"/>
-          </a:p>
-        </p:txBody>
-      </p:sp>
-      <p:sp>
-        <p:nvSpPr>
-          <p:cNvPr id="93" name="타원 92">
-            <a:extLst>
-              <a:ext uri="{FF2B5EF4-FFF2-40B4-BE49-F238E27FC236}">
-                <a16:creationId xmlns:a16="http://schemas.microsoft.com/office/drawing/2014/main" id="{BCB82458-436E-412F-9410-9117AEEC767D}"/>
-              </a:ext>
-            </a:extLst>
-          </p:cNvPr>
-          <p:cNvSpPr/>
-          <p:nvPr/>
-        </p:nvSpPr>
-        <p:spPr>
-          <a:xfrm>
-            <a:off x="3779912" y="2608895"/>
-            <a:ext cx="216024" cy="216024"/>
-          </a:xfrm>
-          <a:prstGeom prst="ellipse">
-            <a:avLst/>
-          </a:prstGeom>
-          <a:ln w="19050"/>
-        </p:spPr>
-        <p:style>
-          <a:lnRef idx="2">
-            <a:schemeClr val="dk1"/>
-          </a:lnRef>
-          <a:fillRef idx="1">
-            <a:schemeClr val="lt1"/>
-          </a:fillRef>
-          <a:effectRef idx="0">
-            <a:schemeClr val="dk1"/>
-          </a:effectRef>
-          <a:fontRef idx="minor">
-            <a:schemeClr val="dk1"/>
-          </a:fontRef>
-        </p:style>
-        <p:txBody>
-          <a:bodyPr rtlCol="0" anchor="ctr"/>
-          <a:lstStyle/>
-          <a:p>
-            <a:pPr algn="ctr"/>
-            <a:r>
-              <a:rPr lang="en-US" altLang="ko-KR" sz="1000"/>
-              <a:t>3</a:t>
-            </a:r>
-            <a:endParaRPr lang="ko-KR" altLang="en-US" sz="1000"/>
-          </a:p>
-        </p:txBody>
-      </p:sp>
-      <p:sp>
-        <p:nvSpPr>
-          <p:cNvPr id="95" name="타원 94">
-            <a:extLst>
-              <a:ext uri="{FF2B5EF4-FFF2-40B4-BE49-F238E27FC236}">
-                <a16:creationId xmlns:a16="http://schemas.microsoft.com/office/drawing/2014/main" id="{73303B4A-C73A-409C-9CB9-BE31EC7B592E}"/>
-              </a:ext>
-            </a:extLst>
-          </p:cNvPr>
-          <p:cNvSpPr/>
-          <p:nvPr/>
-        </p:nvSpPr>
-        <p:spPr>
-          <a:xfrm>
-            <a:off x="3627927" y="3720146"/>
-            <a:ext cx="216024" cy="216024"/>
-          </a:xfrm>
-          <a:prstGeom prst="ellipse">
-            <a:avLst/>
-          </a:prstGeom>
-          <a:ln w="19050"/>
-        </p:spPr>
-        <p:style>
-          <a:lnRef idx="2">
-            <a:schemeClr val="dk1"/>
-          </a:lnRef>
-          <a:fillRef idx="1">
-            <a:schemeClr val="lt1"/>
-          </a:fillRef>
-          <a:effectRef idx="0">
-            <a:schemeClr val="dk1"/>
-          </a:effectRef>
-          <a:fontRef idx="minor">
-            <a:schemeClr val="dk1"/>
-          </a:fontRef>
-        </p:style>
-        <p:txBody>
-          <a:bodyPr rtlCol="0" anchor="ctr"/>
-          <a:lstStyle/>
-          <a:p>
-            <a:pPr algn="ctr"/>
-            <a:r>
-              <a:rPr lang="en-US" altLang="ko-KR" sz="1000"/>
-              <a:t>4</a:t>
-            </a:r>
-            <a:endParaRPr lang="ko-KR" altLang="en-US" sz="1000"/>
-          </a:p>
-        </p:txBody>
-      </p:sp>
-      <p:sp>
-        <p:nvSpPr>
-          <p:cNvPr id="96" name="타원 95">
-            <a:extLst>
-              <a:ext uri="{FF2B5EF4-FFF2-40B4-BE49-F238E27FC236}">
-                <a16:creationId xmlns:a16="http://schemas.microsoft.com/office/drawing/2014/main" id="{A61FE943-ACFB-4074-A9D9-51F8703D8850}"/>
-              </a:ext>
-            </a:extLst>
-          </p:cNvPr>
-          <p:cNvSpPr/>
-          <p:nvPr/>
-        </p:nvSpPr>
-        <p:spPr>
-          <a:xfrm>
-            <a:off x="6488671" y="3720146"/>
-            <a:ext cx="216024" cy="216024"/>
-          </a:xfrm>
-          <a:prstGeom prst="ellipse">
-            <a:avLst/>
-          </a:prstGeom>
-          <a:ln w="19050"/>
-        </p:spPr>
-        <p:style>
-          <a:lnRef idx="2">
-            <a:schemeClr val="dk1"/>
-          </a:lnRef>
-          <a:fillRef idx="1">
-            <a:schemeClr val="lt1"/>
-          </a:fillRef>
-          <a:effectRef idx="0">
-            <a:schemeClr val="dk1"/>
-          </a:effectRef>
-          <a:fontRef idx="minor">
-            <a:schemeClr val="dk1"/>
-          </a:fontRef>
-        </p:style>
-        <p:txBody>
-          <a:bodyPr rtlCol="0" anchor="ctr"/>
-          <a:lstStyle/>
-          <a:p>
-            <a:pPr algn="ctr"/>
-            <a:r>
-              <a:rPr lang="en-US" altLang="ko-KR" sz="1000"/>
-              <a:t>4</a:t>
-            </a:r>
-            <a:endParaRPr lang="ko-KR" altLang="en-US" sz="1000"/>
-          </a:p>
-        </p:txBody>
-      </p:sp>
-      <p:sp>
-        <p:nvSpPr>
-          <p:cNvPr id="98" name="타원 97">
-            <a:extLst>
-              <a:ext uri="{FF2B5EF4-FFF2-40B4-BE49-F238E27FC236}">
-                <a16:creationId xmlns:a16="http://schemas.microsoft.com/office/drawing/2014/main" id="{9DDDFEE0-4AEA-4949-A137-2D6BED5139C5}"/>
-              </a:ext>
-            </a:extLst>
-          </p:cNvPr>
-          <p:cNvSpPr/>
-          <p:nvPr/>
-        </p:nvSpPr>
-        <p:spPr>
-          <a:xfrm>
-            <a:off x="4324226" y="3720146"/>
-            <a:ext cx="216024" cy="216024"/>
-          </a:xfrm>
-          <a:prstGeom prst="ellipse">
-            <a:avLst/>
-          </a:prstGeom>
-          <a:ln w="19050"/>
-        </p:spPr>
-        <p:style>
-          <a:lnRef idx="2">
-            <a:schemeClr val="dk1"/>
-          </a:lnRef>
-          <a:fillRef idx="1">
-            <a:schemeClr val="lt1"/>
-          </a:fillRef>
-          <a:effectRef idx="0">
-            <a:schemeClr val="dk1"/>
-          </a:effectRef>
-          <a:fontRef idx="minor">
-            <a:schemeClr val="dk1"/>
-          </a:fontRef>
-        </p:style>
-        <p:txBody>
-          <a:bodyPr rtlCol="0" anchor="ctr"/>
-          <a:lstStyle/>
-          <a:p>
-            <a:pPr algn="ctr"/>
-            <a:r>
-              <a:rPr lang="en-US" altLang="ko-KR" sz="1000"/>
-              <a:t>4</a:t>
-            </a:r>
-            <a:endParaRPr lang="ko-KR" altLang="en-US" sz="1000"/>
-          </a:p>
-        </p:txBody>
-      </p:sp>
-      <p:sp>
-        <p:nvSpPr>
-          <p:cNvPr id="99" name="타원 98">
-            <a:extLst>
-              <a:ext uri="{FF2B5EF4-FFF2-40B4-BE49-F238E27FC236}">
-                <a16:creationId xmlns:a16="http://schemas.microsoft.com/office/drawing/2014/main" id="{809A5EAC-22B8-48CD-BD94-91FDE2238E5A}"/>
-              </a:ext>
-            </a:extLst>
-          </p:cNvPr>
-          <p:cNvSpPr/>
-          <p:nvPr/>
-        </p:nvSpPr>
-        <p:spPr>
-          <a:xfrm>
-            <a:off x="7179574" y="3720146"/>
-            <a:ext cx="216024" cy="216024"/>
-          </a:xfrm>
-          <a:prstGeom prst="ellipse">
-            <a:avLst/>
-          </a:prstGeom>
-          <a:ln w="19050"/>
-        </p:spPr>
-        <p:style>
-          <a:lnRef idx="2">
-            <a:schemeClr val="dk1"/>
-          </a:lnRef>
-          <a:fillRef idx="1">
-            <a:schemeClr val="lt1"/>
-          </a:fillRef>
-          <a:effectRef idx="0">
-            <a:schemeClr val="dk1"/>
-          </a:effectRef>
-          <a:fontRef idx="minor">
-            <a:schemeClr val="dk1"/>
-          </a:fontRef>
-        </p:style>
-        <p:txBody>
-          <a:bodyPr rtlCol="0" anchor="ctr"/>
-          <a:lstStyle/>
-          <a:p>
-            <a:pPr algn="ctr"/>
-            <a:r>
-              <a:rPr lang="en-US" altLang="ko-KR" sz="1000"/>
-              <a:t>4</a:t>
-            </a:r>
-            <a:endParaRPr lang="ko-KR" altLang="en-US" sz="1000"/>
-          </a:p>
-        </p:txBody>
-      </p:sp>
-      <p:sp>
-        <p:nvSpPr>
-          <p:cNvPr id="100" name="타원 99">
-            <a:extLst>
-              <a:ext uri="{FF2B5EF4-FFF2-40B4-BE49-F238E27FC236}">
-                <a16:creationId xmlns:a16="http://schemas.microsoft.com/office/drawing/2014/main" id="{2E5039A9-B205-4C11-ABD1-022288DA59B6}"/>
-              </a:ext>
-            </a:extLst>
-          </p:cNvPr>
-          <p:cNvSpPr/>
-          <p:nvPr/>
-        </p:nvSpPr>
-        <p:spPr>
-          <a:xfrm>
-            <a:off x="5799304" y="1912538"/>
-            <a:ext cx="216024" cy="216024"/>
-          </a:xfrm>
-          <a:prstGeom prst="ellipse">
-            <a:avLst/>
-          </a:prstGeom>
-          <a:ln w="19050"/>
-        </p:spPr>
-        <p:style>
-          <a:lnRef idx="2">
-            <a:schemeClr val="dk1"/>
-          </a:lnRef>
-          <a:fillRef idx="1">
-            <a:schemeClr val="lt1"/>
-          </a:fillRef>
-          <a:effectRef idx="0">
-            <a:schemeClr val="dk1"/>
-          </a:effectRef>
-          <a:fontRef idx="minor">
-            <a:schemeClr val="dk1"/>
-          </a:fontRef>
-        </p:style>
-        <p:txBody>
-          <a:bodyPr rtlCol="0" anchor="ctr"/>
-          <a:lstStyle/>
-          <a:p>
-            <a:pPr algn="ctr"/>
-            <a:r>
-              <a:rPr lang="en-US" altLang="ko-KR" sz="1000"/>
-              <a:t>2</a:t>
-            </a:r>
-            <a:endParaRPr lang="ko-KR" altLang="en-US" sz="1000"/>
-          </a:p>
-        </p:txBody>
-      </p:sp>
-      <p:sp>
-        <p:nvSpPr>
-          <p:cNvPr id="101" name="타원 100">
-            <a:extLst>
-              <a:ext uri="{FF2B5EF4-FFF2-40B4-BE49-F238E27FC236}">
-                <a16:creationId xmlns:a16="http://schemas.microsoft.com/office/drawing/2014/main" id="{2654D743-4445-4646-9E4C-7042013B651E}"/>
-              </a:ext>
-            </a:extLst>
-          </p:cNvPr>
-          <p:cNvSpPr/>
-          <p:nvPr/>
-        </p:nvSpPr>
-        <p:spPr>
-          <a:xfrm>
-            <a:off x="3991351" y="2612206"/>
-            <a:ext cx="216024" cy="216024"/>
-          </a:xfrm>
-          <a:prstGeom prst="ellipse">
-            <a:avLst/>
-          </a:prstGeom>
-          <a:ln w="19050"/>
-        </p:spPr>
-        <p:style>
-          <a:lnRef idx="2">
-            <a:schemeClr val="dk1"/>
-          </a:lnRef>
-          <a:fillRef idx="1">
-            <a:schemeClr val="lt1"/>
-          </a:fillRef>
-          <a:effectRef idx="0">
-            <a:schemeClr val="dk1"/>
-          </a:effectRef>
-          <a:fontRef idx="minor">
-            <a:schemeClr val="dk1"/>
-          </a:fontRef>
-        </p:style>
-        <p:txBody>
-          <a:bodyPr rtlCol="0" anchor="ctr"/>
-          <a:lstStyle/>
-          <a:p>
-            <a:pPr algn="ctr"/>
-            <a:r>
-              <a:rPr lang="en-US" altLang="ko-KR" sz="1000"/>
-              <a:t>5</a:t>
-            </a:r>
-            <a:endParaRPr lang="ko-KR" altLang="en-US" sz="1000"/>
+        </p:spPr>
+        <p:txBody>
+          <a:bodyPr wrap="none" rtlCol="0">
+            <a:spAutoFit/>
+          </a:bodyPr>
+          <a:lstStyle/>
+          <a:p>
+            <a:r>
+              <a:rPr lang="en-US" altLang="ko-KR" sz="1400"/>
+              <a:t>Old Conf</a:t>
+            </a:r>
+            <a:endParaRPr lang="ko-KR" altLang="en-US" sz="1400"/>
+          </a:p>
+        </p:txBody>
+      </p:sp>
+      <p:sp>
+        <p:nvSpPr>
+          <p:cNvPr id="96" name="TextBox 95">
+            <a:extLst>
+              <a:ext uri="{FF2B5EF4-FFF2-40B4-BE49-F238E27FC236}">
+                <a16:creationId xmlns:a16="http://schemas.microsoft.com/office/drawing/2014/main" id="{493A2BD9-7FB7-47FD-B2BB-55982CDEC05C}"/>
+              </a:ext>
+            </a:extLst>
+          </p:cNvPr>
+          <p:cNvSpPr txBox="1"/>
+          <p:nvPr/>
+        </p:nvSpPr>
+        <p:spPr>
+          <a:xfrm>
+            <a:off x="4945969" y="3910631"/>
+            <a:ext cx="994183" cy="307777"/>
+          </a:xfrm>
+          <a:prstGeom prst="rect">
+            <a:avLst/>
+          </a:prstGeom>
+          <a:noFill/>
+        </p:spPr>
+        <p:txBody>
+          <a:bodyPr wrap="none" rtlCol="0">
+            <a:spAutoFit/>
+          </a:bodyPr>
+          <a:lstStyle/>
+          <a:p>
+            <a:r>
+              <a:rPr lang="en-US" altLang="ko-KR" sz="1400"/>
+              <a:t>New Conf</a:t>
+            </a:r>
+            <a:endParaRPr lang="ko-KR" altLang="en-US" sz="1400"/>
           </a:p>
         </p:txBody>
       </p:sp>
     </p:spTree>
     <p:extLst>
       <p:ext uri="{BB962C8B-B14F-4D97-AF65-F5344CB8AC3E}">
-        <p14:creationId xmlns:p14="http://schemas.microsoft.com/office/powerpoint/2010/main" val="1254229793"/>
+        <p14:creationId xmlns:p14="http://schemas.microsoft.com/office/powerpoint/2010/main" val="51511154"/>
       </p:ext>
     </p:extLst>
   </p:cSld>

--- a/images/theory_analysis/Raft_Consensus_Algorithm/Raft_Consensus_Algorithm.pptx
+++ b/images/theory_analysis/Raft_Consensus_Algorithm/Raft_Consensus_Algorithm.pptx
@@ -16695,7 +16695,7 @@
         </p:nvSpPr>
         <p:spPr>
           <a:xfrm>
-            <a:off x="2987824" y="3622092"/>
+            <a:off x="2524664" y="3622092"/>
             <a:ext cx="360040" cy="223318"/>
           </a:xfrm>
           <a:prstGeom prst="roundRect">
@@ -16748,8 +16748,8 @@
         </p:nvSpPr>
         <p:spPr>
           <a:xfrm>
-            <a:off x="3347864" y="3579862"/>
-            <a:ext cx="1101712" cy="307777"/>
+            <a:off x="2884704" y="3579862"/>
+            <a:ext cx="1545744" cy="307777"/>
           </a:xfrm>
           <a:prstGeom prst="rect">
             <a:avLst/>
@@ -16764,7 +16764,7 @@
           <a:p>
             <a:r>
               <a:rPr lang="en-US" altLang="ko-KR" sz="1400"/>
-              <a:t>Old Cluster</a:t>
+              <a:t>Old Conf Cluster</a:t>
             </a:r>
             <a:endParaRPr lang="ko-KR" altLang="en-US" sz="1400"/>
           </a:p>
@@ -16784,7 +16784,7 @@
         </p:nvSpPr>
         <p:spPr>
           <a:xfrm>
-            <a:off x="4567806" y="3622092"/>
+            <a:off x="4536694" y="3622092"/>
             <a:ext cx="360040" cy="223318"/>
           </a:xfrm>
           <a:prstGeom prst="roundRect">
@@ -16837,8 +16837,8 @@
         </p:nvSpPr>
         <p:spPr>
           <a:xfrm>
-            <a:off x="4927846" y="3579862"/>
-            <a:ext cx="1175450" cy="307777"/>
+            <a:off x="4896734" y="3579862"/>
+            <a:ext cx="1619482" cy="307777"/>
           </a:xfrm>
           <a:prstGeom prst="rect">
             <a:avLst/>
@@ -16853,7 +16853,7 @@
           <a:p>
             <a:r>
               <a:rPr lang="en-US" altLang="ko-KR" sz="1400"/>
-              <a:t>New Cluster</a:t>
+              <a:t>New Conf Cluster</a:t>
             </a:r>
             <a:endParaRPr lang="ko-KR" altLang="en-US" sz="1400"/>
           </a:p>

--- a/images/theory_analysis/Raft_Consensus_Algorithm/Raft_Consensus_Algorithm.pptx
+++ b/images/theory_analysis/Raft_Consensus_Algorithm/Raft_Consensus_Algorithm.pptx
@@ -223,7 +223,7 @@
           <a:p>
             <a:fld id="{6CD5550B-26C4-49A9-A5BA-636EF7BE6CE9}" type="datetimeFigureOut">
               <a:rPr lang="ko-KR" altLang="en-US" smtClean="0"/>
-              <a:t>2021-01-28</a:t>
+              <a:t>2021-02-20</a:t>
             </a:fld>
             <a:endParaRPr lang="ko-KR" altLang="en-US"/>
           </a:p>
@@ -669,7 +669,7 @@
           <a:p>
             <a:fld id="{FB30EDBD-1C2D-4C1E-B459-B60219FAB484}" type="datetimeFigureOut">
               <a:rPr lang="ko-KR" altLang="en-US" smtClean="0"/>
-              <a:t>2021-01-28</a:t>
+              <a:t>2021-02-20</a:t>
             </a:fld>
             <a:endParaRPr lang="ko-KR" altLang="en-US"/>
           </a:p>
@@ -832,7 +832,7 @@
           <a:p>
             <a:fld id="{FB30EDBD-1C2D-4C1E-B459-B60219FAB484}" type="datetimeFigureOut">
               <a:rPr lang="ko-KR" altLang="en-US" smtClean="0"/>
-              <a:t>2021-01-28</a:t>
+              <a:t>2021-02-20</a:t>
             </a:fld>
             <a:endParaRPr lang="ko-KR" altLang="en-US"/>
           </a:p>
@@ -1005,7 +1005,7 @@
           <a:p>
             <a:fld id="{FB30EDBD-1C2D-4C1E-B459-B60219FAB484}" type="datetimeFigureOut">
               <a:rPr lang="ko-KR" altLang="en-US" smtClean="0"/>
-              <a:t>2021-01-28</a:t>
+              <a:t>2021-02-20</a:t>
             </a:fld>
             <a:endParaRPr lang="ko-KR" altLang="en-US"/>
           </a:p>
@@ -1168,7 +1168,7 @@
           <a:p>
             <a:fld id="{FB30EDBD-1C2D-4C1E-B459-B60219FAB484}" type="datetimeFigureOut">
               <a:rPr lang="ko-KR" altLang="en-US" smtClean="0"/>
-              <a:t>2021-01-28</a:t>
+              <a:t>2021-02-20</a:t>
             </a:fld>
             <a:endParaRPr lang="ko-KR" altLang="en-US"/>
           </a:p>
@@ -1408,7 +1408,7 @@
           <a:p>
             <a:fld id="{FB30EDBD-1C2D-4C1E-B459-B60219FAB484}" type="datetimeFigureOut">
               <a:rPr lang="ko-KR" altLang="en-US" smtClean="0"/>
-              <a:t>2021-01-28</a:t>
+              <a:t>2021-02-20</a:t>
             </a:fld>
             <a:endParaRPr lang="ko-KR" altLang="en-US"/>
           </a:p>
@@ -1688,7 +1688,7 @@
           <a:p>
             <a:fld id="{FB30EDBD-1C2D-4C1E-B459-B60219FAB484}" type="datetimeFigureOut">
               <a:rPr lang="ko-KR" altLang="en-US" smtClean="0"/>
-              <a:t>2021-01-28</a:t>
+              <a:t>2021-02-20</a:t>
             </a:fld>
             <a:endParaRPr lang="ko-KR" altLang="en-US"/>
           </a:p>
@@ -2102,7 +2102,7 @@
           <a:p>
             <a:fld id="{FB30EDBD-1C2D-4C1E-B459-B60219FAB484}" type="datetimeFigureOut">
               <a:rPr lang="ko-KR" altLang="en-US" smtClean="0"/>
-              <a:t>2021-01-28</a:t>
+              <a:t>2021-02-20</a:t>
             </a:fld>
             <a:endParaRPr lang="ko-KR" altLang="en-US"/>
           </a:p>
@@ -2214,7 +2214,7 @@
           <a:p>
             <a:fld id="{FB30EDBD-1C2D-4C1E-B459-B60219FAB484}" type="datetimeFigureOut">
               <a:rPr lang="ko-KR" altLang="en-US" smtClean="0"/>
-              <a:t>2021-01-28</a:t>
+              <a:t>2021-02-20</a:t>
             </a:fld>
             <a:endParaRPr lang="ko-KR" altLang="en-US"/>
           </a:p>
@@ -2304,7 +2304,7 @@
           <a:p>
             <a:fld id="{FB30EDBD-1C2D-4C1E-B459-B60219FAB484}" type="datetimeFigureOut">
               <a:rPr lang="ko-KR" altLang="en-US" smtClean="0"/>
-              <a:t>2021-01-28</a:t>
+              <a:t>2021-02-20</a:t>
             </a:fld>
             <a:endParaRPr lang="ko-KR" altLang="en-US"/>
           </a:p>
@@ -2574,7 +2574,7 @@
           <a:p>
             <a:fld id="{FB30EDBD-1C2D-4C1E-B459-B60219FAB484}" type="datetimeFigureOut">
               <a:rPr lang="ko-KR" altLang="en-US" smtClean="0"/>
-              <a:t>2021-01-28</a:t>
+              <a:t>2021-02-20</a:t>
             </a:fld>
             <a:endParaRPr lang="ko-KR" altLang="en-US"/>
           </a:p>
@@ -2821,7 +2821,7 @@
           <a:p>
             <a:fld id="{FB30EDBD-1C2D-4C1E-B459-B60219FAB484}" type="datetimeFigureOut">
               <a:rPr lang="ko-KR" altLang="en-US" smtClean="0"/>
-              <a:t>2021-01-28</a:t>
+              <a:t>2021-02-20</a:t>
             </a:fld>
             <a:endParaRPr lang="ko-KR" altLang="en-US"/>
           </a:p>
@@ -3027,7 +3027,7 @@
           <a:p>
             <a:fld id="{FB30EDBD-1C2D-4C1E-B459-B60219FAB484}" type="datetimeFigureOut">
               <a:rPr lang="ko-KR" altLang="en-US" smtClean="0"/>
-              <a:t>2021-01-28</a:t>
+              <a:t>2021-02-20</a:t>
             </a:fld>
             <a:endParaRPr lang="ko-KR" altLang="en-US"/>
           </a:p>
